--- a/media/data_asset_zh.pptx
+++ b/media/data_asset_zh.pptx
@@ -215,7 +215,7 @@
           <a:p>
             <a:fld id="{47277FB0-21EC-48C5-90B0-184600466A6C}" type="datetimeFigureOut">
               <a:rPr lang="zh-CN" altLang="en-US" smtClean="0"/>
-              <a:t>2019/5/6</a:t>
+              <a:t>2019/5/22</a:t>
             </a:fld>
             <a:endParaRPr lang="zh-CN" altLang="en-US"/>
           </a:p>
@@ -380,7 +380,7 @@
           <a:p>
             <a:fld id="{9C967889-4715-5C4F-A252-FFC716185AB6}" type="datetimeFigureOut">
               <a:rPr lang="en-US" smtClean="0"/>
-              <a:t>5/6/2019</a:t>
+              <a:t>5/22/2019</a:t>
             </a:fld>
             <a:endParaRPr lang="en-US"/>
           </a:p>
@@ -19225,1461 +19225,6 @@
           </a:p>
         </p:txBody>
       </p:sp>
-      <p:grpSp>
-        <p:nvGrpSpPr>
-          <p:cNvPr id="93" name="组合 92">
-            <a:extLst>
-              <a:ext uri="{FF2B5EF4-FFF2-40B4-BE49-F238E27FC236}">
-                <a16:creationId xmlns:a16="http://schemas.microsoft.com/office/drawing/2014/main" id="{182B9F4A-1913-8549-814E-C75D316B001B}"/>
-              </a:ext>
-            </a:extLst>
-          </p:cNvPr>
-          <p:cNvGrpSpPr/>
-          <p:nvPr/>
-        </p:nvGrpSpPr>
-        <p:grpSpPr>
-          <a:xfrm>
-            <a:off x="6524383" y="3086478"/>
-            <a:ext cx="304165" cy="285751"/>
-            <a:chOff x="-81874" y="2525076"/>
-            <a:chExt cx="304165" cy="285751"/>
-          </a:xfrm>
-        </p:grpSpPr>
-        <p:pic>
-          <p:nvPicPr>
-            <p:cNvPr id="94" name="图形 93">
-              <a:extLst>
-                <a:ext uri="{FF2B5EF4-FFF2-40B4-BE49-F238E27FC236}">
-                  <a16:creationId xmlns:a16="http://schemas.microsoft.com/office/drawing/2014/main" id="{29C8A9E6-F629-5B44-A0DB-0609C010ADAA}"/>
-                </a:ext>
-              </a:extLst>
-            </p:cNvPr>
-            <p:cNvPicPr>
-              <a:picLocks noChangeAspect="1"/>
-            </p:cNvPicPr>
-            <p:nvPr/>
-          </p:nvPicPr>
-          <p:blipFill>
-            <a:blip r:embed="rId2">
-              <a:extLst>
-                <a:ext uri="{96DAC541-7B7A-43D3-8B79-37D633B846F1}">
-                  <asvg:svgBlip xmlns:asvg="http://schemas.microsoft.com/office/drawing/2016/SVG/main" r:embed="rId3"/>
-                </a:ext>
-              </a:extLst>
-            </a:blip>
-            <a:stretch>
-              <a:fillRect/>
-            </a:stretch>
-          </p:blipFill>
-          <p:spPr>
-            <a:xfrm>
-              <a:off x="-78288" y="2525076"/>
-              <a:ext cx="300579" cy="273742"/>
-            </a:xfrm>
-            <a:prstGeom prst="rect">
-              <a:avLst/>
-            </a:prstGeom>
-          </p:spPr>
-        </p:pic>
-        <p:sp>
-          <p:nvSpPr>
-            <p:cNvPr id="95" name="文本框 94">
-              <a:extLst>
-                <a:ext uri="{FF2B5EF4-FFF2-40B4-BE49-F238E27FC236}">
-                  <a16:creationId xmlns:a16="http://schemas.microsoft.com/office/drawing/2014/main" id="{3EA05EE4-13ED-1E4D-9CCA-82099104766D}"/>
-                </a:ext>
-              </a:extLst>
-            </p:cNvPr>
-            <p:cNvSpPr txBox="1"/>
-            <p:nvPr/>
-          </p:nvSpPr>
-          <p:spPr>
-            <a:xfrm>
-              <a:off x="-81874" y="2533828"/>
-              <a:ext cx="274434" cy="276999"/>
-            </a:xfrm>
-            <a:prstGeom prst="rect">
-              <a:avLst/>
-            </a:prstGeom>
-            <a:noFill/>
-          </p:spPr>
-          <p:txBody>
-            <a:bodyPr wrap="none" rtlCol="0">
-              <a:spAutoFit/>
-            </a:bodyPr>
-            <a:lstStyle/>
-            <a:p>
-              <a:r>
-                <a:rPr kumimoji="1" lang="en-US" altLang="zh-CN" sz="1200" dirty="0">
-                  <a:solidFill>
-                    <a:schemeClr val="bg1"/>
-                  </a:solidFill>
-                  <a:latin typeface="Microsoft YaHei" panose="020B0503020204020204" pitchFamily="34" charset="-122"/>
-                  <a:ea typeface="Microsoft YaHei" panose="020B0503020204020204" pitchFamily="34" charset="-122"/>
-                </a:rPr>
-                <a:t>1</a:t>
-              </a:r>
-              <a:endParaRPr kumimoji="1" lang="zh-CN" altLang="en-US" sz="1200" dirty="0">
-                <a:solidFill>
-                  <a:schemeClr val="bg1"/>
-                </a:solidFill>
-                <a:latin typeface="Microsoft YaHei" panose="020B0503020204020204" pitchFamily="34" charset="-122"/>
-                <a:ea typeface="Microsoft YaHei" panose="020B0503020204020204" pitchFamily="34" charset="-122"/>
-              </a:endParaRPr>
-            </a:p>
-          </p:txBody>
-        </p:sp>
-      </p:grpSp>
-      <p:grpSp>
-        <p:nvGrpSpPr>
-          <p:cNvPr id="157" name="组合 156">
-            <a:extLst>
-              <a:ext uri="{FF2B5EF4-FFF2-40B4-BE49-F238E27FC236}">
-                <a16:creationId xmlns:a16="http://schemas.microsoft.com/office/drawing/2014/main" id="{B5BCF9CE-4D24-264C-9B7F-C88F73F4380F}"/>
-              </a:ext>
-            </a:extLst>
-          </p:cNvPr>
-          <p:cNvGrpSpPr/>
-          <p:nvPr/>
-        </p:nvGrpSpPr>
-        <p:grpSpPr>
-          <a:xfrm>
-            <a:off x="5817638" y="3781500"/>
-            <a:ext cx="305429" cy="276999"/>
-            <a:chOff x="-83138" y="2525076"/>
-            <a:chExt cx="305429" cy="276999"/>
-          </a:xfrm>
-        </p:grpSpPr>
-        <p:pic>
-          <p:nvPicPr>
-            <p:cNvPr id="158" name="图形 157">
-              <a:extLst>
-                <a:ext uri="{FF2B5EF4-FFF2-40B4-BE49-F238E27FC236}">
-                  <a16:creationId xmlns:a16="http://schemas.microsoft.com/office/drawing/2014/main" id="{EDFD4F3D-89A1-974B-BA6D-19AFFADBDA10}"/>
-                </a:ext>
-              </a:extLst>
-            </p:cNvPr>
-            <p:cNvPicPr>
-              <a:picLocks noChangeAspect="1"/>
-            </p:cNvPicPr>
-            <p:nvPr/>
-          </p:nvPicPr>
-          <p:blipFill>
-            <a:blip r:embed="rId2">
-              <a:extLst>
-                <a:ext uri="{96DAC541-7B7A-43D3-8B79-37D633B846F1}">
-                  <asvg:svgBlip xmlns:asvg="http://schemas.microsoft.com/office/drawing/2016/SVG/main" r:embed="rId3"/>
-                </a:ext>
-              </a:extLst>
-            </a:blip>
-            <a:stretch>
-              <a:fillRect/>
-            </a:stretch>
-          </p:blipFill>
-          <p:spPr>
-            <a:xfrm>
-              <a:off x="-78288" y="2525076"/>
-              <a:ext cx="300579" cy="273742"/>
-            </a:xfrm>
-            <a:prstGeom prst="rect">
-              <a:avLst/>
-            </a:prstGeom>
-          </p:spPr>
-        </p:pic>
-        <p:sp>
-          <p:nvSpPr>
-            <p:cNvPr id="159" name="文本框 158">
-              <a:extLst>
-                <a:ext uri="{FF2B5EF4-FFF2-40B4-BE49-F238E27FC236}">
-                  <a16:creationId xmlns:a16="http://schemas.microsoft.com/office/drawing/2014/main" id="{7850C64A-0657-0E41-B0C9-9B685C7842C9}"/>
-                </a:ext>
-              </a:extLst>
-            </p:cNvPr>
-            <p:cNvSpPr txBox="1"/>
-            <p:nvPr/>
-          </p:nvSpPr>
-          <p:spPr>
-            <a:xfrm>
-              <a:off x="-83138" y="2525076"/>
-              <a:ext cx="274434" cy="276999"/>
-            </a:xfrm>
-            <a:prstGeom prst="rect">
-              <a:avLst/>
-            </a:prstGeom>
-            <a:noFill/>
-          </p:spPr>
-          <p:txBody>
-            <a:bodyPr wrap="none" rtlCol="0">
-              <a:spAutoFit/>
-            </a:bodyPr>
-            <a:lstStyle/>
-            <a:p>
-              <a:r>
-                <a:rPr kumimoji="1" lang="en-US" altLang="zh-CN" sz="1200" dirty="0">
-                  <a:solidFill>
-                    <a:schemeClr val="bg1"/>
-                  </a:solidFill>
-                  <a:latin typeface="Microsoft YaHei" panose="020B0503020204020204" pitchFamily="34" charset="-122"/>
-                  <a:ea typeface="Microsoft YaHei" panose="020B0503020204020204" pitchFamily="34" charset="-122"/>
-                </a:rPr>
-                <a:t>2</a:t>
-              </a:r>
-              <a:endParaRPr kumimoji="1" lang="zh-CN" altLang="en-US" sz="1200" dirty="0">
-                <a:solidFill>
-                  <a:schemeClr val="bg1"/>
-                </a:solidFill>
-                <a:latin typeface="Microsoft YaHei" panose="020B0503020204020204" pitchFamily="34" charset="-122"/>
-                <a:ea typeface="Microsoft YaHei" panose="020B0503020204020204" pitchFamily="34" charset="-122"/>
-              </a:endParaRPr>
-            </a:p>
-          </p:txBody>
-        </p:sp>
-      </p:grpSp>
-      <p:sp>
-        <p:nvSpPr>
-          <p:cNvPr id="163" name="矩形 162">
-            <a:extLst>
-              <a:ext uri="{FF2B5EF4-FFF2-40B4-BE49-F238E27FC236}">
-                <a16:creationId xmlns:a16="http://schemas.microsoft.com/office/drawing/2014/main" id="{FC07B141-1AF8-5E49-8E72-D3E24EACCB41}"/>
-              </a:ext>
-            </a:extLst>
-          </p:cNvPr>
-          <p:cNvSpPr/>
-          <p:nvPr/>
-        </p:nvSpPr>
-        <p:spPr>
-          <a:xfrm>
-            <a:off x="854811" y="1698455"/>
-            <a:ext cx="1369602" cy="676139"/>
-          </a:xfrm>
-          <a:prstGeom prst="rect">
-            <a:avLst/>
-          </a:prstGeom>
-          <a:noFill/>
-          <a:ln w="12700">
-            <a:solidFill>
-              <a:srgbClr val="A2A5BC"/>
-            </a:solidFill>
-          </a:ln>
-        </p:spPr>
-        <p:style>
-          <a:lnRef idx="2">
-            <a:schemeClr val="accent1">
-              <a:shade val="50000"/>
-            </a:schemeClr>
-          </a:lnRef>
-          <a:fillRef idx="1">
-            <a:schemeClr val="accent1"/>
-          </a:fillRef>
-          <a:effectRef idx="0">
-            <a:schemeClr val="accent1"/>
-          </a:effectRef>
-          <a:fontRef idx="minor">
-            <a:schemeClr val="lt1"/>
-          </a:fontRef>
-        </p:style>
-        <p:txBody>
-          <a:bodyPr rtlCol="0" anchor="ctr"/>
-          <a:lstStyle/>
-          <a:p>
-            <a:pPr algn="ctr"/>
-            <a:endParaRPr kumimoji="1" lang="zh-CN" altLang="en-US" sz="1000">
-              <a:latin typeface="Microsoft YaHei" panose="020B0503020204020204" pitchFamily="34" charset="-122"/>
-              <a:ea typeface="Microsoft YaHei" panose="020B0503020204020204" pitchFamily="34" charset="-122"/>
-            </a:endParaRPr>
-          </a:p>
-        </p:txBody>
-      </p:sp>
-      <p:sp>
-        <p:nvSpPr>
-          <p:cNvPr id="164" name="矩形 163">
-            <a:extLst>
-              <a:ext uri="{FF2B5EF4-FFF2-40B4-BE49-F238E27FC236}">
-                <a16:creationId xmlns:a16="http://schemas.microsoft.com/office/drawing/2014/main" id="{940F5D82-BAEA-6A48-99ED-2FFA4C8794CA}"/>
-              </a:ext>
-            </a:extLst>
-          </p:cNvPr>
-          <p:cNvSpPr/>
-          <p:nvPr/>
-        </p:nvSpPr>
-        <p:spPr>
-          <a:xfrm>
-            <a:off x="2772803" y="1698455"/>
-            <a:ext cx="1369602" cy="676139"/>
-          </a:xfrm>
-          <a:prstGeom prst="rect">
-            <a:avLst/>
-          </a:prstGeom>
-          <a:solidFill>
-            <a:srgbClr val="7CDAF8"/>
-          </a:solidFill>
-          <a:ln w="12700">
-            <a:noFill/>
-          </a:ln>
-        </p:spPr>
-        <p:style>
-          <a:lnRef idx="2">
-            <a:schemeClr val="accent1">
-              <a:shade val="50000"/>
-            </a:schemeClr>
-          </a:lnRef>
-          <a:fillRef idx="1">
-            <a:schemeClr val="accent1"/>
-          </a:fillRef>
-          <a:effectRef idx="0">
-            <a:schemeClr val="accent1"/>
-          </a:effectRef>
-          <a:fontRef idx="minor">
-            <a:schemeClr val="lt1"/>
-          </a:fontRef>
-        </p:style>
-        <p:txBody>
-          <a:bodyPr rtlCol="0" anchor="ctr"/>
-          <a:lstStyle/>
-          <a:p>
-            <a:pPr algn="ctr"/>
-            <a:endParaRPr kumimoji="1" lang="zh-CN" altLang="en-US" sz="1000">
-              <a:latin typeface="Microsoft YaHei" panose="020B0503020204020204" pitchFamily="34" charset="-122"/>
-              <a:ea typeface="Microsoft YaHei" panose="020B0503020204020204" pitchFamily="34" charset="-122"/>
-            </a:endParaRPr>
-          </a:p>
-        </p:txBody>
-      </p:sp>
-      <p:sp>
-        <p:nvSpPr>
-          <p:cNvPr id="165" name="矩形 164">
-            <a:extLst>
-              <a:ext uri="{FF2B5EF4-FFF2-40B4-BE49-F238E27FC236}">
-                <a16:creationId xmlns:a16="http://schemas.microsoft.com/office/drawing/2014/main" id="{5AE3C9FC-5964-D749-AD43-8610F618BBB4}"/>
-              </a:ext>
-            </a:extLst>
-          </p:cNvPr>
-          <p:cNvSpPr/>
-          <p:nvPr/>
-        </p:nvSpPr>
-        <p:spPr>
-          <a:xfrm>
-            <a:off x="4745243" y="1698455"/>
-            <a:ext cx="1369602" cy="676139"/>
-          </a:xfrm>
-          <a:prstGeom prst="rect">
-            <a:avLst/>
-          </a:prstGeom>
-          <a:solidFill>
-            <a:srgbClr val="F5F5FA"/>
-          </a:solidFill>
-          <a:ln w="12700">
-            <a:noFill/>
-          </a:ln>
-        </p:spPr>
-        <p:style>
-          <a:lnRef idx="2">
-            <a:schemeClr val="accent1">
-              <a:shade val="50000"/>
-            </a:schemeClr>
-          </a:lnRef>
-          <a:fillRef idx="1">
-            <a:schemeClr val="accent1"/>
-          </a:fillRef>
-          <a:effectRef idx="0">
-            <a:schemeClr val="accent1"/>
-          </a:effectRef>
-          <a:fontRef idx="minor">
-            <a:schemeClr val="lt1"/>
-          </a:fontRef>
-        </p:style>
-        <p:txBody>
-          <a:bodyPr rtlCol="0" anchor="ctr"/>
-          <a:lstStyle/>
-          <a:p>
-            <a:pPr algn="ctr"/>
-            <a:endParaRPr kumimoji="1" lang="zh-CN" altLang="en-US" sz="1000">
-              <a:latin typeface="Microsoft YaHei" panose="020B0503020204020204" pitchFamily="34" charset="-122"/>
-              <a:ea typeface="Microsoft YaHei" panose="020B0503020204020204" pitchFamily="34" charset="-122"/>
-            </a:endParaRPr>
-          </a:p>
-        </p:txBody>
-      </p:sp>
-      <p:cxnSp>
-        <p:nvCxnSpPr>
-          <p:cNvPr id="166" name="直线箭头连接符 85">
-            <a:extLst>
-              <a:ext uri="{FF2B5EF4-FFF2-40B4-BE49-F238E27FC236}">
-                <a16:creationId xmlns:a16="http://schemas.microsoft.com/office/drawing/2014/main" id="{D0DD3AB4-37FD-B949-B7AC-B7DA00FB1221}"/>
-              </a:ext>
-            </a:extLst>
-          </p:cNvPr>
-          <p:cNvCxnSpPr>
-            <a:cxnSpLocks/>
-          </p:cNvCxnSpPr>
-          <p:nvPr/>
-        </p:nvCxnSpPr>
-        <p:spPr>
-          <a:xfrm>
-            <a:off x="4276898" y="2032830"/>
-            <a:ext cx="312575" cy="0"/>
-          </a:xfrm>
-          <a:prstGeom prst="straightConnector1">
-            <a:avLst/>
-          </a:prstGeom>
-          <a:ln w="25400">
-            <a:solidFill>
-              <a:srgbClr val="A2A5BC"/>
-            </a:solidFill>
-            <a:tailEnd type="triangle"/>
-          </a:ln>
-        </p:spPr>
-        <p:style>
-          <a:lnRef idx="1">
-            <a:schemeClr val="accent1"/>
-          </a:lnRef>
-          <a:fillRef idx="0">
-            <a:schemeClr val="accent1"/>
-          </a:fillRef>
-          <a:effectRef idx="0">
-            <a:schemeClr val="accent1"/>
-          </a:effectRef>
-          <a:fontRef idx="minor">
-            <a:schemeClr val="tx1"/>
-          </a:fontRef>
-        </p:style>
-      </p:cxnSp>
-      <p:sp>
-        <p:nvSpPr>
-          <p:cNvPr id="167" name="矩形 166">
-            <a:extLst>
-              <a:ext uri="{FF2B5EF4-FFF2-40B4-BE49-F238E27FC236}">
-                <a16:creationId xmlns:a16="http://schemas.microsoft.com/office/drawing/2014/main" id="{E5D302B8-D645-4F48-A743-02CE113EFA86}"/>
-              </a:ext>
-            </a:extLst>
-          </p:cNvPr>
-          <p:cNvSpPr/>
-          <p:nvPr/>
-        </p:nvSpPr>
-        <p:spPr>
-          <a:xfrm>
-            <a:off x="6717683" y="1688516"/>
-            <a:ext cx="1369602" cy="329275"/>
-          </a:xfrm>
-          <a:prstGeom prst="rect">
-            <a:avLst/>
-          </a:prstGeom>
-          <a:solidFill>
-            <a:schemeClr val="accent1">
-              <a:alpha val="50000"/>
-            </a:schemeClr>
-          </a:solidFill>
-          <a:ln>
-            <a:noFill/>
-          </a:ln>
-        </p:spPr>
-        <p:style>
-          <a:lnRef idx="0">
-            <a:scrgbClr r="0" g="0" b="0"/>
-          </a:lnRef>
-          <a:fillRef idx="0">
-            <a:scrgbClr r="0" g="0" b="0"/>
-          </a:fillRef>
-          <a:effectRef idx="0">
-            <a:scrgbClr r="0" g="0" b="0"/>
-          </a:effectRef>
-          <a:fontRef idx="minor">
-            <a:schemeClr val="lt1"/>
-          </a:fontRef>
-        </p:style>
-        <p:txBody>
-          <a:bodyPr rtlCol="0" anchor="ctr"/>
-          <a:lstStyle/>
-          <a:p>
-            <a:pPr algn="ctr"/>
-            <a:endParaRPr kumimoji="1" lang="zh-CN" altLang="en-US" sz="1000" dirty="0">
-              <a:solidFill>
-                <a:schemeClr val="bg1"/>
-              </a:solidFill>
-              <a:latin typeface="Microsoft YaHei" panose="020B0503020204020204" pitchFamily="34" charset="-122"/>
-              <a:ea typeface="Microsoft YaHei" panose="020B0503020204020204" pitchFamily="34" charset="-122"/>
-            </a:endParaRPr>
-          </a:p>
-        </p:txBody>
-      </p:sp>
-      <p:cxnSp>
-        <p:nvCxnSpPr>
-          <p:cNvPr id="168" name="直线箭头连接符 87">
-            <a:extLst>
-              <a:ext uri="{FF2B5EF4-FFF2-40B4-BE49-F238E27FC236}">
-                <a16:creationId xmlns:a16="http://schemas.microsoft.com/office/drawing/2014/main" id="{40624300-AAA7-3F4E-9D2D-96C368AC17F2}"/>
-              </a:ext>
-            </a:extLst>
-          </p:cNvPr>
-          <p:cNvCxnSpPr>
-            <a:cxnSpLocks/>
-          </p:cNvCxnSpPr>
-          <p:nvPr/>
-        </p:nvCxnSpPr>
-        <p:spPr>
-          <a:xfrm>
-            <a:off x="6249338" y="2036525"/>
-            <a:ext cx="312575" cy="0"/>
-          </a:xfrm>
-          <a:prstGeom prst="straightConnector1">
-            <a:avLst/>
-          </a:prstGeom>
-          <a:ln w="25400">
-            <a:solidFill>
-              <a:srgbClr val="A2A5BC"/>
-            </a:solidFill>
-            <a:tailEnd type="triangle"/>
-          </a:ln>
-        </p:spPr>
-        <p:style>
-          <a:lnRef idx="1">
-            <a:schemeClr val="accent1"/>
-          </a:lnRef>
-          <a:fillRef idx="0">
-            <a:schemeClr val="accent1"/>
-          </a:fillRef>
-          <a:effectRef idx="0">
-            <a:schemeClr val="accent1"/>
-          </a:effectRef>
-          <a:fontRef idx="minor">
-            <a:schemeClr val="tx1"/>
-          </a:fontRef>
-        </p:style>
-      </p:cxnSp>
-      <p:sp>
-        <p:nvSpPr>
-          <p:cNvPr id="169" name="文本框 168">
-            <a:extLst>
-              <a:ext uri="{FF2B5EF4-FFF2-40B4-BE49-F238E27FC236}">
-                <a16:creationId xmlns:a16="http://schemas.microsoft.com/office/drawing/2014/main" id="{6654B1AB-E884-924E-8A75-47ACE64F7180}"/>
-              </a:ext>
-            </a:extLst>
-          </p:cNvPr>
-          <p:cNvSpPr txBox="1"/>
-          <p:nvPr/>
-        </p:nvSpPr>
-        <p:spPr>
-          <a:xfrm>
-            <a:off x="1302996" y="1911644"/>
-            <a:ext cx="658582" cy="230832"/>
-          </a:xfrm>
-          <a:prstGeom prst="rect">
-            <a:avLst/>
-          </a:prstGeom>
-          <a:noFill/>
-        </p:spPr>
-        <p:txBody>
-          <a:bodyPr wrap="square" rtlCol="0">
-            <a:spAutoFit/>
-          </a:bodyPr>
-          <a:lstStyle/>
-          <a:p>
-            <a:pPr algn="ctr"/>
-            <a:r>
-              <a:rPr kumimoji="1" lang="en-US" altLang="zh-CN" sz="900" b="1" dirty="0">
-                <a:solidFill>
-                  <a:srgbClr val="383C57"/>
-                </a:solidFill>
-                <a:latin typeface="Arial" panose="020B0604020202020204" pitchFamily="34" charset="0"/>
-                <a:cs typeface="Arial" panose="020B0604020202020204" pitchFamily="34" charset="0"/>
-              </a:rPr>
-              <a:t>IoT</a:t>
-            </a:r>
-            <a:r>
-              <a:rPr kumimoji="1" lang="zh-CN" altLang="en-US" sz="900" b="1" dirty="0">
-                <a:solidFill>
-                  <a:srgbClr val="383C57"/>
-                </a:solidFill>
-                <a:latin typeface="Arial" panose="020B0604020202020204" pitchFamily="34" charset="0"/>
-                <a:cs typeface="Arial" panose="020B0604020202020204" pitchFamily="34" charset="0"/>
-              </a:rPr>
-              <a:t> </a:t>
-            </a:r>
-            <a:r>
-              <a:rPr kumimoji="1" lang="en-US" altLang="zh-CN" sz="900" b="1" dirty="0">
-                <a:solidFill>
-                  <a:srgbClr val="383C57"/>
-                </a:solidFill>
-                <a:latin typeface="Arial" panose="020B0604020202020204" pitchFamily="34" charset="0"/>
-                <a:cs typeface="Arial" panose="020B0604020202020204" pitchFamily="34" charset="0"/>
-              </a:rPr>
-              <a:t>Hub</a:t>
-            </a:r>
-            <a:endParaRPr kumimoji="1" lang="zh-CN" altLang="en-US" sz="900" b="1" dirty="0">
-              <a:solidFill>
-                <a:srgbClr val="383C57"/>
-              </a:solidFill>
-              <a:latin typeface="Arial" panose="020B0604020202020204" pitchFamily="34" charset="0"/>
-              <a:cs typeface="Arial" panose="020B0604020202020204" pitchFamily="34" charset="0"/>
-            </a:endParaRPr>
-          </a:p>
-        </p:txBody>
-      </p:sp>
-      <p:sp>
-        <p:nvSpPr>
-          <p:cNvPr id="170" name="文本框 169">
-            <a:extLst>
-              <a:ext uri="{FF2B5EF4-FFF2-40B4-BE49-F238E27FC236}">
-                <a16:creationId xmlns:a16="http://schemas.microsoft.com/office/drawing/2014/main" id="{7A305BB5-13BA-AB45-A27E-FC98EBF5B15A}"/>
-              </a:ext>
-            </a:extLst>
-          </p:cNvPr>
-          <p:cNvSpPr txBox="1"/>
-          <p:nvPr/>
-        </p:nvSpPr>
-        <p:spPr>
-          <a:xfrm>
-            <a:off x="2938768" y="1933300"/>
-            <a:ext cx="1103199" cy="230832"/>
-          </a:xfrm>
-          <a:prstGeom prst="rect">
-            <a:avLst/>
-          </a:prstGeom>
-          <a:noFill/>
-        </p:spPr>
-        <p:txBody>
-          <a:bodyPr wrap="square" rtlCol="0">
-            <a:spAutoFit/>
-          </a:bodyPr>
-          <a:lstStyle/>
-          <a:p>
-            <a:pPr algn="ctr"/>
-            <a:r>
-              <a:rPr kumimoji="1" lang="en-US" altLang="zh-CN" sz="900" b="1" dirty="0">
-                <a:solidFill>
-                  <a:srgbClr val="383C57"/>
-                </a:solidFill>
-                <a:latin typeface="Arial" panose="020B0604020202020204" pitchFamily="34" charset="0"/>
-                <a:cs typeface="Arial" panose="020B0604020202020204" pitchFamily="34" charset="0"/>
-              </a:rPr>
-              <a:t>Rule</a:t>
-            </a:r>
-            <a:r>
-              <a:rPr kumimoji="1" lang="zh-CN" altLang="en-US" sz="900" b="1" dirty="0">
-                <a:solidFill>
-                  <a:srgbClr val="383C57"/>
-                </a:solidFill>
-                <a:latin typeface="Arial" panose="020B0604020202020204" pitchFamily="34" charset="0"/>
-                <a:cs typeface="Arial" panose="020B0604020202020204" pitchFamily="34" charset="0"/>
-              </a:rPr>
-              <a:t> </a:t>
-            </a:r>
-            <a:r>
-              <a:rPr kumimoji="1" lang="en-US" altLang="zh-CN" sz="900" b="1" dirty="0">
-                <a:solidFill>
-                  <a:srgbClr val="383C57"/>
-                </a:solidFill>
-                <a:latin typeface="Arial" panose="020B0604020202020204" pitchFamily="34" charset="0"/>
-                <a:cs typeface="Arial" panose="020B0604020202020204" pitchFamily="34" charset="0"/>
-              </a:rPr>
-              <a:t>Engine</a:t>
-            </a:r>
-            <a:endParaRPr kumimoji="1" lang="zh-CN" altLang="en-US" sz="900" b="1" dirty="0">
-              <a:solidFill>
-                <a:srgbClr val="383C57"/>
-              </a:solidFill>
-              <a:latin typeface="Arial" panose="020B0604020202020204" pitchFamily="34" charset="0"/>
-              <a:cs typeface="Arial" panose="020B0604020202020204" pitchFamily="34" charset="0"/>
-            </a:endParaRPr>
-          </a:p>
-        </p:txBody>
-      </p:sp>
-      <p:sp>
-        <p:nvSpPr>
-          <p:cNvPr id="171" name="文本框 170">
-            <a:extLst>
-              <a:ext uri="{FF2B5EF4-FFF2-40B4-BE49-F238E27FC236}">
-                <a16:creationId xmlns:a16="http://schemas.microsoft.com/office/drawing/2014/main" id="{20E0B605-3802-DD42-844A-1040629C6900}"/>
-              </a:ext>
-            </a:extLst>
-          </p:cNvPr>
-          <p:cNvSpPr txBox="1"/>
-          <p:nvPr/>
-        </p:nvSpPr>
-        <p:spPr>
-          <a:xfrm>
-            <a:off x="4867464" y="1933300"/>
-            <a:ext cx="1134670" cy="369332"/>
-          </a:xfrm>
-          <a:prstGeom prst="rect">
-            <a:avLst/>
-          </a:prstGeom>
-          <a:noFill/>
-        </p:spPr>
-        <p:txBody>
-          <a:bodyPr wrap="square" rtlCol="0">
-            <a:spAutoFit/>
-          </a:bodyPr>
-          <a:lstStyle/>
-          <a:p>
-            <a:pPr algn="ctr"/>
-            <a:r>
-              <a:rPr kumimoji="1" lang="en-US" altLang="zh-CN" sz="900" b="1" dirty="0">
-                <a:solidFill>
-                  <a:srgbClr val="383C57"/>
-                </a:solidFill>
-                <a:latin typeface="Arial" panose="020B0604020202020204" pitchFamily="34" charset="0"/>
-                <a:cs typeface="Arial" panose="020B0604020202020204" pitchFamily="34" charset="0"/>
-              </a:rPr>
-              <a:t>Origin</a:t>
-            </a:r>
-            <a:r>
-              <a:rPr kumimoji="1" lang="zh-CN" altLang="en-US" sz="900" b="1" dirty="0">
-                <a:solidFill>
-                  <a:srgbClr val="383C57"/>
-                </a:solidFill>
-                <a:latin typeface="Arial" panose="020B0604020202020204" pitchFamily="34" charset="0"/>
-                <a:cs typeface="Arial" panose="020B0604020202020204" pitchFamily="34" charset="0"/>
-              </a:rPr>
-              <a:t> </a:t>
-            </a:r>
-            <a:r>
-              <a:rPr kumimoji="1" lang="en-US" altLang="zh-CN" sz="900" b="1" dirty="0">
-                <a:solidFill>
-                  <a:srgbClr val="383C57"/>
-                </a:solidFill>
-                <a:latin typeface="Arial" panose="020B0604020202020204" pitchFamily="34" charset="0"/>
-                <a:cs typeface="Arial" panose="020B0604020202020204" pitchFamily="34" charset="0"/>
-              </a:rPr>
-              <a:t>Data</a:t>
-            </a:r>
-            <a:r>
-              <a:rPr kumimoji="1" lang="zh-CN" altLang="en-US" sz="900" b="1" dirty="0">
-                <a:solidFill>
-                  <a:srgbClr val="383C57"/>
-                </a:solidFill>
-                <a:latin typeface="Arial" panose="020B0604020202020204" pitchFamily="34" charset="0"/>
-                <a:cs typeface="Arial" panose="020B0604020202020204" pitchFamily="34" charset="0"/>
-              </a:rPr>
-              <a:t> </a:t>
-            </a:r>
-            <a:r>
-              <a:rPr kumimoji="1" lang="en-US" altLang="zh-CN" sz="900" b="1" dirty="0">
-                <a:solidFill>
-                  <a:srgbClr val="383C57"/>
-                </a:solidFill>
-                <a:latin typeface="Arial" panose="020B0604020202020204" pitchFamily="34" charset="0"/>
-                <a:cs typeface="Arial" panose="020B0604020202020204" pitchFamily="34" charset="0"/>
-              </a:rPr>
-              <a:t>Topic</a:t>
-            </a:r>
-          </a:p>
-        </p:txBody>
-      </p:sp>
-      <p:pic>
-        <p:nvPicPr>
-          <p:cNvPr id="172" name="图形 93">
-            <a:extLst>
-              <a:ext uri="{FF2B5EF4-FFF2-40B4-BE49-F238E27FC236}">
-                <a16:creationId xmlns:a16="http://schemas.microsoft.com/office/drawing/2014/main" id="{961DE41F-270B-6F41-8133-21ACFFA4EFD3}"/>
-              </a:ext>
-            </a:extLst>
-          </p:cNvPr>
-          <p:cNvPicPr>
-            <a:picLocks noChangeAspect="1"/>
-          </p:cNvPicPr>
-          <p:nvPr/>
-        </p:nvPicPr>
-        <p:blipFill>
-          <a:blip r:embed="rId4">
-            <a:extLst>
-              <a:ext uri="{96DAC541-7B7A-43D3-8B79-37D633B846F1}">
-                <asvg:svgBlip xmlns:asvg="http://schemas.microsoft.com/office/drawing/2016/SVG/main" r:embed="rId5"/>
-              </a:ext>
-            </a:extLst>
-          </a:blip>
-          <a:stretch>
-            <a:fillRect/>
-          </a:stretch>
-        </p:blipFill>
-        <p:spPr>
-          <a:xfrm>
-            <a:off x="1074772" y="1933300"/>
-            <a:ext cx="217330" cy="167177"/>
-          </a:xfrm>
-          <a:prstGeom prst="rect">
-            <a:avLst/>
-          </a:prstGeom>
-        </p:spPr>
-      </p:pic>
-      <p:pic>
-        <p:nvPicPr>
-          <p:cNvPr id="173" name="图形 94">
-            <a:extLst>
-              <a:ext uri="{FF2B5EF4-FFF2-40B4-BE49-F238E27FC236}">
-                <a16:creationId xmlns:a16="http://schemas.microsoft.com/office/drawing/2014/main" id="{E5609B2E-A8F2-C545-ADF9-4645B9D2D5DC}"/>
-              </a:ext>
-            </a:extLst>
-          </p:cNvPr>
-          <p:cNvPicPr>
-            <a:picLocks noChangeAspect="1"/>
-          </p:cNvPicPr>
-          <p:nvPr/>
-        </p:nvPicPr>
-        <p:blipFill>
-          <a:blip r:embed="rId6">
-            <a:extLst>
-              <a:ext uri="{96DAC541-7B7A-43D3-8B79-37D633B846F1}">
-                <asvg:svgBlip xmlns:asvg="http://schemas.microsoft.com/office/drawing/2016/SVG/main" r:embed="rId7"/>
-              </a:ext>
-            </a:extLst>
-          </a:blip>
-          <a:stretch>
-            <a:fillRect/>
-          </a:stretch>
-        </p:blipFill>
-        <p:spPr>
-          <a:xfrm>
-            <a:off x="5085917" y="1354679"/>
-            <a:ext cx="229404" cy="229404"/>
-          </a:xfrm>
-          <a:prstGeom prst="rect">
-            <a:avLst/>
-          </a:prstGeom>
-        </p:spPr>
-      </p:pic>
-      <p:sp>
-        <p:nvSpPr>
-          <p:cNvPr id="174" name="文本框 173">
-            <a:extLst>
-              <a:ext uri="{FF2B5EF4-FFF2-40B4-BE49-F238E27FC236}">
-                <a16:creationId xmlns:a16="http://schemas.microsoft.com/office/drawing/2014/main" id="{0DC49CD2-5A6D-8D4A-A58F-2A78DC169608}"/>
-              </a:ext>
-            </a:extLst>
-          </p:cNvPr>
-          <p:cNvSpPr txBox="1"/>
-          <p:nvPr/>
-        </p:nvSpPr>
-        <p:spPr>
-          <a:xfrm>
-            <a:off x="5310113" y="1276927"/>
-            <a:ext cx="658582" cy="369332"/>
-          </a:xfrm>
-          <a:prstGeom prst="rect">
-            <a:avLst/>
-          </a:prstGeom>
-          <a:noFill/>
-        </p:spPr>
-        <p:txBody>
-          <a:bodyPr wrap="square" rtlCol="0">
-            <a:spAutoFit/>
-          </a:bodyPr>
-          <a:lstStyle/>
-          <a:p>
-            <a:pPr algn="ctr"/>
-            <a:r>
-              <a:rPr kumimoji="1" lang="en-US" altLang="zh-CN" sz="900" b="1" dirty="0">
-                <a:solidFill>
-                  <a:srgbClr val="383C57"/>
-                </a:solidFill>
-                <a:latin typeface="Arial" panose="020B0604020202020204" pitchFamily="34" charset="0"/>
-                <a:cs typeface="Arial" panose="020B0604020202020204" pitchFamily="34" charset="0"/>
-              </a:rPr>
-              <a:t>Kafka Topic</a:t>
-            </a:r>
-            <a:endParaRPr kumimoji="1" lang="zh-CN" altLang="en-US" sz="900" b="1" dirty="0">
-              <a:solidFill>
-                <a:srgbClr val="383C57"/>
-              </a:solidFill>
-              <a:latin typeface="Arial" panose="020B0604020202020204" pitchFamily="34" charset="0"/>
-              <a:cs typeface="Arial" panose="020B0604020202020204" pitchFamily="34" charset="0"/>
-            </a:endParaRPr>
-          </a:p>
-        </p:txBody>
-      </p:sp>
-      <p:sp>
-        <p:nvSpPr>
-          <p:cNvPr id="175" name="矩形 174">
-            <a:extLst>
-              <a:ext uri="{FF2B5EF4-FFF2-40B4-BE49-F238E27FC236}">
-                <a16:creationId xmlns:a16="http://schemas.microsoft.com/office/drawing/2014/main" id="{8A88FD7A-BF80-5D4D-9C91-6BB1D0AF63A9}"/>
-              </a:ext>
-            </a:extLst>
-          </p:cNvPr>
-          <p:cNvSpPr/>
-          <p:nvPr/>
-        </p:nvSpPr>
-        <p:spPr>
-          <a:xfrm>
-            <a:off x="6717683" y="2032830"/>
-            <a:ext cx="1369602" cy="358538"/>
-          </a:xfrm>
-          <a:prstGeom prst="rect">
-            <a:avLst/>
-          </a:prstGeom>
-          <a:solidFill>
-            <a:schemeClr val="accent2">
-              <a:alpha val="50000"/>
-            </a:schemeClr>
-          </a:solidFill>
-          <a:ln>
-            <a:noFill/>
-          </a:ln>
-        </p:spPr>
-        <p:style>
-          <a:lnRef idx="0">
-            <a:scrgbClr r="0" g="0" b="0"/>
-          </a:lnRef>
-          <a:fillRef idx="0">
-            <a:scrgbClr r="0" g="0" b="0"/>
-          </a:fillRef>
-          <a:effectRef idx="0">
-            <a:scrgbClr r="0" g="0" b="0"/>
-          </a:effectRef>
-          <a:fontRef idx="minor">
-            <a:schemeClr val="lt1"/>
-          </a:fontRef>
-        </p:style>
-        <p:txBody>
-          <a:bodyPr rtlCol="0" anchor="ctr"/>
-          <a:lstStyle/>
-          <a:p>
-            <a:pPr algn="ctr"/>
-            <a:endParaRPr kumimoji="1" lang="zh-CN" altLang="en-US" sz="1000">
-              <a:solidFill>
-                <a:schemeClr val="bg1"/>
-              </a:solidFill>
-              <a:latin typeface="Arial" panose="020B0604020202020204" pitchFamily="34" charset="0"/>
-              <a:ea typeface="Microsoft YaHei" panose="020B0503020204020204" pitchFamily="34" charset="-122"/>
-              <a:cs typeface="Arial" panose="020B0604020202020204" pitchFamily="34" charset="0"/>
-            </a:endParaRPr>
-          </a:p>
-        </p:txBody>
-      </p:sp>
-      <p:sp>
-        <p:nvSpPr>
-          <p:cNvPr id="176" name="文本框 175">
-            <a:extLst>
-              <a:ext uri="{FF2B5EF4-FFF2-40B4-BE49-F238E27FC236}">
-                <a16:creationId xmlns:a16="http://schemas.microsoft.com/office/drawing/2014/main" id="{AE044225-279F-DE4C-8C3A-2064F955D718}"/>
-              </a:ext>
-            </a:extLst>
-          </p:cNvPr>
-          <p:cNvSpPr txBox="1"/>
-          <p:nvPr/>
-        </p:nvSpPr>
-        <p:spPr>
-          <a:xfrm>
-            <a:off x="6851171" y="1751261"/>
-            <a:ext cx="1086613" cy="230832"/>
-          </a:xfrm>
-          <a:prstGeom prst="rect">
-            <a:avLst/>
-          </a:prstGeom>
-          <a:noFill/>
-        </p:spPr>
-        <p:txBody>
-          <a:bodyPr wrap="square" rtlCol="0">
-            <a:spAutoFit/>
-          </a:bodyPr>
-          <a:lstStyle/>
-          <a:p>
-            <a:pPr algn="ctr"/>
-            <a:r>
-              <a:rPr kumimoji="1" lang="en-US" altLang="zh-CN" sz="900" b="1" dirty="0" err="1">
-                <a:solidFill>
-                  <a:schemeClr val="bg1"/>
-                </a:solidFill>
-                <a:latin typeface="Arial" panose="020B0604020202020204" pitchFamily="34" charset="0"/>
-                <a:cs typeface="Arial" panose="020B0604020202020204" pitchFamily="34" charset="0"/>
-              </a:rPr>
-              <a:t>StreamSets</a:t>
-            </a:r>
-            <a:endParaRPr kumimoji="1" lang="en-US" altLang="zh-CN" sz="900" b="1" dirty="0">
-              <a:solidFill>
-                <a:schemeClr val="bg1"/>
-              </a:solidFill>
-              <a:latin typeface="Arial" panose="020B0604020202020204" pitchFamily="34" charset="0"/>
-              <a:cs typeface="Arial" panose="020B0604020202020204" pitchFamily="34" charset="0"/>
-            </a:endParaRPr>
-          </a:p>
-        </p:txBody>
-      </p:sp>
-      <p:sp>
-        <p:nvSpPr>
-          <p:cNvPr id="177" name="矩形 176">
-            <a:extLst>
-              <a:ext uri="{FF2B5EF4-FFF2-40B4-BE49-F238E27FC236}">
-                <a16:creationId xmlns:a16="http://schemas.microsoft.com/office/drawing/2014/main" id="{7B2E4917-7001-FC42-974C-AF60CCE048B1}"/>
-              </a:ext>
-            </a:extLst>
-          </p:cNvPr>
-          <p:cNvSpPr/>
-          <p:nvPr/>
-        </p:nvSpPr>
-        <p:spPr>
-          <a:xfrm>
-            <a:off x="8690123" y="1698455"/>
-            <a:ext cx="1369602" cy="676139"/>
-          </a:xfrm>
-          <a:prstGeom prst="rect">
-            <a:avLst/>
-          </a:prstGeom>
-          <a:solidFill>
-            <a:srgbClr val="F5F5FA"/>
-          </a:solidFill>
-          <a:ln w="12700">
-            <a:noFill/>
-          </a:ln>
-        </p:spPr>
-        <p:style>
-          <a:lnRef idx="2">
-            <a:schemeClr val="accent1">
-              <a:shade val="50000"/>
-            </a:schemeClr>
-          </a:lnRef>
-          <a:fillRef idx="1">
-            <a:schemeClr val="accent1"/>
-          </a:fillRef>
-          <a:effectRef idx="0">
-            <a:schemeClr val="accent1"/>
-          </a:effectRef>
-          <a:fontRef idx="minor">
-            <a:schemeClr val="lt1"/>
-          </a:fontRef>
-        </p:style>
-        <p:txBody>
-          <a:bodyPr rtlCol="0" anchor="ctr"/>
-          <a:lstStyle/>
-          <a:p>
-            <a:pPr algn="ctr"/>
-            <a:endParaRPr kumimoji="1" lang="zh-CN" altLang="en-US" sz="1000">
-              <a:latin typeface="Microsoft YaHei" panose="020B0503020204020204" pitchFamily="34" charset="-122"/>
-              <a:ea typeface="Microsoft YaHei" panose="020B0503020204020204" pitchFamily="34" charset="-122"/>
-            </a:endParaRPr>
-          </a:p>
-        </p:txBody>
-      </p:sp>
-      <p:cxnSp>
-        <p:nvCxnSpPr>
-          <p:cNvPr id="178" name="直线箭头连接符 99">
-            <a:extLst>
-              <a:ext uri="{FF2B5EF4-FFF2-40B4-BE49-F238E27FC236}">
-                <a16:creationId xmlns:a16="http://schemas.microsoft.com/office/drawing/2014/main" id="{95084889-2882-EB4F-AE63-33BD60AA8C08}"/>
-              </a:ext>
-            </a:extLst>
-          </p:cNvPr>
-          <p:cNvCxnSpPr>
-            <a:cxnSpLocks/>
-          </p:cNvCxnSpPr>
-          <p:nvPr/>
-        </p:nvCxnSpPr>
-        <p:spPr>
-          <a:xfrm>
-            <a:off x="8221778" y="2032830"/>
-            <a:ext cx="312575" cy="0"/>
-          </a:xfrm>
-          <a:prstGeom prst="straightConnector1">
-            <a:avLst/>
-          </a:prstGeom>
-          <a:ln w="25400">
-            <a:solidFill>
-              <a:srgbClr val="A2A5BC"/>
-            </a:solidFill>
-            <a:tailEnd type="triangle"/>
-          </a:ln>
-        </p:spPr>
-        <p:style>
-          <a:lnRef idx="1">
-            <a:schemeClr val="accent1"/>
-          </a:lnRef>
-          <a:fillRef idx="0">
-            <a:schemeClr val="accent1"/>
-          </a:fillRef>
-          <a:effectRef idx="0">
-            <a:schemeClr val="accent1"/>
-          </a:effectRef>
-          <a:fontRef idx="minor">
-            <a:schemeClr val="tx1"/>
-          </a:fontRef>
-        </p:style>
-      </p:cxnSp>
-      <p:sp>
-        <p:nvSpPr>
-          <p:cNvPr id="179" name="文本框 178">
-            <a:extLst>
-              <a:ext uri="{FF2B5EF4-FFF2-40B4-BE49-F238E27FC236}">
-                <a16:creationId xmlns:a16="http://schemas.microsoft.com/office/drawing/2014/main" id="{3D4F58DA-3D49-9241-8E07-5597BF736460}"/>
-              </a:ext>
-            </a:extLst>
-          </p:cNvPr>
-          <p:cNvSpPr txBox="1"/>
-          <p:nvPr/>
-        </p:nvSpPr>
-        <p:spPr>
-          <a:xfrm>
-            <a:off x="8797581" y="1917082"/>
-            <a:ext cx="1134670" cy="230832"/>
-          </a:xfrm>
-          <a:prstGeom prst="rect">
-            <a:avLst/>
-          </a:prstGeom>
-          <a:noFill/>
-        </p:spPr>
-        <p:txBody>
-          <a:bodyPr wrap="square" rtlCol="0">
-            <a:spAutoFit/>
-          </a:bodyPr>
-          <a:lstStyle/>
-          <a:p>
-            <a:pPr algn="ctr"/>
-            <a:r>
-              <a:rPr kumimoji="1" lang="en-US" altLang="zh-CN" sz="900" b="1" dirty="0">
-                <a:solidFill>
-                  <a:srgbClr val="383C57"/>
-                </a:solidFill>
-                <a:latin typeface="Arial" panose="020B0604020202020204" pitchFamily="34" charset="0"/>
-                <a:cs typeface="Arial" panose="020B0604020202020204" pitchFamily="34" charset="0"/>
-              </a:rPr>
-              <a:t>Cal</a:t>
-            </a:r>
-            <a:r>
-              <a:rPr kumimoji="1" lang="zh-CN" altLang="en-US" sz="900" b="1" dirty="0">
-                <a:solidFill>
-                  <a:srgbClr val="383C57"/>
-                </a:solidFill>
-                <a:latin typeface="Arial" panose="020B0604020202020204" pitchFamily="34" charset="0"/>
-                <a:cs typeface="Arial" panose="020B0604020202020204" pitchFamily="34" charset="0"/>
-              </a:rPr>
-              <a:t> </a:t>
-            </a:r>
-            <a:r>
-              <a:rPr kumimoji="1" lang="en-US" altLang="zh-CN" sz="900" b="1" dirty="0">
-                <a:solidFill>
-                  <a:srgbClr val="383C57"/>
-                </a:solidFill>
-                <a:latin typeface="Arial" panose="020B0604020202020204" pitchFamily="34" charset="0"/>
-                <a:cs typeface="Arial" panose="020B0604020202020204" pitchFamily="34" charset="0"/>
-              </a:rPr>
-              <a:t>Data</a:t>
-            </a:r>
-            <a:r>
-              <a:rPr kumimoji="1" lang="zh-CN" altLang="en-US" sz="900" b="1" dirty="0">
-                <a:solidFill>
-                  <a:srgbClr val="383C57"/>
-                </a:solidFill>
-                <a:latin typeface="Arial" panose="020B0604020202020204" pitchFamily="34" charset="0"/>
-                <a:cs typeface="Arial" panose="020B0604020202020204" pitchFamily="34" charset="0"/>
-              </a:rPr>
-              <a:t> </a:t>
-            </a:r>
-            <a:r>
-              <a:rPr kumimoji="1" lang="en-US" altLang="zh-CN" sz="900" b="1" dirty="0">
-                <a:solidFill>
-                  <a:srgbClr val="383C57"/>
-                </a:solidFill>
-                <a:latin typeface="Arial" panose="020B0604020202020204" pitchFamily="34" charset="0"/>
-                <a:cs typeface="Arial" panose="020B0604020202020204" pitchFamily="34" charset="0"/>
-              </a:rPr>
-              <a:t>Topic</a:t>
-            </a:r>
-          </a:p>
-        </p:txBody>
-      </p:sp>
-      <p:cxnSp>
-        <p:nvCxnSpPr>
-          <p:cNvPr id="180" name="直线箭头连接符 101">
-            <a:extLst>
-              <a:ext uri="{FF2B5EF4-FFF2-40B4-BE49-F238E27FC236}">
-                <a16:creationId xmlns:a16="http://schemas.microsoft.com/office/drawing/2014/main" id="{4EFEE8DA-D3EE-9A4E-BD6F-61CBCC688A7C}"/>
-              </a:ext>
-            </a:extLst>
-          </p:cNvPr>
-          <p:cNvCxnSpPr>
-            <a:cxnSpLocks/>
-          </p:cNvCxnSpPr>
-          <p:nvPr/>
-        </p:nvCxnSpPr>
-        <p:spPr>
-          <a:xfrm>
-            <a:off x="2330486" y="2033651"/>
-            <a:ext cx="312575" cy="0"/>
-          </a:xfrm>
-          <a:prstGeom prst="straightConnector1">
-            <a:avLst/>
-          </a:prstGeom>
-          <a:ln w="25400">
-            <a:solidFill>
-              <a:srgbClr val="A2A5BC"/>
-            </a:solidFill>
-            <a:tailEnd type="triangle"/>
-          </a:ln>
-        </p:spPr>
-        <p:style>
-          <a:lnRef idx="1">
-            <a:schemeClr val="accent1"/>
-          </a:lnRef>
-          <a:fillRef idx="0">
-            <a:schemeClr val="accent1"/>
-          </a:fillRef>
-          <a:effectRef idx="0">
-            <a:schemeClr val="accent1"/>
-          </a:effectRef>
-          <a:fontRef idx="minor">
-            <a:schemeClr val="tx1"/>
-          </a:fontRef>
-        </p:style>
-      </p:cxnSp>
-      <p:grpSp>
-        <p:nvGrpSpPr>
-          <p:cNvPr id="181" name="组合 180"/>
-          <p:cNvGrpSpPr/>
-          <p:nvPr/>
-        </p:nvGrpSpPr>
-        <p:grpSpPr>
-          <a:xfrm>
-            <a:off x="7402119" y="3138942"/>
-            <a:ext cx="1369602" cy="570061"/>
-            <a:chOff x="7847306" y="3274612"/>
-            <a:chExt cx="1369602" cy="676139"/>
-          </a:xfrm>
-        </p:grpSpPr>
-        <p:sp>
-          <p:nvSpPr>
-            <p:cNvPr id="219" name="矩形 218">
-              <a:extLst>
-                <a:ext uri="{FF2B5EF4-FFF2-40B4-BE49-F238E27FC236}">
-                  <a16:creationId xmlns:a16="http://schemas.microsoft.com/office/drawing/2014/main" id="{4BCACF73-6426-7A42-9B30-35645BE1FAA2}"/>
-                </a:ext>
-              </a:extLst>
-            </p:cNvPr>
-            <p:cNvSpPr/>
-            <p:nvPr/>
-          </p:nvSpPr>
-          <p:spPr>
-            <a:xfrm>
-              <a:off x="7847306" y="3274612"/>
-              <a:ext cx="1369602" cy="676139"/>
-            </a:xfrm>
-            <a:prstGeom prst="rect">
-              <a:avLst/>
-            </a:prstGeom>
-            <a:solidFill>
-              <a:srgbClr val="F5F5FA"/>
-            </a:solidFill>
-            <a:ln w="12700">
-              <a:noFill/>
-            </a:ln>
-          </p:spPr>
-          <p:style>
-            <a:lnRef idx="2">
-              <a:schemeClr val="accent1">
-                <a:shade val="50000"/>
-              </a:schemeClr>
-            </a:lnRef>
-            <a:fillRef idx="1">
-              <a:schemeClr val="accent1"/>
-            </a:fillRef>
-            <a:effectRef idx="0">
-              <a:schemeClr val="accent1"/>
-            </a:effectRef>
-            <a:fontRef idx="minor">
-              <a:schemeClr val="lt1"/>
-            </a:fontRef>
-          </p:style>
-          <p:txBody>
-            <a:bodyPr rtlCol="0" anchor="ctr"/>
-            <a:lstStyle/>
-            <a:p>
-              <a:pPr algn="ctr"/>
-              <a:endParaRPr kumimoji="1" lang="zh-CN" altLang="en-US" sz="1000">
-                <a:latin typeface="Microsoft YaHei" panose="020B0503020204020204" pitchFamily="34" charset="-122"/>
-                <a:ea typeface="Microsoft YaHei" panose="020B0503020204020204" pitchFamily="34" charset="-122"/>
-              </a:endParaRPr>
-            </a:p>
-          </p:txBody>
-        </p:sp>
-        <p:sp>
-          <p:nvSpPr>
-            <p:cNvPr id="220" name="文本框 219">
-              <a:extLst>
-                <a:ext uri="{FF2B5EF4-FFF2-40B4-BE49-F238E27FC236}">
-                  <a16:creationId xmlns:a16="http://schemas.microsoft.com/office/drawing/2014/main" id="{AE0CF8F0-0930-9748-B7E3-9588412791CE}"/>
-                </a:ext>
-              </a:extLst>
-            </p:cNvPr>
-            <p:cNvSpPr txBox="1"/>
-            <p:nvPr/>
-          </p:nvSpPr>
-          <p:spPr>
-            <a:xfrm>
-              <a:off x="7951626" y="3494491"/>
-              <a:ext cx="1134670" cy="230832"/>
-            </a:xfrm>
-            <a:prstGeom prst="rect">
-              <a:avLst/>
-            </a:prstGeom>
-            <a:noFill/>
-          </p:spPr>
-          <p:txBody>
-            <a:bodyPr wrap="square" rtlCol="0">
-              <a:spAutoFit/>
-            </a:bodyPr>
-            <a:lstStyle/>
-            <a:p>
-              <a:pPr algn="ctr"/>
-              <a:r>
-                <a:rPr kumimoji="1" lang="en-US" altLang="zh-CN" sz="900" b="1" dirty="0">
-                  <a:solidFill>
-                    <a:srgbClr val="383C57"/>
-                  </a:solidFill>
-                  <a:latin typeface="Arial" panose="020B0604020202020204" pitchFamily="34" charset="0"/>
-                  <a:cs typeface="Arial" panose="020B0604020202020204" pitchFamily="34" charset="0"/>
-                </a:rPr>
-                <a:t>Redis</a:t>
-              </a:r>
-            </a:p>
-          </p:txBody>
-        </p:sp>
-      </p:grpSp>
-      <p:grpSp>
-        <p:nvGrpSpPr>
-          <p:cNvPr id="182" name="组合 181"/>
-          <p:cNvGrpSpPr/>
-          <p:nvPr/>
-        </p:nvGrpSpPr>
-        <p:grpSpPr>
-          <a:xfrm>
-            <a:off x="7412732" y="3911357"/>
-            <a:ext cx="1369602" cy="523895"/>
-            <a:chOff x="9773682" y="3276823"/>
-            <a:chExt cx="1369602" cy="676139"/>
-          </a:xfrm>
-        </p:grpSpPr>
-        <p:sp>
-          <p:nvSpPr>
-            <p:cNvPr id="216" name="文本框 215">
-              <a:extLst>
-                <a:ext uri="{FF2B5EF4-FFF2-40B4-BE49-F238E27FC236}">
-                  <a16:creationId xmlns:a16="http://schemas.microsoft.com/office/drawing/2014/main" id="{6ADD7E71-22DC-284C-9B3C-6CAEA53AF78B}"/>
-                </a:ext>
-              </a:extLst>
-            </p:cNvPr>
-            <p:cNvSpPr txBox="1"/>
-            <p:nvPr/>
-          </p:nvSpPr>
-          <p:spPr>
-            <a:xfrm>
-              <a:off x="10132617" y="3517924"/>
-              <a:ext cx="834060" cy="230832"/>
-            </a:xfrm>
-            <a:prstGeom prst="rect">
-              <a:avLst/>
-            </a:prstGeom>
-            <a:noFill/>
-          </p:spPr>
-          <p:txBody>
-            <a:bodyPr wrap="square" rtlCol="0">
-              <a:spAutoFit/>
-            </a:bodyPr>
-            <a:lstStyle/>
-            <a:p>
-              <a:pPr algn="ctr"/>
-              <a:r>
-                <a:rPr kumimoji="1" lang="en-US" altLang="zh-CN" sz="900" b="1" dirty="0">
-                  <a:solidFill>
-                    <a:srgbClr val="383C57"/>
-                  </a:solidFill>
-                  <a:latin typeface="Arial" panose="020B0604020202020204" pitchFamily="34" charset="0"/>
-                  <a:cs typeface="Arial" panose="020B0604020202020204" pitchFamily="34" charset="0"/>
-                </a:rPr>
-                <a:t>TSDB</a:t>
-              </a:r>
-            </a:p>
-          </p:txBody>
-        </p:sp>
-        <p:pic>
-          <p:nvPicPr>
-            <p:cNvPr id="217" name="图形 108">
-              <a:extLst>
-                <a:ext uri="{FF2B5EF4-FFF2-40B4-BE49-F238E27FC236}">
-                  <a16:creationId xmlns:a16="http://schemas.microsoft.com/office/drawing/2014/main" id="{AEA3EC5E-A57A-AC42-B727-972CC9FC8C35}"/>
-                </a:ext>
-              </a:extLst>
-            </p:cNvPr>
-            <p:cNvPicPr>
-              <a:picLocks noChangeAspect="1"/>
-            </p:cNvPicPr>
-            <p:nvPr/>
-          </p:nvPicPr>
-          <p:blipFill>
-            <a:blip r:embed="rId8">
-              <a:extLst>
-                <a:ext uri="{96DAC541-7B7A-43D3-8B79-37D633B846F1}">
-                  <asvg:svgBlip xmlns:asvg="http://schemas.microsoft.com/office/drawing/2016/SVG/main" r:embed="rId9"/>
-                </a:ext>
-              </a:extLst>
-            </a:blip>
-            <a:stretch>
-              <a:fillRect/>
-            </a:stretch>
-          </p:blipFill>
-          <p:spPr>
-            <a:xfrm>
-              <a:off x="9934414" y="3530285"/>
-              <a:ext cx="241478" cy="241478"/>
-            </a:xfrm>
-            <a:prstGeom prst="rect">
-              <a:avLst/>
-            </a:prstGeom>
-          </p:spPr>
-        </p:pic>
-        <p:sp>
-          <p:nvSpPr>
-            <p:cNvPr id="218" name="矩形 217">
-              <a:extLst>
-                <a:ext uri="{FF2B5EF4-FFF2-40B4-BE49-F238E27FC236}">
-                  <a16:creationId xmlns:a16="http://schemas.microsoft.com/office/drawing/2014/main" id="{FE09ECF4-EB90-FF4D-BA54-B77F71068F18}"/>
-                </a:ext>
-              </a:extLst>
-            </p:cNvPr>
-            <p:cNvSpPr/>
-            <p:nvPr/>
-          </p:nvSpPr>
-          <p:spPr>
-            <a:xfrm>
-              <a:off x="9773682" y="3276823"/>
-              <a:ext cx="1369602" cy="676139"/>
-            </a:xfrm>
-            <a:prstGeom prst="rect">
-              <a:avLst/>
-            </a:prstGeom>
-            <a:noFill/>
-            <a:ln w="12700">
-              <a:solidFill>
-                <a:srgbClr val="A2A5BC"/>
-              </a:solidFill>
-            </a:ln>
-          </p:spPr>
-          <p:style>
-            <a:lnRef idx="2">
-              <a:schemeClr val="accent1">
-                <a:shade val="50000"/>
-              </a:schemeClr>
-            </a:lnRef>
-            <a:fillRef idx="1">
-              <a:schemeClr val="accent1"/>
-            </a:fillRef>
-            <a:effectRef idx="0">
-              <a:schemeClr val="accent1"/>
-            </a:effectRef>
-            <a:fontRef idx="minor">
-              <a:schemeClr val="lt1"/>
-            </a:fontRef>
-          </p:style>
-          <p:txBody>
-            <a:bodyPr rtlCol="0" anchor="ctr"/>
-            <a:lstStyle/>
-            <a:p>
-              <a:pPr algn="ctr"/>
-              <a:endParaRPr kumimoji="1" lang="zh-CN" altLang="en-US" sz="1000" dirty="0">
-                <a:latin typeface="Microsoft YaHei" panose="020B0503020204020204" pitchFamily="34" charset="-122"/>
-                <a:ea typeface="Microsoft YaHei" panose="020B0503020204020204" pitchFamily="34" charset="-122"/>
-              </a:endParaRPr>
-            </a:p>
-          </p:txBody>
-        </p:sp>
-      </p:grpSp>
       <p:cxnSp>
         <p:nvCxnSpPr>
           <p:cNvPr id="186" name="直接连接符 151">
@@ -20728,10 +19273,10 @@
       </p:cxnSp>
       <p:grpSp>
         <p:nvGrpSpPr>
-          <p:cNvPr id="188" name="组合 187">
+          <p:cNvPr id="3" name="组合 2">
             <a:extLst>
               <a:ext uri="{FF2B5EF4-FFF2-40B4-BE49-F238E27FC236}">
-                <a16:creationId xmlns:a16="http://schemas.microsoft.com/office/drawing/2014/main" id="{5097CBA4-61E6-3D42-ACCD-6E07A8F9F980}"/>
+                <a16:creationId xmlns:a16="http://schemas.microsoft.com/office/drawing/2014/main" id="{CC07BBC2-0ABF-4AC7-83BE-F7A27344A365}"/>
               </a:ext>
             </a:extLst>
           </p:cNvPr>
@@ -20740,477 +19285,228 @@
         </p:nvGrpSpPr>
         <p:grpSpPr>
           <a:xfrm>
-            <a:off x="216269" y="1033708"/>
-            <a:ext cx="1267900" cy="1277822"/>
-            <a:chOff x="-3013790" y="1057066"/>
-            <a:chExt cx="1890207" cy="1905000"/>
+            <a:off x="216268" y="1033708"/>
+            <a:ext cx="9843457" cy="4200806"/>
+            <a:chOff x="216268" y="1033708"/>
+            <a:chExt cx="9843457" cy="4200806"/>
           </a:xfrm>
         </p:grpSpPr>
-        <p:pic>
-          <p:nvPicPr>
-            <p:cNvPr id="214" name="图形 116">
-              <a:extLst>
-                <a:ext uri="{FF2B5EF4-FFF2-40B4-BE49-F238E27FC236}">
-                  <a16:creationId xmlns:a16="http://schemas.microsoft.com/office/drawing/2014/main" id="{B5C6CD8D-B312-1B48-90AF-08EEC87BFEF1}"/>
-                </a:ext>
-              </a:extLst>
-            </p:cNvPr>
-            <p:cNvPicPr>
-              <a:picLocks noChangeAspect="1"/>
-            </p:cNvPicPr>
-            <p:nvPr/>
-          </p:nvPicPr>
-          <p:blipFill>
-            <a:blip r:embed="rId10" cstate="print">
-              <a:extLst>
-                <a:ext uri="{28A0092B-C50C-407E-A947-70E740481C1C}">
-                  <a14:useLocalDpi xmlns:a14="http://schemas.microsoft.com/office/drawing/2010/main" val="0"/>
-                </a:ext>
-                <a:ext uri="{96DAC541-7B7A-43D3-8B79-37D633B846F1}">
-                  <asvg:svgBlip xmlns:asvg="http://schemas.microsoft.com/office/drawing/2016/SVG/main" r:embed="rId11"/>
-                </a:ext>
-              </a:extLst>
-            </a:blip>
-            <a:stretch>
-              <a:fillRect/>
-            </a:stretch>
-          </p:blipFill>
-          <p:spPr>
-            <a:xfrm>
-              <a:off x="-3013790" y="1057066"/>
-              <a:ext cx="1890207" cy="1905000"/>
-            </a:xfrm>
-            <a:prstGeom prst="rect">
-              <a:avLst/>
-            </a:prstGeom>
-          </p:spPr>
-        </p:pic>
-        <p:sp>
-          <p:nvSpPr>
-            <p:cNvPr id="215" name="文本框 214">
-              <a:extLst>
-                <a:ext uri="{FF2B5EF4-FFF2-40B4-BE49-F238E27FC236}">
-                  <a16:creationId xmlns:a16="http://schemas.microsoft.com/office/drawing/2014/main" id="{ED3ED3EE-201E-0348-BDF1-5035823C159B}"/>
-                </a:ext>
-              </a:extLst>
-            </p:cNvPr>
-            <p:cNvSpPr txBox="1"/>
-            <p:nvPr/>
-          </p:nvSpPr>
-          <p:spPr>
-            <a:xfrm>
-              <a:off x="-2725736" y="1528527"/>
-              <a:ext cx="1395587" cy="367071"/>
-            </a:xfrm>
-            <a:prstGeom prst="rect">
-              <a:avLst/>
-            </a:prstGeom>
-            <a:noFill/>
-          </p:spPr>
-          <p:txBody>
-            <a:bodyPr wrap="square" rtlCol="0">
-              <a:spAutoFit/>
-            </a:bodyPr>
-            <a:lstStyle/>
-            <a:p>
-              <a:r>
-                <a:rPr lang="en-US" altLang="zh-CN" sz="1000" dirty="0">
+        <p:grpSp>
+          <p:nvGrpSpPr>
+            <p:cNvPr id="93" name="组合 92">
+              <a:extLst>
+                <a:ext uri="{FF2B5EF4-FFF2-40B4-BE49-F238E27FC236}">
+                  <a16:creationId xmlns:a16="http://schemas.microsoft.com/office/drawing/2014/main" id="{182B9F4A-1913-8549-814E-C75D316B001B}"/>
+                </a:ext>
+              </a:extLst>
+            </p:cNvPr>
+            <p:cNvGrpSpPr/>
+            <p:nvPr/>
+          </p:nvGrpSpPr>
+          <p:grpSpPr>
+            <a:xfrm>
+              <a:off x="6524383" y="3086478"/>
+              <a:ext cx="304165" cy="285751"/>
+              <a:chOff x="-81874" y="2525076"/>
+              <a:chExt cx="304165" cy="285751"/>
+            </a:xfrm>
+          </p:grpSpPr>
+          <p:pic>
+            <p:nvPicPr>
+              <p:cNvPr id="94" name="图形 93">
+                <a:extLst>
+                  <a:ext uri="{FF2B5EF4-FFF2-40B4-BE49-F238E27FC236}">
+                    <a16:creationId xmlns:a16="http://schemas.microsoft.com/office/drawing/2014/main" id="{29C8A9E6-F629-5B44-A0DB-0609C010ADAA}"/>
+                  </a:ext>
+                </a:extLst>
+              </p:cNvPr>
+              <p:cNvPicPr>
+                <a:picLocks noChangeAspect="1"/>
+              </p:cNvPicPr>
+              <p:nvPr/>
+            </p:nvPicPr>
+            <p:blipFill>
+              <a:blip r:embed="rId2">
+                <a:extLst>
+                  <a:ext uri="{96DAC541-7B7A-43D3-8B79-37D633B846F1}">
+                    <asvg:svgBlip xmlns:asvg="http://schemas.microsoft.com/office/drawing/2016/SVG/main" r:embed="rId3"/>
+                  </a:ext>
+                </a:extLst>
+              </a:blip>
+              <a:stretch>
+                <a:fillRect/>
+              </a:stretch>
+            </p:blipFill>
+            <p:spPr>
+              <a:xfrm>
+                <a:off x="-78288" y="2525076"/>
+                <a:ext cx="300579" cy="273742"/>
+              </a:xfrm>
+              <a:prstGeom prst="rect">
+                <a:avLst/>
+              </a:prstGeom>
+            </p:spPr>
+          </p:pic>
+          <p:sp>
+            <p:nvSpPr>
+              <p:cNvPr id="95" name="文本框 94">
+                <a:extLst>
+                  <a:ext uri="{FF2B5EF4-FFF2-40B4-BE49-F238E27FC236}">
+                    <a16:creationId xmlns:a16="http://schemas.microsoft.com/office/drawing/2014/main" id="{3EA05EE4-13ED-1E4D-9CCA-82099104766D}"/>
+                  </a:ext>
+                </a:extLst>
+              </p:cNvPr>
+              <p:cNvSpPr txBox="1"/>
+              <p:nvPr/>
+            </p:nvSpPr>
+            <p:spPr>
+              <a:xfrm>
+                <a:off x="-81874" y="2533828"/>
+                <a:ext cx="274434" cy="276999"/>
+              </a:xfrm>
+              <a:prstGeom prst="rect">
+                <a:avLst/>
+              </a:prstGeom>
+              <a:noFill/>
+            </p:spPr>
+            <p:txBody>
+              <a:bodyPr wrap="none" rtlCol="0">
+                <a:spAutoFit/>
+              </a:bodyPr>
+              <a:lstStyle/>
+              <a:p>
+                <a:r>
+                  <a:rPr kumimoji="1" lang="en-US" altLang="zh-CN" sz="1200" dirty="0">
+                    <a:solidFill>
+                      <a:schemeClr val="bg1"/>
+                    </a:solidFill>
+                    <a:latin typeface="Microsoft YaHei" panose="020B0503020204020204" pitchFamily="34" charset="-122"/>
+                    <a:ea typeface="Microsoft YaHei" panose="020B0503020204020204" pitchFamily="34" charset="-122"/>
+                  </a:rPr>
+                  <a:t>1</a:t>
+                </a:r>
+                <a:endParaRPr kumimoji="1" lang="zh-CN" altLang="en-US" sz="1200" dirty="0">
                   <a:solidFill>
                     <a:schemeClr val="bg1"/>
                   </a:solidFill>
-                  <a:latin typeface="Arial" panose="020B0604020202020204" pitchFamily="34" charset="0"/>
-                  <a:cs typeface="Arial" panose="020B0604020202020204" pitchFamily="34" charset="0"/>
-                </a:rPr>
-                <a:t>Engine Layer</a:t>
-              </a:r>
-              <a:endParaRPr lang="zh-CN" altLang="en-US" sz="1000" dirty="0">
-                <a:solidFill>
-                  <a:schemeClr val="bg1"/>
-                </a:solidFill>
-                <a:latin typeface="Arial" panose="020B0604020202020204" pitchFamily="34" charset="0"/>
-                <a:cs typeface="Arial" panose="020B0604020202020204" pitchFamily="34" charset="0"/>
-              </a:endParaRPr>
-            </a:p>
-          </p:txBody>
-        </p:sp>
-      </p:grpSp>
-      <p:grpSp>
-        <p:nvGrpSpPr>
-          <p:cNvPr id="189" name="组合 188">
-            <a:extLst>
-              <a:ext uri="{FF2B5EF4-FFF2-40B4-BE49-F238E27FC236}">
-                <a16:creationId xmlns:a16="http://schemas.microsoft.com/office/drawing/2014/main" id="{858FF210-9A07-9D43-862C-D84455445A9D}"/>
-              </a:ext>
-            </a:extLst>
-          </p:cNvPr>
-          <p:cNvGrpSpPr/>
-          <p:nvPr/>
-        </p:nvGrpSpPr>
-        <p:grpSpPr>
-          <a:xfrm>
-            <a:off x="216268" y="2673038"/>
-            <a:ext cx="1293532" cy="1277822"/>
-            <a:chOff x="-2905049" y="3373908"/>
-            <a:chExt cx="1928419" cy="1905000"/>
-          </a:xfrm>
-        </p:grpSpPr>
-        <p:pic>
-          <p:nvPicPr>
-            <p:cNvPr id="212" name="图形 119">
-              <a:extLst>
-                <a:ext uri="{FF2B5EF4-FFF2-40B4-BE49-F238E27FC236}">
-                  <a16:creationId xmlns:a16="http://schemas.microsoft.com/office/drawing/2014/main" id="{9651FCF1-E117-4246-9EE5-CDBE1D911BF6}"/>
-                </a:ext>
-              </a:extLst>
-            </p:cNvPr>
-            <p:cNvPicPr>
-              <a:picLocks noChangeAspect="1"/>
-            </p:cNvPicPr>
-            <p:nvPr/>
-          </p:nvPicPr>
-          <p:blipFill>
-            <a:blip r:embed="rId12" cstate="print">
-              <a:extLst>
-                <a:ext uri="{28A0092B-C50C-407E-A947-70E740481C1C}">
-                  <a14:useLocalDpi xmlns:a14="http://schemas.microsoft.com/office/drawing/2010/main" val="0"/>
-                </a:ext>
-                <a:ext uri="{96DAC541-7B7A-43D3-8B79-37D633B846F1}">
-                  <asvg:svgBlip xmlns:asvg="http://schemas.microsoft.com/office/drawing/2016/SVG/main" r:embed="rId11"/>
-                </a:ext>
-              </a:extLst>
-            </a:blip>
-            <a:stretch>
-              <a:fillRect/>
-            </a:stretch>
-          </p:blipFill>
-          <p:spPr>
-            <a:xfrm>
-              <a:off x="-2905049" y="3373908"/>
-              <a:ext cx="1922370" cy="1905000"/>
-            </a:xfrm>
-            <a:prstGeom prst="rect">
-              <a:avLst/>
-            </a:prstGeom>
-          </p:spPr>
-        </p:pic>
-        <p:sp>
-          <p:nvSpPr>
-            <p:cNvPr id="213" name="文本框 212">
-              <a:extLst>
-                <a:ext uri="{FF2B5EF4-FFF2-40B4-BE49-F238E27FC236}">
-                  <a16:creationId xmlns:a16="http://schemas.microsoft.com/office/drawing/2014/main" id="{9607E956-32E7-D04F-A594-5920E2071560}"/>
-                </a:ext>
-              </a:extLst>
-            </p:cNvPr>
-            <p:cNvSpPr txBox="1"/>
-            <p:nvPr/>
-          </p:nvSpPr>
-          <p:spPr>
-            <a:xfrm>
-              <a:off x="-2621071" y="3825915"/>
-              <a:ext cx="1644441" cy="367071"/>
-            </a:xfrm>
-            <a:prstGeom prst="rect">
-              <a:avLst/>
-            </a:prstGeom>
-            <a:noFill/>
-          </p:spPr>
-          <p:txBody>
-            <a:bodyPr wrap="square" rtlCol="0">
-              <a:spAutoFit/>
-            </a:bodyPr>
-            <a:lstStyle/>
-            <a:p>
-              <a:r>
-                <a:rPr lang="en-US" altLang="zh-CN" sz="1000" dirty="0">
+                  <a:latin typeface="Microsoft YaHei" panose="020B0503020204020204" pitchFamily="34" charset="-122"/>
+                  <a:ea typeface="Microsoft YaHei" panose="020B0503020204020204" pitchFamily="34" charset="-122"/>
+                </a:endParaRPr>
+              </a:p>
+            </p:txBody>
+          </p:sp>
+        </p:grpSp>
+        <p:grpSp>
+          <p:nvGrpSpPr>
+            <p:cNvPr id="157" name="组合 156">
+              <a:extLst>
+                <a:ext uri="{FF2B5EF4-FFF2-40B4-BE49-F238E27FC236}">
+                  <a16:creationId xmlns:a16="http://schemas.microsoft.com/office/drawing/2014/main" id="{B5BCF9CE-4D24-264C-9B7F-C88F73F4380F}"/>
+                </a:ext>
+              </a:extLst>
+            </p:cNvPr>
+            <p:cNvGrpSpPr/>
+            <p:nvPr/>
+          </p:nvGrpSpPr>
+          <p:grpSpPr>
+            <a:xfrm>
+              <a:off x="5817638" y="3781500"/>
+              <a:ext cx="305429" cy="276999"/>
+              <a:chOff x="-83138" y="2525076"/>
+              <a:chExt cx="305429" cy="276999"/>
+            </a:xfrm>
+          </p:grpSpPr>
+          <p:pic>
+            <p:nvPicPr>
+              <p:cNvPr id="158" name="图形 157">
+                <a:extLst>
+                  <a:ext uri="{FF2B5EF4-FFF2-40B4-BE49-F238E27FC236}">
+                    <a16:creationId xmlns:a16="http://schemas.microsoft.com/office/drawing/2014/main" id="{EDFD4F3D-89A1-974B-BA6D-19AFFADBDA10}"/>
+                  </a:ext>
+                </a:extLst>
+              </p:cNvPr>
+              <p:cNvPicPr>
+                <a:picLocks noChangeAspect="1"/>
+              </p:cNvPicPr>
+              <p:nvPr/>
+            </p:nvPicPr>
+            <p:blipFill>
+              <a:blip r:embed="rId2">
+                <a:extLst>
+                  <a:ext uri="{96DAC541-7B7A-43D3-8B79-37D633B846F1}">
+                    <asvg:svgBlip xmlns:asvg="http://schemas.microsoft.com/office/drawing/2016/SVG/main" r:embed="rId3"/>
+                  </a:ext>
+                </a:extLst>
+              </a:blip>
+              <a:stretch>
+                <a:fillRect/>
+              </a:stretch>
+            </p:blipFill>
+            <p:spPr>
+              <a:xfrm>
+                <a:off x="-78288" y="2525076"/>
+                <a:ext cx="300579" cy="273742"/>
+              </a:xfrm>
+              <a:prstGeom prst="rect">
+                <a:avLst/>
+              </a:prstGeom>
+            </p:spPr>
+          </p:pic>
+          <p:sp>
+            <p:nvSpPr>
+              <p:cNvPr id="159" name="文本框 158">
+                <a:extLst>
+                  <a:ext uri="{FF2B5EF4-FFF2-40B4-BE49-F238E27FC236}">
+                    <a16:creationId xmlns:a16="http://schemas.microsoft.com/office/drawing/2014/main" id="{7850C64A-0657-0E41-B0C9-9B685C7842C9}"/>
+                  </a:ext>
+                </a:extLst>
+              </p:cNvPr>
+              <p:cNvSpPr txBox="1"/>
+              <p:nvPr/>
+            </p:nvSpPr>
+            <p:spPr>
+              <a:xfrm>
+                <a:off x="-83138" y="2525076"/>
+                <a:ext cx="274434" cy="276999"/>
+              </a:xfrm>
+              <a:prstGeom prst="rect">
+                <a:avLst/>
+              </a:prstGeom>
+              <a:noFill/>
+            </p:spPr>
+            <p:txBody>
+              <a:bodyPr wrap="none" rtlCol="0">
+                <a:spAutoFit/>
+              </a:bodyPr>
+              <a:lstStyle/>
+              <a:p>
+                <a:r>
+                  <a:rPr kumimoji="1" lang="en-US" altLang="zh-CN" sz="1200" dirty="0">
+                    <a:solidFill>
+                      <a:schemeClr val="bg1"/>
+                    </a:solidFill>
+                    <a:latin typeface="Microsoft YaHei" panose="020B0503020204020204" pitchFamily="34" charset="-122"/>
+                    <a:ea typeface="Microsoft YaHei" panose="020B0503020204020204" pitchFamily="34" charset="-122"/>
+                  </a:rPr>
+                  <a:t>2</a:t>
+                </a:r>
+                <a:endParaRPr kumimoji="1" lang="zh-CN" altLang="en-US" sz="1200" dirty="0">
                   <a:solidFill>
                     <a:schemeClr val="bg1"/>
                   </a:solidFill>
-                  <a:latin typeface="Arial" panose="020B0604020202020204" pitchFamily="34" charset="0"/>
-                  <a:cs typeface="Arial" panose="020B0604020202020204" pitchFamily="34" charset="0"/>
-                </a:rPr>
-                <a:t>Storage Layer</a:t>
-              </a:r>
-              <a:endParaRPr lang="zh-CN" altLang="en-US" sz="1000" dirty="0">
-                <a:solidFill>
-                  <a:schemeClr val="bg1"/>
-                </a:solidFill>
-                <a:latin typeface="Arial" panose="020B0604020202020204" pitchFamily="34" charset="0"/>
-                <a:cs typeface="Arial" panose="020B0604020202020204" pitchFamily="34" charset="0"/>
-              </a:endParaRPr>
-            </a:p>
-          </p:txBody>
-        </p:sp>
-      </p:grpSp>
-      <p:cxnSp>
-        <p:nvCxnSpPr>
-          <p:cNvPr id="191" name="肘形连接符 190">
-            <a:extLst>
-              <a:ext uri="{FF2B5EF4-FFF2-40B4-BE49-F238E27FC236}">
-                <a16:creationId xmlns:a16="http://schemas.microsoft.com/office/drawing/2014/main" id="{25440A0B-85BB-3348-9C5F-C8C7022585D5}"/>
-              </a:ext>
-            </a:extLst>
-          </p:cNvPr>
-          <p:cNvCxnSpPr>
-            <a:cxnSpLocks/>
-          </p:cNvCxnSpPr>
-          <p:nvPr/>
-        </p:nvCxnSpPr>
-        <p:spPr>
-          <a:xfrm rot="5400000">
-            <a:off x="8602533" y="2562354"/>
-            <a:ext cx="1003238" cy="720000"/>
-          </a:xfrm>
-          <a:prstGeom prst="bentConnector2">
-            <a:avLst/>
-          </a:prstGeom>
-          <a:ln w="25400">
-            <a:solidFill>
-              <a:srgbClr val="ED7D31"/>
-            </a:solidFill>
-            <a:tailEnd type="triangle"/>
-          </a:ln>
-        </p:spPr>
-        <p:style>
-          <a:lnRef idx="1">
-            <a:schemeClr val="accent1"/>
-          </a:lnRef>
-          <a:fillRef idx="0">
-            <a:schemeClr val="accent1"/>
-          </a:fillRef>
-          <a:effectRef idx="0">
-            <a:schemeClr val="accent1"/>
-          </a:effectRef>
-          <a:fontRef idx="minor">
-            <a:schemeClr val="tx1"/>
-          </a:fontRef>
-        </p:style>
-      </p:cxnSp>
-      <p:cxnSp>
-        <p:nvCxnSpPr>
-          <p:cNvPr id="192" name="肘形连接符 191">
-            <a:extLst>
-              <a:ext uri="{FF2B5EF4-FFF2-40B4-BE49-F238E27FC236}">
-                <a16:creationId xmlns:a16="http://schemas.microsoft.com/office/drawing/2014/main" id="{3B7337E1-9745-BF4C-8997-27BB3BC5A270}"/>
-              </a:ext>
-            </a:extLst>
-          </p:cNvPr>
-          <p:cNvCxnSpPr>
-            <a:cxnSpLocks/>
-          </p:cNvCxnSpPr>
-          <p:nvPr/>
-        </p:nvCxnSpPr>
-        <p:spPr>
-          <a:xfrm rot="5400000">
-            <a:off x="8327047" y="2835704"/>
-            <a:ext cx="1800000" cy="900000"/>
-          </a:xfrm>
-          <a:prstGeom prst="bentConnector2">
-            <a:avLst/>
-          </a:prstGeom>
-          <a:ln w="25400">
-            <a:solidFill>
-              <a:srgbClr val="FCD604"/>
-            </a:solidFill>
-            <a:tailEnd type="triangle"/>
-          </a:ln>
-        </p:spPr>
-        <p:style>
-          <a:lnRef idx="1">
-            <a:schemeClr val="accent1"/>
-          </a:lnRef>
-          <a:fillRef idx="0">
-            <a:schemeClr val="accent1"/>
-          </a:fillRef>
-          <a:effectRef idx="0">
-            <a:schemeClr val="accent1"/>
-          </a:effectRef>
-          <a:fontRef idx="minor">
-            <a:schemeClr val="tx1"/>
-          </a:fontRef>
-        </p:style>
-      </p:cxnSp>
-      <p:cxnSp>
-        <p:nvCxnSpPr>
-          <p:cNvPr id="193" name="肘形连接符 192">
-            <a:extLst>
-              <a:ext uri="{FF2B5EF4-FFF2-40B4-BE49-F238E27FC236}">
-                <a16:creationId xmlns:a16="http://schemas.microsoft.com/office/drawing/2014/main" id="{32DAB55D-4C65-7646-B631-96FBDD615C46}"/>
-              </a:ext>
-            </a:extLst>
-          </p:cNvPr>
-          <p:cNvCxnSpPr>
-            <a:cxnSpLocks/>
-          </p:cNvCxnSpPr>
-          <p:nvPr/>
-        </p:nvCxnSpPr>
-        <p:spPr>
-          <a:xfrm rot="16200000" flipH="1">
-            <a:off x="6149788" y="2179282"/>
-            <a:ext cx="1049379" cy="1440000"/>
-          </a:xfrm>
-          <a:prstGeom prst="bentConnector2">
-            <a:avLst/>
-          </a:prstGeom>
-          <a:ln w="25400">
-            <a:solidFill>
-              <a:srgbClr val="ED7D31"/>
-            </a:solidFill>
-            <a:tailEnd type="triangle"/>
-          </a:ln>
-        </p:spPr>
-        <p:style>
-          <a:lnRef idx="1">
-            <a:schemeClr val="accent1"/>
-          </a:lnRef>
-          <a:fillRef idx="0">
-            <a:schemeClr val="accent1"/>
-          </a:fillRef>
-          <a:effectRef idx="0">
-            <a:schemeClr val="accent1"/>
-          </a:effectRef>
-          <a:fontRef idx="minor">
-            <a:schemeClr val="tx1"/>
-          </a:fontRef>
-        </p:style>
-      </p:cxnSp>
-      <p:sp>
-        <p:nvSpPr>
-          <p:cNvPr id="197" name="文本框 196"/>
-          <p:cNvSpPr txBox="1"/>
-          <p:nvPr/>
-        </p:nvSpPr>
-        <p:spPr>
-          <a:xfrm>
-            <a:off x="6311581" y="3797745"/>
-            <a:ext cx="1270740" cy="369330"/>
-          </a:xfrm>
-          <a:prstGeom prst="rect">
-            <a:avLst/>
-          </a:prstGeom>
-          <a:noFill/>
-          <a:ln w="12700" cap="flat">
-            <a:noFill/>
-            <a:miter lim="400000"/>
-          </a:ln>
-          <a:effectLst/>
-          <a:sp3d/>
-        </p:spPr>
-        <p:style>
-          <a:lnRef idx="0">
-            <a:scrgbClr r="0" g="0" b="0"/>
-          </a:lnRef>
-          <a:fillRef idx="0">
-            <a:scrgbClr r="0" g="0" b="0"/>
-          </a:fillRef>
-          <a:effectRef idx="0">
-            <a:scrgbClr r="0" g="0" b="0"/>
-          </a:effectRef>
-          <a:fontRef idx="none"/>
-        </p:style>
-        <p:txBody>
-          <a:bodyPr rot="0" spcFirstLastPara="1" vertOverflow="overflow" horzOverflow="overflow" vert="horz" wrap="square" lIns="45719" tIns="45719" rIns="45719" bIns="45719" numCol="1" spcCol="38100" rtlCol="0" anchor="t">
-            <a:spAutoFit/>
-          </a:bodyPr>
-          <a:lstStyle/>
-          <a:p>
-            <a:pPr marL="0" marR="0" indent="0" algn="l" defTabSz="914400" rtl="0" fontAlgn="auto" latinLnBrk="0" hangingPunct="0">
-              <a:lnSpc>
-                <a:spcPct val="100000"/>
-              </a:lnSpc>
-              <a:spcBef>
-                <a:spcPts val="0"/>
-              </a:spcBef>
-              <a:spcAft>
-                <a:spcPts val="0"/>
-              </a:spcAft>
-              <a:buClrTx/>
-              <a:buSzTx/>
-              <a:buFontTx/>
-              <a:buNone/>
-              <a:tabLst/>
-            </a:pPr>
-            <a:r>
-              <a:rPr kumimoji="0" lang="en-US" altLang="zh-CN" sz="900" b="0" i="0" u="none" strike="noStrike" cap="none" spc="0" normalizeH="0" baseline="0" dirty="0">
-                <a:ln>
-                  <a:noFill/>
-                </a:ln>
-                <a:solidFill>
-                  <a:srgbClr val="000000"/>
-                </a:solidFill>
-                <a:effectLst/>
-                <a:uFillTx/>
-                <a:latin typeface="Arial" panose="020B0604020202020204" pitchFamily="34" charset="0"/>
-                <a:cs typeface="Arial" panose="020B0604020202020204" pitchFamily="34" charset="0"/>
-                <a:sym typeface="等线"/>
-              </a:rPr>
-              <a:t>Storage Policy</a:t>
-            </a:r>
-          </a:p>
-          <a:p>
-            <a:pPr marL="0" marR="0" indent="0" algn="l" defTabSz="914400" rtl="0" fontAlgn="auto" latinLnBrk="0" hangingPunct="0">
-              <a:lnSpc>
-                <a:spcPct val="100000"/>
-              </a:lnSpc>
-              <a:spcBef>
-                <a:spcPts val="0"/>
-              </a:spcBef>
-              <a:spcAft>
-                <a:spcPts val="0"/>
-              </a:spcAft>
-              <a:buClrTx/>
-              <a:buSzTx/>
-              <a:buFontTx/>
-              <a:buNone/>
-              <a:tabLst/>
-            </a:pPr>
-            <a:r>
-              <a:rPr lang="en-US" altLang="zh-CN" sz="900" dirty="0">
-                <a:solidFill>
-                  <a:srgbClr val="000000"/>
-                </a:solidFill>
-                <a:latin typeface="Arial" panose="020B0604020202020204" pitchFamily="34" charset="0"/>
-                <a:cs typeface="Arial" panose="020B0604020202020204" pitchFamily="34" charset="0"/>
-                <a:sym typeface="等线"/>
-              </a:rPr>
-              <a:t>(User defined)</a:t>
-            </a:r>
-            <a:endParaRPr kumimoji="0" lang="zh-CN" altLang="en-US" sz="900" b="0" i="0" u="none" strike="noStrike" cap="none" spc="0" normalizeH="0" baseline="0" dirty="0">
-              <a:ln>
-                <a:noFill/>
-              </a:ln>
-              <a:solidFill>
-                <a:srgbClr val="000000"/>
-              </a:solidFill>
-              <a:effectLst/>
-              <a:uFillTx/>
-              <a:latin typeface="Arial" panose="020B0604020202020204" pitchFamily="34" charset="0"/>
-              <a:cs typeface="Arial" panose="020B0604020202020204" pitchFamily="34" charset="0"/>
-              <a:sym typeface="等线"/>
-            </a:endParaRPr>
-          </a:p>
-        </p:txBody>
-      </p:sp>
-      <p:grpSp>
-        <p:nvGrpSpPr>
-          <p:cNvPr id="198" name="组合 197"/>
-          <p:cNvGrpSpPr/>
-          <p:nvPr/>
-        </p:nvGrpSpPr>
-        <p:grpSpPr>
-          <a:xfrm>
-            <a:off x="7416577" y="4664453"/>
-            <a:ext cx="1369602" cy="570061"/>
-            <a:chOff x="7847306" y="3274612"/>
-            <a:chExt cx="1369602" cy="676139"/>
-          </a:xfrm>
-        </p:grpSpPr>
+                  <a:latin typeface="Microsoft YaHei" panose="020B0503020204020204" pitchFamily="34" charset="-122"/>
+                  <a:ea typeface="Microsoft YaHei" panose="020B0503020204020204" pitchFamily="34" charset="-122"/>
+                </a:endParaRPr>
+              </a:p>
+            </p:txBody>
+          </p:sp>
+        </p:grpSp>
         <p:sp>
           <p:nvSpPr>
-            <p:cNvPr id="206" name="矩形 205">
-              <a:extLst>
-                <a:ext uri="{FF2B5EF4-FFF2-40B4-BE49-F238E27FC236}">
-                  <a16:creationId xmlns:a16="http://schemas.microsoft.com/office/drawing/2014/main" id="{4BCACF73-6426-7A42-9B30-35645BE1FAA2}"/>
+            <p:cNvPr id="163" name="矩形 162">
+              <a:extLst>
+                <a:ext uri="{FF2B5EF4-FFF2-40B4-BE49-F238E27FC236}">
+                  <a16:creationId xmlns:a16="http://schemas.microsoft.com/office/drawing/2014/main" id="{FC07B141-1AF8-5E49-8E72-D3E24EACCB41}"/>
                 </a:ext>
               </a:extLst>
             </p:cNvPr>
@@ -21219,17 +19515,17 @@
           </p:nvSpPr>
           <p:spPr>
             <a:xfrm>
-              <a:off x="7847306" y="3274612"/>
+              <a:off x="854811" y="1698455"/>
               <a:ext cx="1369602" cy="676139"/>
             </a:xfrm>
             <a:prstGeom prst="rect">
               <a:avLst/>
             </a:prstGeom>
-            <a:solidFill>
-              <a:srgbClr val="F5F5FA"/>
-            </a:solidFill>
+            <a:noFill/>
             <a:ln w="12700">
-              <a:noFill/>
+              <a:solidFill>
+                <a:srgbClr val="A2A5BC"/>
+              </a:solidFill>
             </a:ln>
           </p:spPr>
           <p:style>
@@ -21262,10 +19558,266 @@
         </p:sp>
         <p:sp>
           <p:nvSpPr>
-            <p:cNvPr id="207" name="文本框 206">
-              <a:extLst>
-                <a:ext uri="{FF2B5EF4-FFF2-40B4-BE49-F238E27FC236}">
-                  <a16:creationId xmlns:a16="http://schemas.microsoft.com/office/drawing/2014/main" id="{AE0CF8F0-0930-9748-B7E3-9588412791CE}"/>
+            <p:cNvPr id="164" name="矩形 163">
+              <a:extLst>
+                <a:ext uri="{FF2B5EF4-FFF2-40B4-BE49-F238E27FC236}">
+                  <a16:creationId xmlns:a16="http://schemas.microsoft.com/office/drawing/2014/main" id="{940F5D82-BAEA-6A48-99ED-2FFA4C8794CA}"/>
+                </a:ext>
+              </a:extLst>
+            </p:cNvPr>
+            <p:cNvSpPr/>
+            <p:nvPr/>
+          </p:nvSpPr>
+          <p:spPr>
+            <a:xfrm>
+              <a:off x="2772803" y="1698455"/>
+              <a:ext cx="1369602" cy="676139"/>
+            </a:xfrm>
+            <a:prstGeom prst="rect">
+              <a:avLst/>
+            </a:prstGeom>
+            <a:solidFill>
+              <a:srgbClr val="7CDAF8"/>
+            </a:solidFill>
+            <a:ln w="12700">
+              <a:noFill/>
+            </a:ln>
+          </p:spPr>
+          <p:style>
+            <a:lnRef idx="2">
+              <a:schemeClr val="accent1">
+                <a:shade val="50000"/>
+              </a:schemeClr>
+            </a:lnRef>
+            <a:fillRef idx="1">
+              <a:schemeClr val="accent1"/>
+            </a:fillRef>
+            <a:effectRef idx="0">
+              <a:schemeClr val="accent1"/>
+            </a:effectRef>
+            <a:fontRef idx="minor">
+              <a:schemeClr val="lt1"/>
+            </a:fontRef>
+          </p:style>
+          <p:txBody>
+            <a:bodyPr rtlCol="0" anchor="ctr"/>
+            <a:lstStyle/>
+            <a:p>
+              <a:pPr algn="ctr"/>
+              <a:endParaRPr kumimoji="1" lang="zh-CN" altLang="en-US" sz="1000">
+                <a:latin typeface="Microsoft YaHei" panose="020B0503020204020204" pitchFamily="34" charset="-122"/>
+                <a:ea typeface="Microsoft YaHei" panose="020B0503020204020204" pitchFamily="34" charset="-122"/>
+              </a:endParaRPr>
+            </a:p>
+          </p:txBody>
+        </p:sp>
+        <p:sp>
+          <p:nvSpPr>
+            <p:cNvPr id="165" name="矩形 164">
+              <a:extLst>
+                <a:ext uri="{FF2B5EF4-FFF2-40B4-BE49-F238E27FC236}">
+                  <a16:creationId xmlns:a16="http://schemas.microsoft.com/office/drawing/2014/main" id="{5AE3C9FC-5964-D749-AD43-8610F618BBB4}"/>
+                </a:ext>
+              </a:extLst>
+            </p:cNvPr>
+            <p:cNvSpPr/>
+            <p:nvPr/>
+          </p:nvSpPr>
+          <p:spPr>
+            <a:xfrm>
+              <a:off x="4745243" y="1698455"/>
+              <a:ext cx="1369602" cy="676139"/>
+            </a:xfrm>
+            <a:prstGeom prst="rect">
+              <a:avLst/>
+            </a:prstGeom>
+            <a:solidFill>
+              <a:srgbClr val="F5F5FA"/>
+            </a:solidFill>
+            <a:ln w="12700">
+              <a:noFill/>
+            </a:ln>
+          </p:spPr>
+          <p:style>
+            <a:lnRef idx="2">
+              <a:schemeClr val="accent1">
+                <a:shade val="50000"/>
+              </a:schemeClr>
+            </a:lnRef>
+            <a:fillRef idx="1">
+              <a:schemeClr val="accent1"/>
+            </a:fillRef>
+            <a:effectRef idx="0">
+              <a:schemeClr val="accent1"/>
+            </a:effectRef>
+            <a:fontRef idx="minor">
+              <a:schemeClr val="lt1"/>
+            </a:fontRef>
+          </p:style>
+          <p:txBody>
+            <a:bodyPr rtlCol="0" anchor="ctr"/>
+            <a:lstStyle/>
+            <a:p>
+              <a:pPr algn="ctr"/>
+              <a:endParaRPr kumimoji="1" lang="zh-CN" altLang="en-US" sz="1000">
+                <a:latin typeface="Microsoft YaHei" panose="020B0503020204020204" pitchFamily="34" charset="-122"/>
+                <a:ea typeface="Microsoft YaHei" panose="020B0503020204020204" pitchFamily="34" charset="-122"/>
+              </a:endParaRPr>
+            </a:p>
+          </p:txBody>
+        </p:sp>
+        <p:cxnSp>
+          <p:nvCxnSpPr>
+            <p:cNvPr id="166" name="直线箭头连接符 85">
+              <a:extLst>
+                <a:ext uri="{FF2B5EF4-FFF2-40B4-BE49-F238E27FC236}">
+                  <a16:creationId xmlns:a16="http://schemas.microsoft.com/office/drawing/2014/main" id="{D0DD3AB4-37FD-B949-B7AC-B7DA00FB1221}"/>
+                </a:ext>
+              </a:extLst>
+            </p:cNvPr>
+            <p:cNvCxnSpPr>
+              <a:cxnSpLocks/>
+            </p:cNvCxnSpPr>
+            <p:nvPr/>
+          </p:nvCxnSpPr>
+          <p:spPr>
+            <a:xfrm>
+              <a:off x="4276898" y="2032830"/>
+              <a:ext cx="312575" cy="0"/>
+            </a:xfrm>
+            <a:prstGeom prst="straightConnector1">
+              <a:avLst/>
+            </a:prstGeom>
+            <a:ln w="25400">
+              <a:solidFill>
+                <a:srgbClr val="A2A5BC"/>
+              </a:solidFill>
+              <a:tailEnd type="triangle"/>
+            </a:ln>
+          </p:spPr>
+          <p:style>
+            <a:lnRef idx="1">
+              <a:schemeClr val="accent1"/>
+            </a:lnRef>
+            <a:fillRef idx="0">
+              <a:schemeClr val="accent1"/>
+            </a:fillRef>
+            <a:effectRef idx="0">
+              <a:schemeClr val="accent1"/>
+            </a:effectRef>
+            <a:fontRef idx="minor">
+              <a:schemeClr val="tx1"/>
+            </a:fontRef>
+          </p:style>
+        </p:cxnSp>
+        <p:sp>
+          <p:nvSpPr>
+            <p:cNvPr id="167" name="矩形 166">
+              <a:extLst>
+                <a:ext uri="{FF2B5EF4-FFF2-40B4-BE49-F238E27FC236}">
+                  <a16:creationId xmlns:a16="http://schemas.microsoft.com/office/drawing/2014/main" id="{E5D302B8-D645-4F48-A743-02CE113EFA86}"/>
+                </a:ext>
+              </a:extLst>
+            </p:cNvPr>
+            <p:cNvSpPr/>
+            <p:nvPr/>
+          </p:nvSpPr>
+          <p:spPr>
+            <a:xfrm>
+              <a:off x="6717683" y="1688516"/>
+              <a:ext cx="1369602" cy="329275"/>
+            </a:xfrm>
+            <a:prstGeom prst="rect">
+              <a:avLst/>
+            </a:prstGeom>
+            <a:solidFill>
+              <a:schemeClr val="accent1">
+                <a:alpha val="50000"/>
+              </a:schemeClr>
+            </a:solidFill>
+            <a:ln>
+              <a:noFill/>
+            </a:ln>
+          </p:spPr>
+          <p:style>
+            <a:lnRef idx="0">
+              <a:scrgbClr r="0" g="0" b="0"/>
+            </a:lnRef>
+            <a:fillRef idx="0">
+              <a:scrgbClr r="0" g="0" b="0"/>
+            </a:fillRef>
+            <a:effectRef idx="0">
+              <a:scrgbClr r="0" g="0" b="0"/>
+            </a:effectRef>
+            <a:fontRef idx="minor">
+              <a:schemeClr val="lt1"/>
+            </a:fontRef>
+          </p:style>
+          <p:txBody>
+            <a:bodyPr rtlCol="0" anchor="ctr"/>
+            <a:lstStyle/>
+            <a:p>
+              <a:pPr algn="ctr"/>
+              <a:endParaRPr kumimoji="1" lang="zh-CN" altLang="en-US" sz="1000" dirty="0">
+                <a:solidFill>
+                  <a:schemeClr val="bg1"/>
+                </a:solidFill>
+                <a:latin typeface="Microsoft YaHei" panose="020B0503020204020204" pitchFamily="34" charset="-122"/>
+                <a:ea typeface="Microsoft YaHei" panose="020B0503020204020204" pitchFamily="34" charset="-122"/>
+              </a:endParaRPr>
+            </a:p>
+          </p:txBody>
+        </p:sp>
+        <p:cxnSp>
+          <p:nvCxnSpPr>
+            <p:cNvPr id="168" name="直线箭头连接符 87">
+              <a:extLst>
+                <a:ext uri="{FF2B5EF4-FFF2-40B4-BE49-F238E27FC236}">
+                  <a16:creationId xmlns:a16="http://schemas.microsoft.com/office/drawing/2014/main" id="{40624300-AAA7-3F4E-9D2D-96C368AC17F2}"/>
+                </a:ext>
+              </a:extLst>
+            </p:cNvPr>
+            <p:cNvCxnSpPr>
+              <a:cxnSpLocks/>
+            </p:cNvCxnSpPr>
+            <p:nvPr/>
+          </p:nvCxnSpPr>
+          <p:spPr>
+            <a:xfrm>
+              <a:off x="6249338" y="2036525"/>
+              <a:ext cx="312575" cy="0"/>
+            </a:xfrm>
+            <a:prstGeom prst="straightConnector1">
+              <a:avLst/>
+            </a:prstGeom>
+            <a:ln w="25400">
+              <a:solidFill>
+                <a:srgbClr val="A2A5BC"/>
+              </a:solidFill>
+              <a:tailEnd type="triangle"/>
+            </a:ln>
+          </p:spPr>
+          <p:style>
+            <a:lnRef idx="1">
+              <a:schemeClr val="accent1"/>
+            </a:lnRef>
+            <a:fillRef idx="0">
+              <a:schemeClr val="accent1"/>
+            </a:fillRef>
+            <a:effectRef idx="0">
+              <a:schemeClr val="accent1"/>
+            </a:effectRef>
+            <a:fontRef idx="minor">
+              <a:schemeClr val="tx1"/>
+            </a:fontRef>
+          </p:style>
+        </p:cxnSp>
+        <p:sp>
+          <p:nvSpPr>
+            <p:cNvPr id="169" name="文本框 168">
+              <a:extLst>
+                <a:ext uri="{FF2B5EF4-FFF2-40B4-BE49-F238E27FC236}">
+                  <a16:creationId xmlns:a16="http://schemas.microsoft.com/office/drawing/2014/main" id="{6654B1AB-E884-924E-8A75-47ACE64F7180}"/>
                 </a:ext>
               </a:extLst>
             </p:cNvPr>
@@ -21274,8 +19826,8 @@
           </p:nvSpPr>
           <p:spPr>
             <a:xfrm>
-              <a:off x="7951626" y="3494491"/>
-              <a:ext cx="1134670" cy="273786"/>
+              <a:off x="1302996" y="1911644"/>
+              <a:ext cx="658582" cy="230832"/>
             </a:xfrm>
             <a:prstGeom prst="rect">
               <a:avLst/>
@@ -21297,291 +19849,1353 @@
                   <a:latin typeface="Arial" panose="020B0604020202020204" pitchFamily="34" charset="0"/>
                   <a:cs typeface="Arial" panose="020B0604020202020204" pitchFamily="34" charset="0"/>
                 </a:rPr>
-                <a:t>Archive</a:t>
+                <a:t>IoT</a:t>
               </a:r>
-            </a:p>
-          </p:txBody>
-        </p:sp>
-      </p:grpSp>
-      <p:cxnSp>
-        <p:nvCxnSpPr>
-          <p:cNvPr id="199" name="肘形连接符 198">
-            <a:extLst>
-              <a:ext uri="{FF2B5EF4-FFF2-40B4-BE49-F238E27FC236}">
-                <a16:creationId xmlns:a16="http://schemas.microsoft.com/office/drawing/2014/main" id="{32DAB55D-4C65-7646-B631-96FBDD615C46}"/>
-              </a:ext>
-            </a:extLst>
-          </p:cNvPr>
-          <p:cNvCxnSpPr>
-            <a:cxnSpLocks/>
-            <a:endCxn id="218" idx="1"/>
-          </p:cNvCxnSpPr>
-          <p:nvPr/>
-        </p:nvCxnSpPr>
-        <p:spPr>
-          <a:xfrm rot="16200000" flipH="1">
-            <a:off x="5654549" y="2415121"/>
-            <a:ext cx="1798711" cy="1717655"/>
-          </a:xfrm>
-          <a:prstGeom prst="bentConnector2">
-            <a:avLst/>
-          </a:prstGeom>
-          <a:ln w="28575">
-            <a:tailEnd type="triangle"/>
-          </a:ln>
-        </p:spPr>
-        <p:style>
-          <a:lnRef idx="3">
-            <a:schemeClr val="accent5"/>
-          </a:lnRef>
-          <a:fillRef idx="0">
-            <a:schemeClr val="accent5"/>
-          </a:fillRef>
-          <a:effectRef idx="2">
-            <a:schemeClr val="accent5"/>
-          </a:effectRef>
-          <a:fontRef idx="minor">
-            <a:schemeClr val="tx1"/>
-          </a:fontRef>
-        </p:style>
-      </p:cxnSp>
-      <p:pic>
-        <p:nvPicPr>
-          <p:cNvPr id="200" name="图形 94">
-            <a:extLst>
-              <a:ext uri="{FF2B5EF4-FFF2-40B4-BE49-F238E27FC236}">
-                <a16:creationId xmlns:a16="http://schemas.microsoft.com/office/drawing/2014/main" id="{E5609B2E-A8F2-C545-ADF9-4645B9D2D5DC}"/>
-              </a:ext>
-            </a:extLst>
-          </p:cNvPr>
-          <p:cNvPicPr>
-            <a:picLocks noChangeAspect="1"/>
-          </p:cNvPicPr>
-          <p:nvPr/>
-        </p:nvPicPr>
-        <p:blipFill>
-          <a:blip r:embed="rId6">
-            <a:extLst>
-              <a:ext uri="{96DAC541-7B7A-43D3-8B79-37D633B846F1}">
-                <asvg:svgBlip xmlns:asvg="http://schemas.microsoft.com/office/drawing/2016/SVG/main" r:embed="rId7"/>
-              </a:ext>
-            </a:extLst>
-          </a:blip>
-          <a:stretch>
-            <a:fillRect/>
-          </a:stretch>
-        </p:blipFill>
-        <p:spPr>
-          <a:xfrm>
-            <a:off x="9021043" y="1292095"/>
-            <a:ext cx="229404" cy="229404"/>
-          </a:xfrm>
-          <a:prstGeom prst="rect">
-            <a:avLst/>
-          </a:prstGeom>
-        </p:spPr>
-      </p:pic>
-      <p:sp>
-        <p:nvSpPr>
-          <p:cNvPr id="201" name="文本框 200">
-            <a:extLst>
-              <a:ext uri="{FF2B5EF4-FFF2-40B4-BE49-F238E27FC236}">
-                <a16:creationId xmlns:a16="http://schemas.microsoft.com/office/drawing/2014/main" id="{0DC49CD2-5A6D-8D4A-A58F-2A78DC169608}"/>
-              </a:ext>
-            </a:extLst>
-          </p:cNvPr>
-          <p:cNvSpPr txBox="1"/>
-          <p:nvPr/>
-        </p:nvSpPr>
-        <p:spPr>
-          <a:xfrm>
-            <a:off x="9245239" y="1214343"/>
-            <a:ext cx="658582" cy="369332"/>
-          </a:xfrm>
-          <a:prstGeom prst="rect">
-            <a:avLst/>
-          </a:prstGeom>
-          <a:noFill/>
-        </p:spPr>
-        <p:txBody>
-          <a:bodyPr wrap="square" rtlCol="0">
-            <a:spAutoFit/>
-          </a:bodyPr>
-          <a:lstStyle/>
-          <a:p>
-            <a:pPr algn="ctr"/>
-            <a:r>
-              <a:rPr kumimoji="1" lang="en-US" altLang="zh-CN" sz="900" b="1" dirty="0">
+              <a:r>
+                <a:rPr kumimoji="1" lang="zh-CN" altLang="en-US" sz="900" b="1" dirty="0">
+                  <a:solidFill>
+                    <a:srgbClr val="383C57"/>
+                  </a:solidFill>
+                  <a:latin typeface="Arial" panose="020B0604020202020204" pitchFamily="34" charset="0"/>
+                  <a:cs typeface="Arial" panose="020B0604020202020204" pitchFamily="34" charset="0"/>
+                </a:rPr>
+                <a:t> </a:t>
+              </a:r>
+              <a:r>
+                <a:rPr kumimoji="1" lang="en-US" altLang="zh-CN" sz="900" b="1" dirty="0">
+                  <a:solidFill>
+                    <a:srgbClr val="383C57"/>
+                  </a:solidFill>
+                  <a:latin typeface="Arial" panose="020B0604020202020204" pitchFamily="34" charset="0"/>
+                  <a:cs typeface="Arial" panose="020B0604020202020204" pitchFamily="34" charset="0"/>
+                </a:rPr>
+                <a:t>Hub</a:t>
+              </a:r>
+              <a:endParaRPr kumimoji="1" lang="zh-CN" altLang="en-US" sz="900" b="1" dirty="0">
                 <a:solidFill>
                   <a:srgbClr val="383C57"/>
                 </a:solidFill>
                 <a:latin typeface="Arial" panose="020B0604020202020204" pitchFamily="34" charset="0"/>
                 <a:cs typeface="Arial" panose="020B0604020202020204" pitchFamily="34" charset="0"/>
-              </a:rPr>
-              <a:t>Kafka Topic</a:t>
-            </a:r>
-            <a:endParaRPr kumimoji="1" lang="zh-CN" altLang="en-US" sz="900" b="1" dirty="0">
-              <a:solidFill>
-                <a:srgbClr val="383C57"/>
-              </a:solidFill>
-              <a:latin typeface="Arial" panose="020B0604020202020204" pitchFamily="34" charset="0"/>
-              <a:cs typeface="Arial" panose="020B0604020202020204" pitchFamily="34" charset="0"/>
-            </a:endParaRPr>
-          </a:p>
-        </p:txBody>
-      </p:sp>
-      <p:cxnSp>
-        <p:nvCxnSpPr>
-          <p:cNvPr id="202" name="肘形连接符 201">
-            <a:extLst>
-              <a:ext uri="{FF2B5EF4-FFF2-40B4-BE49-F238E27FC236}">
-                <a16:creationId xmlns:a16="http://schemas.microsoft.com/office/drawing/2014/main" id="{32DAB55D-4C65-7646-B631-96FBDD615C46}"/>
-              </a:ext>
-            </a:extLst>
-          </p:cNvPr>
-          <p:cNvCxnSpPr>
-            <a:cxnSpLocks/>
-            <a:stCxn id="165" idx="2"/>
-            <a:endCxn id="206" idx="1"/>
-          </p:cNvCxnSpPr>
-          <p:nvPr/>
-        </p:nvCxnSpPr>
-        <p:spPr>
-          <a:xfrm rot="16200000" flipH="1">
-            <a:off x="5135865" y="2668772"/>
-            <a:ext cx="2574890" cy="1986533"/>
-          </a:xfrm>
-          <a:prstGeom prst="bentConnector2">
-            <a:avLst/>
-          </a:prstGeom>
-          <a:ln w="28575">
+              </a:endParaRPr>
+            </a:p>
+          </p:txBody>
+        </p:sp>
+        <p:sp>
+          <p:nvSpPr>
+            <p:cNvPr id="170" name="文本框 169">
+              <a:extLst>
+                <a:ext uri="{FF2B5EF4-FFF2-40B4-BE49-F238E27FC236}">
+                  <a16:creationId xmlns:a16="http://schemas.microsoft.com/office/drawing/2014/main" id="{7A305BB5-13BA-AB45-A27E-FC98EBF5B15A}"/>
+                </a:ext>
+              </a:extLst>
+            </p:cNvPr>
+            <p:cNvSpPr txBox="1"/>
+            <p:nvPr/>
+          </p:nvSpPr>
+          <p:spPr>
+            <a:xfrm>
+              <a:off x="2938768" y="1933300"/>
+              <a:ext cx="1103199" cy="230832"/>
+            </a:xfrm>
+            <a:prstGeom prst="rect">
+              <a:avLst/>
+            </a:prstGeom>
+            <a:noFill/>
+          </p:spPr>
+          <p:txBody>
+            <a:bodyPr wrap="square" rtlCol="0">
+              <a:spAutoFit/>
+            </a:bodyPr>
+            <a:lstStyle/>
+            <a:p>
+              <a:pPr algn="ctr"/>
+              <a:r>
+                <a:rPr kumimoji="1" lang="en-US" altLang="zh-CN" sz="900" b="1" dirty="0">
+                  <a:solidFill>
+                    <a:srgbClr val="383C57"/>
+                  </a:solidFill>
+                  <a:latin typeface="Arial" panose="020B0604020202020204" pitchFamily="34" charset="0"/>
+                  <a:cs typeface="Arial" panose="020B0604020202020204" pitchFamily="34" charset="0"/>
+                </a:rPr>
+                <a:t>Rule</a:t>
+              </a:r>
+              <a:r>
+                <a:rPr kumimoji="1" lang="zh-CN" altLang="en-US" sz="900" b="1" dirty="0">
+                  <a:solidFill>
+                    <a:srgbClr val="383C57"/>
+                  </a:solidFill>
+                  <a:latin typeface="Arial" panose="020B0604020202020204" pitchFamily="34" charset="0"/>
+                  <a:cs typeface="Arial" panose="020B0604020202020204" pitchFamily="34" charset="0"/>
+                </a:rPr>
+                <a:t> </a:t>
+              </a:r>
+              <a:r>
+                <a:rPr kumimoji="1" lang="en-US" altLang="zh-CN" sz="900" b="1" dirty="0">
+                  <a:solidFill>
+                    <a:srgbClr val="383C57"/>
+                  </a:solidFill>
+                  <a:latin typeface="Arial" panose="020B0604020202020204" pitchFamily="34" charset="0"/>
+                  <a:cs typeface="Arial" panose="020B0604020202020204" pitchFamily="34" charset="0"/>
+                </a:rPr>
+                <a:t>Engine</a:t>
+              </a:r>
+              <a:endParaRPr kumimoji="1" lang="zh-CN" altLang="en-US" sz="900" b="1" dirty="0">
+                <a:solidFill>
+                  <a:srgbClr val="383C57"/>
+                </a:solidFill>
+                <a:latin typeface="Arial" panose="020B0604020202020204" pitchFamily="34" charset="0"/>
+                <a:cs typeface="Arial" panose="020B0604020202020204" pitchFamily="34" charset="0"/>
+              </a:endParaRPr>
+            </a:p>
+          </p:txBody>
+        </p:sp>
+        <p:sp>
+          <p:nvSpPr>
+            <p:cNvPr id="171" name="文本框 170">
+              <a:extLst>
+                <a:ext uri="{FF2B5EF4-FFF2-40B4-BE49-F238E27FC236}">
+                  <a16:creationId xmlns:a16="http://schemas.microsoft.com/office/drawing/2014/main" id="{20E0B605-3802-DD42-844A-1040629C6900}"/>
+                </a:ext>
+              </a:extLst>
+            </p:cNvPr>
+            <p:cNvSpPr txBox="1"/>
+            <p:nvPr/>
+          </p:nvSpPr>
+          <p:spPr>
+            <a:xfrm>
+              <a:off x="4867464" y="1933300"/>
+              <a:ext cx="1134670" cy="369332"/>
+            </a:xfrm>
+            <a:prstGeom prst="rect">
+              <a:avLst/>
+            </a:prstGeom>
+            <a:noFill/>
+          </p:spPr>
+          <p:txBody>
+            <a:bodyPr wrap="square" rtlCol="0">
+              <a:spAutoFit/>
+            </a:bodyPr>
+            <a:lstStyle/>
+            <a:p>
+              <a:pPr algn="ctr"/>
+              <a:r>
+                <a:rPr kumimoji="1" lang="en-US" altLang="zh-CN" sz="900" b="1" dirty="0">
+                  <a:solidFill>
+                    <a:srgbClr val="383C57"/>
+                  </a:solidFill>
+                  <a:latin typeface="Arial" panose="020B0604020202020204" pitchFamily="34" charset="0"/>
+                  <a:cs typeface="Arial" panose="020B0604020202020204" pitchFamily="34" charset="0"/>
+                </a:rPr>
+                <a:t>Origin</a:t>
+              </a:r>
+              <a:r>
+                <a:rPr kumimoji="1" lang="zh-CN" altLang="en-US" sz="900" b="1" dirty="0">
+                  <a:solidFill>
+                    <a:srgbClr val="383C57"/>
+                  </a:solidFill>
+                  <a:latin typeface="Arial" panose="020B0604020202020204" pitchFamily="34" charset="0"/>
+                  <a:cs typeface="Arial" panose="020B0604020202020204" pitchFamily="34" charset="0"/>
+                </a:rPr>
+                <a:t> </a:t>
+              </a:r>
+              <a:r>
+                <a:rPr kumimoji="1" lang="en-US" altLang="zh-CN" sz="900" b="1" dirty="0">
+                  <a:solidFill>
+                    <a:srgbClr val="383C57"/>
+                  </a:solidFill>
+                  <a:latin typeface="Arial" panose="020B0604020202020204" pitchFamily="34" charset="0"/>
+                  <a:cs typeface="Arial" panose="020B0604020202020204" pitchFamily="34" charset="0"/>
+                </a:rPr>
+                <a:t>Data</a:t>
+              </a:r>
+              <a:r>
+                <a:rPr kumimoji="1" lang="zh-CN" altLang="en-US" sz="900" b="1" dirty="0">
+                  <a:solidFill>
+                    <a:srgbClr val="383C57"/>
+                  </a:solidFill>
+                  <a:latin typeface="Arial" panose="020B0604020202020204" pitchFamily="34" charset="0"/>
+                  <a:cs typeface="Arial" panose="020B0604020202020204" pitchFamily="34" charset="0"/>
+                </a:rPr>
+                <a:t> </a:t>
+              </a:r>
+              <a:r>
+                <a:rPr kumimoji="1" lang="en-US" altLang="zh-CN" sz="900" b="1" dirty="0">
+                  <a:solidFill>
+                    <a:srgbClr val="383C57"/>
+                  </a:solidFill>
+                  <a:latin typeface="Arial" panose="020B0604020202020204" pitchFamily="34" charset="0"/>
+                  <a:cs typeface="Arial" panose="020B0604020202020204" pitchFamily="34" charset="0"/>
+                </a:rPr>
+                <a:t>Topic</a:t>
+              </a:r>
+            </a:p>
+          </p:txBody>
+        </p:sp>
+        <p:pic>
+          <p:nvPicPr>
+            <p:cNvPr id="172" name="图形 93">
+              <a:extLst>
+                <a:ext uri="{FF2B5EF4-FFF2-40B4-BE49-F238E27FC236}">
+                  <a16:creationId xmlns:a16="http://schemas.microsoft.com/office/drawing/2014/main" id="{961DE41F-270B-6F41-8133-21ACFFA4EFD3}"/>
+                </a:ext>
+              </a:extLst>
+            </p:cNvPr>
+            <p:cNvPicPr>
+              <a:picLocks noChangeAspect="1"/>
+            </p:cNvPicPr>
+            <p:nvPr/>
+          </p:nvPicPr>
+          <p:blipFill>
+            <a:blip r:embed="rId4">
+              <a:extLst>
+                <a:ext uri="{96DAC541-7B7A-43D3-8B79-37D633B846F1}">
+                  <asvg:svgBlip xmlns:asvg="http://schemas.microsoft.com/office/drawing/2016/SVG/main" r:embed="rId5"/>
+                </a:ext>
+              </a:extLst>
+            </a:blip>
+            <a:stretch>
+              <a:fillRect/>
+            </a:stretch>
+          </p:blipFill>
+          <p:spPr>
+            <a:xfrm>
+              <a:off x="1074772" y="1933300"/>
+              <a:ext cx="217330" cy="167177"/>
+            </a:xfrm>
+            <a:prstGeom prst="rect">
+              <a:avLst/>
+            </a:prstGeom>
+          </p:spPr>
+        </p:pic>
+        <p:pic>
+          <p:nvPicPr>
+            <p:cNvPr id="173" name="图形 94">
+              <a:extLst>
+                <a:ext uri="{FF2B5EF4-FFF2-40B4-BE49-F238E27FC236}">
+                  <a16:creationId xmlns:a16="http://schemas.microsoft.com/office/drawing/2014/main" id="{E5609B2E-A8F2-C545-ADF9-4645B9D2D5DC}"/>
+                </a:ext>
+              </a:extLst>
+            </p:cNvPr>
+            <p:cNvPicPr>
+              <a:picLocks noChangeAspect="1"/>
+            </p:cNvPicPr>
+            <p:nvPr/>
+          </p:nvPicPr>
+          <p:blipFill>
+            <a:blip r:embed="rId6">
+              <a:extLst>
+                <a:ext uri="{96DAC541-7B7A-43D3-8B79-37D633B846F1}">
+                  <asvg:svgBlip xmlns:asvg="http://schemas.microsoft.com/office/drawing/2016/SVG/main" r:embed="rId7"/>
+                </a:ext>
+              </a:extLst>
+            </a:blip>
+            <a:stretch>
+              <a:fillRect/>
+            </a:stretch>
+          </p:blipFill>
+          <p:spPr>
+            <a:xfrm>
+              <a:off x="5085917" y="1354679"/>
+              <a:ext cx="229404" cy="229404"/>
+            </a:xfrm>
+            <a:prstGeom prst="rect">
+              <a:avLst/>
+            </a:prstGeom>
+          </p:spPr>
+        </p:pic>
+        <p:sp>
+          <p:nvSpPr>
+            <p:cNvPr id="174" name="文本框 173">
+              <a:extLst>
+                <a:ext uri="{FF2B5EF4-FFF2-40B4-BE49-F238E27FC236}">
+                  <a16:creationId xmlns:a16="http://schemas.microsoft.com/office/drawing/2014/main" id="{0DC49CD2-5A6D-8D4A-A58F-2A78DC169608}"/>
+                </a:ext>
+              </a:extLst>
+            </p:cNvPr>
+            <p:cNvSpPr txBox="1"/>
+            <p:nvPr/>
+          </p:nvSpPr>
+          <p:spPr>
+            <a:xfrm>
+              <a:off x="5310113" y="1276927"/>
+              <a:ext cx="658582" cy="369332"/>
+            </a:xfrm>
+            <a:prstGeom prst="rect">
+              <a:avLst/>
+            </a:prstGeom>
+            <a:noFill/>
+          </p:spPr>
+          <p:txBody>
+            <a:bodyPr wrap="square" rtlCol="0">
+              <a:spAutoFit/>
+            </a:bodyPr>
+            <a:lstStyle/>
+            <a:p>
+              <a:pPr algn="ctr"/>
+              <a:r>
+                <a:rPr kumimoji="1" lang="en-US" altLang="zh-CN" sz="900" b="1" dirty="0">
+                  <a:solidFill>
+                    <a:srgbClr val="383C57"/>
+                  </a:solidFill>
+                  <a:latin typeface="Arial" panose="020B0604020202020204" pitchFamily="34" charset="0"/>
+                  <a:cs typeface="Arial" panose="020B0604020202020204" pitchFamily="34" charset="0"/>
+                </a:rPr>
+                <a:t>Kafka Topic</a:t>
+              </a:r>
+              <a:endParaRPr kumimoji="1" lang="zh-CN" altLang="en-US" sz="900" b="1" dirty="0">
+                <a:solidFill>
+                  <a:srgbClr val="383C57"/>
+                </a:solidFill>
+                <a:latin typeface="Arial" panose="020B0604020202020204" pitchFamily="34" charset="0"/>
+                <a:cs typeface="Arial" panose="020B0604020202020204" pitchFamily="34" charset="0"/>
+              </a:endParaRPr>
+            </a:p>
+          </p:txBody>
+        </p:sp>
+        <p:sp>
+          <p:nvSpPr>
+            <p:cNvPr id="175" name="矩形 174">
+              <a:extLst>
+                <a:ext uri="{FF2B5EF4-FFF2-40B4-BE49-F238E27FC236}">
+                  <a16:creationId xmlns:a16="http://schemas.microsoft.com/office/drawing/2014/main" id="{8A88FD7A-BF80-5D4D-9C91-6BB1D0AF63A9}"/>
+                </a:ext>
+              </a:extLst>
+            </p:cNvPr>
+            <p:cNvSpPr/>
+            <p:nvPr/>
+          </p:nvSpPr>
+          <p:spPr>
+            <a:xfrm>
+              <a:off x="6717683" y="2032830"/>
+              <a:ext cx="1369602" cy="358538"/>
+            </a:xfrm>
+            <a:prstGeom prst="rect">
+              <a:avLst/>
+            </a:prstGeom>
             <a:solidFill>
-              <a:schemeClr val="bg1">
-                <a:lumMod val="50000"/>
+              <a:schemeClr val="accent2">
+                <a:alpha val="50000"/>
               </a:schemeClr>
             </a:solidFill>
-            <a:tailEnd type="triangle"/>
-          </a:ln>
-        </p:spPr>
-        <p:style>
-          <a:lnRef idx="3">
-            <a:schemeClr val="dk1"/>
-          </a:lnRef>
-          <a:fillRef idx="0">
-            <a:schemeClr val="dk1"/>
-          </a:fillRef>
-          <a:effectRef idx="2">
-            <a:schemeClr val="dk1"/>
-          </a:effectRef>
-          <a:fontRef idx="minor">
-            <a:schemeClr val="tx1"/>
-          </a:fontRef>
-        </p:style>
-      </p:cxnSp>
-      <p:cxnSp>
-        <p:nvCxnSpPr>
-          <p:cNvPr id="203" name="肘形连接符 202">
-            <a:extLst>
-              <a:ext uri="{FF2B5EF4-FFF2-40B4-BE49-F238E27FC236}">
-                <a16:creationId xmlns:a16="http://schemas.microsoft.com/office/drawing/2014/main" id="{32DAB55D-4C65-7646-B631-96FBDD615C46}"/>
-              </a:ext>
-            </a:extLst>
-          </p:cNvPr>
-          <p:cNvCxnSpPr>
-            <a:cxnSpLocks/>
-          </p:cNvCxnSpPr>
-          <p:nvPr/>
-        </p:nvCxnSpPr>
-        <p:spPr>
-          <a:xfrm rot="5400000">
-            <a:off x="8054765" y="3137856"/>
-            <a:ext cx="2543255" cy="1080000"/>
-          </a:xfrm>
-          <a:prstGeom prst="bentConnector2">
-            <a:avLst/>
-          </a:prstGeom>
-          <a:ln w="28575">
+            <a:ln>
+              <a:noFill/>
+            </a:ln>
+          </p:spPr>
+          <p:style>
+            <a:lnRef idx="0">
+              <a:scrgbClr r="0" g="0" b="0"/>
+            </a:lnRef>
+            <a:fillRef idx="0">
+              <a:scrgbClr r="0" g="0" b="0"/>
+            </a:fillRef>
+            <a:effectRef idx="0">
+              <a:scrgbClr r="0" g="0" b="0"/>
+            </a:effectRef>
+            <a:fontRef idx="minor">
+              <a:schemeClr val="lt1"/>
+            </a:fontRef>
+          </p:style>
+          <p:txBody>
+            <a:bodyPr rtlCol="0" anchor="ctr"/>
+            <a:lstStyle/>
+            <a:p>
+              <a:pPr algn="ctr"/>
+              <a:endParaRPr kumimoji="1" lang="zh-CN" altLang="en-US" sz="1000">
+                <a:solidFill>
+                  <a:schemeClr val="bg1"/>
+                </a:solidFill>
+                <a:latin typeface="Arial" panose="020B0604020202020204" pitchFamily="34" charset="0"/>
+                <a:ea typeface="Microsoft YaHei" panose="020B0503020204020204" pitchFamily="34" charset="-122"/>
+                <a:cs typeface="Arial" panose="020B0604020202020204" pitchFamily="34" charset="0"/>
+              </a:endParaRPr>
+            </a:p>
+          </p:txBody>
+        </p:sp>
+        <p:sp>
+          <p:nvSpPr>
+            <p:cNvPr id="176" name="文本框 175">
+              <a:extLst>
+                <a:ext uri="{FF2B5EF4-FFF2-40B4-BE49-F238E27FC236}">
+                  <a16:creationId xmlns:a16="http://schemas.microsoft.com/office/drawing/2014/main" id="{AE044225-279F-DE4C-8C3A-2064F955D718}"/>
+                </a:ext>
+              </a:extLst>
+            </p:cNvPr>
+            <p:cNvSpPr txBox="1"/>
+            <p:nvPr/>
+          </p:nvSpPr>
+          <p:spPr>
+            <a:xfrm>
+              <a:off x="6851171" y="1751261"/>
+              <a:ext cx="1086613" cy="230832"/>
+            </a:xfrm>
+            <a:prstGeom prst="rect">
+              <a:avLst/>
+            </a:prstGeom>
+            <a:noFill/>
+          </p:spPr>
+          <p:txBody>
+            <a:bodyPr wrap="square" rtlCol="0">
+              <a:spAutoFit/>
+            </a:bodyPr>
+            <a:lstStyle/>
+            <a:p>
+              <a:pPr algn="ctr"/>
+              <a:r>
+                <a:rPr kumimoji="1" lang="en-US" altLang="zh-CN" sz="900" b="1" dirty="0" err="1">
+                  <a:solidFill>
+                    <a:schemeClr val="bg1"/>
+                  </a:solidFill>
+                  <a:latin typeface="Arial" panose="020B0604020202020204" pitchFamily="34" charset="0"/>
+                  <a:cs typeface="Arial" panose="020B0604020202020204" pitchFamily="34" charset="0"/>
+                </a:rPr>
+                <a:t>StreamSets</a:t>
+              </a:r>
+              <a:endParaRPr kumimoji="1" lang="en-US" altLang="zh-CN" sz="900" b="1" dirty="0">
+                <a:solidFill>
+                  <a:schemeClr val="bg1"/>
+                </a:solidFill>
+                <a:latin typeface="Arial" panose="020B0604020202020204" pitchFamily="34" charset="0"/>
+                <a:cs typeface="Arial" panose="020B0604020202020204" pitchFamily="34" charset="0"/>
+              </a:endParaRPr>
+            </a:p>
+          </p:txBody>
+        </p:sp>
+        <p:sp>
+          <p:nvSpPr>
+            <p:cNvPr id="177" name="矩形 176">
+              <a:extLst>
+                <a:ext uri="{FF2B5EF4-FFF2-40B4-BE49-F238E27FC236}">
+                  <a16:creationId xmlns:a16="http://schemas.microsoft.com/office/drawing/2014/main" id="{7B2E4917-7001-FC42-974C-AF60CCE048B1}"/>
+                </a:ext>
+              </a:extLst>
+            </p:cNvPr>
+            <p:cNvSpPr/>
+            <p:nvPr/>
+          </p:nvSpPr>
+          <p:spPr>
+            <a:xfrm>
+              <a:off x="8690123" y="1698455"/>
+              <a:ext cx="1369602" cy="676139"/>
+            </a:xfrm>
+            <a:prstGeom prst="rect">
+              <a:avLst/>
+            </a:prstGeom>
             <a:solidFill>
-              <a:schemeClr val="bg1">
-                <a:lumMod val="50000"/>
+              <a:srgbClr val="F5F5FA"/>
+            </a:solidFill>
+            <a:ln w="12700">
+              <a:noFill/>
+            </a:ln>
+          </p:spPr>
+          <p:style>
+            <a:lnRef idx="2">
+              <a:schemeClr val="accent1">
+                <a:shade val="50000"/>
               </a:schemeClr>
-            </a:solidFill>
-            <a:tailEnd type="triangle"/>
-          </a:ln>
-        </p:spPr>
-        <p:style>
-          <a:lnRef idx="3">
-            <a:schemeClr val="dk1"/>
-          </a:lnRef>
-          <a:fillRef idx="0">
-            <a:schemeClr val="dk1"/>
-          </a:fillRef>
-          <a:effectRef idx="2">
-            <a:schemeClr val="dk1"/>
-          </a:effectRef>
-          <a:fontRef idx="minor">
-            <a:schemeClr val="tx1"/>
-          </a:fontRef>
-        </p:style>
-      </p:cxnSp>
-      <p:sp>
-        <p:nvSpPr>
-          <p:cNvPr id="204" name="文本框 203"/>
-          <p:cNvSpPr txBox="1"/>
-          <p:nvPr/>
-        </p:nvSpPr>
-        <p:spPr>
-          <a:xfrm>
-            <a:off x="6317310" y="4574000"/>
-            <a:ext cx="1270740" cy="369330"/>
-          </a:xfrm>
-          <a:prstGeom prst="rect">
-            <a:avLst/>
-          </a:prstGeom>
-          <a:noFill/>
-          <a:ln w="12700" cap="flat">
+            </a:lnRef>
+            <a:fillRef idx="1">
+              <a:schemeClr val="accent1"/>
+            </a:fillRef>
+            <a:effectRef idx="0">
+              <a:schemeClr val="accent1"/>
+            </a:effectRef>
+            <a:fontRef idx="minor">
+              <a:schemeClr val="lt1"/>
+            </a:fontRef>
+          </p:style>
+          <p:txBody>
+            <a:bodyPr rtlCol="0" anchor="ctr"/>
+            <a:lstStyle/>
+            <a:p>
+              <a:pPr algn="ctr"/>
+              <a:endParaRPr kumimoji="1" lang="zh-CN" altLang="en-US" sz="1000">
+                <a:latin typeface="Microsoft YaHei" panose="020B0503020204020204" pitchFamily="34" charset="-122"/>
+                <a:ea typeface="Microsoft YaHei" panose="020B0503020204020204" pitchFamily="34" charset="-122"/>
+              </a:endParaRPr>
+            </a:p>
+          </p:txBody>
+        </p:sp>
+        <p:cxnSp>
+          <p:nvCxnSpPr>
+            <p:cNvPr id="178" name="直线箭头连接符 99">
+              <a:extLst>
+                <a:ext uri="{FF2B5EF4-FFF2-40B4-BE49-F238E27FC236}">
+                  <a16:creationId xmlns:a16="http://schemas.microsoft.com/office/drawing/2014/main" id="{95084889-2882-EB4F-AE63-33BD60AA8C08}"/>
+                </a:ext>
+              </a:extLst>
+            </p:cNvPr>
+            <p:cNvCxnSpPr>
+              <a:cxnSpLocks/>
+            </p:cNvCxnSpPr>
+            <p:nvPr/>
+          </p:nvCxnSpPr>
+          <p:spPr>
+            <a:xfrm>
+              <a:off x="8221778" y="2032830"/>
+              <a:ext cx="312575" cy="0"/>
+            </a:xfrm>
+            <a:prstGeom prst="straightConnector1">
+              <a:avLst/>
+            </a:prstGeom>
+            <a:ln w="25400">
+              <a:solidFill>
+                <a:srgbClr val="A2A5BC"/>
+              </a:solidFill>
+              <a:tailEnd type="triangle"/>
+            </a:ln>
+          </p:spPr>
+          <p:style>
+            <a:lnRef idx="1">
+              <a:schemeClr val="accent1"/>
+            </a:lnRef>
+            <a:fillRef idx="0">
+              <a:schemeClr val="accent1"/>
+            </a:fillRef>
+            <a:effectRef idx="0">
+              <a:schemeClr val="accent1"/>
+            </a:effectRef>
+            <a:fontRef idx="minor">
+              <a:schemeClr val="tx1"/>
+            </a:fontRef>
+          </p:style>
+        </p:cxnSp>
+        <p:sp>
+          <p:nvSpPr>
+            <p:cNvPr id="179" name="文本框 178">
+              <a:extLst>
+                <a:ext uri="{FF2B5EF4-FFF2-40B4-BE49-F238E27FC236}">
+                  <a16:creationId xmlns:a16="http://schemas.microsoft.com/office/drawing/2014/main" id="{3D4F58DA-3D49-9241-8E07-5597BF736460}"/>
+                </a:ext>
+              </a:extLst>
+            </p:cNvPr>
+            <p:cNvSpPr txBox="1"/>
+            <p:nvPr/>
+          </p:nvSpPr>
+          <p:spPr>
+            <a:xfrm>
+              <a:off x="8797581" y="1917082"/>
+              <a:ext cx="1134670" cy="230832"/>
+            </a:xfrm>
+            <a:prstGeom prst="rect">
+              <a:avLst/>
+            </a:prstGeom>
             <a:noFill/>
-            <a:miter lim="400000"/>
-          </a:ln>
-          <a:effectLst/>
-          <a:sp3d/>
-        </p:spPr>
-        <p:style>
-          <a:lnRef idx="0">
-            <a:scrgbClr r="0" g="0" b="0"/>
-          </a:lnRef>
-          <a:fillRef idx="0">
-            <a:scrgbClr r="0" g="0" b="0"/>
-          </a:fillRef>
-          <a:effectRef idx="0">
-            <a:scrgbClr r="0" g="0" b="0"/>
-          </a:effectRef>
-          <a:fontRef idx="none"/>
-        </p:style>
-        <p:txBody>
-          <a:bodyPr rot="0" spcFirstLastPara="1" vertOverflow="overflow" horzOverflow="overflow" vert="horz" wrap="square" lIns="45719" tIns="45719" rIns="45719" bIns="45719" numCol="1" spcCol="38100" rtlCol="0" anchor="t">
-            <a:spAutoFit/>
-          </a:bodyPr>
-          <a:lstStyle/>
-          <a:p>
-            <a:pPr marL="0" marR="0" indent="0" algn="l" defTabSz="914400" rtl="0" fontAlgn="auto" latinLnBrk="0" hangingPunct="0">
-              <a:lnSpc>
-                <a:spcPct val="100000"/>
-              </a:lnSpc>
-              <a:spcBef>
-                <a:spcPts val="0"/>
-              </a:spcBef>
-              <a:spcAft>
-                <a:spcPts val="0"/>
-              </a:spcAft>
-              <a:buClrTx/>
-              <a:buSzTx/>
-              <a:buFontTx/>
-              <a:buNone/>
-              <a:tabLst/>
-            </a:pPr>
-            <a:r>
-              <a:rPr kumimoji="0" lang="en-US" altLang="zh-CN" sz="900" b="0" i="0" u="none" strike="noStrike" cap="none" spc="0" normalizeH="0" baseline="0" dirty="0">
+          </p:spPr>
+          <p:txBody>
+            <a:bodyPr wrap="square" rtlCol="0">
+              <a:spAutoFit/>
+            </a:bodyPr>
+            <a:lstStyle/>
+            <a:p>
+              <a:pPr algn="ctr"/>
+              <a:r>
+                <a:rPr kumimoji="1" lang="en-US" altLang="zh-CN" sz="900" b="1" dirty="0">
+                  <a:solidFill>
+                    <a:srgbClr val="383C57"/>
+                  </a:solidFill>
+                  <a:latin typeface="Arial" panose="020B0604020202020204" pitchFamily="34" charset="0"/>
+                  <a:cs typeface="Arial" panose="020B0604020202020204" pitchFamily="34" charset="0"/>
+                </a:rPr>
+                <a:t>Cal</a:t>
+              </a:r>
+              <a:r>
+                <a:rPr kumimoji="1" lang="zh-CN" altLang="en-US" sz="900" b="1" dirty="0">
+                  <a:solidFill>
+                    <a:srgbClr val="383C57"/>
+                  </a:solidFill>
+                  <a:latin typeface="Arial" panose="020B0604020202020204" pitchFamily="34" charset="0"/>
+                  <a:cs typeface="Arial" panose="020B0604020202020204" pitchFamily="34" charset="0"/>
+                </a:rPr>
+                <a:t> </a:t>
+              </a:r>
+              <a:r>
+                <a:rPr kumimoji="1" lang="en-US" altLang="zh-CN" sz="900" b="1" dirty="0">
+                  <a:solidFill>
+                    <a:srgbClr val="383C57"/>
+                  </a:solidFill>
+                  <a:latin typeface="Arial" panose="020B0604020202020204" pitchFamily="34" charset="0"/>
+                  <a:cs typeface="Arial" panose="020B0604020202020204" pitchFamily="34" charset="0"/>
+                </a:rPr>
+                <a:t>Data</a:t>
+              </a:r>
+              <a:r>
+                <a:rPr kumimoji="1" lang="zh-CN" altLang="en-US" sz="900" b="1" dirty="0">
+                  <a:solidFill>
+                    <a:srgbClr val="383C57"/>
+                  </a:solidFill>
+                  <a:latin typeface="Arial" panose="020B0604020202020204" pitchFamily="34" charset="0"/>
+                  <a:cs typeface="Arial" panose="020B0604020202020204" pitchFamily="34" charset="0"/>
+                </a:rPr>
+                <a:t> </a:t>
+              </a:r>
+              <a:r>
+                <a:rPr kumimoji="1" lang="en-US" altLang="zh-CN" sz="900" b="1" dirty="0">
+                  <a:solidFill>
+                    <a:srgbClr val="383C57"/>
+                  </a:solidFill>
+                  <a:latin typeface="Arial" panose="020B0604020202020204" pitchFamily="34" charset="0"/>
+                  <a:cs typeface="Arial" panose="020B0604020202020204" pitchFamily="34" charset="0"/>
+                </a:rPr>
+                <a:t>Topic</a:t>
+              </a:r>
+            </a:p>
+          </p:txBody>
+        </p:sp>
+        <p:cxnSp>
+          <p:nvCxnSpPr>
+            <p:cNvPr id="180" name="直线箭头连接符 101">
+              <a:extLst>
+                <a:ext uri="{FF2B5EF4-FFF2-40B4-BE49-F238E27FC236}">
+                  <a16:creationId xmlns:a16="http://schemas.microsoft.com/office/drawing/2014/main" id="{4EFEE8DA-D3EE-9A4E-BD6F-61CBCC688A7C}"/>
+                </a:ext>
+              </a:extLst>
+            </p:cNvPr>
+            <p:cNvCxnSpPr>
+              <a:cxnSpLocks/>
+            </p:cNvCxnSpPr>
+            <p:nvPr/>
+          </p:nvCxnSpPr>
+          <p:spPr>
+            <a:xfrm>
+              <a:off x="2330486" y="2033651"/>
+              <a:ext cx="312575" cy="0"/>
+            </a:xfrm>
+            <a:prstGeom prst="straightConnector1">
+              <a:avLst/>
+            </a:prstGeom>
+            <a:ln w="25400">
+              <a:solidFill>
+                <a:srgbClr val="A2A5BC"/>
+              </a:solidFill>
+              <a:tailEnd type="triangle"/>
+            </a:ln>
+          </p:spPr>
+          <p:style>
+            <a:lnRef idx="1">
+              <a:schemeClr val="accent1"/>
+            </a:lnRef>
+            <a:fillRef idx="0">
+              <a:schemeClr val="accent1"/>
+            </a:fillRef>
+            <a:effectRef idx="0">
+              <a:schemeClr val="accent1"/>
+            </a:effectRef>
+            <a:fontRef idx="minor">
+              <a:schemeClr val="tx1"/>
+            </a:fontRef>
+          </p:style>
+        </p:cxnSp>
+        <p:grpSp>
+          <p:nvGrpSpPr>
+            <p:cNvPr id="181" name="组合 180"/>
+            <p:cNvGrpSpPr/>
+            <p:nvPr/>
+          </p:nvGrpSpPr>
+          <p:grpSpPr>
+            <a:xfrm>
+              <a:off x="7402119" y="3138942"/>
+              <a:ext cx="1369602" cy="570061"/>
+              <a:chOff x="7847306" y="3274612"/>
+              <a:chExt cx="1369602" cy="676139"/>
+            </a:xfrm>
+          </p:grpSpPr>
+          <p:sp>
+            <p:nvSpPr>
+              <p:cNvPr id="219" name="矩形 218">
+                <a:extLst>
+                  <a:ext uri="{FF2B5EF4-FFF2-40B4-BE49-F238E27FC236}">
+                    <a16:creationId xmlns:a16="http://schemas.microsoft.com/office/drawing/2014/main" id="{4BCACF73-6426-7A42-9B30-35645BE1FAA2}"/>
+                  </a:ext>
+                </a:extLst>
+              </p:cNvPr>
+              <p:cNvSpPr/>
+              <p:nvPr/>
+            </p:nvSpPr>
+            <p:spPr>
+              <a:xfrm>
+                <a:off x="7847306" y="3274612"/>
+                <a:ext cx="1369602" cy="676139"/>
+              </a:xfrm>
+              <a:prstGeom prst="rect">
+                <a:avLst/>
+              </a:prstGeom>
+              <a:solidFill>
+                <a:srgbClr val="F5F5FA"/>
+              </a:solidFill>
+              <a:ln w="12700">
+                <a:noFill/>
+              </a:ln>
+            </p:spPr>
+            <p:style>
+              <a:lnRef idx="2">
+                <a:schemeClr val="accent1">
+                  <a:shade val="50000"/>
+                </a:schemeClr>
+              </a:lnRef>
+              <a:fillRef idx="1">
+                <a:schemeClr val="accent1"/>
+              </a:fillRef>
+              <a:effectRef idx="0">
+                <a:schemeClr val="accent1"/>
+              </a:effectRef>
+              <a:fontRef idx="minor">
+                <a:schemeClr val="lt1"/>
+              </a:fontRef>
+            </p:style>
+            <p:txBody>
+              <a:bodyPr rtlCol="0" anchor="ctr"/>
+              <a:lstStyle/>
+              <a:p>
+                <a:pPr algn="ctr"/>
+                <a:endParaRPr kumimoji="1" lang="zh-CN" altLang="en-US" sz="1000">
+                  <a:latin typeface="Microsoft YaHei" panose="020B0503020204020204" pitchFamily="34" charset="-122"/>
+                  <a:ea typeface="Microsoft YaHei" panose="020B0503020204020204" pitchFamily="34" charset="-122"/>
+                </a:endParaRPr>
+              </a:p>
+            </p:txBody>
+          </p:sp>
+          <p:sp>
+            <p:nvSpPr>
+              <p:cNvPr id="220" name="文本框 219">
+                <a:extLst>
+                  <a:ext uri="{FF2B5EF4-FFF2-40B4-BE49-F238E27FC236}">
+                    <a16:creationId xmlns:a16="http://schemas.microsoft.com/office/drawing/2014/main" id="{AE0CF8F0-0930-9748-B7E3-9588412791CE}"/>
+                  </a:ext>
+                </a:extLst>
+              </p:cNvPr>
+              <p:cNvSpPr txBox="1"/>
+              <p:nvPr/>
+            </p:nvSpPr>
+            <p:spPr>
+              <a:xfrm>
+                <a:off x="7951626" y="3494491"/>
+                <a:ext cx="1134670" cy="273786"/>
+              </a:xfrm>
+              <a:prstGeom prst="rect">
+                <a:avLst/>
+              </a:prstGeom>
+              <a:noFill/>
+            </p:spPr>
+            <p:txBody>
+              <a:bodyPr wrap="square" rtlCol="0">
+                <a:spAutoFit/>
+              </a:bodyPr>
+              <a:lstStyle/>
+              <a:p>
+                <a:pPr algn="ctr"/>
+                <a:r>
+                  <a:rPr kumimoji="1" lang="en-US" altLang="zh-CN" sz="900" b="1" dirty="0">
+                    <a:solidFill>
+                      <a:srgbClr val="383C57"/>
+                    </a:solidFill>
+                    <a:latin typeface="Arial" panose="020B0604020202020204" pitchFamily="34" charset="0"/>
+                    <a:cs typeface="Arial" panose="020B0604020202020204" pitchFamily="34" charset="0"/>
+                  </a:rPr>
+                  <a:t>IMDB</a:t>
+                </a:r>
+              </a:p>
+            </p:txBody>
+          </p:sp>
+        </p:grpSp>
+        <p:grpSp>
+          <p:nvGrpSpPr>
+            <p:cNvPr id="182" name="组合 181"/>
+            <p:cNvGrpSpPr/>
+            <p:nvPr/>
+          </p:nvGrpSpPr>
+          <p:grpSpPr>
+            <a:xfrm>
+              <a:off x="7412732" y="3911357"/>
+              <a:ext cx="1369602" cy="523895"/>
+              <a:chOff x="9773682" y="3276823"/>
+              <a:chExt cx="1369602" cy="676139"/>
+            </a:xfrm>
+          </p:grpSpPr>
+          <p:sp>
+            <p:nvSpPr>
+              <p:cNvPr id="216" name="文本框 215">
+                <a:extLst>
+                  <a:ext uri="{FF2B5EF4-FFF2-40B4-BE49-F238E27FC236}">
+                    <a16:creationId xmlns:a16="http://schemas.microsoft.com/office/drawing/2014/main" id="{6ADD7E71-22DC-284C-9B3C-6CAEA53AF78B}"/>
+                  </a:ext>
+                </a:extLst>
+              </p:cNvPr>
+              <p:cNvSpPr txBox="1"/>
+              <p:nvPr/>
+            </p:nvSpPr>
+            <p:spPr>
+              <a:xfrm>
+                <a:off x="10132617" y="3517924"/>
+                <a:ext cx="834060" cy="230832"/>
+              </a:xfrm>
+              <a:prstGeom prst="rect">
+                <a:avLst/>
+              </a:prstGeom>
+              <a:noFill/>
+            </p:spPr>
+            <p:txBody>
+              <a:bodyPr wrap="square" rtlCol="0">
+                <a:spAutoFit/>
+              </a:bodyPr>
+              <a:lstStyle/>
+              <a:p>
+                <a:pPr algn="ctr"/>
+                <a:r>
+                  <a:rPr kumimoji="1" lang="en-US" altLang="zh-CN" sz="900" b="1" dirty="0">
+                    <a:solidFill>
+                      <a:srgbClr val="383C57"/>
+                    </a:solidFill>
+                    <a:latin typeface="Arial" panose="020B0604020202020204" pitchFamily="34" charset="0"/>
+                    <a:cs typeface="Arial" panose="020B0604020202020204" pitchFamily="34" charset="0"/>
+                  </a:rPr>
+                  <a:t>TSDB</a:t>
+                </a:r>
+              </a:p>
+            </p:txBody>
+          </p:sp>
+          <p:pic>
+            <p:nvPicPr>
+              <p:cNvPr id="217" name="图形 108">
+                <a:extLst>
+                  <a:ext uri="{FF2B5EF4-FFF2-40B4-BE49-F238E27FC236}">
+                    <a16:creationId xmlns:a16="http://schemas.microsoft.com/office/drawing/2014/main" id="{AEA3EC5E-A57A-AC42-B727-972CC9FC8C35}"/>
+                  </a:ext>
+                </a:extLst>
+              </p:cNvPr>
+              <p:cNvPicPr>
+                <a:picLocks noChangeAspect="1"/>
+              </p:cNvPicPr>
+              <p:nvPr/>
+            </p:nvPicPr>
+            <p:blipFill>
+              <a:blip r:embed="rId8">
+                <a:extLst>
+                  <a:ext uri="{96DAC541-7B7A-43D3-8B79-37D633B846F1}">
+                    <asvg:svgBlip xmlns:asvg="http://schemas.microsoft.com/office/drawing/2016/SVG/main" r:embed="rId9"/>
+                  </a:ext>
+                </a:extLst>
+              </a:blip>
+              <a:stretch>
+                <a:fillRect/>
+              </a:stretch>
+            </p:blipFill>
+            <p:spPr>
+              <a:xfrm>
+                <a:off x="9934414" y="3530285"/>
+                <a:ext cx="241478" cy="241478"/>
+              </a:xfrm>
+              <a:prstGeom prst="rect">
+                <a:avLst/>
+              </a:prstGeom>
+            </p:spPr>
+          </p:pic>
+          <p:sp>
+            <p:nvSpPr>
+              <p:cNvPr id="218" name="矩形 217">
+                <a:extLst>
+                  <a:ext uri="{FF2B5EF4-FFF2-40B4-BE49-F238E27FC236}">
+                    <a16:creationId xmlns:a16="http://schemas.microsoft.com/office/drawing/2014/main" id="{FE09ECF4-EB90-FF4D-BA54-B77F71068F18}"/>
+                  </a:ext>
+                </a:extLst>
+              </p:cNvPr>
+              <p:cNvSpPr/>
+              <p:nvPr/>
+            </p:nvSpPr>
+            <p:spPr>
+              <a:xfrm>
+                <a:off x="9773682" y="3276823"/>
+                <a:ext cx="1369602" cy="676139"/>
+              </a:xfrm>
+              <a:prstGeom prst="rect">
+                <a:avLst/>
+              </a:prstGeom>
+              <a:noFill/>
+              <a:ln w="12700">
+                <a:solidFill>
+                  <a:srgbClr val="A2A5BC"/>
+                </a:solidFill>
+              </a:ln>
+            </p:spPr>
+            <p:style>
+              <a:lnRef idx="2">
+                <a:schemeClr val="accent1">
+                  <a:shade val="50000"/>
+                </a:schemeClr>
+              </a:lnRef>
+              <a:fillRef idx="1">
+                <a:schemeClr val="accent1"/>
+              </a:fillRef>
+              <a:effectRef idx="0">
+                <a:schemeClr val="accent1"/>
+              </a:effectRef>
+              <a:fontRef idx="minor">
+                <a:schemeClr val="lt1"/>
+              </a:fontRef>
+            </p:style>
+            <p:txBody>
+              <a:bodyPr rtlCol="0" anchor="ctr"/>
+              <a:lstStyle/>
+              <a:p>
+                <a:pPr algn="ctr"/>
+                <a:endParaRPr kumimoji="1" lang="zh-CN" altLang="en-US" sz="1000" dirty="0">
+                  <a:latin typeface="Microsoft YaHei" panose="020B0503020204020204" pitchFamily="34" charset="-122"/>
+                  <a:ea typeface="Microsoft YaHei" panose="020B0503020204020204" pitchFamily="34" charset="-122"/>
+                </a:endParaRPr>
+              </a:p>
+            </p:txBody>
+          </p:sp>
+        </p:grpSp>
+        <p:grpSp>
+          <p:nvGrpSpPr>
+            <p:cNvPr id="188" name="组合 187">
+              <a:extLst>
+                <a:ext uri="{FF2B5EF4-FFF2-40B4-BE49-F238E27FC236}">
+                  <a16:creationId xmlns:a16="http://schemas.microsoft.com/office/drawing/2014/main" id="{5097CBA4-61E6-3D42-ACCD-6E07A8F9F980}"/>
+                </a:ext>
+              </a:extLst>
+            </p:cNvPr>
+            <p:cNvGrpSpPr/>
+            <p:nvPr/>
+          </p:nvGrpSpPr>
+          <p:grpSpPr>
+            <a:xfrm>
+              <a:off x="216269" y="1033708"/>
+              <a:ext cx="1267900" cy="1277822"/>
+              <a:chOff x="-3013790" y="1057066"/>
+              <a:chExt cx="1890207" cy="1905000"/>
+            </a:xfrm>
+          </p:grpSpPr>
+          <p:pic>
+            <p:nvPicPr>
+              <p:cNvPr id="214" name="图形 116">
+                <a:extLst>
+                  <a:ext uri="{FF2B5EF4-FFF2-40B4-BE49-F238E27FC236}">
+                    <a16:creationId xmlns:a16="http://schemas.microsoft.com/office/drawing/2014/main" id="{B5C6CD8D-B312-1B48-90AF-08EEC87BFEF1}"/>
+                  </a:ext>
+                </a:extLst>
+              </p:cNvPr>
+              <p:cNvPicPr>
+                <a:picLocks noChangeAspect="1"/>
+              </p:cNvPicPr>
+              <p:nvPr/>
+            </p:nvPicPr>
+            <p:blipFill>
+              <a:blip r:embed="rId10" cstate="print">
+                <a:extLst>
+                  <a:ext uri="{28A0092B-C50C-407E-A947-70E740481C1C}">
+                    <a14:useLocalDpi xmlns:a14="http://schemas.microsoft.com/office/drawing/2010/main" val="0"/>
+                  </a:ext>
+                  <a:ext uri="{96DAC541-7B7A-43D3-8B79-37D633B846F1}">
+                    <asvg:svgBlip xmlns:asvg="http://schemas.microsoft.com/office/drawing/2016/SVG/main" r:embed="rId11"/>
+                  </a:ext>
+                </a:extLst>
+              </a:blip>
+              <a:stretch>
+                <a:fillRect/>
+              </a:stretch>
+            </p:blipFill>
+            <p:spPr>
+              <a:xfrm>
+                <a:off x="-3013790" y="1057066"/>
+                <a:ext cx="1890207" cy="1905000"/>
+              </a:xfrm>
+              <a:prstGeom prst="rect">
+                <a:avLst/>
+              </a:prstGeom>
+            </p:spPr>
+          </p:pic>
+          <p:sp>
+            <p:nvSpPr>
+              <p:cNvPr id="215" name="文本框 214">
+                <a:extLst>
+                  <a:ext uri="{FF2B5EF4-FFF2-40B4-BE49-F238E27FC236}">
+                    <a16:creationId xmlns:a16="http://schemas.microsoft.com/office/drawing/2014/main" id="{ED3ED3EE-201E-0348-BDF1-5035823C159B}"/>
+                  </a:ext>
+                </a:extLst>
+              </p:cNvPr>
+              <p:cNvSpPr txBox="1"/>
+              <p:nvPr/>
+            </p:nvSpPr>
+            <p:spPr>
+              <a:xfrm>
+                <a:off x="-2725736" y="1528527"/>
+                <a:ext cx="1395587" cy="367071"/>
+              </a:xfrm>
+              <a:prstGeom prst="rect">
+                <a:avLst/>
+              </a:prstGeom>
+              <a:noFill/>
+            </p:spPr>
+            <p:txBody>
+              <a:bodyPr wrap="square" rtlCol="0">
+                <a:spAutoFit/>
+              </a:bodyPr>
+              <a:lstStyle/>
+              <a:p>
+                <a:r>
+                  <a:rPr lang="en-US" altLang="zh-CN" sz="1000" dirty="0">
+                    <a:solidFill>
+                      <a:schemeClr val="bg1"/>
+                    </a:solidFill>
+                    <a:latin typeface="Arial" panose="020B0604020202020204" pitchFamily="34" charset="0"/>
+                    <a:cs typeface="Arial" panose="020B0604020202020204" pitchFamily="34" charset="0"/>
+                  </a:rPr>
+                  <a:t>Engine Layer</a:t>
+                </a:r>
+                <a:endParaRPr lang="zh-CN" altLang="en-US" sz="1000" dirty="0">
+                  <a:solidFill>
+                    <a:schemeClr val="bg1"/>
+                  </a:solidFill>
+                  <a:latin typeface="Arial" panose="020B0604020202020204" pitchFamily="34" charset="0"/>
+                  <a:cs typeface="Arial" panose="020B0604020202020204" pitchFamily="34" charset="0"/>
+                </a:endParaRPr>
+              </a:p>
+            </p:txBody>
+          </p:sp>
+        </p:grpSp>
+        <p:grpSp>
+          <p:nvGrpSpPr>
+            <p:cNvPr id="189" name="组合 188">
+              <a:extLst>
+                <a:ext uri="{FF2B5EF4-FFF2-40B4-BE49-F238E27FC236}">
+                  <a16:creationId xmlns:a16="http://schemas.microsoft.com/office/drawing/2014/main" id="{858FF210-9A07-9D43-862C-D84455445A9D}"/>
+                </a:ext>
+              </a:extLst>
+            </p:cNvPr>
+            <p:cNvGrpSpPr/>
+            <p:nvPr/>
+          </p:nvGrpSpPr>
+          <p:grpSpPr>
+            <a:xfrm>
+              <a:off x="216268" y="2673038"/>
+              <a:ext cx="1293532" cy="1277822"/>
+              <a:chOff x="-2905049" y="3373908"/>
+              <a:chExt cx="1928419" cy="1905000"/>
+            </a:xfrm>
+          </p:grpSpPr>
+          <p:pic>
+            <p:nvPicPr>
+              <p:cNvPr id="212" name="图形 119">
+                <a:extLst>
+                  <a:ext uri="{FF2B5EF4-FFF2-40B4-BE49-F238E27FC236}">
+                    <a16:creationId xmlns:a16="http://schemas.microsoft.com/office/drawing/2014/main" id="{9651FCF1-E117-4246-9EE5-CDBE1D911BF6}"/>
+                  </a:ext>
+                </a:extLst>
+              </p:cNvPr>
+              <p:cNvPicPr>
+                <a:picLocks noChangeAspect="1"/>
+              </p:cNvPicPr>
+              <p:nvPr/>
+            </p:nvPicPr>
+            <p:blipFill>
+              <a:blip r:embed="rId12" cstate="print">
+                <a:extLst>
+                  <a:ext uri="{28A0092B-C50C-407E-A947-70E740481C1C}">
+                    <a14:useLocalDpi xmlns:a14="http://schemas.microsoft.com/office/drawing/2010/main" val="0"/>
+                  </a:ext>
+                  <a:ext uri="{96DAC541-7B7A-43D3-8B79-37D633B846F1}">
+                    <asvg:svgBlip xmlns:asvg="http://schemas.microsoft.com/office/drawing/2016/SVG/main" r:embed="rId11"/>
+                  </a:ext>
+                </a:extLst>
+              </a:blip>
+              <a:stretch>
+                <a:fillRect/>
+              </a:stretch>
+            </p:blipFill>
+            <p:spPr>
+              <a:xfrm>
+                <a:off x="-2905049" y="3373908"/>
+                <a:ext cx="1922370" cy="1905000"/>
+              </a:xfrm>
+              <a:prstGeom prst="rect">
+                <a:avLst/>
+              </a:prstGeom>
+            </p:spPr>
+          </p:pic>
+          <p:sp>
+            <p:nvSpPr>
+              <p:cNvPr id="213" name="文本框 212">
+                <a:extLst>
+                  <a:ext uri="{FF2B5EF4-FFF2-40B4-BE49-F238E27FC236}">
+                    <a16:creationId xmlns:a16="http://schemas.microsoft.com/office/drawing/2014/main" id="{9607E956-32E7-D04F-A594-5920E2071560}"/>
+                  </a:ext>
+                </a:extLst>
+              </p:cNvPr>
+              <p:cNvSpPr txBox="1"/>
+              <p:nvPr/>
+            </p:nvSpPr>
+            <p:spPr>
+              <a:xfrm>
+                <a:off x="-2621071" y="3825915"/>
+                <a:ext cx="1644441" cy="367071"/>
+              </a:xfrm>
+              <a:prstGeom prst="rect">
+                <a:avLst/>
+              </a:prstGeom>
+              <a:noFill/>
+            </p:spPr>
+            <p:txBody>
+              <a:bodyPr wrap="square" rtlCol="0">
+                <a:spAutoFit/>
+              </a:bodyPr>
+              <a:lstStyle/>
+              <a:p>
+                <a:r>
+                  <a:rPr lang="en-US" altLang="zh-CN" sz="1000" dirty="0">
+                    <a:solidFill>
+                      <a:schemeClr val="bg1"/>
+                    </a:solidFill>
+                    <a:latin typeface="Arial" panose="020B0604020202020204" pitchFamily="34" charset="0"/>
+                    <a:cs typeface="Arial" panose="020B0604020202020204" pitchFamily="34" charset="0"/>
+                  </a:rPr>
+                  <a:t>Storage Layer</a:t>
+                </a:r>
+                <a:endParaRPr lang="zh-CN" altLang="en-US" sz="1000" dirty="0">
+                  <a:solidFill>
+                    <a:schemeClr val="bg1"/>
+                  </a:solidFill>
+                  <a:latin typeface="Arial" panose="020B0604020202020204" pitchFamily="34" charset="0"/>
+                  <a:cs typeface="Arial" panose="020B0604020202020204" pitchFamily="34" charset="0"/>
+                </a:endParaRPr>
+              </a:p>
+            </p:txBody>
+          </p:sp>
+        </p:grpSp>
+        <p:cxnSp>
+          <p:nvCxnSpPr>
+            <p:cNvPr id="191" name="肘形连接符 190">
+              <a:extLst>
+                <a:ext uri="{FF2B5EF4-FFF2-40B4-BE49-F238E27FC236}">
+                  <a16:creationId xmlns:a16="http://schemas.microsoft.com/office/drawing/2014/main" id="{25440A0B-85BB-3348-9C5F-C8C7022585D5}"/>
+                </a:ext>
+              </a:extLst>
+            </p:cNvPr>
+            <p:cNvCxnSpPr>
+              <a:cxnSpLocks/>
+            </p:cNvCxnSpPr>
+            <p:nvPr/>
+          </p:nvCxnSpPr>
+          <p:spPr>
+            <a:xfrm rot="5400000">
+              <a:off x="8602533" y="2562354"/>
+              <a:ext cx="1003238" cy="720000"/>
+            </a:xfrm>
+            <a:prstGeom prst="bentConnector2">
+              <a:avLst/>
+            </a:prstGeom>
+            <a:ln w="25400">
+              <a:solidFill>
+                <a:srgbClr val="ED7D31"/>
+              </a:solidFill>
+              <a:tailEnd type="triangle"/>
+            </a:ln>
+          </p:spPr>
+          <p:style>
+            <a:lnRef idx="1">
+              <a:schemeClr val="accent1"/>
+            </a:lnRef>
+            <a:fillRef idx="0">
+              <a:schemeClr val="accent1"/>
+            </a:fillRef>
+            <a:effectRef idx="0">
+              <a:schemeClr val="accent1"/>
+            </a:effectRef>
+            <a:fontRef idx="minor">
+              <a:schemeClr val="tx1"/>
+            </a:fontRef>
+          </p:style>
+        </p:cxnSp>
+        <p:cxnSp>
+          <p:nvCxnSpPr>
+            <p:cNvPr id="192" name="肘形连接符 191">
+              <a:extLst>
+                <a:ext uri="{FF2B5EF4-FFF2-40B4-BE49-F238E27FC236}">
+                  <a16:creationId xmlns:a16="http://schemas.microsoft.com/office/drawing/2014/main" id="{3B7337E1-9745-BF4C-8997-27BB3BC5A270}"/>
+                </a:ext>
+              </a:extLst>
+            </p:cNvPr>
+            <p:cNvCxnSpPr>
+              <a:cxnSpLocks/>
+            </p:cNvCxnSpPr>
+            <p:nvPr/>
+          </p:nvCxnSpPr>
+          <p:spPr>
+            <a:xfrm rot="5400000">
+              <a:off x="8327047" y="2835704"/>
+              <a:ext cx="1800000" cy="900000"/>
+            </a:xfrm>
+            <a:prstGeom prst="bentConnector2">
+              <a:avLst/>
+            </a:prstGeom>
+            <a:ln w="25400">
+              <a:solidFill>
+                <a:srgbClr val="FCD604"/>
+              </a:solidFill>
+              <a:tailEnd type="triangle"/>
+            </a:ln>
+          </p:spPr>
+          <p:style>
+            <a:lnRef idx="1">
+              <a:schemeClr val="accent1"/>
+            </a:lnRef>
+            <a:fillRef idx="0">
+              <a:schemeClr val="accent1"/>
+            </a:fillRef>
+            <a:effectRef idx="0">
+              <a:schemeClr val="accent1"/>
+            </a:effectRef>
+            <a:fontRef idx="minor">
+              <a:schemeClr val="tx1"/>
+            </a:fontRef>
+          </p:style>
+        </p:cxnSp>
+        <p:cxnSp>
+          <p:nvCxnSpPr>
+            <p:cNvPr id="193" name="肘形连接符 192">
+              <a:extLst>
+                <a:ext uri="{FF2B5EF4-FFF2-40B4-BE49-F238E27FC236}">
+                  <a16:creationId xmlns:a16="http://schemas.microsoft.com/office/drawing/2014/main" id="{32DAB55D-4C65-7646-B631-96FBDD615C46}"/>
+                </a:ext>
+              </a:extLst>
+            </p:cNvPr>
+            <p:cNvCxnSpPr>
+              <a:cxnSpLocks/>
+            </p:cNvCxnSpPr>
+            <p:nvPr/>
+          </p:nvCxnSpPr>
+          <p:spPr>
+            <a:xfrm rot="16200000" flipH="1">
+              <a:off x="6149788" y="2179282"/>
+              <a:ext cx="1049379" cy="1440000"/>
+            </a:xfrm>
+            <a:prstGeom prst="bentConnector2">
+              <a:avLst/>
+            </a:prstGeom>
+            <a:ln w="25400">
+              <a:solidFill>
+                <a:srgbClr val="ED7D31"/>
+              </a:solidFill>
+              <a:tailEnd type="triangle"/>
+            </a:ln>
+          </p:spPr>
+          <p:style>
+            <a:lnRef idx="1">
+              <a:schemeClr val="accent1"/>
+            </a:lnRef>
+            <a:fillRef idx="0">
+              <a:schemeClr val="accent1"/>
+            </a:fillRef>
+            <a:effectRef idx="0">
+              <a:schemeClr val="accent1"/>
+            </a:effectRef>
+            <a:fontRef idx="minor">
+              <a:schemeClr val="tx1"/>
+            </a:fontRef>
+          </p:style>
+        </p:cxnSp>
+        <p:sp>
+          <p:nvSpPr>
+            <p:cNvPr id="197" name="文本框 196"/>
+            <p:cNvSpPr txBox="1"/>
+            <p:nvPr/>
+          </p:nvSpPr>
+          <p:spPr>
+            <a:xfrm>
+              <a:off x="6311581" y="3797745"/>
+              <a:ext cx="1270740" cy="369330"/>
+            </a:xfrm>
+            <a:prstGeom prst="rect">
+              <a:avLst/>
+            </a:prstGeom>
+            <a:noFill/>
+            <a:ln w="12700" cap="flat">
+              <a:noFill/>
+              <a:miter lim="400000"/>
+            </a:ln>
+            <a:effectLst/>
+            <a:sp3d/>
+          </p:spPr>
+          <p:style>
+            <a:lnRef idx="0">
+              <a:scrgbClr r="0" g="0" b="0"/>
+            </a:lnRef>
+            <a:fillRef idx="0">
+              <a:scrgbClr r="0" g="0" b="0"/>
+            </a:fillRef>
+            <a:effectRef idx="0">
+              <a:scrgbClr r="0" g="0" b="0"/>
+            </a:effectRef>
+            <a:fontRef idx="none"/>
+          </p:style>
+          <p:txBody>
+            <a:bodyPr rot="0" spcFirstLastPara="1" vertOverflow="overflow" horzOverflow="overflow" vert="horz" wrap="square" lIns="45719" tIns="45719" rIns="45719" bIns="45719" numCol="1" spcCol="38100" rtlCol="0" anchor="t">
+              <a:spAutoFit/>
+            </a:bodyPr>
+            <a:lstStyle/>
+            <a:p>
+              <a:pPr marL="0" marR="0" indent="0" algn="l" defTabSz="914400" rtl="0" fontAlgn="auto" latinLnBrk="0" hangingPunct="0">
+                <a:lnSpc>
+                  <a:spcPct val="100000"/>
+                </a:lnSpc>
+                <a:spcBef>
+                  <a:spcPts val="0"/>
+                </a:spcBef>
+                <a:spcAft>
+                  <a:spcPts val="0"/>
+                </a:spcAft>
+                <a:buClrTx/>
+                <a:buSzTx/>
+                <a:buFontTx/>
+                <a:buNone/>
+                <a:tabLst/>
+              </a:pPr>
+              <a:r>
+                <a:rPr kumimoji="0" lang="en-US" altLang="zh-CN" sz="900" b="0" i="0" u="none" strike="noStrike" cap="none" spc="0" normalizeH="0" baseline="0" dirty="0">
+                  <a:ln>
+                    <a:noFill/>
+                  </a:ln>
+                  <a:solidFill>
+                    <a:srgbClr val="000000"/>
+                  </a:solidFill>
+                  <a:effectLst/>
+                  <a:uFillTx/>
+                  <a:latin typeface="Arial" panose="020B0604020202020204" pitchFamily="34" charset="0"/>
+                  <a:cs typeface="Arial" panose="020B0604020202020204" pitchFamily="34" charset="0"/>
+                  <a:sym typeface="等线"/>
+                </a:rPr>
+                <a:t>Storage Policy</a:t>
+              </a:r>
+            </a:p>
+            <a:p>
+              <a:pPr marL="0" marR="0" indent="0" algn="l" defTabSz="914400" rtl="0" fontAlgn="auto" latinLnBrk="0" hangingPunct="0">
+                <a:lnSpc>
+                  <a:spcPct val="100000"/>
+                </a:lnSpc>
+                <a:spcBef>
+                  <a:spcPts val="0"/>
+                </a:spcBef>
+                <a:spcAft>
+                  <a:spcPts val="0"/>
+                </a:spcAft>
+                <a:buClrTx/>
+                <a:buSzTx/>
+                <a:buFontTx/>
+                <a:buNone/>
+                <a:tabLst/>
+              </a:pPr>
+              <a:r>
+                <a:rPr lang="en-US" altLang="zh-CN" sz="900" dirty="0">
+                  <a:solidFill>
+                    <a:srgbClr val="000000"/>
+                  </a:solidFill>
+                  <a:latin typeface="Arial" panose="020B0604020202020204" pitchFamily="34" charset="0"/>
+                  <a:cs typeface="Arial" panose="020B0604020202020204" pitchFamily="34" charset="0"/>
+                  <a:sym typeface="等线"/>
+                </a:rPr>
+                <a:t>(User defined)</a:t>
+              </a:r>
+              <a:endParaRPr kumimoji="0" lang="zh-CN" altLang="en-US" sz="900" b="0" i="0" u="none" strike="noStrike" cap="none" spc="0" normalizeH="0" baseline="0" dirty="0">
                 <a:ln>
                   <a:noFill/>
                 </a:ln>
@@ -21593,257 +21207,672 @@
                 <a:latin typeface="Arial" panose="020B0604020202020204" pitchFamily="34" charset="0"/>
                 <a:cs typeface="Arial" panose="020B0604020202020204" pitchFamily="34" charset="0"/>
                 <a:sym typeface="等线"/>
-              </a:rPr>
-              <a:t>Storage Policy</a:t>
-            </a:r>
-          </a:p>
-          <a:p>
-            <a:pPr marL="0" marR="0" indent="0" algn="l" defTabSz="914400" rtl="0" fontAlgn="auto" latinLnBrk="0" hangingPunct="0">
-              <a:lnSpc>
-                <a:spcPct val="100000"/>
-              </a:lnSpc>
-              <a:spcBef>
-                <a:spcPts val="0"/>
-              </a:spcBef>
-              <a:spcAft>
-                <a:spcPts val="0"/>
-              </a:spcAft>
-              <a:buClrTx/>
-              <a:buSzTx/>
-              <a:buFontTx/>
-              <a:buNone/>
-              <a:tabLst/>
-            </a:pPr>
-            <a:r>
-              <a:rPr lang="en-US" altLang="zh-CN" sz="900" dirty="0">
+              </a:endParaRPr>
+            </a:p>
+          </p:txBody>
+        </p:sp>
+        <p:grpSp>
+          <p:nvGrpSpPr>
+            <p:cNvPr id="198" name="组合 197"/>
+            <p:cNvGrpSpPr/>
+            <p:nvPr/>
+          </p:nvGrpSpPr>
+          <p:grpSpPr>
+            <a:xfrm>
+              <a:off x="7416577" y="4664453"/>
+              <a:ext cx="1369602" cy="570061"/>
+              <a:chOff x="7847306" y="3274612"/>
+              <a:chExt cx="1369602" cy="676139"/>
+            </a:xfrm>
+          </p:grpSpPr>
+          <p:sp>
+            <p:nvSpPr>
+              <p:cNvPr id="206" name="矩形 205">
+                <a:extLst>
+                  <a:ext uri="{FF2B5EF4-FFF2-40B4-BE49-F238E27FC236}">
+                    <a16:creationId xmlns:a16="http://schemas.microsoft.com/office/drawing/2014/main" id="{4BCACF73-6426-7A42-9B30-35645BE1FAA2}"/>
+                  </a:ext>
+                </a:extLst>
+              </p:cNvPr>
+              <p:cNvSpPr/>
+              <p:nvPr/>
+            </p:nvSpPr>
+            <p:spPr>
+              <a:xfrm>
+                <a:off x="7847306" y="3274612"/>
+                <a:ext cx="1369602" cy="676139"/>
+              </a:xfrm>
+              <a:prstGeom prst="rect">
+                <a:avLst/>
+              </a:prstGeom>
+              <a:solidFill>
+                <a:srgbClr val="F5F5FA"/>
+              </a:solidFill>
+              <a:ln w="12700">
+                <a:noFill/>
+              </a:ln>
+            </p:spPr>
+            <p:style>
+              <a:lnRef idx="2">
+                <a:schemeClr val="accent1">
+                  <a:shade val="50000"/>
+                </a:schemeClr>
+              </a:lnRef>
+              <a:fillRef idx="1">
+                <a:schemeClr val="accent1"/>
+              </a:fillRef>
+              <a:effectRef idx="0">
+                <a:schemeClr val="accent1"/>
+              </a:effectRef>
+              <a:fontRef idx="minor">
+                <a:schemeClr val="lt1"/>
+              </a:fontRef>
+            </p:style>
+            <p:txBody>
+              <a:bodyPr rtlCol="0" anchor="ctr"/>
+              <a:lstStyle/>
+              <a:p>
+                <a:pPr algn="ctr"/>
+                <a:endParaRPr kumimoji="1" lang="zh-CN" altLang="en-US" sz="1000">
+                  <a:latin typeface="Microsoft YaHei" panose="020B0503020204020204" pitchFamily="34" charset="-122"/>
+                  <a:ea typeface="Microsoft YaHei" panose="020B0503020204020204" pitchFamily="34" charset="-122"/>
+                </a:endParaRPr>
+              </a:p>
+            </p:txBody>
+          </p:sp>
+          <p:sp>
+            <p:nvSpPr>
+              <p:cNvPr id="207" name="文本框 206">
+                <a:extLst>
+                  <a:ext uri="{FF2B5EF4-FFF2-40B4-BE49-F238E27FC236}">
+                    <a16:creationId xmlns:a16="http://schemas.microsoft.com/office/drawing/2014/main" id="{AE0CF8F0-0930-9748-B7E3-9588412791CE}"/>
+                  </a:ext>
+                </a:extLst>
+              </p:cNvPr>
+              <p:cNvSpPr txBox="1"/>
+              <p:nvPr/>
+            </p:nvSpPr>
+            <p:spPr>
+              <a:xfrm>
+                <a:off x="7951626" y="3494491"/>
+                <a:ext cx="1134670" cy="273786"/>
+              </a:xfrm>
+              <a:prstGeom prst="rect">
+                <a:avLst/>
+              </a:prstGeom>
+              <a:noFill/>
+            </p:spPr>
+            <p:txBody>
+              <a:bodyPr wrap="square" rtlCol="0">
+                <a:spAutoFit/>
+              </a:bodyPr>
+              <a:lstStyle/>
+              <a:p>
+                <a:pPr algn="ctr"/>
+                <a:r>
+                  <a:rPr kumimoji="1" lang="en-US" altLang="zh-CN" sz="900" b="1" dirty="0">
+                    <a:solidFill>
+                      <a:srgbClr val="383C57"/>
+                    </a:solidFill>
+                    <a:latin typeface="Arial" panose="020B0604020202020204" pitchFamily="34" charset="0"/>
+                    <a:cs typeface="Arial" panose="020B0604020202020204" pitchFamily="34" charset="0"/>
+                  </a:rPr>
+                  <a:t>Archive</a:t>
+                </a:r>
+              </a:p>
+            </p:txBody>
+          </p:sp>
+        </p:grpSp>
+        <p:cxnSp>
+          <p:nvCxnSpPr>
+            <p:cNvPr id="199" name="肘形连接符 198">
+              <a:extLst>
+                <a:ext uri="{FF2B5EF4-FFF2-40B4-BE49-F238E27FC236}">
+                  <a16:creationId xmlns:a16="http://schemas.microsoft.com/office/drawing/2014/main" id="{32DAB55D-4C65-7646-B631-96FBDD615C46}"/>
+                </a:ext>
+              </a:extLst>
+            </p:cNvPr>
+            <p:cNvCxnSpPr>
+              <a:cxnSpLocks/>
+              <a:endCxn id="218" idx="1"/>
+            </p:cNvCxnSpPr>
+            <p:nvPr/>
+          </p:nvCxnSpPr>
+          <p:spPr>
+            <a:xfrm rot="16200000" flipH="1">
+              <a:off x="5654549" y="2415121"/>
+              <a:ext cx="1798711" cy="1717655"/>
+            </a:xfrm>
+            <a:prstGeom prst="bentConnector2">
+              <a:avLst/>
+            </a:prstGeom>
+            <a:ln w="28575">
+              <a:tailEnd type="triangle"/>
+            </a:ln>
+          </p:spPr>
+          <p:style>
+            <a:lnRef idx="3">
+              <a:schemeClr val="accent5"/>
+            </a:lnRef>
+            <a:fillRef idx="0">
+              <a:schemeClr val="accent5"/>
+            </a:fillRef>
+            <a:effectRef idx="2">
+              <a:schemeClr val="accent5"/>
+            </a:effectRef>
+            <a:fontRef idx="minor">
+              <a:schemeClr val="tx1"/>
+            </a:fontRef>
+          </p:style>
+        </p:cxnSp>
+        <p:pic>
+          <p:nvPicPr>
+            <p:cNvPr id="200" name="图形 94">
+              <a:extLst>
+                <a:ext uri="{FF2B5EF4-FFF2-40B4-BE49-F238E27FC236}">
+                  <a16:creationId xmlns:a16="http://schemas.microsoft.com/office/drawing/2014/main" id="{E5609B2E-A8F2-C545-ADF9-4645B9D2D5DC}"/>
+                </a:ext>
+              </a:extLst>
+            </p:cNvPr>
+            <p:cNvPicPr>
+              <a:picLocks noChangeAspect="1"/>
+            </p:cNvPicPr>
+            <p:nvPr/>
+          </p:nvPicPr>
+          <p:blipFill>
+            <a:blip r:embed="rId6">
+              <a:extLst>
+                <a:ext uri="{96DAC541-7B7A-43D3-8B79-37D633B846F1}">
+                  <asvg:svgBlip xmlns:asvg="http://schemas.microsoft.com/office/drawing/2016/SVG/main" r:embed="rId7"/>
+                </a:ext>
+              </a:extLst>
+            </a:blip>
+            <a:stretch>
+              <a:fillRect/>
+            </a:stretch>
+          </p:blipFill>
+          <p:spPr>
+            <a:xfrm>
+              <a:off x="9021043" y="1292095"/>
+              <a:ext cx="229404" cy="229404"/>
+            </a:xfrm>
+            <a:prstGeom prst="rect">
+              <a:avLst/>
+            </a:prstGeom>
+          </p:spPr>
+        </p:pic>
+        <p:sp>
+          <p:nvSpPr>
+            <p:cNvPr id="201" name="文本框 200">
+              <a:extLst>
+                <a:ext uri="{FF2B5EF4-FFF2-40B4-BE49-F238E27FC236}">
+                  <a16:creationId xmlns:a16="http://schemas.microsoft.com/office/drawing/2014/main" id="{0DC49CD2-5A6D-8D4A-A58F-2A78DC169608}"/>
+                </a:ext>
+              </a:extLst>
+            </p:cNvPr>
+            <p:cNvSpPr txBox="1"/>
+            <p:nvPr/>
+          </p:nvSpPr>
+          <p:spPr>
+            <a:xfrm>
+              <a:off x="9245239" y="1214343"/>
+              <a:ext cx="658582" cy="369332"/>
+            </a:xfrm>
+            <a:prstGeom prst="rect">
+              <a:avLst/>
+            </a:prstGeom>
+            <a:noFill/>
+          </p:spPr>
+          <p:txBody>
+            <a:bodyPr wrap="square" rtlCol="0">
+              <a:spAutoFit/>
+            </a:bodyPr>
+            <a:lstStyle/>
+            <a:p>
+              <a:pPr algn="ctr"/>
+              <a:r>
+                <a:rPr kumimoji="1" lang="en-US" altLang="zh-CN" sz="900" b="1" dirty="0">
+                  <a:solidFill>
+                    <a:srgbClr val="383C57"/>
+                  </a:solidFill>
+                  <a:latin typeface="Arial" panose="020B0604020202020204" pitchFamily="34" charset="0"/>
+                  <a:cs typeface="Arial" panose="020B0604020202020204" pitchFamily="34" charset="0"/>
+                </a:rPr>
+                <a:t>Kafka Topic</a:t>
+              </a:r>
+              <a:endParaRPr kumimoji="1" lang="zh-CN" altLang="en-US" sz="900" b="1" dirty="0">
+                <a:solidFill>
+                  <a:srgbClr val="383C57"/>
+                </a:solidFill>
+                <a:latin typeface="Arial" panose="020B0604020202020204" pitchFamily="34" charset="0"/>
+                <a:cs typeface="Arial" panose="020B0604020202020204" pitchFamily="34" charset="0"/>
+              </a:endParaRPr>
+            </a:p>
+          </p:txBody>
+        </p:sp>
+        <p:cxnSp>
+          <p:nvCxnSpPr>
+            <p:cNvPr id="202" name="肘形连接符 201">
+              <a:extLst>
+                <a:ext uri="{FF2B5EF4-FFF2-40B4-BE49-F238E27FC236}">
+                  <a16:creationId xmlns:a16="http://schemas.microsoft.com/office/drawing/2014/main" id="{32DAB55D-4C65-7646-B631-96FBDD615C46}"/>
+                </a:ext>
+              </a:extLst>
+            </p:cNvPr>
+            <p:cNvCxnSpPr>
+              <a:cxnSpLocks/>
+              <a:stCxn id="165" idx="2"/>
+              <a:endCxn id="206" idx="1"/>
+            </p:cNvCxnSpPr>
+            <p:nvPr/>
+          </p:nvCxnSpPr>
+          <p:spPr>
+            <a:xfrm rot="16200000" flipH="1">
+              <a:off x="5135865" y="2668772"/>
+              <a:ext cx="2574890" cy="1986533"/>
+            </a:xfrm>
+            <a:prstGeom prst="bentConnector2">
+              <a:avLst/>
+            </a:prstGeom>
+            <a:ln w="28575">
+              <a:solidFill>
+                <a:schemeClr val="bg1">
+                  <a:lumMod val="50000"/>
+                </a:schemeClr>
+              </a:solidFill>
+              <a:tailEnd type="triangle"/>
+            </a:ln>
+          </p:spPr>
+          <p:style>
+            <a:lnRef idx="3">
+              <a:schemeClr val="dk1"/>
+            </a:lnRef>
+            <a:fillRef idx="0">
+              <a:schemeClr val="dk1"/>
+            </a:fillRef>
+            <a:effectRef idx="2">
+              <a:schemeClr val="dk1"/>
+            </a:effectRef>
+            <a:fontRef idx="minor">
+              <a:schemeClr val="tx1"/>
+            </a:fontRef>
+          </p:style>
+        </p:cxnSp>
+        <p:cxnSp>
+          <p:nvCxnSpPr>
+            <p:cNvPr id="203" name="肘形连接符 202">
+              <a:extLst>
+                <a:ext uri="{FF2B5EF4-FFF2-40B4-BE49-F238E27FC236}">
+                  <a16:creationId xmlns:a16="http://schemas.microsoft.com/office/drawing/2014/main" id="{32DAB55D-4C65-7646-B631-96FBDD615C46}"/>
+                </a:ext>
+              </a:extLst>
+            </p:cNvPr>
+            <p:cNvCxnSpPr>
+              <a:cxnSpLocks/>
+            </p:cNvCxnSpPr>
+            <p:nvPr/>
+          </p:nvCxnSpPr>
+          <p:spPr>
+            <a:xfrm rot="5400000">
+              <a:off x="8054765" y="3137856"/>
+              <a:ext cx="2543255" cy="1080000"/>
+            </a:xfrm>
+            <a:prstGeom prst="bentConnector2">
+              <a:avLst/>
+            </a:prstGeom>
+            <a:ln w="28575">
+              <a:solidFill>
+                <a:schemeClr val="bg1">
+                  <a:lumMod val="50000"/>
+                </a:schemeClr>
+              </a:solidFill>
+              <a:tailEnd type="triangle"/>
+            </a:ln>
+          </p:spPr>
+          <p:style>
+            <a:lnRef idx="3">
+              <a:schemeClr val="dk1"/>
+            </a:lnRef>
+            <a:fillRef idx="0">
+              <a:schemeClr val="dk1"/>
+            </a:fillRef>
+            <a:effectRef idx="2">
+              <a:schemeClr val="dk1"/>
+            </a:effectRef>
+            <a:fontRef idx="minor">
+              <a:schemeClr val="tx1"/>
+            </a:fontRef>
+          </p:style>
+        </p:cxnSp>
+        <p:sp>
+          <p:nvSpPr>
+            <p:cNvPr id="204" name="文本框 203"/>
+            <p:cNvSpPr txBox="1"/>
+            <p:nvPr/>
+          </p:nvSpPr>
+          <p:spPr>
+            <a:xfrm>
+              <a:off x="6317310" y="4574000"/>
+              <a:ext cx="1270740" cy="369330"/>
+            </a:xfrm>
+            <a:prstGeom prst="rect">
+              <a:avLst/>
+            </a:prstGeom>
+            <a:noFill/>
+            <a:ln w="12700" cap="flat">
+              <a:noFill/>
+              <a:miter lim="400000"/>
+            </a:ln>
+            <a:effectLst/>
+            <a:sp3d/>
+          </p:spPr>
+          <p:style>
+            <a:lnRef idx="0">
+              <a:scrgbClr r="0" g="0" b="0"/>
+            </a:lnRef>
+            <a:fillRef idx="0">
+              <a:scrgbClr r="0" g="0" b="0"/>
+            </a:fillRef>
+            <a:effectRef idx="0">
+              <a:scrgbClr r="0" g="0" b="0"/>
+            </a:effectRef>
+            <a:fontRef idx="none"/>
+          </p:style>
+          <p:txBody>
+            <a:bodyPr rot="0" spcFirstLastPara="1" vertOverflow="overflow" horzOverflow="overflow" vert="horz" wrap="square" lIns="45719" tIns="45719" rIns="45719" bIns="45719" numCol="1" spcCol="38100" rtlCol="0" anchor="t">
+              <a:spAutoFit/>
+            </a:bodyPr>
+            <a:lstStyle/>
+            <a:p>
+              <a:pPr marL="0" marR="0" indent="0" algn="l" defTabSz="914400" rtl="0" fontAlgn="auto" latinLnBrk="0" hangingPunct="0">
+                <a:lnSpc>
+                  <a:spcPct val="100000"/>
+                </a:lnSpc>
+                <a:spcBef>
+                  <a:spcPts val="0"/>
+                </a:spcBef>
+                <a:spcAft>
+                  <a:spcPts val="0"/>
+                </a:spcAft>
+                <a:buClrTx/>
+                <a:buSzTx/>
+                <a:buFontTx/>
+                <a:buNone/>
+                <a:tabLst/>
+              </a:pPr>
+              <a:r>
+                <a:rPr lang="en-US" altLang="zh-CN" sz="900" dirty="0">
+                  <a:solidFill>
+                    <a:srgbClr val="000000"/>
+                  </a:solidFill>
+                  <a:latin typeface="Arial" panose="020B0604020202020204" pitchFamily="34" charset="0"/>
+                  <a:cs typeface="Arial" panose="020B0604020202020204" pitchFamily="34" charset="0"/>
+                  <a:sym typeface="等线"/>
+                </a:rPr>
+                <a:t>Data Archiving</a:t>
+              </a:r>
+              <a:endParaRPr kumimoji="0" lang="en-US" altLang="zh-CN" sz="900" b="0" i="0" u="none" strike="noStrike" cap="none" spc="0" normalizeH="0" baseline="0" dirty="0">
+                <a:ln>
+                  <a:noFill/>
+                </a:ln>
                 <a:solidFill>
                   <a:srgbClr val="000000"/>
                 </a:solidFill>
+                <a:effectLst/>
+                <a:uFillTx/>
                 <a:latin typeface="Arial" panose="020B0604020202020204" pitchFamily="34" charset="0"/>
                 <a:cs typeface="Arial" panose="020B0604020202020204" pitchFamily="34" charset="0"/>
                 <a:sym typeface="等线"/>
-              </a:rPr>
-              <a:t>(User defined)</a:t>
-            </a:r>
-            <a:endParaRPr kumimoji="0" lang="zh-CN" altLang="en-US" sz="900" b="0" i="0" u="none" strike="noStrike" cap="none" spc="0" normalizeH="0" baseline="0" dirty="0">
-              <a:ln>
-                <a:noFill/>
-              </a:ln>
-              <a:solidFill>
-                <a:srgbClr val="000000"/>
-              </a:solidFill>
-              <a:effectLst/>
-              <a:uFillTx/>
-              <a:latin typeface="Arial" panose="020B0604020202020204" pitchFamily="34" charset="0"/>
-              <a:cs typeface="Arial" panose="020B0604020202020204" pitchFamily="34" charset="0"/>
-              <a:sym typeface="等线"/>
-            </a:endParaRPr>
-          </a:p>
-        </p:txBody>
-      </p:sp>
-      <p:sp>
-        <p:nvSpPr>
-          <p:cNvPr id="205" name="文本框 204">
-            <a:extLst>
-              <a:ext uri="{FF2B5EF4-FFF2-40B4-BE49-F238E27FC236}">
-                <a16:creationId xmlns:a16="http://schemas.microsoft.com/office/drawing/2014/main" id="{AE044225-279F-DE4C-8C3A-2064F955D718}"/>
-              </a:ext>
-            </a:extLst>
-          </p:cNvPr>
-          <p:cNvSpPr txBox="1"/>
-          <p:nvPr/>
-        </p:nvSpPr>
-        <p:spPr>
-          <a:xfrm>
-            <a:off x="6649212" y="2063929"/>
-            <a:ext cx="1527039" cy="230832"/>
-          </a:xfrm>
-          <a:prstGeom prst="rect">
-            <a:avLst/>
-          </a:prstGeom>
-          <a:noFill/>
-        </p:spPr>
-        <p:txBody>
-          <a:bodyPr wrap="square" rtlCol="0">
-            <a:spAutoFit/>
-          </a:bodyPr>
-          <a:lstStyle/>
-          <a:p>
-            <a:pPr algn="ctr"/>
-            <a:r>
-              <a:rPr kumimoji="1" lang="en-US" altLang="zh-CN" sz="900" b="1" dirty="0">
+              </a:endParaRPr>
+            </a:p>
+            <a:p>
+              <a:pPr marL="0" marR="0" indent="0" algn="l" defTabSz="914400" rtl="0" fontAlgn="auto" latinLnBrk="0" hangingPunct="0">
+                <a:lnSpc>
+                  <a:spcPct val="100000"/>
+                </a:lnSpc>
+                <a:spcBef>
+                  <a:spcPts val="0"/>
+                </a:spcBef>
+                <a:spcAft>
+                  <a:spcPts val="0"/>
+                </a:spcAft>
+                <a:buClrTx/>
+                <a:buSzTx/>
+                <a:buFontTx/>
+                <a:buNone/>
+                <a:tabLst/>
+              </a:pPr>
+              <a:r>
+                <a:rPr lang="en-US" altLang="zh-CN" sz="900" dirty="0">
+                  <a:solidFill>
+                    <a:srgbClr val="000000"/>
+                  </a:solidFill>
+                  <a:latin typeface="Arial" panose="020B0604020202020204" pitchFamily="34" charset="0"/>
+                  <a:cs typeface="Arial" panose="020B0604020202020204" pitchFamily="34" charset="0"/>
+                  <a:sym typeface="等线"/>
+                </a:rPr>
+                <a:t>(User defined)</a:t>
+              </a:r>
+              <a:endParaRPr kumimoji="0" lang="zh-CN" altLang="en-US" sz="900" b="0" i="0" u="none" strike="noStrike" cap="none" spc="0" normalizeH="0" baseline="0" dirty="0">
+                <a:ln>
+                  <a:noFill/>
+                </a:ln>
                 <a:solidFill>
-                  <a:schemeClr val="tx2">
-                    <a:lumMod val="75000"/>
-                    <a:lumOff val="25000"/>
-                  </a:schemeClr>
+                  <a:srgbClr val="000000"/>
                 </a:solidFill>
+                <a:effectLst/>
+                <a:uFillTx/>
                 <a:latin typeface="Arial" panose="020B0604020202020204" pitchFamily="34" charset="0"/>
                 <a:cs typeface="Arial" panose="020B0604020202020204" pitchFamily="34" charset="0"/>
-              </a:rPr>
-              <a:t>Spark</a:t>
-            </a:r>
-            <a:r>
-              <a:rPr kumimoji="1" lang="zh-CN" altLang="en-US" sz="900" b="1" dirty="0">
-                <a:solidFill>
-                  <a:schemeClr val="tx2">
-                    <a:lumMod val="75000"/>
-                    <a:lumOff val="25000"/>
-                  </a:schemeClr>
-                </a:solidFill>
-                <a:latin typeface="Arial" panose="020B0604020202020204" pitchFamily="34" charset="0"/>
-                <a:cs typeface="Arial" panose="020B0604020202020204" pitchFamily="34" charset="0"/>
-              </a:rPr>
-              <a:t> </a:t>
-            </a:r>
-            <a:r>
-              <a:rPr kumimoji="1" lang="en-US" altLang="zh-CN" sz="900" b="1" dirty="0">
-                <a:solidFill>
-                  <a:schemeClr val="tx2">
-                    <a:lumMod val="75000"/>
-                    <a:lumOff val="25000"/>
-                  </a:schemeClr>
-                </a:solidFill>
-                <a:latin typeface="Arial" panose="020B0604020202020204" pitchFamily="34" charset="0"/>
-                <a:cs typeface="Arial" panose="020B0604020202020204" pitchFamily="34" charset="0"/>
-              </a:rPr>
-              <a:t>Streaming</a:t>
-            </a:r>
-          </a:p>
-        </p:txBody>
-      </p:sp>
-      <p:sp>
-        <p:nvSpPr>
-          <p:cNvPr id="56" name="文本框 55">
-            <a:extLst>
-              <a:ext uri="{FF2B5EF4-FFF2-40B4-BE49-F238E27FC236}">
-                <a16:creationId xmlns:a16="http://schemas.microsoft.com/office/drawing/2014/main" id="{AFC873E8-EEAF-492B-951B-665A01797323}"/>
-              </a:ext>
-            </a:extLst>
-          </p:cNvPr>
-          <p:cNvSpPr txBox="1"/>
-          <p:nvPr/>
-        </p:nvSpPr>
-        <p:spPr>
-          <a:xfrm>
-            <a:off x="5971302" y="3942652"/>
-            <a:ext cx="274434" cy="276999"/>
-          </a:xfrm>
-          <a:prstGeom prst="rect">
-            <a:avLst/>
-          </a:prstGeom>
-          <a:noFill/>
-        </p:spPr>
-        <p:txBody>
-          <a:bodyPr wrap="none" rtlCol="0">
-            <a:spAutoFit/>
-          </a:bodyPr>
-          <a:lstStyle/>
-          <a:p>
-            <a:r>
-              <a:rPr kumimoji="1" lang="en-US" altLang="zh-CN" sz="1200" dirty="0">
+                <a:sym typeface="等线"/>
+              </a:endParaRPr>
+            </a:p>
+          </p:txBody>
+        </p:sp>
+        <p:sp>
+          <p:nvSpPr>
+            <p:cNvPr id="205" name="文本框 204">
+              <a:extLst>
+                <a:ext uri="{FF2B5EF4-FFF2-40B4-BE49-F238E27FC236}">
+                  <a16:creationId xmlns:a16="http://schemas.microsoft.com/office/drawing/2014/main" id="{AE044225-279F-DE4C-8C3A-2064F955D718}"/>
+                </a:ext>
+              </a:extLst>
+            </p:cNvPr>
+            <p:cNvSpPr txBox="1"/>
+            <p:nvPr/>
+          </p:nvSpPr>
+          <p:spPr>
+            <a:xfrm>
+              <a:off x="6649212" y="2063929"/>
+              <a:ext cx="1527039" cy="230832"/>
+            </a:xfrm>
+            <a:prstGeom prst="rect">
+              <a:avLst/>
+            </a:prstGeom>
+            <a:noFill/>
+          </p:spPr>
+          <p:txBody>
+            <a:bodyPr wrap="square" rtlCol="0">
+              <a:spAutoFit/>
+            </a:bodyPr>
+            <a:lstStyle/>
+            <a:p>
+              <a:pPr algn="ctr"/>
+              <a:r>
+                <a:rPr kumimoji="1" lang="en-US" altLang="zh-CN" sz="900" b="1" dirty="0">
+                  <a:solidFill>
+                    <a:schemeClr val="tx2">
+                      <a:lumMod val="75000"/>
+                      <a:lumOff val="25000"/>
+                    </a:schemeClr>
+                  </a:solidFill>
+                  <a:latin typeface="Arial" panose="020B0604020202020204" pitchFamily="34" charset="0"/>
+                  <a:cs typeface="Arial" panose="020B0604020202020204" pitchFamily="34" charset="0"/>
+                </a:rPr>
+                <a:t>Spark</a:t>
+              </a:r>
+              <a:r>
+                <a:rPr kumimoji="1" lang="zh-CN" altLang="en-US" sz="900" b="1" dirty="0">
+                  <a:solidFill>
+                    <a:schemeClr val="tx2">
+                      <a:lumMod val="75000"/>
+                      <a:lumOff val="25000"/>
+                    </a:schemeClr>
+                  </a:solidFill>
+                  <a:latin typeface="Arial" panose="020B0604020202020204" pitchFamily="34" charset="0"/>
+                  <a:cs typeface="Arial" panose="020B0604020202020204" pitchFamily="34" charset="0"/>
+                </a:rPr>
+                <a:t> </a:t>
+              </a:r>
+              <a:r>
+                <a:rPr kumimoji="1" lang="en-US" altLang="zh-CN" sz="900" b="1" dirty="0">
+                  <a:solidFill>
+                    <a:schemeClr val="tx2">
+                      <a:lumMod val="75000"/>
+                      <a:lumOff val="25000"/>
+                    </a:schemeClr>
+                  </a:solidFill>
+                  <a:latin typeface="Arial" panose="020B0604020202020204" pitchFamily="34" charset="0"/>
+                  <a:cs typeface="Arial" panose="020B0604020202020204" pitchFamily="34" charset="0"/>
+                </a:rPr>
+                <a:t>Streaming</a:t>
+              </a:r>
+            </a:p>
+          </p:txBody>
+        </p:sp>
+        <p:sp>
+          <p:nvSpPr>
+            <p:cNvPr id="56" name="文本框 55">
+              <a:extLst>
+                <a:ext uri="{FF2B5EF4-FFF2-40B4-BE49-F238E27FC236}">
+                  <a16:creationId xmlns:a16="http://schemas.microsoft.com/office/drawing/2014/main" id="{AFC873E8-EEAF-492B-951B-665A01797323}"/>
+                </a:ext>
+              </a:extLst>
+            </p:cNvPr>
+            <p:cNvSpPr txBox="1"/>
+            <p:nvPr/>
+          </p:nvSpPr>
+          <p:spPr>
+            <a:xfrm>
+              <a:off x="5971302" y="3942652"/>
+              <a:ext cx="274434" cy="276999"/>
+            </a:xfrm>
+            <a:prstGeom prst="rect">
+              <a:avLst/>
+            </a:prstGeom>
+            <a:noFill/>
+          </p:spPr>
+          <p:txBody>
+            <a:bodyPr wrap="none" rtlCol="0">
+              <a:spAutoFit/>
+            </a:bodyPr>
+            <a:lstStyle/>
+            <a:p>
+              <a:r>
+                <a:rPr kumimoji="1" lang="en-US" altLang="zh-CN" sz="1200" dirty="0">
+                  <a:solidFill>
+                    <a:schemeClr val="bg1"/>
+                  </a:solidFill>
+                  <a:latin typeface="Microsoft YaHei" panose="020B0503020204020204" pitchFamily="34" charset="-122"/>
+                  <a:ea typeface="Microsoft YaHei" panose="020B0503020204020204" pitchFamily="34" charset="-122"/>
+                </a:rPr>
+                <a:t>2</a:t>
+              </a:r>
+              <a:endParaRPr kumimoji="1" lang="zh-CN" altLang="en-US" sz="1200" dirty="0">
                 <a:solidFill>
                   <a:schemeClr val="bg1"/>
                 </a:solidFill>
                 <a:latin typeface="Microsoft YaHei" panose="020B0503020204020204" pitchFamily="34" charset="-122"/>
                 <a:ea typeface="Microsoft YaHei" panose="020B0503020204020204" pitchFamily="34" charset="-122"/>
-              </a:rPr>
-              <a:t>2</a:t>
-            </a:r>
-            <a:endParaRPr kumimoji="1" lang="zh-CN" altLang="en-US" sz="1200" dirty="0">
-              <a:solidFill>
-                <a:schemeClr val="bg1"/>
-              </a:solidFill>
-              <a:latin typeface="Microsoft YaHei" panose="020B0503020204020204" pitchFamily="34" charset="-122"/>
-              <a:ea typeface="Microsoft YaHei" panose="020B0503020204020204" pitchFamily="34" charset="-122"/>
-            </a:endParaRPr>
-          </a:p>
-        </p:txBody>
-      </p:sp>
-      <p:pic>
-        <p:nvPicPr>
-          <p:cNvPr id="59" name="图形 58">
-            <a:extLst>
-              <a:ext uri="{FF2B5EF4-FFF2-40B4-BE49-F238E27FC236}">
-                <a16:creationId xmlns:a16="http://schemas.microsoft.com/office/drawing/2014/main" id="{B6D5593B-C446-4714-A45C-B18F3AC73BC8}"/>
-              </a:ext>
-            </a:extLst>
-          </p:cNvPr>
-          <p:cNvPicPr>
-            <a:picLocks noChangeAspect="1"/>
-          </p:cNvPicPr>
-          <p:nvPr/>
-        </p:nvPicPr>
-        <p:blipFill>
-          <a:blip r:embed="rId2">
-            <a:extLst>
-              <a:ext uri="{96DAC541-7B7A-43D3-8B79-37D633B846F1}">
-                <asvg:svgBlip xmlns:asvg="http://schemas.microsoft.com/office/drawing/2016/SVG/main" r:embed="rId3"/>
-              </a:ext>
-            </a:extLst>
-          </a:blip>
-          <a:stretch>
-            <a:fillRect/>
-          </a:stretch>
-        </p:blipFill>
-        <p:spPr>
-          <a:xfrm>
-            <a:off x="5701505" y="4593875"/>
-            <a:ext cx="300579" cy="273742"/>
-          </a:xfrm>
-          <a:prstGeom prst="rect">
-            <a:avLst/>
-          </a:prstGeom>
-        </p:spPr>
-      </p:pic>
-      <p:sp>
-        <p:nvSpPr>
-          <p:cNvPr id="60" name="文本框 59">
-            <a:extLst>
-              <a:ext uri="{FF2B5EF4-FFF2-40B4-BE49-F238E27FC236}">
-                <a16:creationId xmlns:a16="http://schemas.microsoft.com/office/drawing/2014/main" id="{9DF48B44-972E-43D8-83D9-D8ADA8F4FB33}"/>
-              </a:ext>
-            </a:extLst>
-          </p:cNvPr>
-          <p:cNvSpPr txBox="1"/>
-          <p:nvPr/>
-        </p:nvSpPr>
-        <p:spPr>
-          <a:xfrm>
-            <a:off x="5689754" y="4585373"/>
-            <a:ext cx="274434" cy="276999"/>
-          </a:xfrm>
-          <a:prstGeom prst="rect">
-            <a:avLst/>
-          </a:prstGeom>
-          <a:noFill/>
-        </p:spPr>
-        <p:txBody>
-          <a:bodyPr wrap="none" rtlCol="0">
-            <a:spAutoFit/>
-          </a:bodyPr>
-          <a:lstStyle/>
-          <a:p>
-            <a:r>
-              <a:rPr kumimoji="1" lang="en-US" altLang="zh-CN" sz="1200" dirty="0">
+              </a:endParaRPr>
+            </a:p>
+          </p:txBody>
+        </p:sp>
+        <p:pic>
+          <p:nvPicPr>
+            <p:cNvPr id="59" name="图形 58">
+              <a:extLst>
+                <a:ext uri="{FF2B5EF4-FFF2-40B4-BE49-F238E27FC236}">
+                  <a16:creationId xmlns:a16="http://schemas.microsoft.com/office/drawing/2014/main" id="{B6D5593B-C446-4714-A45C-B18F3AC73BC8}"/>
+                </a:ext>
+              </a:extLst>
+            </p:cNvPr>
+            <p:cNvPicPr>
+              <a:picLocks noChangeAspect="1"/>
+            </p:cNvPicPr>
+            <p:nvPr/>
+          </p:nvPicPr>
+          <p:blipFill>
+            <a:blip r:embed="rId2">
+              <a:extLst>
+                <a:ext uri="{96DAC541-7B7A-43D3-8B79-37D633B846F1}">
+                  <asvg:svgBlip xmlns:asvg="http://schemas.microsoft.com/office/drawing/2016/SVG/main" r:embed="rId3"/>
+                </a:ext>
+              </a:extLst>
+            </a:blip>
+            <a:stretch>
+              <a:fillRect/>
+            </a:stretch>
+          </p:blipFill>
+          <p:spPr>
+            <a:xfrm>
+              <a:off x="5701505" y="4593875"/>
+              <a:ext cx="300579" cy="273742"/>
+            </a:xfrm>
+            <a:prstGeom prst="rect">
+              <a:avLst/>
+            </a:prstGeom>
+          </p:spPr>
+        </p:pic>
+        <p:sp>
+          <p:nvSpPr>
+            <p:cNvPr id="60" name="文本框 59">
+              <a:extLst>
+                <a:ext uri="{FF2B5EF4-FFF2-40B4-BE49-F238E27FC236}">
+                  <a16:creationId xmlns:a16="http://schemas.microsoft.com/office/drawing/2014/main" id="{9DF48B44-972E-43D8-83D9-D8ADA8F4FB33}"/>
+                </a:ext>
+              </a:extLst>
+            </p:cNvPr>
+            <p:cNvSpPr txBox="1"/>
+            <p:nvPr/>
+          </p:nvSpPr>
+          <p:spPr>
+            <a:xfrm>
+              <a:off x="5689754" y="4585373"/>
+              <a:ext cx="274434" cy="276999"/>
+            </a:xfrm>
+            <a:prstGeom prst="rect">
+              <a:avLst/>
+            </a:prstGeom>
+            <a:noFill/>
+          </p:spPr>
+          <p:txBody>
+            <a:bodyPr wrap="none" rtlCol="0">
+              <a:spAutoFit/>
+            </a:bodyPr>
+            <a:lstStyle/>
+            <a:p>
+              <a:r>
+                <a:rPr kumimoji="1" lang="en-US" altLang="zh-CN" sz="1200" dirty="0">
+                  <a:solidFill>
+                    <a:schemeClr val="bg1"/>
+                  </a:solidFill>
+                  <a:latin typeface="Microsoft YaHei" panose="020B0503020204020204" pitchFamily="34" charset="-122"/>
+                  <a:ea typeface="Microsoft YaHei" panose="020B0503020204020204" pitchFamily="34" charset="-122"/>
+                </a:rPr>
+                <a:t>3</a:t>
+              </a:r>
+              <a:endParaRPr kumimoji="1" lang="zh-CN" altLang="en-US" sz="1200" dirty="0">
                 <a:solidFill>
                   <a:schemeClr val="bg1"/>
                 </a:solidFill>
                 <a:latin typeface="Microsoft YaHei" panose="020B0503020204020204" pitchFamily="34" charset="-122"/>
                 <a:ea typeface="Microsoft YaHei" panose="020B0503020204020204" pitchFamily="34" charset="-122"/>
-              </a:rPr>
-              <a:t>3</a:t>
-            </a:r>
-            <a:endParaRPr kumimoji="1" lang="zh-CN" altLang="en-US" sz="1200" dirty="0">
-              <a:solidFill>
-                <a:schemeClr val="bg1"/>
-              </a:solidFill>
-              <a:latin typeface="Microsoft YaHei" panose="020B0503020204020204" pitchFamily="34" charset="-122"/>
-              <a:ea typeface="Microsoft YaHei" panose="020B0503020204020204" pitchFamily="34" charset="-122"/>
-            </a:endParaRPr>
-          </a:p>
-        </p:txBody>
-      </p:sp>
+              </a:endParaRPr>
+            </a:p>
+          </p:txBody>
+        </p:sp>
+      </p:grpSp>
     </p:spTree>
     <p:extLst>
       <p:ext uri="{BB962C8B-B14F-4D97-AF65-F5344CB8AC3E}">

--- a/media/data_asset_zh.pptx
+++ b/media/data_asset_zh.pptx
@@ -5,10 +5,10 @@
     <p:sldMasterId id="2147483743" r:id="rId1"/>
   </p:sldMasterIdLst>
   <p:notesMasterIdLst>
-    <p:notesMasterId r:id="rId15"/>
+    <p:notesMasterId r:id="rId18"/>
   </p:notesMasterIdLst>
   <p:handoutMasterIdLst>
-    <p:handoutMasterId r:id="rId16"/>
+    <p:handoutMasterId r:id="rId19"/>
   </p:handoutMasterIdLst>
   <p:sldIdLst>
     <p:sldId id="313" r:id="rId2"/>
@@ -24,6 +24,9 @@
     <p:sldId id="322" r:id="rId12"/>
     <p:sldId id="323" r:id="rId13"/>
     <p:sldId id="324" r:id="rId14"/>
+    <p:sldId id="325" r:id="rId15"/>
+    <p:sldId id="326" r:id="rId16"/>
+    <p:sldId id="327" r:id="rId17"/>
   </p:sldIdLst>
   <p:sldSz cx="12192000" cy="6858000"/>
   <p:notesSz cx="6858000" cy="9144000"/>
@@ -215,7 +218,7 @@
           <a:p>
             <a:fld id="{47277FB0-21EC-48C5-90B0-184600466A6C}" type="datetimeFigureOut">
               <a:rPr lang="zh-CN" altLang="en-US" smtClean="0"/>
-              <a:t>2019/5/22</a:t>
+              <a:t>2019/7/22</a:t>
             </a:fld>
             <a:endParaRPr lang="zh-CN" altLang="en-US"/>
           </a:p>
@@ -380,7 +383,7 @@
           <a:p>
             <a:fld id="{9C967889-4715-5C4F-A252-FFC716185AB6}" type="datetimeFigureOut">
               <a:rPr lang="en-US" smtClean="0"/>
-              <a:t>5/22/2019</a:t>
+              <a:t>7/22/2019</a:t>
             </a:fld>
             <a:endParaRPr lang="en-US"/>
           </a:p>
@@ -12195,6 +12198,5002 @@
 </p:sld>
 </file>
 
+<file path=ppt/slides/slide14.xml><?xml version="1.0" encoding="utf-8"?>
+<p:sld xmlns:a="http://schemas.openxmlformats.org/drawingml/2006/main" xmlns:r="http://schemas.openxmlformats.org/officeDocument/2006/relationships" xmlns:p="http://schemas.openxmlformats.org/presentationml/2006/main">
+  <p:cSld>
+    <p:spTree>
+      <p:nvGrpSpPr>
+        <p:cNvPr id="1" name=""/>
+        <p:cNvGrpSpPr/>
+        <p:nvPr/>
+      </p:nvGrpSpPr>
+      <p:grpSpPr>
+        <a:xfrm>
+          <a:off x="0" y="0"/>
+          <a:ext cx="0" cy="0"/>
+          <a:chOff x="0" y="0"/>
+          <a:chExt cx="0" cy="0"/>
+        </a:xfrm>
+      </p:grpSpPr>
+      <p:sp>
+        <p:nvSpPr>
+          <p:cNvPr id="162" name="文本框 161">
+            <a:extLst>
+              <a:ext uri="{FF2B5EF4-FFF2-40B4-BE49-F238E27FC236}">
+                <a16:creationId xmlns:a16="http://schemas.microsoft.com/office/drawing/2014/main" id="{0C67B73E-FEE6-C640-BAA2-89E8C784202E}"/>
+              </a:ext>
+            </a:extLst>
+          </p:cNvPr>
+          <p:cNvSpPr txBox="1"/>
+          <p:nvPr/>
+        </p:nvSpPr>
+        <p:spPr>
+          <a:xfrm>
+            <a:off x="233655" y="61959"/>
+            <a:ext cx="2837636" cy="369332"/>
+          </a:xfrm>
+          <a:prstGeom prst="rect">
+            <a:avLst/>
+          </a:prstGeom>
+          <a:noFill/>
+        </p:spPr>
+        <p:txBody>
+          <a:bodyPr wrap="none" rtlCol="0">
+            <a:spAutoFit/>
+          </a:bodyPr>
+          <a:lstStyle/>
+          <a:p>
+            <a:r>
+              <a:rPr kumimoji="1" lang="en-US" altLang="zh-CN" dirty="0"/>
+              <a:t>electric_power_logic_3.png</a:t>
+            </a:r>
+            <a:endParaRPr kumimoji="1" lang="zh-CN" altLang="en-US" dirty="0"/>
+          </a:p>
+        </p:txBody>
+      </p:sp>
+      <p:grpSp>
+        <p:nvGrpSpPr>
+          <p:cNvPr id="2" name="组合 1">
+            <a:extLst>
+              <a:ext uri="{FF2B5EF4-FFF2-40B4-BE49-F238E27FC236}">
+                <a16:creationId xmlns:a16="http://schemas.microsoft.com/office/drawing/2014/main" id="{71D9B266-E349-449C-8959-08D4FEA5E01B}"/>
+              </a:ext>
+            </a:extLst>
+          </p:cNvPr>
+          <p:cNvGrpSpPr/>
+          <p:nvPr/>
+        </p:nvGrpSpPr>
+        <p:grpSpPr>
+          <a:xfrm>
+            <a:off x="2188497" y="1564640"/>
+            <a:ext cx="7313720" cy="3770290"/>
+            <a:chOff x="2188497" y="1564640"/>
+            <a:chExt cx="7313720" cy="3770290"/>
+          </a:xfrm>
+        </p:grpSpPr>
+        <p:cxnSp>
+          <p:nvCxnSpPr>
+            <p:cNvPr id="36" name="直接连接符 35">
+              <a:extLst>
+                <a:ext uri="{FF2B5EF4-FFF2-40B4-BE49-F238E27FC236}">
+                  <a16:creationId xmlns:a16="http://schemas.microsoft.com/office/drawing/2014/main" id="{C286A3AC-A3A7-4BC1-9571-1831EE33C9B0}"/>
+                </a:ext>
+              </a:extLst>
+            </p:cNvPr>
+            <p:cNvCxnSpPr>
+              <a:cxnSpLocks/>
+            </p:cNvCxnSpPr>
+            <p:nvPr/>
+          </p:nvCxnSpPr>
+          <p:spPr>
+            <a:xfrm flipH="1" flipV="1">
+              <a:off x="4889143" y="3649536"/>
+              <a:ext cx="3994" cy="1336996"/>
+            </a:xfrm>
+            <a:prstGeom prst="line">
+              <a:avLst/>
+            </a:prstGeom>
+            <a:ln w="9525" cap="flat" cmpd="sng" algn="ctr">
+              <a:solidFill>
+                <a:srgbClr val="BCBDD1"/>
+              </a:solidFill>
+              <a:prstDash val="dash"/>
+              <a:round/>
+              <a:headEnd type="none" w="med" len="med"/>
+              <a:tailEnd type="none" w="med" len="med"/>
+            </a:ln>
+          </p:spPr>
+          <p:style>
+            <a:lnRef idx="0">
+              <a:scrgbClr r="0" g="0" b="0"/>
+            </a:lnRef>
+            <a:fillRef idx="0">
+              <a:scrgbClr r="0" g="0" b="0"/>
+            </a:fillRef>
+            <a:effectRef idx="0">
+              <a:scrgbClr r="0" g="0" b="0"/>
+            </a:effectRef>
+            <a:fontRef idx="minor">
+              <a:schemeClr val="tx1"/>
+            </a:fontRef>
+          </p:style>
+        </p:cxnSp>
+        <p:cxnSp>
+          <p:nvCxnSpPr>
+            <p:cNvPr id="43" name="直接连接符 42">
+              <a:extLst>
+                <a:ext uri="{FF2B5EF4-FFF2-40B4-BE49-F238E27FC236}">
+                  <a16:creationId xmlns:a16="http://schemas.microsoft.com/office/drawing/2014/main" id="{CFFA8B02-5C83-4D1C-80E5-507A4309A57A}"/>
+                </a:ext>
+              </a:extLst>
+            </p:cNvPr>
+            <p:cNvCxnSpPr>
+              <a:cxnSpLocks/>
+            </p:cNvCxnSpPr>
+            <p:nvPr/>
+          </p:nvCxnSpPr>
+          <p:spPr>
+            <a:xfrm flipV="1">
+              <a:off x="7522716" y="3017605"/>
+              <a:ext cx="0" cy="1962629"/>
+            </a:xfrm>
+            <a:prstGeom prst="line">
+              <a:avLst/>
+            </a:prstGeom>
+            <a:ln w="9525" cap="flat" cmpd="sng" algn="ctr">
+              <a:solidFill>
+                <a:srgbClr val="BCBDD1"/>
+              </a:solidFill>
+              <a:prstDash val="dash"/>
+              <a:round/>
+              <a:headEnd type="none" w="med" len="med"/>
+              <a:tailEnd type="none" w="med" len="med"/>
+            </a:ln>
+          </p:spPr>
+          <p:style>
+            <a:lnRef idx="0">
+              <a:scrgbClr r="0" g="0" b="0"/>
+            </a:lnRef>
+            <a:fillRef idx="0">
+              <a:scrgbClr r="0" g="0" b="0"/>
+            </a:fillRef>
+            <a:effectRef idx="0">
+              <a:scrgbClr r="0" g="0" b="0"/>
+            </a:effectRef>
+            <a:fontRef idx="minor">
+              <a:schemeClr val="tx1"/>
+            </a:fontRef>
+          </p:style>
+        </p:cxnSp>
+        <p:cxnSp>
+          <p:nvCxnSpPr>
+            <p:cNvPr id="13" name="直接连接符 12">
+              <a:extLst>
+                <a:ext uri="{FF2B5EF4-FFF2-40B4-BE49-F238E27FC236}">
+                  <a16:creationId xmlns:a16="http://schemas.microsoft.com/office/drawing/2014/main" id="{EEAA132D-85BE-41F7-902D-87670CB1B230}"/>
+                </a:ext>
+              </a:extLst>
+            </p:cNvPr>
+            <p:cNvCxnSpPr>
+              <a:cxnSpLocks/>
+            </p:cNvCxnSpPr>
+            <p:nvPr/>
+          </p:nvCxnSpPr>
+          <p:spPr>
+            <a:xfrm flipV="1">
+              <a:off x="3251763" y="4386218"/>
+              <a:ext cx="1575259" cy="20993"/>
+            </a:xfrm>
+            <a:prstGeom prst="line">
+              <a:avLst/>
+            </a:prstGeom>
+            <a:ln w="19050">
+              <a:solidFill>
+                <a:srgbClr val="A2A5BC"/>
+              </a:solidFill>
+            </a:ln>
+          </p:spPr>
+          <p:style>
+            <a:lnRef idx="1">
+              <a:schemeClr val="accent3"/>
+            </a:lnRef>
+            <a:fillRef idx="0">
+              <a:schemeClr val="accent3"/>
+            </a:fillRef>
+            <a:effectRef idx="0">
+              <a:schemeClr val="accent3"/>
+            </a:effectRef>
+            <a:fontRef idx="minor">
+              <a:schemeClr val="tx1"/>
+            </a:fontRef>
+          </p:style>
+        </p:cxnSp>
+        <p:cxnSp>
+          <p:nvCxnSpPr>
+            <p:cNvPr id="66" name="直线箭头连接符 162">
+              <a:extLst>
+                <a:ext uri="{FF2B5EF4-FFF2-40B4-BE49-F238E27FC236}">
+                  <a16:creationId xmlns:a16="http://schemas.microsoft.com/office/drawing/2014/main" id="{EFE36EB3-FB49-45F4-877E-B2C8EBAB5F98}"/>
+                </a:ext>
+              </a:extLst>
+            </p:cNvPr>
+            <p:cNvCxnSpPr>
+              <a:cxnSpLocks/>
+            </p:cNvCxnSpPr>
+            <p:nvPr/>
+          </p:nvCxnSpPr>
+          <p:spPr>
+            <a:xfrm flipV="1">
+              <a:off x="2407948" y="4993726"/>
+              <a:ext cx="6057320" cy="8888"/>
+            </a:xfrm>
+            <a:prstGeom prst="straightConnector1">
+              <a:avLst/>
+            </a:prstGeom>
+            <a:ln w="19050">
+              <a:solidFill>
+                <a:srgbClr val="A2A5BC"/>
+              </a:solidFill>
+              <a:tailEnd type="triangle"/>
+            </a:ln>
+          </p:spPr>
+          <p:style>
+            <a:lnRef idx="1">
+              <a:schemeClr val="accent1"/>
+            </a:lnRef>
+            <a:fillRef idx="0">
+              <a:schemeClr val="accent1"/>
+            </a:fillRef>
+            <a:effectRef idx="0">
+              <a:schemeClr val="accent1"/>
+            </a:effectRef>
+            <a:fontRef idx="minor">
+              <a:schemeClr val="tx1"/>
+            </a:fontRef>
+          </p:style>
+        </p:cxnSp>
+        <p:cxnSp>
+          <p:nvCxnSpPr>
+            <p:cNvPr id="72" name="直线箭头连接符 162">
+              <a:extLst>
+                <a:ext uri="{FF2B5EF4-FFF2-40B4-BE49-F238E27FC236}">
+                  <a16:creationId xmlns:a16="http://schemas.microsoft.com/office/drawing/2014/main" id="{A69BEB5B-0897-4C6C-9EAF-CAC3C377C2FB}"/>
+                </a:ext>
+              </a:extLst>
+            </p:cNvPr>
+            <p:cNvCxnSpPr>
+              <a:cxnSpLocks/>
+            </p:cNvCxnSpPr>
+            <p:nvPr/>
+          </p:nvCxnSpPr>
+          <p:spPr>
+            <a:xfrm flipV="1">
+              <a:off x="2407948" y="1876425"/>
+              <a:ext cx="0" cy="3126193"/>
+            </a:xfrm>
+            <a:prstGeom prst="straightConnector1">
+              <a:avLst/>
+            </a:prstGeom>
+            <a:ln w="19050">
+              <a:solidFill>
+                <a:srgbClr val="A2A5BC"/>
+              </a:solidFill>
+              <a:tailEnd type="triangle"/>
+            </a:ln>
+          </p:spPr>
+          <p:style>
+            <a:lnRef idx="1">
+              <a:schemeClr val="accent1"/>
+            </a:lnRef>
+            <a:fillRef idx="0">
+              <a:schemeClr val="accent1"/>
+            </a:fillRef>
+            <a:effectRef idx="0">
+              <a:schemeClr val="accent1"/>
+            </a:effectRef>
+            <a:fontRef idx="minor">
+              <a:schemeClr val="tx1"/>
+            </a:fontRef>
+          </p:style>
+        </p:cxnSp>
+        <p:sp>
+          <p:nvSpPr>
+            <p:cNvPr id="78" name="文本框 77">
+              <a:extLst>
+                <a:ext uri="{FF2B5EF4-FFF2-40B4-BE49-F238E27FC236}">
+                  <a16:creationId xmlns:a16="http://schemas.microsoft.com/office/drawing/2014/main" id="{8F124729-F0CF-4F07-834D-1553534F6820}"/>
+                </a:ext>
+              </a:extLst>
+            </p:cNvPr>
+            <p:cNvSpPr txBox="1"/>
+            <p:nvPr/>
+          </p:nvSpPr>
+          <p:spPr>
+            <a:xfrm>
+              <a:off x="8465268" y="4832643"/>
+              <a:ext cx="1036949" cy="307777"/>
+            </a:xfrm>
+            <a:prstGeom prst="rect">
+              <a:avLst/>
+            </a:prstGeom>
+            <a:noFill/>
+          </p:spPr>
+          <p:txBody>
+            <a:bodyPr wrap="square" rtlCol="0">
+              <a:spAutoFit/>
+            </a:bodyPr>
+            <a:lstStyle/>
+            <a:p>
+              <a:r>
+                <a:rPr lang="en-US" altLang="zh-CN" sz="1400" dirty="0">
+                  <a:solidFill>
+                    <a:srgbClr val="383B55"/>
+                  </a:solidFill>
+                  <a:latin typeface="Helvetica" pitchFamily="2" charset="0"/>
+                </a:rPr>
+                <a:t>Time</a:t>
+              </a:r>
+              <a:endParaRPr lang="zh-CN" altLang="en-US" sz="1400" dirty="0">
+                <a:solidFill>
+                  <a:srgbClr val="383B55"/>
+                </a:solidFill>
+                <a:latin typeface="Helvetica" pitchFamily="2" charset="0"/>
+              </a:endParaRPr>
+            </a:p>
+          </p:txBody>
+        </p:sp>
+        <p:sp>
+          <p:nvSpPr>
+            <p:cNvPr id="113" name="文本框 112">
+              <a:extLst>
+                <a:ext uri="{FF2B5EF4-FFF2-40B4-BE49-F238E27FC236}">
+                  <a16:creationId xmlns:a16="http://schemas.microsoft.com/office/drawing/2014/main" id="{2E6EE703-C252-476D-BDC9-66AAE159E735}"/>
+                </a:ext>
+              </a:extLst>
+            </p:cNvPr>
+            <p:cNvSpPr txBox="1"/>
+            <p:nvPr/>
+          </p:nvSpPr>
+          <p:spPr>
+            <a:xfrm>
+              <a:off x="3131097" y="5025919"/>
+              <a:ext cx="619030" cy="307777"/>
+            </a:xfrm>
+            <a:prstGeom prst="rect">
+              <a:avLst/>
+            </a:prstGeom>
+            <a:noFill/>
+          </p:spPr>
+          <p:txBody>
+            <a:bodyPr wrap="square" rtlCol="0">
+              <a:spAutoFit/>
+            </a:bodyPr>
+            <a:lstStyle/>
+            <a:p>
+              <a:r>
+                <a:rPr lang="en-US" altLang="zh-CN" sz="1400" dirty="0">
+                  <a:solidFill>
+                    <a:srgbClr val="383B55"/>
+                  </a:solidFill>
+                  <a:latin typeface="Helvetica" pitchFamily="2" charset="0"/>
+                </a:rPr>
+                <a:t>t1</a:t>
+              </a:r>
+              <a:endParaRPr lang="zh-CN" altLang="en-US" sz="1400" dirty="0">
+                <a:solidFill>
+                  <a:srgbClr val="383B55"/>
+                </a:solidFill>
+                <a:latin typeface="Helvetica" pitchFamily="2" charset="0"/>
+              </a:endParaRPr>
+            </a:p>
+          </p:txBody>
+        </p:sp>
+        <p:sp>
+          <p:nvSpPr>
+            <p:cNvPr id="114" name="文本框 113">
+              <a:extLst>
+                <a:ext uri="{FF2B5EF4-FFF2-40B4-BE49-F238E27FC236}">
+                  <a16:creationId xmlns:a16="http://schemas.microsoft.com/office/drawing/2014/main" id="{C80DFDE4-439A-41A0-9F50-EAC1AC0D7DC6}"/>
+                </a:ext>
+              </a:extLst>
+            </p:cNvPr>
+            <p:cNvSpPr txBox="1"/>
+            <p:nvPr/>
+          </p:nvSpPr>
+          <p:spPr>
+            <a:xfrm>
+              <a:off x="2188497" y="1564640"/>
+              <a:ext cx="1036949" cy="307777"/>
+            </a:xfrm>
+            <a:prstGeom prst="rect">
+              <a:avLst/>
+            </a:prstGeom>
+            <a:noFill/>
+          </p:spPr>
+          <p:txBody>
+            <a:bodyPr wrap="square" rtlCol="0">
+              <a:spAutoFit/>
+            </a:bodyPr>
+            <a:lstStyle/>
+            <a:p>
+              <a:r>
+                <a:rPr lang="en-US" altLang="zh-CN" sz="1400" dirty="0">
+                  <a:solidFill>
+                    <a:srgbClr val="383B55"/>
+                  </a:solidFill>
+                  <a:latin typeface="Helvetica" pitchFamily="2" charset="0"/>
+                </a:rPr>
+                <a:t>kW</a:t>
+              </a:r>
+              <a:endParaRPr lang="zh-CN" altLang="en-US" sz="1400" dirty="0">
+                <a:solidFill>
+                  <a:srgbClr val="383B55"/>
+                </a:solidFill>
+                <a:latin typeface="Helvetica" pitchFamily="2" charset="0"/>
+              </a:endParaRPr>
+            </a:p>
+          </p:txBody>
+        </p:sp>
+        <p:cxnSp>
+          <p:nvCxnSpPr>
+            <p:cNvPr id="123" name="直接连接符 122">
+              <a:extLst>
+                <a:ext uri="{FF2B5EF4-FFF2-40B4-BE49-F238E27FC236}">
+                  <a16:creationId xmlns:a16="http://schemas.microsoft.com/office/drawing/2014/main" id="{70CE16C6-DC1D-40C4-9BBD-3B969754DF72}"/>
+                </a:ext>
+              </a:extLst>
+            </p:cNvPr>
+            <p:cNvCxnSpPr>
+              <a:cxnSpLocks/>
+            </p:cNvCxnSpPr>
+            <p:nvPr/>
+          </p:nvCxnSpPr>
+          <p:spPr>
+            <a:xfrm flipH="1" flipV="1">
+              <a:off x="3251763" y="4386218"/>
+              <a:ext cx="9432" cy="600314"/>
+            </a:xfrm>
+            <a:prstGeom prst="line">
+              <a:avLst/>
+            </a:prstGeom>
+            <a:ln w="9525" cap="flat" cmpd="sng" algn="ctr">
+              <a:solidFill>
+                <a:srgbClr val="BCBDD1"/>
+              </a:solidFill>
+              <a:prstDash val="dash"/>
+              <a:round/>
+              <a:headEnd type="none" w="med" len="med"/>
+              <a:tailEnd type="none" w="med" len="med"/>
+            </a:ln>
+          </p:spPr>
+          <p:style>
+            <a:lnRef idx="0">
+              <a:scrgbClr r="0" g="0" b="0"/>
+            </a:lnRef>
+            <a:fillRef idx="0">
+              <a:scrgbClr r="0" g="0" b="0"/>
+            </a:fillRef>
+            <a:effectRef idx="0">
+              <a:scrgbClr r="0" g="0" b="0"/>
+            </a:effectRef>
+            <a:fontRef idx="minor">
+              <a:schemeClr val="tx1"/>
+            </a:fontRef>
+          </p:style>
+        </p:cxnSp>
+        <p:cxnSp>
+          <p:nvCxnSpPr>
+            <p:cNvPr id="124" name="直接连接符 123">
+              <a:extLst>
+                <a:ext uri="{FF2B5EF4-FFF2-40B4-BE49-F238E27FC236}">
+                  <a16:creationId xmlns:a16="http://schemas.microsoft.com/office/drawing/2014/main" id="{636CBF3A-B1BA-41BA-BEA3-EFD508A456F1}"/>
+                </a:ext>
+              </a:extLst>
+            </p:cNvPr>
+            <p:cNvCxnSpPr>
+              <a:cxnSpLocks/>
+            </p:cNvCxnSpPr>
+            <p:nvPr/>
+          </p:nvCxnSpPr>
+          <p:spPr>
+            <a:xfrm flipV="1">
+              <a:off x="6158094" y="3017605"/>
+              <a:ext cx="58927" cy="1962628"/>
+            </a:xfrm>
+            <a:prstGeom prst="line">
+              <a:avLst/>
+            </a:prstGeom>
+            <a:ln w="9525" cap="flat" cmpd="sng" algn="ctr">
+              <a:solidFill>
+                <a:srgbClr val="BCBDD1"/>
+              </a:solidFill>
+              <a:prstDash val="dash"/>
+              <a:round/>
+              <a:headEnd type="none" w="med" len="med"/>
+              <a:tailEnd type="none" w="med" len="med"/>
+            </a:ln>
+          </p:spPr>
+          <p:style>
+            <a:lnRef idx="0">
+              <a:scrgbClr r="0" g="0" b="0"/>
+            </a:lnRef>
+            <a:fillRef idx="0">
+              <a:scrgbClr r="0" g="0" b="0"/>
+            </a:fillRef>
+            <a:effectRef idx="0">
+              <a:scrgbClr r="0" g="0" b="0"/>
+            </a:effectRef>
+            <a:fontRef idx="minor">
+              <a:schemeClr val="tx1"/>
+            </a:fontRef>
+          </p:style>
+        </p:cxnSp>
+        <p:sp>
+          <p:nvSpPr>
+            <p:cNvPr id="125" name="椭圆 124">
+              <a:extLst>
+                <a:ext uri="{FF2B5EF4-FFF2-40B4-BE49-F238E27FC236}">
+                  <a16:creationId xmlns:a16="http://schemas.microsoft.com/office/drawing/2014/main" id="{FEAA77F0-ADD8-4C6E-875B-AFA2F39D9DC1}"/>
+                </a:ext>
+              </a:extLst>
+            </p:cNvPr>
+            <p:cNvSpPr/>
+            <p:nvPr/>
+          </p:nvSpPr>
+          <p:spPr>
+            <a:xfrm>
+              <a:off x="4809121" y="4316744"/>
+              <a:ext cx="113116" cy="116124"/>
+            </a:xfrm>
+            <a:prstGeom prst="ellipse">
+              <a:avLst/>
+            </a:prstGeom>
+            <a:solidFill>
+              <a:srgbClr val="C00000"/>
+            </a:solidFill>
+          </p:spPr>
+          <p:style>
+            <a:lnRef idx="2">
+              <a:schemeClr val="accent1">
+                <a:shade val="50000"/>
+              </a:schemeClr>
+            </a:lnRef>
+            <a:fillRef idx="1">
+              <a:schemeClr val="accent1"/>
+            </a:fillRef>
+            <a:effectRef idx="0">
+              <a:schemeClr val="accent1"/>
+            </a:effectRef>
+            <a:fontRef idx="minor">
+              <a:schemeClr val="lt1"/>
+            </a:fontRef>
+          </p:style>
+          <p:txBody>
+            <a:bodyPr rtlCol="0" anchor="ctr"/>
+            <a:lstStyle/>
+            <a:p>
+              <a:pPr algn="ctr"/>
+              <a:endParaRPr lang="zh-CN" altLang="en-US">
+                <a:solidFill>
+                  <a:srgbClr val="FF0000"/>
+                </a:solidFill>
+              </a:endParaRPr>
+            </a:p>
+          </p:txBody>
+        </p:sp>
+        <p:cxnSp>
+          <p:nvCxnSpPr>
+            <p:cNvPr id="22" name="直接连接符 21">
+              <a:extLst>
+                <a:ext uri="{FF2B5EF4-FFF2-40B4-BE49-F238E27FC236}">
+                  <a16:creationId xmlns:a16="http://schemas.microsoft.com/office/drawing/2014/main" id="{96DE7B79-D7CB-438E-9952-372D578C1A1B}"/>
+                </a:ext>
+              </a:extLst>
+            </p:cNvPr>
+            <p:cNvCxnSpPr>
+              <a:cxnSpLocks/>
+            </p:cNvCxnSpPr>
+            <p:nvPr/>
+          </p:nvCxnSpPr>
+          <p:spPr>
+            <a:xfrm flipV="1">
+              <a:off x="4893136" y="3658535"/>
+              <a:ext cx="1262540" cy="1291"/>
+            </a:xfrm>
+            <a:prstGeom prst="line">
+              <a:avLst/>
+            </a:prstGeom>
+            <a:ln w="19050">
+              <a:solidFill>
+                <a:srgbClr val="A2A5BC"/>
+              </a:solidFill>
+            </a:ln>
+          </p:spPr>
+          <p:style>
+            <a:lnRef idx="1">
+              <a:schemeClr val="accent3"/>
+            </a:lnRef>
+            <a:fillRef idx="0">
+              <a:schemeClr val="accent3"/>
+            </a:fillRef>
+            <a:effectRef idx="0">
+              <a:schemeClr val="accent3"/>
+            </a:effectRef>
+            <a:fontRef idx="minor">
+              <a:schemeClr val="tx1"/>
+            </a:fontRef>
+          </p:style>
+        </p:cxnSp>
+        <p:cxnSp>
+          <p:nvCxnSpPr>
+            <p:cNvPr id="23" name="直接连接符 22">
+              <a:extLst>
+                <a:ext uri="{FF2B5EF4-FFF2-40B4-BE49-F238E27FC236}">
+                  <a16:creationId xmlns:a16="http://schemas.microsoft.com/office/drawing/2014/main" id="{68A328F7-798E-45AA-97AA-62FEFF70A4EA}"/>
+                </a:ext>
+              </a:extLst>
+            </p:cNvPr>
+            <p:cNvCxnSpPr>
+              <a:cxnSpLocks/>
+            </p:cNvCxnSpPr>
+            <p:nvPr/>
+          </p:nvCxnSpPr>
+          <p:spPr>
+            <a:xfrm>
+              <a:off x="6217021" y="3017605"/>
+              <a:ext cx="1316175" cy="0"/>
+            </a:xfrm>
+            <a:prstGeom prst="line">
+              <a:avLst/>
+            </a:prstGeom>
+            <a:ln w="19050">
+              <a:solidFill>
+                <a:srgbClr val="A2A5BC"/>
+              </a:solidFill>
+            </a:ln>
+          </p:spPr>
+          <p:style>
+            <a:lnRef idx="1">
+              <a:schemeClr val="accent3"/>
+            </a:lnRef>
+            <a:fillRef idx="0">
+              <a:schemeClr val="accent3"/>
+            </a:fillRef>
+            <a:effectRef idx="0">
+              <a:schemeClr val="accent3"/>
+            </a:effectRef>
+            <a:fontRef idx="minor">
+              <a:schemeClr val="tx1"/>
+            </a:fontRef>
+          </p:style>
+        </p:cxnSp>
+        <p:sp>
+          <p:nvSpPr>
+            <p:cNvPr id="29" name="文本框 28">
+              <a:extLst>
+                <a:ext uri="{FF2B5EF4-FFF2-40B4-BE49-F238E27FC236}">
+                  <a16:creationId xmlns:a16="http://schemas.microsoft.com/office/drawing/2014/main" id="{B6B17CB6-5D35-493D-A75C-9224E9C9B51C}"/>
+                </a:ext>
+              </a:extLst>
+            </p:cNvPr>
+            <p:cNvSpPr txBox="1"/>
+            <p:nvPr/>
+          </p:nvSpPr>
+          <p:spPr>
+            <a:xfrm>
+              <a:off x="4735097" y="5016116"/>
+              <a:ext cx="619030" cy="307777"/>
+            </a:xfrm>
+            <a:prstGeom prst="rect">
+              <a:avLst/>
+            </a:prstGeom>
+            <a:noFill/>
+          </p:spPr>
+          <p:txBody>
+            <a:bodyPr wrap="square" rtlCol="0">
+              <a:spAutoFit/>
+            </a:bodyPr>
+            <a:lstStyle/>
+            <a:p>
+              <a:r>
+                <a:rPr lang="en-US" altLang="zh-CN" sz="1400" dirty="0">
+                  <a:solidFill>
+                    <a:srgbClr val="383B55"/>
+                  </a:solidFill>
+                  <a:latin typeface="Helvetica" pitchFamily="2" charset="0"/>
+                </a:rPr>
+                <a:t>t2</a:t>
+              </a:r>
+              <a:endParaRPr lang="zh-CN" altLang="en-US" sz="1400" dirty="0">
+                <a:solidFill>
+                  <a:srgbClr val="383B55"/>
+                </a:solidFill>
+                <a:latin typeface="Helvetica" pitchFamily="2" charset="0"/>
+              </a:endParaRPr>
+            </a:p>
+          </p:txBody>
+        </p:sp>
+        <p:sp>
+          <p:nvSpPr>
+            <p:cNvPr id="30" name="文本框 29">
+              <a:extLst>
+                <a:ext uri="{FF2B5EF4-FFF2-40B4-BE49-F238E27FC236}">
+                  <a16:creationId xmlns:a16="http://schemas.microsoft.com/office/drawing/2014/main" id="{00F54373-EDC9-442B-8F87-7A46D59F255E}"/>
+                </a:ext>
+              </a:extLst>
+            </p:cNvPr>
+            <p:cNvSpPr txBox="1"/>
+            <p:nvPr/>
+          </p:nvSpPr>
+          <p:spPr>
+            <a:xfrm>
+              <a:off x="6029582" y="5016116"/>
+              <a:ext cx="619030" cy="307777"/>
+            </a:xfrm>
+            <a:prstGeom prst="rect">
+              <a:avLst/>
+            </a:prstGeom>
+            <a:noFill/>
+          </p:spPr>
+          <p:txBody>
+            <a:bodyPr wrap="square" rtlCol="0">
+              <a:spAutoFit/>
+            </a:bodyPr>
+            <a:lstStyle/>
+            <a:p>
+              <a:r>
+                <a:rPr lang="en-US" altLang="zh-CN" sz="1400" dirty="0">
+                  <a:solidFill>
+                    <a:srgbClr val="383B55"/>
+                  </a:solidFill>
+                  <a:latin typeface="Helvetica" pitchFamily="2" charset="0"/>
+                </a:rPr>
+                <a:t>t3</a:t>
+              </a:r>
+              <a:endParaRPr lang="zh-CN" altLang="en-US" sz="1400" dirty="0">
+                <a:solidFill>
+                  <a:srgbClr val="383B55"/>
+                </a:solidFill>
+                <a:latin typeface="Helvetica" pitchFamily="2" charset="0"/>
+              </a:endParaRPr>
+            </a:p>
+          </p:txBody>
+        </p:sp>
+        <p:sp>
+          <p:nvSpPr>
+            <p:cNvPr id="33" name="椭圆 32">
+              <a:extLst>
+                <a:ext uri="{FF2B5EF4-FFF2-40B4-BE49-F238E27FC236}">
+                  <a16:creationId xmlns:a16="http://schemas.microsoft.com/office/drawing/2014/main" id="{C708CD03-232B-47AE-AFBB-1BA0B9FA8257}"/>
+                </a:ext>
+              </a:extLst>
+            </p:cNvPr>
+            <p:cNvSpPr/>
+            <p:nvPr/>
+          </p:nvSpPr>
+          <p:spPr>
+            <a:xfrm>
+              <a:off x="7478906" y="2947891"/>
+              <a:ext cx="113116" cy="116124"/>
+            </a:xfrm>
+            <a:prstGeom prst="ellipse">
+              <a:avLst/>
+            </a:prstGeom>
+            <a:solidFill>
+              <a:srgbClr val="C00000"/>
+            </a:solidFill>
+          </p:spPr>
+          <p:style>
+            <a:lnRef idx="2">
+              <a:schemeClr val="accent1">
+                <a:shade val="50000"/>
+              </a:schemeClr>
+            </a:lnRef>
+            <a:fillRef idx="1">
+              <a:schemeClr val="accent1"/>
+            </a:fillRef>
+            <a:effectRef idx="0">
+              <a:schemeClr val="accent1"/>
+            </a:effectRef>
+            <a:fontRef idx="minor">
+              <a:schemeClr val="lt1"/>
+            </a:fontRef>
+          </p:style>
+          <p:txBody>
+            <a:bodyPr rtlCol="0" anchor="ctr"/>
+            <a:lstStyle/>
+            <a:p>
+              <a:pPr algn="ctr"/>
+              <a:endParaRPr lang="zh-CN" altLang="en-US">
+                <a:solidFill>
+                  <a:srgbClr val="FF0000"/>
+                </a:solidFill>
+              </a:endParaRPr>
+            </a:p>
+          </p:txBody>
+        </p:sp>
+        <p:sp>
+          <p:nvSpPr>
+            <p:cNvPr id="44" name="椭圆 43">
+              <a:extLst>
+                <a:ext uri="{FF2B5EF4-FFF2-40B4-BE49-F238E27FC236}">
+                  <a16:creationId xmlns:a16="http://schemas.microsoft.com/office/drawing/2014/main" id="{DCBB5B1D-492A-4799-9245-1D0EBFB31692}"/>
+                </a:ext>
+              </a:extLst>
+            </p:cNvPr>
+            <p:cNvSpPr/>
+            <p:nvPr/>
+          </p:nvSpPr>
+          <p:spPr>
+            <a:xfrm>
+              <a:off x="6103905" y="3579966"/>
+              <a:ext cx="113116" cy="116124"/>
+            </a:xfrm>
+            <a:prstGeom prst="ellipse">
+              <a:avLst/>
+            </a:prstGeom>
+            <a:solidFill>
+              <a:srgbClr val="C00000"/>
+            </a:solidFill>
+          </p:spPr>
+          <p:style>
+            <a:lnRef idx="2">
+              <a:schemeClr val="accent1">
+                <a:shade val="50000"/>
+              </a:schemeClr>
+            </a:lnRef>
+            <a:fillRef idx="1">
+              <a:schemeClr val="accent1"/>
+            </a:fillRef>
+            <a:effectRef idx="0">
+              <a:schemeClr val="accent1"/>
+            </a:effectRef>
+            <a:fontRef idx="minor">
+              <a:schemeClr val="lt1"/>
+            </a:fontRef>
+          </p:style>
+          <p:txBody>
+            <a:bodyPr rtlCol="0" anchor="ctr"/>
+            <a:lstStyle/>
+            <a:p>
+              <a:pPr algn="ctr"/>
+              <a:endParaRPr lang="zh-CN" altLang="en-US">
+                <a:solidFill>
+                  <a:srgbClr val="FF0000"/>
+                </a:solidFill>
+              </a:endParaRPr>
+            </a:p>
+          </p:txBody>
+        </p:sp>
+        <p:sp>
+          <p:nvSpPr>
+            <p:cNvPr id="52" name="文本框 51">
+              <a:extLst>
+                <a:ext uri="{FF2B5EF4-FFF2-40B4-BE49-F238E27FC236}">
+                  <a16:creationId xmlns:a16="http://schemas.microsoft.com/office/drawing/2014/main" id="{97E93460-6505-428E-B743-1D0E6A16681B}"/>
+                </a:ext>
+              </a:extLst>
+            </p:cNvPr>
+            <p:cNvSpPr txBox="1"/>
+            <p:nvPr/>
+          </p:nvSpPr>
+          <p:spPr>
+            <a:xfrm>
+              <a:off x="7361321" y="5027153"/>
+              <a:ext cx="619030" cy="307777"/>
+            </a:xfrm>
+            <a:prstGeom prst="rect">
+              <a:avLst/>
+            </a:prstGeom>
+            <a:noFill/>
+          </p:spPr>
+          <p:txBody>
+            <a:bodyPr wrap="square" rtlCol="0">
+              <a:spAutoFit/>
+            </a:bodyPr>
+            <a:lstStyle/>
+            <a:p>
+              <a:r>
+                <a:rPr lang="en-US" altLang="zh-CN" sz="1400" dirty="0">
+                  <a:solidFill>
+                    <a:srgbClr val="383B55"/>
+                  </a:solidFill>
+                  <a:latin typeface="Helvetica" pitchFamily="2" charset="0"/>
+                </a:rPr>
+                <a:t>t4</a:t>
+              </a:r>
+              <a:endParaRPr lang="zh-CN" altLang="en-US" sz="1400" dirty="0">
+                <a:solidFill>
+                  <a:srgbClr val="383B55"/>
+                </a:solidFill>
+                <a:latin typeface="Helvetica" pitchFamily="2" charset="0"/>
+              </a:endParaRPr>
+            </a:p>
+          </p:txBody>
+        </p:sp>
+      </p:grpSp>
+      <p:sp>
+        <p:nvSpPr>
+          <p:cNvPr id="39" name="文本框 38">
+            <a:extLst>
+              <a:ext uri="{FF2B5EF4-FFF2-40B4-BE49-F238E27FC236}">
+                <a16:creationId xmlns:a16="http://schemas.microsoft.com/office/drawing/2014/main" id="{90957837-DB0A-42FB-B63A-EB9173B64989}"/>
+              </a:ext>
+            </a:extLst>
+          </p:cNvPr>
+          <p:cNvSpPr txBox="1"/>
+          <p:nvPr/>
+        </p:nvSpPr>
+        <p:spPr>
+          <a:xfrm>
+            <a:off x="4499606" y="4052784"/>
+            <a:ext cx="619030" cy="307777"/>
+          </a:xfrm>
+          <a:prstGeom prst="rect">
+            <a:avLst/>
+          </a:prstGeom>
+          <a:noFill/>
+        </p:spPr>
+        <p:txBody>
+          <a:bodyPr wrap="square" rtlCol="0">
+            <a:spAutoFit/>
+          </a:bodyPr>
+          <a:lstStyle/>
+          <a:p>
+            <a:r>
+              <a:rPr lang="en-US" altLang="zh-CN" sz="1400" dirty="0">
+                <a:solidFill>
+                  <a:srgbClr val="383B55"/>
+                </a:solidFill>
+                <a:latin typeface="Helvetica" pitchFamily="2" charset="0"/>
+              </a:rPr>
+              <a:t>P1</a:t>
+            </a:r>
+            <a:endParaRPr lang="zh-CN" altLang="en-US" sz="1400" dirty="0">
+              <a:solidFill>
+                <a:srgbClr val="383B55"/>
+              </a:solidFill>
+              <a:latin typeface="Helvetica" pitchFamily="2" charset="0"/>
+            </a:endParaRPr>
+          </a:p>
+        </p:txBody>
+      </p:sp>
+      <p:sp>
+        <p:nvSpPr>
+          <p:cNvPr id="40" name="文本框 39">
+            <a:extLst>
+              <a:ext uri="{FF2B5EF4-FFF2-40B4-BE49-F238E27FC236}">
+                <a16:creationId xmlns:a16="http://schemas.microsoft.com/office/drawing/2014/main" id="{883A0D5B-F048-4933-AD40-99BE4A4B9506}"/>
+              </a:ext>
+            </a:extLst>
+          </p:cNvPr>
+          <p:cNvSpPr txBox="1"/>
+          <p:nvPr/>
+        </p:nvSpPr>
+        <p:spPr>
+          <a:xfrm>
+            <a:off x="5794390" y="3375185"/>
+            <a:ext cx="619030" cy="307777"/>
+          </a:xfrm>
+          <a:prstGeom prst="rect">
+            <a:avLst/>
+          </a:prstGeom>
+          <a:noFill/>
+        </p:spPr>
+        <p:txBody>
+          <a:bodyPr wrap="square" rtlCol="0">
+            <a:spAutoFit/>
+          </a:bodyPr>
+          <a:lstStyle/>
+          <a:p>
+            <a:r>
+              <a:rPr lang="en-US" altLang="zh-CN" sz="1400" dirty="0">
+                <a:solidFill>
+                  <a:srgbClr val="383B55"/>
+                </a:solidFill>
+                <a:latin typeface="Helvetica" pitchFamily="2" charset="0"/>
+              </a:rPr>
+              <a:t>P2</a:t>
+            </a:r>
+            <a:endParaRPr lang="zh-CN" altLang="en-US" sz="1400" dirty="0">
+              <a:solidFill>
+                <a:srgbClr val="383B55"/>
+              </a:solidFill>
+              <a:latin typeface="Helvetica" pitchFamily="2" charset="0"/>
+            </a:endParaRPr>
+          </a:p>
+        </p:txBody>
+      </p:sp>
+      <p:sp>
+        <p:nvSpPr>
+          <p:cNvPr id="41" name="文本框 40">
+            <a:extLst>
+              <a:ext uri="{FF2B5EF4-FFF2-40B4-BE49-F238E27FC236}">
+                <a16:creationId xmlns:a16="http://schemas.microsoft.com/office/drawing/2014/main" id="{39995D7C-DDF3-425A-AE99-F1849EABC2AD}"/>
+              </a:ext>
+            </a:extLst>
+          </p:cNvPr>
+          <p:cNvSpPr txBox="1"/>
+          <p:nvPr/>
+        </p:nvSpPr>
+        <p:spPr>
+          <a:xfrm>
+            <a:off x="7169391" y="2706182"/>
+            <a:ext cx="619030" cy="307777"/>
+          </a:xfrm>
+          <a:prstGeom prst="rect">
+            <a:avLst/>
+          </a:prstGeom>
+          <a:noFill/>
+        </p:spPr>
+        <p:txBody>
+          <a:bodyPr wrap="square" rtlCol="0">
+            <a:spAutoFit/>
+          </a:bodyPr>
+          <a:lstStyle/>
+          <a:p>
+            <a:r>
+              <a:rPr lang="en-US" altLang="zh-CN" sz="1400" dirty="0">
+                <a:solidFill>
+                  <a:srgbClr val="383B55"/>
+                </a:solidFill>
+                <a:latin typeface="Helvetica" pitchFamily="2" charset="0"/>
+              </a:rPr>
+              <a:t>P3</a:t>
+            </a:r>
+            <a:endParaRPr lang="zh-CN" altLang="en-US" sz="1400" dirty="0">
+              <a:solidFill>
+                <a:srgbClr val="383B55"/>
+              </a:solidFill>
+              <a:latin typeface="Helvetica" pitchFamily="2" charset="0"/>
+            </a:endParaRPr>
+          </a:p>
+        </p:txBody>
+      </p:sp>
+      <p:cxnSp>
+        <p:nvCxnSpPr>
+          <p:cNvPr id="9" name="直接连接符 8">
+            <a:extLst>
+              <a:ext uri="{FF2B5EF4-FFF2-40B4-BE49-F238E27FC236}">
+                <a16:creationId xmlns:a16="http://schemas.microsoft.com/office/drawing/2014/main" id="{6337E8AF-8CB3-47F9-84B3-68130B55ED06}"/>
+              </a:ext>
+            </a:extLst>
+          </p:cNvPr>
+          <p:cNvCxnSpPr>
+            <a:cxnSpLocks/>
+          </p:cNvCxnSpPr>
+          <p:nvPr/>
+        </p:nvCxnSpPr>
+        <p:spPr>
+          <a:xfrm>
+            <a:off x="3280390" y="4638441"/>
+            <a:ext cx="332839" cy="350303"/>
+          </a:xfrm>
+          <a:prstGeom prst="line">
+            <a:avLst/>
+          </a:prstGeom>
+          <a:ln>
+            <a:solidFill>
+              <a:srgbClr val="92D050"/>
+            </a:solidFill>
+          </a:ln>
+        </p:spPr>
+        <p:style>
+          <a:lnRef idx="1">
+            <a:schemeClr val="accent1"/>
+          </a:lnRef>
+          <a:fillRef idx="0">
+            <a:schemeClr val="accent1"/>
+          </a:fillRef>
+          <a:effectRef idx="0">
+            <a:schemeClr val="accent1"/>
+          </a:effectRef>
+          <a:fontRef idx="minor">
+            <a:schemeClr val="tx1"/>
+          </a:fontRef>
+        </p:style>
+      </p:cxnSp>
+      <p:cxnSp>
+        <p:nvCxnSpPr>
+          <p:cNvPr id="50" name="直接连接符 49">
+            <a:extLst>
+              <a:ext uri="{FF2B5EF4-FFF2-40B4-BE49-F238E27FC236}">
+                <a16:creationId xmlns:a16="http://schemas.microsoft.com/office/drawing/2014/main" id="{96AFD136-6FFB-460B-86EA-FBE37471C3E3}"/>
+              </a:ext>
+            </a:extLst>
+          </p:cNvPr>
+          <p:cNvCxnSpPr>
+            <a:cxnSpLocks/>
+          </p:cNvCxnSpPr>
+          <p:nvPr/>
+        </p:nvCxnSpPr>
+        <p:spPr>
+          <a:xfrm>
+            <a:off x="3436440" y="4394118"/>
+            <a:ext cx="521970" cy="591592"/>
+          </a:xfrm>
+          <a:prstGeom prst="line">
+            <a:avLst/>
+          </a:prstGeom>
+          <a:ln>
+            <a:solidFill>
+              <a:srgbClr val="92D050"/>
+            </a:solidFill>
+          </a:ln>
+        </p:spPr>
+        <p:style>
+          <a:lnRef idx="1">
+            <a:schemeClr val="accent1"/>
+          </a:lnRef>
+          <a:fillRef idx="0">
+            <a:schemeClr val="accent1"/>
+          </a:fillRef>
+          <a:effectRef idx="0">
+            <a:schemeClr val="accent1"/>
+          </a:effectRef>
+          <a:fontRef idx="minor">
+            <a:schemeClr val="tx1"/>
+          </a:fontRef>
+        </p:style>
+      </p:cxnSp>
+      <p:cxnSp>
+        <p:nvCxnSpPr>
+          <p:cNvPr id="53" name="直接连接符 52">
+            <a:extLst>
+              <a:ext uri="{FF2B5EF4-FFF2-40B4-BE49-F238E27FC236}">
+                <a16:creationId xmlns:a16="http://schemas.microsoft.com/office/drawing/2014/main" id="{98FEC45E-11E6-439E-9C79-7CE0DC91532D}"/>
+              </a:ext>
+            </a:extLst>
+          </p:cNvPr>
+          <p:cNvCxnSpPr>
+            <a:cxnSpLocks/>
+          </p:cNvCxnSpPr>
+          <p:nvPr/>
+        </p:nvCxnSpPr>
+        <p:spPr>
+          <a:xfrm>
+            <a:off x="3297140" y="4467646"/>
+            <a:ext cx="491337" cy="513068"/>
+          </a:xfrm>
+          <a:prstGeom prst="line">
+            <a:avLst/>
+          </a:prstGeom>
+          <a:ln>
+            <a:solidFill>
+              <a:srgbClr val="92D050"/>
+            </a:solidFill>
+          </a:ln>
+        </p:spPr>
+        <p:style>
+          <a:lnRef idx="1">
+            <a:schemeClr val="accent1"/>
+          </a:lnRef>
+          <a:fillRef idx="0">
+            <a:schemeClr val="accent1"/>
+          </a:fillRef>
+          <a:effectRef idx="0">
+            <a:schemeClr val="accent1"/>
+          </a:effectRef>
+          <a:fontRef idx="minor">
+            <a:schemeClr val="tx1"/>
+          </a:fontRef>
+        </p:style>
+      </p:cxnSp>
+      <p:cxnSp>
+        <p:nvCxnSpPr>
+          <p:cNvPr id="54" name="直接连接符 53">
+            <a:extLst>
+              <a:ext uri="{FF2B5EF4-FFF2-40B4-BE49-F238E27FC236}">
+                <a16:creationId xmlns:a16="http://schemas.microsoft.com/office/drawing/2014/main" id="{5A969457-86E2-458B-93D4-0FFDB1D11F04}"/>
+              </a:ext>
+            </a:extLst>
+          </p:cNvPr>
+          <p:cNvCxnSpPr>
+            <a:cxnSpLocks/>
+          </p:cNvCxnSpPr>
+          <p:nvPr/>
+        </p:nvCxnSpPr>
+        <p:spPr>
+          <a:xfrm>
+            <a:off x="3661656" y="4401929"/>
+            <a:ext cx="471928" cy="578785"/>
+          </a:xfrm>
+          <a:prstGeom prst="line">
+            <a:avLst/>
+          </a:prstGeom>
+          <a:ln>
+            <a:solidFill>
+              <a:srgbClr val="92D050"/>
+            </a:solidFill>
+          </a:ln>
+        </p:spPr>
+        <p:style>
+          <a:lnRef idx="1">
+            <a:schemeClr val="accent1"/>
+          </a:lnRef>
+          <a:fillRef idx="0">
+            <a:schemeClr val="accent1"/>
+          </a:fillRef>
+          <a:effectRef idx="0">
+            <a:schemeClr val="accent1"/>
+          </a:effectRef>
+          <a:fontRef idx="minor">
+            <a:schemeClr val="tx1"/>
+          </a:fontRef>
+        </p:style>
+      </p:cxnSp>
+      <p:cxnSp>
+        <p:nvCxnSpPr>
+          <p:cNvPr id="55" name="直接连接符 54">
+            <a:extLst>
+              <a:ext uri="{FF2B5EF4-FFF2-40B4-BE49-F238E27FC236}">
+                <a16:creationId xmlns:a16="http://schemas.microsoft.com/office/drawing/2014/main" id="{C96AC6AF-E5B1-4CD7-A80E-98DE967D563D}"/>
+              </a:ext>
+            </a:extLst>
+          </p:cNvPr>
+          <p:cNvCxnSpPr>
+            <a:cxnSpLocks/>
+          </p:cNvCxnSpPr>
+          <p:nvPr/>
+        </p:nvCxnSpPr>
+        <p:spPr>
+          <a:xfrm>
+            <a:off x="3852005" y="4379075"/>
+            <a:ext cx="454609" cy="588994"/>
+          </a:xfrm>
+          <a:prstGeom prst="line">
+            <a:avLst/>
+          </a:prstGeom>
+          <a:ln>
+            <a:solidFill>
+              <a:srgbClr val="92D050"/>
+            </a:solidFill>
+          </a:ln>
+        </p:spPr>
+        <p:style>
+          <a:lnRef idx="1">
+            <a:schemeClr val="accent1"/>
+          </a:lnRef>
+          <a:fillRef idx="0">
+            <a:schemeClr val="accent1"/>
+          </a:fillRef>
+          <a:effectRef idx="0">
+            <a:schemeClr val="accent1"/>
+          </a:effectRef>
+          <a:fontRef idx="minor">
+            <a:schemeClr val="tx1"/>
+          </a:fontRef>
+        </p:style>
+      </p:cxnSp>
+      <p:cxnSp>
+        <p:nvCxnSpPr>
+          <p:cNvPr id="56" name="直接连接符 55">
+            <a:extLst>
+              <a:ext uri="{FF2B5EF4-FFF2-40B4-BE49-F238E27FC236}">
+                <a16:creationId xmlns:a16="http://schemas.microsoft.com/office/drawing/2014/main" id="{CF8A2AA3-143E-4F98-A534-25217D5632FD}"/>
+              </a:ext>
+            </a:extLst>
+          </p:cNvPr>
+          <p:cNvCxnSpPr>
+            <a:cxnSpLocks/>
+          </p:cNvCxnSpPr>
+          <p:nvPr/>
+        </p:nvCxnSpPr>
+        <p:spPr>
+          <a:xfrm>
+            <a:off x="4069652" y="4381191"/>
+            <a:ext cx="452141" cy="636437"/>
+          </a:xfrm>
+          <a:prstGeom prst="line">
+            <a:avLst/>
+          </a:prstGeom>
+          <a:ln>
+            <a:solidFill>
+              <a:srgbClr val="92D050"/>
+            </a:solidFill>
+          </a:ln>
+        </p:spPr>
+        <p:style>
+          <a:lnRef idx="1">
+            <a:schemeClr val="accent1"/>
+          </a:lnRef>
+          <a:fillRef idx="0">
+            <a:schemeClr val="accent1"/>
+          </a:fillRef>
+          <a:effectRef idx="0">
+            <a:schemeClr val="accent1"/>
+          </a:effectRef>
+          <a:fontRef idx="minor">
+            <a:schemeClr val="tx1"/>
+          </a:fontRef>
+        </p:style>
+      </p:cxnSp>
+      <p:cxnSp>
+        <p:nvCxnSpPr>
+          <p:cNvPr id="57" name="直接连接符 56">
+            <a:extLst>
+              <a:ext uri="{FF2B5EF4-FFF2-40B4-BE49-F238E27FC236}">
+                <a16:creationId xmlns:a16="http://schemas.microsoft.com/office/drawing/2014/main" id="{4E72408E-B20D-4438-A962-1F6BD6C0C1F0}"/>
+              </a:ext>
+            </a:extLst>
+          </p:cNvPr>
+          <p:cNvCxnSpPr>
+            <a:cxnSpLocks/>
+          </p:cNvCxnSpPr>
+          <p:nvPr/>
+        </p:nvCxnSpPr>
+        <p:spPr>
+          <a:xfrm>
+            <a:off x="3260883" y="4817233"/>
+            <a:ext cx="178002" cy="176698"/>
+          </a:xfrm>
+          <a:prstGeom prst="line">
+            <a:avLst/>
+          </a:prstGeom>
+          <a:ln>
+            <a:solidFill>
+              <a:srgbClr val="92D050"/>
+            </a:solidFill>
+          </a:ln>
+        </p:spPr>
+        <p:style>
+          <a:lnRef idx="1">
+            <a:schemeClr val="accent1"/>
+          </a:lnRef>
+          <a:fillRef idx="0">
+            <a:schemeClr val="accent1"/>
+          </a:fillRef>
+          <a:effectRef idx="0">
+            <a:schemeClr val="accent1"/>
+          </a:effectRef>
+          <a:fontRef idx="minor">
+            <a:schemeClr val="tx1"/>
+          </a:fontRef>
+        </p:style>
+      </p:cxnSp>
+      <p:cxnSp>
+        <p:nvCxnSpPr>
+          <p:cNvPr id="58" name="直接连接符 57">
+            <a:extLst>
+              <a:ext uri="{FF2B5EF4-FFF2-40B4-BE49-F238E27FC236}">
+                <a16:creationId xmlns:a16="http://schemas.microsoft.com/office/drawing/2014/main" id="{C6B45F12-7BA9-4B0B-82FC-6952B980EEB6}"/>
+              </a:ext>
+            </a:extLst>
+          </p:cNvPr>
+          <p:cNvCxnSpPr>
+            <a:cxnSpLocks/>
+          </p:cNvCxnSpPr>
+          <p:nvPr/>
+        </p:nvCxnSpPr>
+        <p:spPr>
+          <a:xfrm>
+            <a:off x="4289416" y="4401544"/>
+            <a:ext cx="399012" cy="576740"/>
+          </a:xfrm>
+          <a:prstGeom prst="line">
+            <a:avLst/>
+          </a:prstGeom>
+          <a:ln>
+            <a:solidFill>
+              <a:srgbClr val="92D050"/>
+            </a:solidFill>
+          </a:ln>
+        </p:spPr>
+        <p:style>
+          <a:lnRef idx="1">
+            <a:schemeClr val="accent1"/>
+          </a:lnRef>
+          <a:fillRef idx="0">
+            <a:schemeClr val="accent1"/>
+          </a:fillRef>
+          <a:effectRef idx="0">
+            <a:schemeClr val="accent1"/>
+          </a:effectRef>
+          <a:fontRef idx="minor">
+            <a:schemeClr val="tx1"/>
+          </a:fontRef>
+        </p:style>
+      </p:cxnSp>
+      <p:cxnSp>
+        <p:nvCxnSpPr>
+          <p:cNvPr id="59" name="直接连接符 58">
+            <a:extLst>
+              <a:ext uri="{FF2B5EF4-FFF2-40B4-BE49-F238E27FC236}">
+                <a16:creationId xmlns:a16="http://schemas.microsoft.com/office/drawing/2014/main" id="{E1AF8B29-B28A-4ECE-BA23-524432276E3F}"/>
+              </a:ext>
+            </a:extLst>
+          </p:cNvPr>
+          <p:cNvCxnSpPr>
+            <a:cxnSpLocks/>
+          </p:cNvCxnSpPr>
+          <p:nvPr/>
+        </p:nvCxnSpPr>
+        <p:spPr>
+          <a:xfrm>
+            <a:off x="4472174" y="4390716"/>
+            <a:ext cx="364373" cy="577353"/>
+          </a:xfrm>
+          <a:prstGeom prst="line">
+            <a:avLst/>
+          </a:prstGeom>
+          <a:ln>
+            <a:solidFill>
+              <a:srgbClr val="92D050"/>
+            </a:solidFill>
+          </a:ln>
+        </p:spPr>
+        <p:style>
+          <a:lnRef idx="1">
+            <a:schemeClr val="accent1"/>
+          </a:lnRef>
+          <a:fillRef idx="0">
+            <a:schemeClr val="accent1"/>
+          </a:fillRef>
+          <a:effectRef idx="0">
+            <a:schemeClr val="accent1"/>
+          </a:effectRef>
+          <a:fontRef idx="minor">
+            <a:schemeClr val="tx1"/>
+          </a:fontRef>
+        </p:style>
+      </p:cxnSp>
+      <p:cxnSp>
+        <p:nvCxnSpPr>
+          <p:cNvPr id="60" name="直接连接符 59">
+            <a:extLst>
+              <a:ext uri="{FF2B5EF4-FFF2-40B4-BE49-F238E27FC236}">
+                <a16:creationId xmlns:a16="http://schemas.microsoft.com/office/drawing/2014/main" id="{8BDB8C1C-432F-4BC4-ACF4-2C2A41F0AFC4}"/>
+              </a:ext>
+            </a:extLst>
+          </p:cNvPr>
+          <p:cNvCxnSpPr>
+            <a:cxnSpLocks/>
+          </p:cNvCxnSpPr>
+          <p:nvPr/>
+        </p:nvCxnSpPr>
+        <p:spPr>
+          <a:xfrm>
+            <a:off x="4652687" y="4374806"/>
+            <a:ext cx="223322" cy="344406"/>
+          </a:xfrm>
+          <a:prstGeom prst="line">
+            <a:avLst/>
+          </a:prstGeom>
+          <a:ln>
+            <a:solidFill>
+              <a:srgbClr val="92D050"/>
+            </a:solidFill>
+          </a:ln>
+        </p:spPr>
+        <p:style>
+          <a:lnRef idx="1">
+            <a:schemeClr val="accent1"/>
+          </a:lnRef>
+          <a:fillRef idx="0">
+            <a:schemeClr val="accent1"/>
+          </a:fillRef>
+          <a:effectRef idx="0">
+            <a:schemeClr val="accent1"/>
+          </a:effectRef>
+          <a:fontRef idx="minor">
+            <a:schemeClr val="tx1"/>
+          </a:fontRef>
+        </p:style>
+      </p:cxnSp>
+    </p:spTree>
+    <p:extLst>
+      <p:ext uri="{BB962C8B-B14F-4D97-AF65-F5344CB8AC3E}">
+        <p14:creationId xmlns:p14="http://schemas.microsoft.com/office/powerpoint/2010/main" val="713327245"/>
+      </p:ext>
+    </p:extLst>
+  </p:cSld>
+  <p:clrMapOvr>
+    <a:masterClrMapping/>
+  </p:clrMapOvr>
+</p:sld>
+</file>
+
+<file path=ppt/slides/slide15.xml><?xml version="1.0" encoding="utf-8"?>
+<p:sld xmlns:a="http://schemas.openxmlformats.org/drawingml/2006/main" xmlns:r="http://schemas.openxmlformats.org/officeDocument/2006/relationships" xmlns:p="http://schemas.openxmlformats.org/presentationml/2006/main">
+  <p:cSld>
+    <p:spTree>
+      <p:nvGrpSpPr>
+        <p:cNvPr id="1" name=""/>
+        <p:cNvGrpSpPr/>
+        <p:nvPr/>
+      </p:nvGrpSpPr>
+      <p:grpSpPr>
+        <a:xfrm>
+          <a:off x="0" y="0"/>
+          <a:ext cx="0" cy="0"/>
+          <a:chOff x="0" y="0"/>
+          <a:chExt cx="0" cy="0"/>
+        </a:xfrm>
+      </p:grpSpPr>
+      <p:sp>
+        <p:nvSpPr>
+          <p:cNvPr id="162" name="文本框 161">
+            <a:extLst>
+              <a:ext uri="{FF2B5EF4-FFF2-40B4-BE49-F238E27FC236}">
+                <a16:creationId xmlns:a16="http://schemas.microsoft.com/office/drawing/2014/main" id="{0C67B73E-FEE6-C640-BAA2-89E8C784202E}"/>
+              </a:ext>
+            </a:extLst>
+          </p:cNvPr>
+          <p:cNvSpPr txBox="1"/>
+          <p:nvPr/>
+        </p:nvSpPr>
+        <p:spPr>
+          <a:xfrm>
+            <a:off x="233655" y="61959"/>
+            <a:ext cx="2837636" cy="369332"/>
+          </a:xfrm>
+          <a:prstGeom prst="rect">
+            <a:avLst/>
+          </a:prstGeom>
+          <a:noFill/>
+        </p:spPr>
+        <p:txBody>
+          <a:bodyPr wrap="none" rtlCol="0">
+            <a:spAutoFit/>
+          </a:bodyPr>
+          <a:lstStyle/>
+          <a:p>
+            <a:r>
+              <a:rPr kumimoji="1" lang="en-US" altLang="zh-CN" dirty="0"/>
+              <a:t>electric_power_logic_4.png</a:t>
+            </a:r>
+            <a:endParaRPr kumimoji="1" lang="zh-CN" altLang="en-US" dirty="0"/>
+          </a:p>
+        </p:txBody>
+      </p:sp>
+      <p:grpSp>
+        <p:nvGrpSpPr>
+          <p:cNvPr id="2" name="组合 1">
+            <a:extLst>
+              <a:ext uri="{FF2B5EF4-FFF2-40B4-BE49-F238E27FC236}">
+                <a16:creationId xmlns:a16="http://schemas.microsoft.com/office/drawing/2014/main" id="{71D9B266-E349-449C-8959-08D4FEA5E01B}"/>
+              </a:ext>
+            </a:extLst>
+          </p:cNvPr>
+          <p:cNvGrpSpPr/>
+          <p:nvPr/>
+        </p:nvGrpSpPr>
+        <p:grpSpPr>
+          <a:xfrm>
+            <a:off x="2188497" y="1564640"/>
+            <a:ext cx="7313720" cy="3770290"/>
+            <a:chOff x="2188497" y="1564640"/>
+            <a:chExt cx="7313720" cy="3770290"/>
+          </a:xfrm>
+        </p:grpSpPr>
+        <p:cxnSp>
+          <p:nvCxnSpPr>
+            <p:cNvPr id="22" name="直接连接符 21">
+              <a:extLst>
+                <a:ext uri="{FF2B5EF4-FFF2-40B4-BE49-F238E27FC236}">
+                  <a16:creationId xmlns:a16="http://schemas.microsoft.com/office/drawing/2014/main" id="{96DE7B79-D7CB-438E-9952-372D578C1A1B}"/>
+                </a:ext>
+              </a:extLst>
+            </p:cNvPr>
+            <p:cNvCxnSpPr>
+              <a:cxnSpLocks/>
+            </p:cNvCxnSpPr>
+            <p:nvPr/>
+          </p:nvCxnSpPr>
+          <p:spPr>
+            <a:xfrm flipV="1">
+              <a:off x="4893136" y="3658535"/>
+              <a:ext cx="1262540" cy="1291"/>
+            </a:xfrm>
+            <a:prstGeom prst="line">
+              <a:avLst/>
+            </a:prstGeom>
+            <a:ln w="19050">
+              <a:solidFill>
+                <a:srgbClr val="A2A5BC"/>
+              </a:solidFill>
+            </a:ln>
+          </p:spPr>
+          <p:style>
+            <a:lnRef idx="1">
+              <a:schemeClr val="accent3"/>
+            </a:lnRef>
+            <a:fillRef idx="0">
+              <a:schemeClr val="accent3"/>
+            </a:fillRef>
+            <a:effectRef idx="0">
+              <a:schemeClr val="accent3"/>
+            </a:effectRef>
+            <a:fontRef idx="minor">
+              <a:schemeClr val="tx1"/>
+            </a:fontRef>
+          </p:style>
+        </p:cxnSp>
+        <p:cxnSp>
+          <p:nvCxnSpPr>
+            <p:cNvPr id="36" name="直接连接符 35">
+              <a:extLst>
+                <a:ext uri="{FF2B5EF4-FFF2-40B4-BE49-F238E27FC236}">
+                  <a16:creationId xmlns:a16="http://schemas.microsoft.com/office/drawing/2014/main" id="{C286A3AC-A3A7-4BC1-9571-1831EE33C9B0}"/>
+                </a:ext>
+              </a:extLst>
+            </p:cNvPr>
+            <p:cNvCxnSpPr>
+              <a:cxnSpLocks/>
+            </p:cNvCxnSpPr>
+            <p:nvPr/>
+          </p:nvCxnSpPr>
+          <p:spPr>
+            <a:xfrm flipH="1" flipV="1">
+              <a:off x="4889143" y="3649536"/>
+              <a:ext cx="3994" cy="1336996"/>
+            </a:xfrm>
+            <a:prstGeom prst="line">
+              <a:avLst/>
+            </a:prstGeom>
+            <a:ln w="9525" cap="flat" cmpd="sng" algn="ctr">
+              <a:solidFill>
+                <a:srgbClr val="BCBDD1"/>
+              </a:solidFill>
+              <a:prstDash val="dash"/>
+              <a:round/>
+              <a:headEnd type="none" w="med" len="med"/>
+              <a:tailEnd type="none" w="med" len="med"/>
+            </a:ln>
+          </p:spPr>
+          <p:style>
+            <a:lnRef idx="0">
+              <a:scrgbClr r="0" g="0" b="0"/>
+            </a:lnRef>
+            <a:fillRef idx="0">
+              <a:scrgbClr r="0" g="0" b="0"/>
+            </a:fillRef>
+            <a:effectRef idx="0">
+              <a:scrgbClr r="0" g="0" b="0"/>
+            </a:effectRef>
+            <a:fontRef idx="minor">
+              <a:schemeClr val="tx1"/>
+            </a:fontRef>
+          </p:style>
+        </p:cxnSp>
+        <p:cxnSp>
+          <p:nvCxnSpPr>
+            <p:cNvPr id="43" name="直接连接符 42">
+              <a:extLst>
+                <a:ext uri="{FF2B5EF4-FFF2-40B4-BE49-F238E27FC236}">
+                  <a16:creationId xmlns:a16="http://schemas.microsoft.com/office/drawing/2014/main" id="{CFFA8B02-5C83-4D1C-80E5-507A4309A57A}"/>
+                </a:ext>
+              </a:extLst>
+            </p:cNvPr>
+            <p:cNvCxnSpPr>
+              <a:cxnSpLocks/>
+            </p:cNvCxnSpPr>
+            <p:nvPr/>
+          </p:nvCxnSpPr>
+          <p:spPr>
+            <a:xfrm flipV="1">
+              <a:off x="7522716" y="3017605"/>
+              <a:ext cx="0" cy="1962629"/>
+            </a:xfrm>
+            <a:prstGeom prst="line">
+              <a:avLst/>
+            </a:prstGeom>
+            <a:ln w="9525" cap="flat" cmpd="sng" algn="ctr">
+              <a:solidFill>
+                <a:srgbClr val="BCBDD1"/>
+              </a:solidFill>
+              <a:prstDash val="dash"/>
+              <a:round/>
+              <a:headEnd type="none" w="med" len="med"/>
+              <a:tailEnd type="none" w="med" len="med"/>
+            </a:ln>
+          </p:spPr>
+          <p:style>
+            <a:lnRef idx="0">
+              <a:scrgbClr r="0" g="0" b="0"/>
+            </a:lnRef>
+            <a:fillRef idx="0">
+              <a:scrgbClr r="0" g="0" b="0"/>
+            </a:fillRef>
+            <a:effectRef idx="0">
+              <a:scrgbClr r="0" g="0" b="0"/>
+            </a:effectRef>
+            <a:fontRef idx="minor">
+              <a:schemeClr val="tx1"/>
+            </a:fontRef>
+          </p:style>
+        </p:cxnSp>
+        <p:cxnSp>
+          <p:nvCxnSpPr>
+            <p:cNvPr id="13" name="直接连接符 12">
+              <a:extLst>
+                <a:ext uri="{FF2B5EF4-FFF2-40B4-BE49-F238E27FC236}">
+                  <a16:creationId xmlns:a16="http://schemas.microsoft.com/office/drawing/2014/main" id="{EEAA132D-85BE-41F7-902D-87670CB1B230}"/>
+                </a:ext>
+              </a:extLst>
+            </p:cNvPr>
+            <p:cNvCxnSpPr>
+              <a:cxnSpLocks/>
+            </p:cNvCxnSpPr>
+            <p:nvPr/>
+          </p:nvCxnSpPr>
+          <p:spPr>
+            <a:xfrm flipV="1">
+              <a:off x="3251763" y="3666403"/>
+              <a:ext cx="1643792" cy="740809"/>
+            </a:xfrm>
+            <a:prstGeom prst="line">
+              <a:avLst/>
+            </a:prstGeom>
+            <a:ln w="19050">
+              <a:solidFill>
+                <a:srgbClr val="A2A5BC"/>
+              </a:solidFill>
+            </a:ln>
+          </p:spPr>
+          <p:style>
+            <a:lnRef idx="1">
+              <a:schemeClr val="accent3"/>
+            </a:lnRef>
+            <a:fillRef idx="0">
+              <a:schemeClr val="accent3"/>
+            </a:fillRef>
+            <a:effectRef idx="0">
+              <a:schemeClr val="accent3"/>
+            </a:effectRef>
+            <a:fontRef idx="minor">
+              <a:schemeClr val="tx1"/>
+            </a:fontRef>
+          </p:style>
+        </p:cxnSp>
+        <p:cxnSp>
+          <p:nvCxnSpPr>
+            <p:cNvPr id="66" name="直线箭头连接符 162">
+              <a:extLst>
+                <a:ext uri="{FF2B5EF4-FFF2-40B4-BE49-F238E27FC236}">
+                  <a16:creationId xmlns:a16="http://schemas.microsoft.com/office/drawing/2014/main" id="{EFE36EB3-FB49-45F4-877E-B2C8EBAB5F98}"/>
+                </a:ext>
+              </a:extLst>
+            </p:cNvPr>
+            <p:cNvCxnSpPr>
+              <a:cxnSpLocks/>
+            </p:cNvCxnSpPr>
+            <p:nvPr/>
+          </p:nvCxnSpPr>
+          <p:spPr>
+            <a:xfrm flipV="1">
+              <a:off x="2407948" y="4993726"/>
+              <a:ext cx="6057320" cy="8888"/>
+            </a:xfrm>
+            <a:prstGeom prst="straightConnector1">
+              <a:avLst/>
+            </a:prstGeom>
+            <a:ln w="19050">
+              <a:solidFill>
+                <a:srgbClr val="A2A5BC"/>
+              </a:solidFill>
+              <a:tailEnd type="triangle"/>
+            </a:ln>
+          </p:spPr>
+          <p:style>
+            <a:lnRef idx="1">
+              <a:schemeClr val="accent1"/>
+            </a:lnRef>
+            <a:fillRef idx="0">
+              <a:schemeClr val="accent1"/>
+            </a:fillRef>
+            <a:effectRef idx="0">
+              <a:schemeClr val="accent1"/>
+            </a:effectRef>
+            <a:fontRef idx="minor">
+              <a:schemeClr val="tx1"/>
+            </a:fontRef>
+          </p:style>
+        </p:cxnSp>
+        <p:cxnSp>
+          <p:nvCxnSpPr>
+            <p:cNvPr id="72" name="直线箭头连接符 162">
+              <a:extLst>
+                <a:ext uri="{FF2B5EF4-FFF2-40B4-BE49-F238E27FC236}">
+                  <a16:creationId xmlns:a16="http://schemas.microsoft.com/office/drawing/2014/main" id="{A69BEB5B-0897-4C6C-9EAF-CAC3C377C2FB}"/>
+                </a:ext>
+              </a:extLst>
+            </p:cNvPr>
+            <p:cNvCxnSpPr>
+              <a:cxnSpLocks/>
+            </p:cNvCxnSpPr>
+            <p:nvPr/>
+          </p:nvCxnSpPr>
+          <p:spPr>
+            <a:xfrm flipV="1">
+              <a:off x="2407948" y="1876425"/>
+              <a:ext cx="0" cy="3126193"/>
+            </a:xfrm>
+            <a:prstGeom prst="straightConnector1">
+              <a:avLst/>
+            </a:prstGeom>
+            <a:ln w="19050">
+              <a:solidFill>
+                <a:srgbClr val="A2A5BC"/>
+              </a:solidFill>
+              <a:tailEnd type="triangle"/>
+            </a:ln>
+          </p:spPr>
+          <p:style>
+            <a:lnRef idx="1">
+              <a:schemeClr val="accent1"/>
+            </a:lnRef>
+            <a:fillRef idx="0">
+              <a:schemeClr val="accent1"/>
+            </a:fillRef>
+            <a:effectRef idx="0">
+              <a:schemeClr val="accent1"/>
+            </a:effectRef>
+            <a:fontRef idx="minor">
+              <a:schemeClr val="tx1"/>
+            </a:fontRef>
+          </p:style>
+        </p:cxnSp>
+        <p:sp>
+          <p:nvSpPr>
+            <p:cNvPr id="78" name="文本框 77">
+              <a:extLst>
+                <a:ext uri="{FF2B5EF4-FFF2-40B4-BE49-F238E27FC236}">
+                  <a16:creationId xmlns:a16="http://schemas.microsoft.com/office/drawing/2014/main" id="{8F124729-F0CF-4F07-834D-1553534F6820}"/>
+                </a:ext>
+              </a:extLst>
+            </p:cNvPr>
+            <p:cNvSpPr txBox="1"/>
+            <p:nvPr/>
+          </p:nvSpPr>
+          <p:spPr>
+            <a:xfrm>
+              <a:off x="8465268" y="4832643"/>
+              <a:ext cx="1036949" cy="307777"/>
+            </a:xfrm>
+            <a:prstGeom prst="rect">
+              <a:avLst/>
+            </a:prstGeom>
+            <a:noFill/>
+          </p:spPr>
+          <p:txBody>
+            <a:bodyPr wrap="square" rtlCol="0">
+              <a:spAutoFit/>
+            </a:bodyPr>
+            <a:lstStyle/>
+            <a:p>
+              <a:r>
+                <a:rPr lang="en-US" altLang="zh-CN" sz="1400" dirty="0">
+                  <a:solidFill>
+                    <a:srgbClr val="383B55"/>
+                  </a:solidFill>
+                  <a:latin typeface="Helvetica" pitchFamily="2" charset="0"/>
+                </a:rPr>
+                <a:t>Time</a:t>
+              </a:r>
+              <a:endParaRPr lang="zh-CN" altLang="en-US" sz="1400" dirty="0">
+                <a:solidFill>
+                  <a:srgbClr val="383B55"/>
+                </a:solidFill>
+                <a:latin typeface="Helvetica" pitchFamily="2" charset="0"/>
+              </a:endParaRPr>
+            </a:p>
+          </p:txBody>
+        </p:sp>
+        <p:sp>
+          <p:nvSpPr>
+            <p:cNvPr id="113" name="文本框 112">
+              <a:extLst>
+                <a:ext uri="{FF2B5EF4-FFF2-40B4-BE49-F238E27FC236}">
+                  <a16:creationId xmlns:a16="http://schemas.microsoft.com/office/drawing/2014/main" id="{2E6EE703-C252-476D-BDC9-66AAE159E735}"/>
+                </a:ext>
+              </a:extLst>
+            </p:cNvPr>
+            <p:cNvSpPr txBox="1"/>
+            <p:nvPr/>
+          </p:nvSpPr>
+          <p:spPr>
+            <a:xfrm>
+              <a:off x="3131097" y="5025919"/>
+              <a:ext cx="619030" cy="307777"/>
+            </a:xfrm>
+            <a:prstGeom prst="rect">
+              <a:avLst/>
+            </a:prstGeom>
+            <a:noFill/>
+          </p:spPr>
+          <p:txBody>
+            <a:bodyPr wrap="square" rtlCol="0">
+              <a:spAutoFit/>
+            </a:bodyPr>
+            <a:lstStyle/>
+            <a:p>
+              <a:r>
+                <a:rPr lang="en-US" altLang="zh-CN" sz="1400" dirty="0">
+                  <a:solidFill>
+                    <a:srgbClr val="383B55"/>
+                  </a:solidFill>
+                  <a:latin typeface="Helvetica" pitchFamily="2" charset="0"/>
+                </a:rPr>
+                <a:t>t1</a:t>
+              </a:r>
+              <a:endParaRPr lang="zh-CN" altLang="en-US" sz="1400" dirty="0">
+                <a:solidFill>
+                  <a:srgbClr val="383B55"/>
+                </a:solidFill>
+                <a:latin typeface="Helvetica" pitchFamily="2" charset="0"/>
+              </a:endParaRPr>
+            </a:p>
+          </p:txBody>
+        </p:sp>
+        <p:sp>
+          <p:nvSpPr>
+            <p:cNvPr id="114" name="文本框 113">
+              <a:extLst>
+                <a:ext uri="{FF2B5EF4-FFF2-40B4-BE49-F238E27FC236}">
+                  <a16:creationId xmlns:a16="http://schemas.microsoft.com/office/drawing/2014/main" id="{C80DFDE4-439A-41A0-9F50-EAC1AC0D7DC6}"/>
+                </a:ext>
+              </a:extLst>
+            </p:cNvPr>
+            <p:cNvSpPr txBox="1"/>
+            <p:nvPr/>
+          </p:nvSpPr>
+          <p:spPr>
+            <a:xfrm>
+              <a:off x="2188497" y="1564640"/>
+              <a:ext cx="1036949" cy="307777"/>
+            </a:xfrm>
+            <a:prstGeom prst="rect">
+              <a:avLst/>
+            </a:prstGeom>
+            <a:noFill/>
+          </p:spPr>
+          <p:txBody>
+            <a:bodyPr wrap="square" rtlCol="0">
+              <a:spAutoFit/>
+            </a:bodyPr>
+            <a:lstStyle/>
+            <a:p>
+              <a:r>
+                <a:rPr lang="en-US" altLang="zh-CN" sz="1400" dirty="0">
+                  <a:solidFill>
+                    <a:srgbClr val="383B55"/>
+                  </a:solidFill>
+                  <a:latin typeface="Helvetica" pitchFamily="2" charset="0"/>
+                </a:rPr>
+                <a:t>kW</a:t>
+              </a:r>
+              <a:endParaRPr lang="zh-CN" altLang="en-US" sz="1400" dirty="0">
+                <a:solidFill>
+                  <a:srgbClr val="383B55"/>
+                </a:solidFill>
+                <a:latin typeface="Helvetica" pitchFamily="2" charset="0"/>
+              </a:endParaRPr>
+            </a:p>
+          </p:txBody>
+        </p:sp>
+        <p:cxnSp>
+          <p:nvCxnSpPr>
+            <p:cNvPr id="123" name="直接连接符 122">
+              <a:extLst>
+                <a:ext uri="{FF2B5EF4-FFF2-40B4-BE49-F238E27FC236}">
+                  <a16:creationId xmlns:a16="http://schemas.microsoft.com/office/drawing/2014/main" id="{70CE16C6-DC1D-40C4-9BBD-3B969754DF72}"/>
+                </a:ext>
+              </a:extLst>
+            </p:cNvPr>
+            <p:cNvCxnSpPr>
+              <a:cxnSpLocks/>
+            </p:cNvCxnSpPr>
+            <p:nvPr/>
+          </p:nvCxnSpPr>
+          <p:spPr>
+            <a:xfrm flipH="1" flipV="1">
+              <a:off x="3251763" y="4386218"/>
+              <a:ext cx="9432" cy="600314"/>
+            </a:xfrm>
+            <a:prstGeom prst="line">
+              <a:avLst/>
+            </a:prstGeom>
+            <a:ln w="9525" cap="flat" cmpd="sng" algn="ctr">
+              <a:solidFill>
+                <a:srgbClr val="BCBDD1"/>
+              </a:solidFill>
+              <a:prstDash val="dash"/>
+              <a:round/>
+              <a:headEnd type="none" w="med" len="med"/>
+              <a:tailEnd type="none" w="med" len="med"/>
+            </a:ln>
+          </p:spPr>
+          <p:style>
+            <a:lnRef idx="0">
+              <a:scrgbClr r="0" g="0" b="0"/>
+            </a:lnRef>
+            <a:fillRef idx="0">
+              <a:scrgbClr r="0" g="0" b="0"/>
+            </a:fillRef>
+            <a:effectRef idx="0">
+              <a:scrgbClr r="0" g="0" b="0"/>
+            </a:effectRef>
+            <a:fontRef idx="minor">
+              <a:schemeClr val="tx1"/>
+            </a:fontRef>
+          </p:style>
+        </p:cxnSp>
+        <p:cxnSp>
+          <p:nvCxnSpPr>
+            <p:cNvPr id="124" name="直接连接符 123">
+              <a:extLst>
+                <a:ext uri="{FF2B5EF4-FFF2-40B4-BE49-F238E27FC236}">
+                  <a16:creationId xmlns:a16="http://schemas.microsoft.com/office/drawing/2014/main" id="{636CBF3A-B1BA-41BA-BEA3-EFD508A456F1}"/>
+                </a:ext>
+              </a:extLst>
+            </p:cNvPr>
+            <p:cNvCxnSpPr>
+              <a:cxnSpLocks/>
+              <a:endCxn id="44" idx="4"/>
+            </p:cNvCxnSpPr>
+            <p:nvPr/>
+          </p:nvCxnSpPr>
+          <p:spPr>
+            <a:xfrm flipV="1">
+              <a:off x="6158094" y="3696090"/>
+              <a:ext cx="2369" cy="1284144"/>
+            </a:xfrm>
+            <a:prstGeom prst="line">
+              <a:avLst/>
+            </a:prstGeom>
+            <a:ln w="9525" cap="flat" cmpd="sng" algn="ctr">
+              <a:solidFill>
+                <a:srgbClr val="BCBDD1"/>
+              </a:solidFill>
+              <a:prstDash val="dash"/>
+              <a:round/>
+              <a:headEnd type="none" w="med" len="med"/>
+              <a:tailEnd type="none" w="med" len="med"/>
+            </a:ln>
+          </p:spPr>
+          <p:style>
+            <a:lnRef idx="0">
+              <a:scrgbClr r="0" g="0" b="0"/>
+            </a:lnRef>
+            <a:fillRef idx="0">
+              <a:scrgbClr r="0" g="0" b="0"/>
+            </a:fillRef>
+            <a:effectRef idx="0">
+              <a:scrgbClr r="0" g="0" b="0"/>
+            </a:effectRef>
+            <a:fontRef idx="minor">
+              <a:schemeClr val="tx1"/>
+            </a:fontRef>
+          </p:style>
+        </p:cxnSp>
+        <p:sp>
+          <p:nvSpPr>
+            <p:cNvPr id="125" name="椭圆 124">
+              <a:extLst>
+                <a:ext uri="{FF2B5EF4-FFF2-40B4-BE49-F238E27FC236}">
+                  <a16:creationId xmlns:a16="http://schemas.microsoft.com/office/drawing/2014/main" id="{FEAA77F0-ADD8-4C6E-875B-AFA2F39D9DC1}"/>
+                </a:ext>
+              </a:extLst>
+            </p:cNvPr>
+            <p:cNvSpPr/>
+            <p:nvPr/>
+          </p:nvSpPr>
+          <p:spPr>
+            <a:xfrm>
+              <a:off x="4828171" y="3602369"/>
+              <a:ext cx="113116" cy="116124"/>
+            </a:xfrm>
+            <a:prstGeom prst="ellipse">
+              <a:avLst/>
+            </a:prstGeom>
+            <a:solidFill>
+              <a:srgbClr val="C00000"/>
+            </a:solidFill>
+          </p:spPr>
+          <p:style>
+            <a:lnRef idx="2">
+              <a:schemeClr val="accent1">
+                <a:shade val="50000"/>
+              </a:schemeClr>
+            </a:lnRef>
+            <a:fillRef idx="1">
+              <a:schemeClr val="accent1"/>
+            </a:fillRef>
+            <a:effectRef idx="0">
+              <a:schemeClr val="accent1"/>
+            </a:effectRef>
+            <a:fontRef idx="minor">
+              <a:schemeClr val="lt1"/>
+            </a:fontRef>
+          </p:style>
+          <p:txBody>
+            <a:bodyPr rtlCol="0" anchor="ctr"/>
+            <a:lstStyle/>
+            <a:p>
+              <a:pPr algn="ctr"/>
+              <a:endParaRPr lang="zh-CN" altLang="en-US">
+                <a:solidFill>
+                  <a:srgbClr val="FF0000"/>
+                </a:solidFill>
+              </a:endParaRPr>
+            </a:p>
+          </p:txBody>
+        </p:sp>
+        <p:cxnSp>
+          <p:nvCxnSpPr>
+            <p:cNvPr id="23" name="直接连接符 22">
+              <a:extLst>
+                <a:ext uri="{FF2B5EF4-FFF2-40B4-BE49-F238E27FC236}">
+                  <a16:creationId xmlns:a16="http://schemas.microsoft.com/office/drawing/2014/main" id="{68A328F7-798E-45AA-97AA-62FEFF70A4EA}"/>
+                </a:ext>
+              </a:extLst>
+            </p:cNvPr>
+            <p:cNvCxnSpPr>
+              <a:cxnSpLocks/>
+            </p:cNvCxnSpPr>
+            <p:nvPr/>
+          </p:nvCxnSpPr>
+          <p:spPr>
+            <a:xfrm flipV="1">
+              <a:off x="6211781" y="3017605"/>
+              <a:ext cx="1321415" cy="612690"/>
+            </a:xfrm>
+            <a:prstGeom prst="line">
+              <a:avLst/>
+            </a:prstGeom>
+            <a:ln w="19050">
+              <a:solidFill>
+                <a:srgbClr val="A2A5BC"/>
+              </a:solidFill>
+            </a:ln>
+          </p:spPr>
+          <p:style>
+            <a:lnRef idx="1">
+              <a:schemeClr val="accent3"/>
+            </a:lnRef>
+            <a:fillRef idx="0">
+              <a:schemeClr val="accent3"/>
+            </a:fillRef>
+            <a:effectRef idx="0">
+              <a:schemeClr val="accent3"/>
+            </a:effectRef>
+            <a:fontRef idx="minor">
+              <a:schemeClr val="tx1"/>
+            </a:fontRef>
+          </p:style>
+        </p:cxnSp>
+        <p:sp>
+          <p:nvSpPr>
+            <p:cNvPr id="29" name="文本框 28">
+              <a:extLst>
+                <a:ext uri="{FF2B5EF4-FFF2-40B4-BE49-F238E27FC236}">
+                  <a16:creationId xmlns:a16="http://schemas.microsoft.com/office/drawing/2014/main" id="{B6B17CB6-5D35-493D-A75C-9224E9C9B51C}"/>
+                </a:ext>
+              </a:extLst>
+            </p:cNvPr>
+            <p:cNvSpPr txBox="1"/>
+            <p:nvPr/>
+          </p:nvSpPr>
+          <p:spPr>
+            <a:xfrm>
+              <a:off x="4735097" y="5016116"/>
+              <a:ext cx="619030" cy="307777"/>
+            </a:xfrm>
+            <a:prstGeom prst="rect">
+              <a:avLst/>
+            </a:prstGeom>
+            <a:noFill/>
+          </p:spPr>
+          <p:txBody>
+            <a:bodyPr wrap="square" rtlCol="0">
+              <a:spAutoFit/>
+            </a:bodyPr>
+            <a:lstStyle/>
+            <a:p>
+              <a:r>
+                <a:rPr lang="en-US" altLang="zh-CN" sz="1400" dirty="0">
+                  <a:solidFill>
+                    <a:srgbClr val="383B55"/>
+                  </a:solidFill>
+                  <a:latin typeface="Helvetica" pitchFamily="2" charset="0"/>
+                </a:rPr>
+                <a:t>t2</a:t>
+              </a:r>
+              <a:endParaRPr lang="zh-CN" altLang="en-US" sz="1400" dirty="0">
+                <a:solidFill>
+                  <a:srgbClr val="383B55"/>
+                </a:solidFill>
+                <a:latin typeface="Helvetica" pitchFamily="2" charset="0"/>
+              </a:endParaRPr>
+            </a:p>
+          </p:txBody>
+        </p:sp>
+        <p:sp>
+          <p:nvSpPr>
+            <p:cNvPr id="30" name="文本框 29">
+              <a:extLst>
+                <a:ext uri="{FF2B5EF4-FFF2-40B4-BE49-F238E27FC236}">
+                  <a16:creationId xmlns:a16="http://schemas.microsoft.com/office/drawing/2014/main" id="{00F54373-EDC9-442B-8F87-7A46D59F255E}"/>
+                </a:ext>
+              </a:extLst>
+            </p:cNvPr>
+            <p:cNvSpPr txBox="1"/>
+            <p:nvPr/>
+          </p:nvSpPr>
+          <p:spPr>
+            <a:xfrm>
+              <a:off x="6029582" y="5016116"/>
+              <a:ext cx="619030" cy="307777"/>
+            </a:xfrm>
+            <a:prstGeom prst="rect">
+              <a:avLst/>
+            </a:prstGeom>
+            <a:noFill/>
+          </p:spPr>
+          <p:txBody>
+            <a:bodyPr wrap="square" rtlCol="0">
+              <a:spAutoFit/>
+            </a:bodyPr>
+            <a:lstStyle/>
+            <a:p>
+              <a:r>
+                <a:rPr lang="en-US" altLang="zh-CN" sz="1400" dirty="0">
+                  <a:solidFill>
+                    <a:srgbClr val="383B55"/>
+                  </a:solidFill>
+                  <a:latin typeface="Helvetica" pitchFamily="2" charset="0"/>
+                </a:rPr>
+                <a:t>t3</a:t>
+              </a:r>
+              <a:endParaRPr lang="zh-CN" altLang="en-US" sz="1400" dirty="0">
+                <a:solidFill>
+                  <a:srgbClr val="383B55"/>
+                </a:solidFill>
+                <a:latin typeface="Helvetica" pitchFamily="2" charset="0"/>
+              </a:endParaRPr>
+            </a:p>
+          </p:txBody>
+        </p:sp>
+        <p:sp>
+          <p:nvSpPr>
+            <p:cNvPr id="33" name="椭圆 32">
+              <a:extLst>
+                <a:ext uri="{FF2B5EF4-FFF2-40B4-BE49-F238E27FC236}">
+                  <a16:creationId xmlns:a16="http://schemas.microsoft.com/office/drawing/2014/main" id="{C708CD03-232B-47AE-AFBB-1BA0B9FA8257}"/>
+                </a:ext>
+              </a:extLst>
+            </p:cNvPr>
+            <p:cNvSpPr/>
+            <p:nvPr/>
+          </p:nvSpPr>
+          <p:spPr>
+            <a:xfrm>
+              <a:off x="7478906" y="2947891"/>
+              <a:ext cx="113116" cy="116124"/>
+            </a:xfrm>
+            <a:prstGeom prst="ellipse">
+              <a:avLst/>
+            </a:prstGeom>
+            <a:solidFill>
+              <a:srgbClr val="C00000"/>
+            </a:solidFill>
+          </p:spPr>
+          <p:style>
+            <a:lnRef idx="2">
+              <a:schemeClr val="accent1">
+                <a:shade val="50000"/>
+              </a:schemeClr>
+            </a:lnRef>
+            <a:fillRef idx="1">
+              <a:schemeClr val="accent1"/>
+            </a:fillRef>
+            <a:effectRef idx="0">
+              <a:schemeClr val="accent1"/>
+            </a:effectRef>
+            <a:fontRef idx="minor">
+              <a:schemeClr val="lt1"/>
+            </a:fontRef>
+          </p:style>
+          <p:txBody>
+            <a:bodyPr rtlCol="0" anchor="ctr"/>
+            <a:lstStyle/>
+            <a:p>
+              <a:pPr algn="ctr"/>
+              <a:endParaRPr lang="zh-CN" altLang="en-US">
+                <a:solidFill>
+                  <a:srgbClr val="FF0000"/>
+                </a:solidFill>
+              </a:endParaRPr>
+            </a:p>
+          </p:txBody>
+        </p:sp>
+        <p:sp>
+          <p:nvSpPr>
+            <p:cNvPr id="44" name="椭圆 43">
+              <a:extLst>
+                <a:ext uri="{FF2B5EF4-FFF2-40B4-BE49-F238E27FC236}">
+                  <a16:creationId xmlns:a16="http://schemas.microsoft.com/office/drawing/2014/main" id="{DCBB5B1D-492A-4799-9245-1D0EBFB31692}"/>
+                </a:ext>
+              </a:extLst>
+            </p:cNvPr>
+            <p:cNvSpPr/>
+            <p:nvPr/>
+          </p:nvSpPr>
+          <p:spPr>
+            <a:xfrm>
+              <a:off x="6103905" y="3579966"/>
+              <a:ext cx="113116" cy="116124"/>
+            </a:xfrm>
+            <a:prstGeom prst="ellipse">
+              <a:avLst/>
+            </a:prstGeom>
+            <a:solidFill>
+              <a:srgbClr val="C00000"/>
+            </a:solidFill>
+          </p:spPr>
+          <p:style>
+            <a:lnRef idx="2">
+              <a:schemeClr val="accent1">
+                <a:shade val="50000"/>
+              </a:schemeClr>
+            </a:lnRef>
+            <a:fillRef idx="1">
+              <a:schemeClr val="accent1"/>
+            </a:fillRef>
+            <a:effectRef idx="0">
+              <a:schemeClr val="accent1"/>
+            </a:effectRef>
+            <a:fontRef idx="minor">
+              <a:schemeClr val="lt1"/>
+            </a:fontRef>
+          </p:style>
+          <p:txBody>
+            <a:bodyPr rtlCol="0" anchor="ctr"/>
+            <a:lstStyle/>
+            <a:p>
+              <a:pPr algn="ctr"/>
+              <a:endParaRPr lang="zh-CN" altLang="en-US">
+                <a:solidFill>
+                  <a:srgbClr val="FF0000"/>
+                </a:solidFill>
+              </a:endParaRPr>
+            </a:p>
+          </p:txBody>
+        </p:sp>
+        <p:sp>
+          <p:nvSpPr>
+            <p:cNvPr id="52" name="文本框 51">
+              <a:extLst>
+                <a:ext uri="{FF2B5EF4-FFF2-40B4-BE49-F238E27FC236}">
+                  <a16:creationId xmlns:a16="http://schemas.microsoft.com/office/drawing/2014/main" id="{97E93460-6505-428E-B743-1D0E6A16681B}"/>
+                </a:ext>
+              </a:extLst>
+            </p:cNvPr>
+            <p:cNvSpPr txBox="1"/>
+            <p:nvPr/>
+          </p:nvSpPr>
+          <p:spPr>
+            <a:xfrm>
+              <a:off x="7361321" y="5027153"/>
+              <a:ext cx="619030" cy="307777"/>
+            </a:xfrm>
+            <a:prstGeom prst="rect">
+              <a:avLst/>
+            </a:prstGeom>
+            <a:noFill/>
+          </p:spPr>
+          <p:txBody>
+            <a:bodyPr wrap="square" rtlCol="0">
+              <a:spAutoFit/>
+            </a:bodyPr>
+            <a:lstStyle/>
+            <a:p>
+              <a:r>
+                <a:rPr lang="en-US" altLang="zh-CN" sz="1400" dirty="0">
+                  <a:solidFill>
+                    <a:srgbClr val="383B55"/>
+                  </a:solidFill>
+                  <a:latin typeface="Helvetica" pitchFamily="2" charset="0"/>
+                </a:rPr>
+                <a:t>t4</a:t>
+              </a:r>
+              <a:endParaRPr lang="zh-CN" altLang="en-US" sz="1400" dirty="0">
+                <a:solidFill>
+                  <a:srgbClr val="383B55"/>
+                </a:solidFill>
+                <a:latin typeface="Helvetica" pitchFamily="2" charset="0"/>
+              </a:endParaRPr>
+            </a:p>
+          </p:txBody>
+        </p:sp>
+      </p:grpSp>
+      <p:sp>
+        <p:nvSpPr>
+          <p:cNvPr id="39" name="文本框 38">
+            <a:extLst>
+              <a:ext uri="{FF2B5EF4-FFF2-40B4-BE49-F238E27FC236}">
+                <a16:creationId xmlns:a16="http://schemas.microsoft.com/office/drawing/2014/main" id="{90957837-DB0A-42FB-B63A-EB9173B64989}"/>
+              </a:ext>
+            </a:extLst>
+          </p:cNvPr>
+          <p:cNvSpPr txBox="1"/>
+          <p:nvPr/>
+        </p:nvSpPr>
+        <p:spPr>
+          <a:xfrm>
+            <a:off x="4654360" y="3344458"/>
+            <a:ext cx="619030" cy="307777"/>
+          </a:xfrm>
+          <a:prstGeom prst="rect">
+            <a:avLst/>
+          </a:prstGeom>
+          <a:noFill/>
+        </p:spPr>
+        <p:txBody>
+          <a:bodyPr wrap="square" rtlCol="0">
+            <a:spAutoFit/>
+          </a:bodyPr>
+          <a:lstStyle/>
+          <a:p>
+            <a:r>
+              <a:rPr lang="en-US" altLang="zh-CN" sz="1400" dirty="0">
+                <a:solidFill>
+                  <a:srgbClr val="383B55"/>
+                </a:solidFill>
+                <a:latin typeface="Helvetica" pitchFamily="2" charset="0"/>
+              </a:rPr>
+              <a:t>P2</a:t>
+            </a:r>
+            <a:endParaRPr lang="zh-CN" altLang="en-US" sz="1400" dirty="0">
+              <a:solidFill>
+                <a:srgbClr val="383B55"/>
+              </a:solidFill>
+              <a:latin typeface="Helvetica" pitchFamily="2" charset="0"/>
+            </a:endParaRPr>
+          </a:p>
+        </p:txBody>
+      </p:sp>
+      <p:sp>
+        <p:nvSpPr>
+          <p:cNvPr id="40" name="文本框 39">
+            <a:extLst>
+              <a:ext uri="{FF2B5EF4-FFF2-40B4-BE49-F238E27FC236}">
+                <a16:creationId xmlns:a16="http://schemas.microsoft.com/office/drawing/2014/main" id="{883A0D5B-F048-4933-AD40-99BE4A4B9506}"/>
+              </a:ext>
+            </a:extLst>
+          </p:cNvPr>
+          <p:cNvSpPr txBox="1"/>
+          <p:nvPr/>
+        </p:nvSpPr>
+        <p:spPr>
+          <a:xfrm>
+            <a:off x="5794390" y="3375185"/>
+            <a:ext cx="619030" cy="307777"/>
+          </a:xfrm>
+          <a:prstGeom prst="rect">
+            <a:avLst/>
+          </a:prstGeom>
+          <a:noFill/>
+        </p:spPr>
+        <p:txBody>
+          <a:bodyPr wrap="square" rtlCol="0">
+            <a:spAutoFit/>
+          </a:bodyPr>
+          <a:lstStyle/>
+          <a:p>
+            <a:r>
+              <a:rPr lang="en-US" altLang="zh-CN" sz="1400" dirty="0">
+                <a:solidFill>
+                  <a:srgbClr val="383B55"/>
+                </a:solidFill>
+                <a:latin typeface="Helvetica" pitchFamily="2" charset="0"/>
+              </a:rPr>
+              <a:t>P3</a:t>
+            </a:r>
+            <a:endParaRPr lang="zh-CN" altLang="en-US" sz="1400" dirty="0">
+              <a:solidFill>
+                <a:srgbClr val="383B55"/>
+              </a:solidFill>
+              <a:latin typeface="Helvetica" pitchFamily="2" charset="0"/>
+            </a:endParaRPr>
+          </a:p>
+        </p:txBody>
+      </p:sp>
+      <p:sp>
+        <p:nvSpPr>
+          <p:cNvPr id="41" name="文本框 40">
+            <a:extLst>
+              <a:ext uri="{FF2B5EF4-FFF2-40B4-BE49-F238E27FC236}">
+                <a16:creationId xmlns:a16="http://schemas.microsoft.com/office/drawing/2014/main" id="{39995D7C-DDF3-425A-AE99-F1849EABC2AD}"/>
+              </a:ext>
+            </a:extLst>
+          </p:cNvPr>
+          <p:cNvSpPr txBox="1"/>
+          <p:nvPr/>
+        </p:nvSpPr>
+        <p:spPr>
+          <a:xfrm>
+            <a:off x="7169391" y="2706182"/>
+            <a:ext cx="619030" cy="307777"/>
+          </a:xfrm>
+          <a:prstGeom prst="rect">
+            <a:avLst/>
+          </a:prstGeom>
+          <a:noFill/>
+        </p:spPr>
+        <p:txBody>
+          <a:bodyPr wrap="square" rtlCol="0">
+            <a:spAutoFit/>
+          </a:bodyPr>
+          <a:lstStyle/>
+          <a:p>
+            <a:r>
+              <a:rPr lang="en-US" altLang="zh-CN" sz="1400" dirty="0">
+                <a:solidFill>
+                  <a:srgbClr val="383B55"/>
+                </a:solidFill>
+                <a:latin typeface="Helvetica" pitchFamily="2" charset="0"/>
+              </a:rPr>
+              <a:t>P4</a:t>
+            </a:r>
+            <a:endParaRPr lang="zh-CN" altLang="en-US" sz="1400" dirty="0">
+              <a:solidFill>
+                <a:srgbClr val="383B55"/>
+              </a:solidFill>
+              <a:latin typeface="Helvetica" pitchFamily="2" charset="0"/>
+            </a:endParaRPr>
+          </a:p>
+        </p:txBody>
+      </p:sp>
+      <p:cxnSp>
+        <p:nvCxnSpPr>
+          <p:cNvPr id="9" name="直接连接符 8">
+            <a:extLst>
+              <a:ext uri="{FF2B5EF4-FFF2-40B4-BE49-F238E27FC236}">
+                <a16:creationId xmlns:a16="http://schemas.microsoft.com/office/drawing/2014/main" id="{6337E8AF-8CB3-47F9-84B3-68130B55ED06}"/>
+              </a:ext>
+            </a:extLst>
+          </p:cNvPr>
+          <p:cNvCxnSpPr>
+            <a:cxnSpLocks/>
+          </p:cNvCxnSpPr>
+          <p:nvPr/>
+        </p:nvCxnSpPr>
+        <p:spPr>
+          <a:xfrm>
+            <a:off x="3280390" y="4638441"/>
+            <a:ext cx="332839" cy="350303"/>
+          </a:xfrm>
+          <a:prstGeom prst="line">
+            <a:avLst/>
+          </a:prstGeom>
+          <a:ln>
+            <a:solidFill>
+              <a:srgbClr val="92D050"/>
+            </a:solidFill>
+          </a:ln>
+        </p:spPr>
+        <p:style>
+          <a:lnRef idx="1">
+            <a:schemeClr val="accent1"/>
+          </a:lnRef>
+          <a:fillRef idx="0">
+            <a:schemeClr val="accent1"/>
+          </a:fillRef>
+          <a:effectRef idx="0">
+            <a:schemeClr val="accent1"/>
+          </a:effectRef>
+          <a:fontRef idx="minor">
+            <a:schemeClr val="tx1"/>
+          </a:fontRef>
+        </p:style>
+      </p:cxnSp>
+      <p:cxnSp>
+        <p:nvCxnSpPr>
+          <p:cNvPr id="50" name="直接连接符 49">
+            <a:extLst>
+              <a:ext uri="{FF2B5EF4-FFF2-40B4-BE49-F238E27FC236}">
+                <a16:creationId xmlns:a16="http://schemas.microsoft.com/office/drawing/2014/main" id="{96AFD136-6FFB-460B-86EA-FBE37471C3E3}"/>
+              </a:ext>
+            </a:extLst>
+          </p:cNvPr>
+          <p:cNvCxnSpPr>
+            <a:cxnSpLocks/>
+          </p:cNvCxnSpPr>
+          <p:nvPr/>
+        </p:nvCxnSpPr>
+        <p:spPr>
+          <a:xfrm>
+            <a:off x="3406739" y="4346391"/>
+            <a:ext cx="536274" cy="634323"/>
+          </a:xfrm>
+          <a:prstGeom prst="line">
+            <a:avLst/>
+          </a:prstGeom>
+          <a:ln>
+            <a:solidFill>
+              <a:srgbClr val="92D050"/>
+            </a:solidFill>
+          </a:ln>
+        </p:spPr>
+        <p:style>
+          <a:lnRef idx="1">
+            <a:schemeClr val="accent1"/>
+          </a:lnRef>
+          <a:fillRef idx="0">
+            <a:schemeClr val="accent1"/>
+          </a:fillRef>
+          <a:effectRef idx="0">
+            <a:schemeClr val="accent1"/>
+          </a:effectRef>
+          <a:fontRef idx="minor">
+            <a:schemeClr val="tx1"/>
+          </a:fontRef>
+        </p:style>
+      </p:cxnSp>
+      <p:cxnSp>
+        <p:nvCxnSpPr>
+          <p:cNvPr id="53" name="直接连接符 52">
+            <a:extLst>
+              <a:ext uri="{FF2B5EF4-FFF2-40B4-BE49-F238E27FC236}">
+                <a16:creationId xmlns:a16="http://schemas.microsoft.com/office/drawing/2014/main" id="{98FEC45E-11E6-439E-9C79-7CE0DC91532D}"/>
+              </a:ext>
+            </a:extLst>
+          </p:cNvPr>
+          <p:cNvCxnSpPr>
+            <a:cxnSpLocks/>
+            <a:stCxn id="37" idx="5"/>
+          </p:cNvCxnSpPr>
+          <p:nvPr/>
+        </p:nvCxnSpPr>
+        <p:spPr>
+          <a:xfrm>
+            <a:off x="3295947" y="4434912"/>
+            <a:ext cx="492530" cy="545802"/>
+          </a:xfrm>
+          <a:prstGeom prst="line">
+            <a:avLst/>
+          </a:prstGeom>
+          <a:ln>
+            <a:solidFill>
+              <a:srgbClr val="92D050"/>
+            </a:solidFill>
+          </a:ln>
+        </p:spPr>
+        <p:style>
+          <a:lnRef idx="1">
+            <a:schemeClr val="accent1"/>
+          </a:lnRef>
+          <a:fillRef idx="0">
+            <a:schemeClr val="accent1"/>
+          </a:fillRef>
+          <a:effectRef idx="0">
+            <a:schemeClr val="accent1"/>
+          </a:effectRef>
+          <a:fontRef idx="minor">
+            <a:schemeClr val="tx1"/>
+          </a:fontRef>
+        </p:style>
+      </p:cxnSp>
+      <p:cxnSp>
+        <p:nvCxnSpPr>
+          <p:cNvPr id="54" name="直接连接符 53">
+            <a:extLst>
+              <a:ext uri="{FF2B5EF4-FFF2-40B4-BE49-F238E27FC236}">
+                <a16:creationId xmlns:a16="http://schemas.microsoft.com/office/drawing/2014/main" id="{5A969457-86E2-458B-93D4-0FFDB1D11F04}"/>
+              </a:ext>
+            </a:extLst>
+          </p:cNvPr>
+          <p:cNvCxnSpPr>
+            <a:cxnSpLocks/>
+          </p:cNvCxnSpPr>
+          <p:nvPr/>
+        </p:nvCxnSpPr>
+        <p:spPr>
+          <a:xfrm>
+            <a:off x="3541130" y="4292087"/>
+            <a:ext cx="614707" cy="716928"/>
+          </a:xfrm>
+          <a:prstGeom prst="line">
+            <a:avLst/>
+          </a:prstGeom>
+          <a:ln>
+            <a:solidFill>
+              <a:srgbClr val="92D050"/>
+            </a:solidFill>
+          </a:ln>
+        </p:spPr>
+        <p:style>
+          <a:lnRef idx="1">
+            <a:schemeClr val="accent1"/>
+          </a:lnRef>
+          <a:fillRef idx="0">
+            <a:schemeClr val="accent1"/>
+          </a:fillRef>
+          <a:effectRef idx="0">
+            <a:schemeClr val="accent1"/>
+          </a:effectRef>
+          <a:fontRef idx="minor">
+            <a:schemeClr val="tx1"/>
+          </a:fontRef>
+        </p:style>
+      </p:cxnSp>
+      <p:cxnSp>
+        <p:nvCxnSpPr>
+          <p:cNvPr id="55" name="直接连接符 54">
+            <a:extLst>
+              <a:ext uri="{FF2B5EF4-FFF2-40B4-BE49-F238E27FC236}">
+                <a16:creationId xmlns:a16="http://schemas.microsoft.com/office/drawing/2014/main" id="{C96AC6AF-E5B1-4CD7-A80E-98DE967D563D}"/>
+              </a:ext>
+            </a:extLst>
+          </p:cNvPr>
+          <p:cNvCxnSpPr>
+            <a:cxnSpLocks/>
+            <a:stCxn id="35" idx="3"/>
+          </p:cNvCxnSpPr>
+          <p:nvPr/>
+        </p:nvCxnSpPr>
+        <p:spPr>
+          <a:xfrm>
+            <a:off x="3697425" y="4223502"/>
+            <a:ext cx="624956" cy="767190"/>
+          </a:xfrm>
+          <a:prstGeom prst="line">
+            <a:avLst/>
+          </a:prstGeom>
+          <a:ln>
+            <a:solidFill>
+              <a:srgbClr val="92D050"/>
+            </a:solidFill>
+          </a:ln>
+        </p:spPr>
+        <p:style>
+          <a:lnRef idx="1">
+            <a:schemeClr val="accent1"/>
+          </a:lnRef>
+          <a:fillRef idx="0">
+            <a:schemeClr val="accent1"/>
+          </a:fillRef>
+          <a:effectRef idx="0">
+            <a:schemeClr val="accent1"/>
+          </a:effectRef>
+          <a:fontRef idx="minor">
+            <a:schemeClr val="tx1"/>
+          </a:fontRef>
+        </p:style>
+      </p:cxnSp>
+      <p:cxnSp>
+        <p:nvCxnSpPr>
+          <p:cNvPr id="56" name="直接连接符 55">
+            <a:extLst>
+              <a:ext uri="{FF2B5EF4-FFF2-40B4-BE49-F238E27FC236}">
+                <a16:creationId xmlns:a16="http://schemas.microsoft.com/office/drawing/2014/main" id="{CF8A2AA3-143E-4F98-A534-25217D5632FD}"/>
+              </a:ext>
+            </a:extLst>
+          </p:cNvPr>
+          <p:cNvCxnSpPr>
+            <a:cxnSpLocks/>
+          </p:cNvCxnSpPr>
+          <p:nvPr/>
+        </p:nvCxnSpPr>
+        <p:spPr>
+          <a:xfrm>
+            <a:off x="3866229" y="4148033"/>
+            <a:ext cx="632168" cy="854581"/>
+          </a:xfrm>
+          <a:prstGeom prst="line">
+            <a:avLst/>
+          </a:prstGeom>
+          <a:ln>
+            <a:solidFill>
+              <a:srgbClr val="92D050"/>
+            </a:solidFill>
+          </a:ln>
+        </p:spPr>
+        <p:style>
+          <a:lnRef idx="1">
+            <a:schemeClr val="accent1"/>
+          </a:lnRef>
+          <a:fillRef idx="0">
+            <a:schemeClr val="accent1"/>
+          </a:fillRef>
+          <a:effectRef idx="0">
+            <a:schemeClr val="accent1"/>
+          </a:effectRef>
+          <a:fontRef idx="minor">
+            <a:schemeClr val="tx1"/>
+          </a:fontRef>
+        </p:style>
+      </p:cxnSp>
+      <p:cxnSp>
+        <p:nvCxnSpPr>
+          <p:cNvPr id="57" name="直接连接符 56">
+            <a:extLst>
+              <a:ext uri="{FF2B5EF4-FFF2-40B4-BE49-F238E27FC236}">
+                <a16:creationId xmlns:a16="http://schemas.microsoft.com/office/drawing/2014/main" id="{4E72408E-B20D-4438-A962-1F6BD6C0C1F0}"/>
+              </a:ext>
+            </a:extLst>
+          </p:cNvPr>
+          <p:cNvCxnSpPr>
+            <a:cxnSpLocks/>
+          </p:cNvCxnSpPr>
+          <p:nvPr/>
+        </p:nvCxnSpPr>
+        <p:spPr>
+          <a:xfrm>
+            <a:off x="3260883" y="4817233"/>
+            <a:ext cx="178002" cy="176698"/>
+          </a:xfrm>
+          <a:prstGeom prst="line">
+            <a:avLst/>
+          </a:prstGeom>
+          <a:ln>
+            <a:solidFill>
+              <a:srgbClr val="92D050"/>
+            </a:solidFill>
+          </a:ln>
+        </p:spPr>
+        <p:style>
+          <a:lnRef idx="1">
+            <a:schemeClr val="accent1"/>
+          </a:lnRef>
+          <a:fillRef idx="0">
+            <a:schemeClr val="accent1"/>
+          </a:fillRef>
+          <a:effectRef idx="0">
+            <a:schemeClr val="accent1"/>
+          </a:effectRef>
+          <a:fontRef idx="minor">
+            <a:schemeClr val="tx1"/>
+          </a:fontRef>
+        </p:style>
+      </p:cxnSp>
+      <p:cxnSp>
+        <p:nvCxnSpPr>
+          <p:cNvPr id="58" name="直接连接符 57">
+            <a:extLst>
+              <a:ext uri="{FF2B5EF4-FFF2-40B4-BE49-F238E27FC236}">
+                <a16:creationId xmlns:a16="http://schemas.microsoft.com/office/drawing/2014/main" id="{C6B45F12-7BA9-4B0B-82FC-6952B980EEB6}"/>
+              </a:ext>
+            </a:extLst>
+          </p:cNvPr>
+          <p:cNvCxnSpPr>
+            <a:cxnSpLocks/>
+          </p:cNvCxnSpPr>
+          <p:nvPr/>
+        </p:nvCxnSpPr>
+        <p:spPr>
+          <a:xfrm>
+            <a:off x="4007333" y="4069613"/>
+            <a:ext cx="671570" cy="908671"/>
+          </a:xfrm>
+          <a:prstGeom prst="line">
+            <a:avLst/>
+          </a:prstGeom>
+          <a:ln>
+            <a:solidFill>
+              <a:srgbClr val="92D050"/>
+            </a:solidFill>
+          </a:ln>
+        </p:spPr>
+        <p:style>
+          <a:lnRef idx="1">
+            <a:schemeClr val="accent1"/>
+          </a:lnRef>
+          <a:fillRef idx="0">
+            <a:schemeClr val="accent1"/>
+          </a:fillRef>
+          <a:effectRef idx="0">
+            <a:schemeClr val="accent1"/>
+          </a:effectRef>
+          <a:fontRef idx="minor">
+            <a:schemeClr val="tx1"/>
+          </a:fontRef>
+        </p:style>
+      </p:cxnSp>
+      <p:cxnSp>
+        <p:nvCxnSpPr>
+          <p:cNvPr id="59" name="直接连接符 58">
+            <a:extLst>
+              <a:ext uri="{FF2B5EF4-FFF2-40B4-BE49-F238E27FC236}">
+                <a16:creationId xmlns:a16="http://schemas.microsoft.com/office/drawing/2014/main" id="{E1AF8B29-B28A-4ECE-BA23-524432276E3F}"/>
+              </a:ext>
+            </a:extLst>
+          </p:cNvPr>
+          <p:cNvCxnSpPr>
+            <a:cxnSpLocks/>
+          </p:cNvCxnSpPr>
+          <p:nvPr/>
+        </p:nvCxnSpPr>
+        <p:spPr>
+          <a:xfrm>
+            <a:off x="4184937" y="3997578"/>
+            <a:ext cx="673708" cy="972843"/>
+          </a:xfrm>
+          <a:prstGeom prst="line">
+            <a:avLst/>
+          </a:prstGeom>
+          <a:ln>
+            <a:solidFill>
+              <a:srgbClr val="92D050"/>
+            </a:solidFill>
+          </a:ln>
+        </p:spPr>
+        <p:style>
+          <a:lnRef idx="1">
+            <a:schemeClr val="accent1"/>
+          </a:lnRef>
+          <a:fillRef idx="0">
+            <a:schemeClr val="accent1"/>
+          </a:fillRef>
+          <a:effectRef idx="0">
+            <a:schemeClr val="accent1"/>
+          </a:effectRef>
+          <a:fontRef idx="minor">
+            <a:schemeClr val="tx1"/>
+          </a:fontRef>
+        </p:style>
+      </p:cxnSp>
+      <p:cxnSp>
+        <p:nvCxnSpPr>
+          <p:cNvPr id="60" name="直接连接符 59">
+            <a:extLst>
+              <a:ext uri="{FF2B5EF4-FFF2-40B4-BE49-F238E27FC236}">
+                <a16:creationId xmlns:a16="http://schemas.microsoft.com/office/drawing/2014/main" id="{8BDB8C1C-432F-4BC4-ACF4-2C2A41F0AFC4}"/>
+              </a:ext>
+            </a:extLst>
+          </p:cNvPr>
+          <p:cNvCxnSpPr>
+            <a:cxnSpLocks/>
+          </p:cNvCxnSpPr>
+          <p:nvPr/>
+        </p:nvCxnSpPr>
+        <p:spPr>
+          <a:xfrm>
+            <a:off x="4322381" y="3912094"/>
+            <a:ext cx="547830" cy="849237"/>
+          </a:xfrm>
+          <a:prstGeom prst="line">
+            <a:avLst/>
+          </a:prstGeom>
+          <a:ln>
+            <a:solidFill>
+              <a:srgbClr val="92D050"/>
+            </a:solidFill>
+          </a:ln>
+        </p:spPr>
+        <p:style>
+          <a:lnRef idx="1">
+            <a:schemeClr val="accent1"/>
+          </a:lnRef>
+          <a:fillRef idx="0">
+            <a:schemeClr val="accent1"/>
+          </a:fillRef>
+          <a:effectRef idx="0">
+            <a:schemeClr val="accent1"/>
+          </a:effectRef>
+          <a:fontRef idx="minor">
+            <a:schemeClr val="tx1"/>
+          </a:fontRef>
+        </p:style>
+      </p:cxnSp>
+      <p:sp>
+        <p:nvSpPr>
+          <p:cNvPr id="35" name="文本框 34">
+            <a:extLst>
+              <a:ext uri="{FF2B5EF4-FFF2-40B4-BE49-F238E27FC236}">
+                <a16:creationId xmlns:a16="http://schemas.microsoft.com/office/drawing/2014/main" id="{30056FFB-7CC0-4BBD-8DA4-6952DA1326E7}"/>
+              </a:ext>
+            </a:extLst>
+          </p:cNvPr>
+          <p:cNvSpPr txBox="1"/>
+          <p:nvPr/>
+        </p:nvSpPr>
+        <p:spPr>
+          <a:xfrm>
+            <a:off x="3078395" y="4069613"/>
+            <a:ext cx="619030" cy="307777"/>
+          </a:xfrm>
+          <a:prstGeom prst="rect">
+            <a:avLst/>
+          </a:prstGeom>
+          <a:noFill/>
+        </p:spPr>
+        <p:txBody>
+          <a:bodyPr wrap="square" rtlCol="0">
+            <a:spAutoFit/>
+          </a:bodyPr>
+          <a:lstStyle/>
+          <a:p>
+            <a:r>
+              <a:rPr lang="en-US" altLang="zh-CN" sz="1400" dirty="0">
+                <a:solidFill>
+                  <a:srgbClr val="383B55"/>
+                </a:solidFill>
+                <a:latin typeface="Helvetica" pitchFamily="2" charset="0"/>
+              </a:rPr>
+              <a:t>P1</a:t>
+            </a:r>
+            <a:endParaRPr lang="zh-CN" altLang="en-US" sz="1400" dirty="0">
+              <a:solidFill>
+                <a:srgbClr val="383B55"/>
+              </a:solidFill>
+              <a:latin typeface="Helvetica" pitchFamily="2" charset="0"/>
+            </a:endParaRPr>
+          </a:p>
+        </p:txBody>
+      </p:sp>
+      <p:sp>
+        <p:nvSpPr>
+          <p:cNvPr id="37" name="椭圆 36">
+            <a:extLst>
+              <a:ext uri="{FF2B5EF4-FFF2-40B4-BE49-F238E27FC236}">
+                <a16:creationId xmlns:a16="http://schemas.microsoft.com/office/drawing/2014/main" id="{F25F4EDD-FA61-45F3-B2B1-E3F30C05E4F0}"/>
+              </a:ext>
+            </a:extLst>
+          </p:cNvPr>
+          <p:cNvSpPr/>
+          <p:nvPr/>
+        </p:nvSpPr>
+        <p:spPr>
+          <a:xfrm>
+            <a:off x="3199396" y="4335794"/>
+            <a:ext cx="113116" cy="116124"/>
+          </a:xfrm>
+          <a:prstGeom prst="ellipse">
+            <a:avLst/>
+          </a:prstGeom>
+          <a:solidFill>
+            <a:srgbClr val="C00000"/>
+          </a:solidFill>
+        </p:spPr>
+        <p:style>
+          <a:lnRef idx="2">
+            <a:schemeClr val="accent1">
+              <a:shade val="50000"/>
+            </a:schemeClr>
+          </a:lnRef>
+          <a:fillRef idx="1">
+            <a:schemeClr val="accent1"/>
+          </a:fillRef>
+          <a:effectRef idx="0">
+            <a:schemeClr val="accent1"/>
+          </a:effectRef>
+          <a:fontRef idx="minor">
+            <a:schemeClr val="lt1"/>
+          </a:fontRef>
+        </p:style>
+        <p:txBody>
+          <a:bodyPr rtlCol="0" anchor="ctr"/>
+          <a:lstStyle/>
+          <a:p>
+            <a:pPr algn="ctr"/>
+            <a:endParaRPr lang="zh-CN" altLang="en-US">
+              <a:solidFill>
+                <a:srgbClr val="FF0000"/>
+              </a:solidFill>
+            </a:endParaRPr>
+          </a:p>
+        </p:txBody>
+      </p:sp>
+      <p:cxnSp>
+        <p:nvCxnSpPr>
+          <p:cNvPr id="42" name="直接连接符 41">
+            <a:extLst>
+              <a:ext uri="{FF2B5EF4-FFF2-40B4-BE49-F238E27FC236}">
+                <a16:creationId xmlns:a16="http://schemas.microsoft.com/office/drawing/2014/main" id="{4252332C-76EB-44A3-8A6F-8575D1B46261}"/>
+              </a:ext>
+            </a:extLst>
+          </p:cNvPr>
+          <p:cNvCxnSpPr>
+            <a:cxnSpLocks/>
+          </p:cNvCxnSpPr>
+          <p:nvPr/>
+        </p:nvCxnSpPr>
+        <p:spPr>
+          <a:xfrm>
+            <a:off x="4473783" y="3873822"/>
+            <a:ext cx="403794" cy="618874"/>
+          </a:xfrm>
+          <a:prstGeom prst="line">
+            <a:avLst/>
+          </a:prstGeom>
+          <a:ln>
+            <a:solidFill>
+              <a:srgbClr val="92D050"/>
+            </a:solidFill>
+          </a:ln>
+        </p:spPr>
+        <p:style>
+          <a:lnRef idx="1">
+            <a:schemeClr val="accent1"/>
+          </a:lnRef>
+          <a:fillRef idx="0">
+            <a:schemeClr val="accent1"/>
+          </a:fillRef>
+          <a:effectRef idx="0">
+            <a:schemeClr val="accent1"/>
+          </a:effectRef>
+          <a:fontRef idx="minor">
+            <a:schemeClr val="tx1"/>
+          </a:fontRef>
+        </p:style>
+      </p:cxnSp>
+      <p:cxnSp>
+        <p:nvCxnSpPr>
+          <p:cNvPr id="45" name="直接连接符 44">
+            <a:extLst>
+              <a:ext uri="{FF2B5EF4-FFF2-40B4-BE49-F238E27FC236}">
+                <a16:creationId xmlns:a16="http://schemas.microsoft.com/office/drawing/2014/main" id="{B30AACF4-3B27-4B3A-88BF-7674C36064E6}"/>
+              </a:ext>
+            </a:extLst>
+          </p:cNvPr>
+          <p:cNvCxnSpPr>
+            <a:cxnSpLocks/>
+          </p:cNvCxnSpPr>
+          <p:nvPr/>
+        </p:nvCxnSpPr>
+        <p:spPr>
+          <a:xfrm>
+            <a:off x="4610966" y="3813318"/>
+            <a:ext cx="266611" cy="446983"/>
+          </a:xfrm>
+          <a:prstGeom prst="line">
+            <a:avLst/>
+          </a:prstGeom>
+          <a:ln>
+            <a:solidFill>
+              <a:srgbClr val="92D050"/>
+            </a:solidFill>
+          </a:ln>
+        </p:spPr>
+        <p:style>
+          <a:lnRef idx="1">
+            <a:schemeClr val="accent1"/>
+          </a:lnRef>
+          <a:fillRef idx="0">
+            <a:schemeClr val="accent1"/>
+          </a:fillRef>
+          <a:effectRef idx="0">
+            <a:schemeClr val="accent1"/>
+          </a:effectRef>
+          <a:fontRef idx="minor">
+            <a:schemeClr val="tx1"/>
+          </a:fontRef>
+        </p:style>
+      </p:cxnSp>
+      <p:cxnSp>
+        <p:nvCxnSpPr>
+          <p:cNvPr id="61" name="直接连接符 60">
+            <a:extLst>
+              <a:ext uri="{FF2B5EF4-FFF2-40B4-BE49-F238E27FC236}">
+                <a16:creationId xmlns:a16="http://schemas.microsoft.com/office/drawing/2014/main" id="{8A5FA6D8-E91F-40A6-BEAB-2C7669505C60}"/>
+              </a:ext>
+            </a:extLst>
+          </p:cNvPr>
+          <p:cNvCxnSpPr>
+            <a:cxnSpLocks/>
+          </p:cNvCxnSpPr>
+          <p:nvPr/>
+        </p:nvCxnSpPr>
+        <p:spPr>
+          <a:xfrm>
+            <a:off x="4726892" y="3740339"/>
+            <a:ext cx="157837" cy="249376"/>
+          </a:xfrm>
+          <a:prstGeom prst="line">
+            <a:avLst/>
+          </a:prstGeom>
+          <a:ln>
+            <a:solidFill>
+              <a:srgbClr val="92D050"/>
+            </a:solidFill>
+          </a:ln>
+        </p:spPr>
+        <p:style>
+          <a:lnRef idx="1">
+            <a:schemeClr val="accent1"/>
+          </a:lnRef>
+          <a:fillRef idx="0">
+            <a:schemeClr val="accent1"/>
+          </a:fillRef>
+          <a:effectRef idx="0">
+            <a:schemeClr val="accent1"/>
+          </a:effectRef>
+          <a:fontRef idx="minor">
+            <a:schemeClr val="tx1"/>
+          </a:fontRef>
+        </p:style>
+      </p:cxnSp>
+    </p:spTree>
+    <p:extLst>
+      <p:ext uri="{BB962C8B-B14F-4D97-AF65-F5344CB8AC3E}">
+        <p14:creationId xmlns:p14="http://schemas.microsoft.com/office/powerpoint/2010/main" val="1942638390"/>
+      </p:ext>
+    </p:extLst>
+  </p:cSld>
+  <p:clrMapOvr>
+    <a:masterClrMapping/>
+  </p:clrMapOvr>
+</p:sld>
+</file>
+
+<file path=ppt/slides/slide16.xml><?xml version="1.0" encoding="utf-8"?>
+<p:sld xmlns:a="http://schemas.openxmlformats.org/drawingml/2006/main" xmlns:r="http://schemas.openxmlformats.org/officeDocument/2006/relationships" xmlns:p="http://schemas.openxmlformats.org/presentationml/2006/main">
+  <p:cSld>
+    <p:spTree>
+      <p:nvGrpSpPr>
+        <p:cNvPr id="1" name=""/>
+        <p:cNvGrpSpPr/>
+        <p:nvPr/>
+      </p:nvGrpSpPr>
+      <p:grpSpPr>
+        <a:xfrm>
+          <a:off x="0" y="0"/>
+          <a:ext cx="0" cy="0"/>
+          <a:chOff x="0" y="0"/>
+          <a:chExt cx="0" cy="0"/>
+        </a:xfrm>
+      </p:grpSpPr>
+      <p:sp>
+        <p:nvSpPr>
+          <p:cNvPr id="162" name="文本框 161">
+            <a:extLst>
+              <a:ext uri="{FF2B5EF4-FFF2-40B4-BE49-F238E27FC236}">
+                <a16:creationId xmlns:a16="http://schemas.microsoft.com/office/drawing/2014/main" id="{0C67B73E-FEE6-C640-BAA2-89E8C784202E}"/>
+              </a:ext>
+            </a:extLst>
+          </p:cNvPr>
+          <p:cNvSpPr txBox="1"/>
+          <p:nvPr/>
+        </p:nvSpPr>
+        <p:spPr>
+          <a:xfrm>
+            <a:off x="233655" y="61959"/>
+            <a:ext cx="2837636" cy="369332"/>
+          </a:xfrm>
+          <a:prstGeom prst="rect">
+            <a:avLst/>
+          </a:prstGeom>
+          <a:noFill/>
+        </p:spPr>
+        <p:txBody>
+          <a:bodyPr wrap="none" rtlCol="0">
+            <a:spAutoFit/>
+          </a:bodyPr>
+          <a:lstStyle/>
+          <a:p>
+            <a:r>
+              <a:rPr kumimoji="1" lang="en-US" altLang="zh-CN" dirty="0"/>
+              <a:t>electric_power_logic_5.png</a:t>
+            </a:r>
+            <a:endParaRPr kumimoji="1" lang="zh-CN" altLang="en-US" dirty="0"/>
+          </a:p>
+        </p:txBody>
+      </p:sp>
+      <p:grpSp>
+        <p:nvGrpSpPr>
+          <p:cNvPr id="2" name="组合 1">
+            <a:extLst>
+              <a:ext uri="{FF2B5EF4-FFF2-40B4-BE49-F238E27FC236}">
+                <a16:creationId xmlns:a16="http://schemas.microsoft.com/office/drawing/2014/main" id="{71D9B266-E349-449C-8959-08D4FEA5E01B}"/>
+              </a:ext>
+            </a:extLst>
+          </p:cNvPr>
+          <p:cNvGrpSpPr/>
+          <p:nvPr/>
+        </p:nvGrpSpPr>
+        <p:grpSpPr>
+          <a:xfrm>
+            <a:off x="2188497" y="1564640"/>
+            <a:ext cx="7313720" cy="3770290"/>
+            <a:chOff x="2188497" y="1564640"/>
+            <a:chExt cx="7313720" cy="3770290"/>
+          </a:xfrm>
+        </p:grpSpPr>
+        <p:cxnSp>
+          <p:nvCxnSpPr>
+            <p:cNvPr id="22" name="直接连接符 21">
+              <a:extLst>
+                <a:ext uri="{FF2B5EF4-FFF2-40B4-BE49-F238E27FC236}">
+                  <a16:creationId xmlns:a16="http://schemas.microsoft.com/office/drawing/2014/main" id="{96DE7B79-D7CB-438E-9952-372D578C1A1B}"/>
+                </a:ext>
+              </a:extLst>
+            </p:cNvPr>
+            <p:cNvCxnSpPr>
+              <a:cxnSpLocks/>
+            </p:cNvCxnSpPr>
+            <p:nvPr/>
+          </p:nvCxnSpPr>
+          <p:spPr>
+            <a:xfrm flipV="1">
+              <a:off x="4893136" y="3658535"/>
+              <a:ext cx="1262540" cy="1291"/>
+            </a:xfrm>
+            <a:prstGeom prst="line">
+              <a:avLst/>
+            </a:prstGeom>
+            <a:ln w="19050">
+              <a:solidFill>
+                <a:srgbClr val="A2A5BC"/>
+              </a:solidFill>
+            </a:ln>
+          </p:spPr>
+          <p:style>
+            <a:lnRef idx="1">
+              <a:schemeClr val="accent3"/>
+            </a:lnRef>
+            <a:fillRef idx="0">
+              <a:schemeClr val="accent3"/>
+            </a:fillRef>
+            <a:effectRef idx="0">
+              <a:schemeClr val="accent3"/>
+            </a:effectRef>
+            <a:fontRef idx="minor">
+              <a:schemeClr val="tx1"/>
+            </a:fontRef>
+          </p:style>
+        </p:cxnSp>
+        <p:cxnSp>
+          <p:nvCxnSpPr>
+            <p:cNvPr id="36" name="直接连接符 35">
+              <a:extLst>
+                <a:ext uri="{FF2B5EF4-FFF2-40B4-BE49-F238E27FC236}">
+                  <a16:creationId xmlns:a16="http://schemas.microsoft.com/office/drawing/2014/main" id="{C286A3AC-A3A7-4BC1-9571-1831EE33C9B0}"/>
+                </a:ext>
+              </a:extLst>
+            </p:cNvPr>
+            <p:cNvCxnSpPr>
+              <a:cxnSpLocks/>
+            </p:cNvCxnSpPr>
+            <p:nvPr/>
+          </p:nvCxnSpPr>
+          <p:spPr>
+            <a:xfrm flipH="1" flipV="1">
+              <a:off x="4889143" y="3649536"/>
+              <a:ext cx="3994" cy="1336996"/>
+            </a:xfrm>
+            <a:prstGeom prst="line">
+              <a:avLst/>
+            </a:prstGeom>
+            <a:ln w="9525" cap="flat" cmpd="sng" algn="ctr">
+              <a:solidFill>
+                <a:srgbClr val="BCBDD1"/>
+              </a:solidFill>
+              <a:prstDash val="dash"/>
+              <a:round/>
+              <a:headEnd type="none" w="med" len="med"/>
+              <a:tailEnd type="none" w="med" len="med"/>
+            </a:ln>
+          </p:spPr>
+          <p:style>
+            <a:lnRef idx="0">
+              <a:scrgbClr r="0" g="0" b="0"/>
+            </a:lnRef>
+            <a:fillRef idx="0">
+              <a:scrgbClr r="0" g="0" b="0"/>
+            </a:fillRef>
+            <a:effectRef idx="0">
+              <a:scrgbClr r="0" g="0" b="0"/>
+            </a:effectRef>
+            <a:fontRef idx="minor">
+              <a:schemeClr val="tx1"/>
+            </a:fontRef>
+          </p:style>
+        </p:cxnSp>
+        <p:cxnSp>
+          <p:nvCxnSpPr>
+            <p:cNvPr id="43" name="直接连接符 42">
+              <a:extLst>
+                <a:ext uri="{FF2B5EF4-FFF2-40B4-BE49-F238E27FC236}">
+                  <a16:creationId xmlns:a16="http://schemas.microsoft.com/office/drawing/2014/main" id="{CFFA8B02-5C83-4D1C-80E5-507A4309A57A}"/>
+                </a:ext>
+              </a:extLst>
+            </p:cNvPr>
+            <p:cNvCxnSpPr>
+              <a:cxnSpLocks/>
+            </p:cNvCxnSpPr>
+            <p:nvPr/>
+          </p:nvCxnSpPr>
+          <p:spPr>
+            <a:xfrm flipV="1">
+              <a:off x="7522716" y="3017605"/>
+              <a:ext cx="0" cy="1962629"/>
+            </a:xfrm>
+            <a:prstGeom prst="line">
+              <a:avLst/>
+            </a:prstGeom>
+            <a:ln w="9525" cap="flat" cmpd="sng" algn="ctr">
+              <a:solidFill>
+                <a:srgbClr val="BCBDD1"/>
+              </a:solidFill>
+              <a:prstDash val="dash"/>
+              <a:round/>
+              <a:headEnd type="none" w="med" len="med"/>
+              <a:tailEnd type="none" w="med" len="med"/>
+            </a:ln>
+          </p:spPr>
+          <p:style>
+            <a:lnRef idx="0">
+              <a:scrgbClr r="0" g="0" b="0"/>
+            </a:lnRef>
+            <a:fillRef idx="0">
+              <a:scrgbClr r="0" g="0" b="0"/>
+            </a:fillRef>
+            <a:effectRef idx="0">
+              <a:scrgbClr r="0" g="0" b="0"/>
+            </a:effectRef>
+            <a:fontRef idx="minor">
+              <a:schemeClr val="tx1"/>
+            </a:fontRef>
+          </p:style>
+        </p:cxnSp>
+        <p:cxnSp>
+          <p:nvCxnSpPr>
+            <p:cNvPr id="13" name="直接连接符 12">
+              <a:extLst>
+                <a:ext uri="{FF2B5EF4-FFF2-40B4-BE49-F238E27FC236}">
+                  <a16:creationId xmlns:a16="http://schemas.microsoft.com/office/drawing/2014/main" id="{EEAA132D-85BE-41F7-902D-87670CB1B230}"/>
+                </a:ext>
+              </a:extLst>
+            </p:cNvPr>
+            <p:cNvCxnSpPr>
+              <a:cxnSpLocks/>
+            </p:cNvCxnSpPr>
+            <p:nvPr/>
+          </p:nvCxnSpPr>
+          <p:spPr>
+            <a:xfrm flipV="1">
+              <a:off x="3251763" y="3666403"/>
+              <a:ext cx="1643792" cy="740809"/>
+            </a:xfrm>
+            <a:prstGeom prst="line">
+              <a:avLst/>
+            </a:prstGeom>
+            <a:ln w="19050">
+              <a:solidFill>
+                <a:srgbClr val="A2A5BC"/>
+              </a:solidFill>
+            </a:ln>
+          </p:spPr>
+          <p:style>
+            <a:lnRef idx="1">
+              <a:schemeClr val="accent3"/>
+            </a:lnRef>
+            <a:fillRef idx="0">
+              <a:schemeClr val="accent3"/>
+            </a:fillRef>
+            <a:effectRef idx="0">
+              <a:schemeClr val="accent3"/>
+            </a:effectRef>
+            <a:fontRef idx="minor">
+              <a:schemeClr val="tx1"/>
+            </a:fontRef>
+          </p:style>
+        </p:cxnSp>
+        <p:cxnSp>
+          <p:nvCxnSpPr>
+            <p:cNvPr id="66" name="直线箭头连接符 162">
+              <a:extLst>
+                <a:ext uri="{FF2B5EF4-FFF2-40B4-BE49-F238E27FC236}">
+                  <a16:creationId xmlns:a16="http://schemas.microsoft.com/office/drawing/2014/main" id="{EFE36EB3-FB49-45F4-877E-B2C8EBAB5F98}"/>
+                </a:ext>
+              </a:extLst>
+            </p:cNvPr>
+            <p:cNvCxnSpPr>
+              <a:cxnSpLocks/>
+            </p:cNvCxnSpPr>
+            <p:nvPr/>
+          </p:nvCxnSpPr>
+          <p:spPr>
+            <a:xfrm flipV="1">
+              <a:off x="2407948" y="4993726"/>
+              <a:ext cx="6057320" cy="8888"/>
+            </a:xfrm>
+            <a:prstGeom prst="straightConnector1">
+              <a:avLst/>
+            </a:prstGeom>
+            <a:ln w="19050">
+              <a:solidFill>
+                <a:srgbClr val="A2A5BC"/>
+              </a:solidFill>
+              <a:tailEnd type="triangle"/>
+            </a:ln>
+          </p:spPr>
+          <p:style>
+            <a:lnRef idx="1">
+              <a:schemeClr val="accent1"/>
+            </a:lnRef>
+            <a:fillRef idx="0">
+              <a:schemeClr val="accent1"/>
+            </a:fillRef>
+            <a:effectRef idx="0">
+              <a:schemeClr val="accent1"/>
+            </a:effectRef>
+            <a:fontRef idx="minor">
+              <a:schemeClr val="tx1"/>
+            </a:fontRef>
+          </p:style>
+        </p:cxnSp>
+        <p:cxnSp>
+          <p:nvCxnSpPr>
+            <p:cNvPr id="72" name="直线箭头连接符 162">
+              <a:extLst>
+                <a:ext uri="{FF2B5EF4-FFF2-40B4-BE49-F238E27FC236}">
+                  <a16:creationId xmlns:a16="http://schemas.microsoft.com/office/drawing/2014/main" id="{A69BEB5B-0897-4C6C-9EAF-CAC3C377C2FB}"/>
+                </a:ext>
+              </a:extLst>
+            </p:cNvPr>
+            <p:cNvCxnSpPr>
+              <a:cxnSpLocks/>
+            </p:cNvCxnSpPr>
+            <p:nvPr/>
+          </p:nvCxnSpPr>
+          <p:spPr>
+            <a:xfrm flipV="1">
+              <a:off x="2407948" y="1876425"/>
+              <a:ext cx="0" cy="3126193"/>
+            </a:xfrm>
+            <a:prstGeom prst="straightConnector1">
+              <a:avLst/>
+            </a:prstGeom>
+            <a:ln w="19050">
+              <a:solidFill>
+                <a:srgbClr val="A2A5BC"/>
+              </a:solidFill>
+              <a:tailEnd type="triangle"/>
+            </a:ln>
+          </p:spPr>
+          <p:style>
+            <a:lnRef idx="1">
+              <a:schemeClr val="accent1"/>
+            </a:lnRef>
+            <a:fillRef idx="0">
+              <a:schemeClr val="accent1"/>
+            </a:fillRef>
+            <a:effectRef idx="0">
+              <a:schemeClr val="accent1"/>
+            </a:effectRef>
+            <a:fontRef idx="minor">
+              <a:schemeClr val="tx1"/>
+            </a:fontRef>
+          </p:style>
+        </p:cxnSp>
+        <p:sp>
+          <p:nvSpPr>
+            <p:cNvPr id="78" name="文本框 77">
+              <a:extLst>
+                <a:ext uri="{FF2B5EF4-FFF2-40B4-BE49-F238E27FC236}">
+                  <a16:creationId xmlns:a16="http://schemas.microsoft.com/office/drawing/2014/main" id="{8F124729-F0CF-4F07-834D-1553534F6820}"/>
+                </a:ext>
+              </a:extLst>
+            </p:cNvPr>
+            <p:cNvSpPr txBox="1"/>
+            <p:nvPr/>
+          </p:nvSpPr>
+          <p:spPr>
+            <a:xfrm>
+              <a:off x="8465268" y="4832643"/>
+              <a:ext cx="1036949" cy="307777"/>
+            </a:xfrm>
+            <a:prstGeom prst="rect">
+              <a:avLst/>
+            </a:prstGeom>
+            <a:noFill/>
+          </p:spPr>
+          <p:txBody>
+            <a:bodyPr wrap="square" rtlCol="0">
+              <a:spAutoFit/>
+            </a:bodyPr>
+            <a:lstStyle/>
+            <a:p>
+              <a:r>
+                <a:rPr lang="en-US" altLang="zh-CN" sz="1400" dirty="0">
+                  <a:solidFill>
+                    <a:srgbClr val="383B55"/>
+                  </a:solidFill>
+                  <a:latin typeface="Helvetica" pitchFamily="2" charset="0"/>
+                </a:rPr>
+                <a:t>Time</a:t>
+              </a:r>
+              <a:endParaRPr lang="zh-CN" altLang="en-US" sz="1400" dirty="0">
+                <a:solidFill>
+                  <a:srgbClr val="383B55"/>
+                </a:solidFill>
+                <a:latin typeface="Helvetica" pitchFamily="2" charset="0"/>
+              </a:endParaRPr>
+            </a:p>
+          </p:txBody>
+        </p:sp>
+        <p:sp>
+          <p:nvSpPr>
+            <p:cNvPr id="113" name="文本框 112">
+              <a:extLst>
+                <a:ext uri="{FF2B5EF4-FFF2-40B4-BE49-F238E27FC236}">
+                  <a16:creationId xmlns:a16="http://schemas.microsoft.com/office/drawing/2014/main" id="{2E6EE703-C252-476D-BDC9-66AAE159E735}"/>
+                </a:ext>
+              </a:extLst>
+            </p:cNvPr>
+            <p:cNvSpPr txBox="1"/>
+            <p:nvPr/>
+          </p:nvSpPr>
+          <p:spPr>
+            <a:xfrm>
+              <a:off x="3131097" y="5025919"/>
+              <a:ext cx="619030" cy="307777"/>
+            </a:xfrm>
+            <a:prstGeom prst="rect">
+              <a:avLst/>
+            </a:prstGeom>
+            <a:noFill/>
+          </p:spPr>
+          <p:txBody>
+            <a:bodyPr wrap="square" rtlCol="0">
+              <a:spAutoFit/>
+            </a:bodyPr>
+            <a:lstStyle/>
+            <a:p>
+              <a:r>
+                <a:rPr lang="en-US" altLang="zh-CN" sz="1400" dirty="0">
+                  <a:solidFill>
+                    <a:srgbClr val="383B55"/>
+                  </a:solidFill>
+                  <a:latin typeface="Helvetica" pitchFamily="2" charset="0"/>
+                </a:rPr>
+                <a:t>t1</a:t>
+              </a:r>
+              <a:endParaRPr lang="zh-CN" altLang="en-US" sz="1400" dirty="0">
+                <a:solidFill>
+                  <a:srgbClr val="383B55"/>
+                </a:solidFill>
+                <a:latin typeface="Helvetica" pitchFamily="2" charset="0"/>
+              </a:endParaRPr>
+            </a:p>
+          </p:txBody>
+        </p:sp>
+        <p:sp>
+          <p:nvSpPr>
+            <p:cNvPr id="114" name="文本框 113">
+              <a:extLst>
+                <a:ext uri="{FF2B5EF4-FFF2-40B4-BE49-F238E27FC236}">
+                  <a16:creationId xmlns:a16="http://schemas.microsoft.com/office/drawing/2014/main" id="{C80DFDE4-439A-41A0-9F50-EAC1AC0D7DC6}"/>
+                </a:ext>
+              </a:extLst>
+            </p:cNvPr>
+            <p:cNvSpPr txBox="1"/>
+            <p:nvPr/>
+          </p:nvSpPr>
+          <p:spPr>
+            <a:xfrm>
+              <a:off x="2188497" y="1564640"/>
+              <a:ext cx="1036949" cy="307777"/>
+            </a:xfrm>
+            <a:prstGeom prst="rect">
+              <a:avLst/>
+            </a:prstGeom>
+            <a:noFill/>
+          </p:spPr>
+          <p:txBody>
+            <a:bodyPr wrap="square" rtlCol="0">
+              <a:spAutoFit/>
+            </a:bodyPr>
+            <a:lstStyle/>
+            <a:p>
+              <a:r>
+                <a:rPr lang="en-US" altLang="zh-CN" sz="1400" dirty="0">
+                  <a:solidFill>
+                    <a:srgbClr val="383B55"/>
+                  </a:solidFill>
+                  <a:latin typeface="Helvetica" pitchFamily="2" charset="0"/>
+                </a:rPr>
+                <a:t>kW</a:t>
+              </a:r>
+              <a:endParaRPr lang="zh-CN" altLang="en-US" sz="1400" dirty="0">
+                <a:solidFill>
+                  <a:srgbClr val="383B55"/>
+                </a:solidFill>
+                <a:latin typeface="Helvetica" pitchFamily="2" charset="0"/>
+              </a:endParaRPr>
+            </a:p>
+          </p:txBody>
+        </p:sp>
+        <p:cxnSp>
+          <p:nvCxnSpPr>
+            <p:cNvPr id="123" name="直接连接符 122">
+              <a:extLst>
+                <a:ext uri="{FF2B5EF4-FFF2-40B4-BE49-F238E27FC236}">
+                  <a16:creationId xmlns:a16="http://schemas.microsoft.com/office/drawing/2014/main" id="{70CE16C6-DC1D-40C4-9BBD-3B969754DF72}"/>
+                </a:ext>
+              </a:extLst>
+            </p:cNvPr>
+            <p:cNvCxnSpPr>
+              <a:cxnSpLocks/>
+            </p:cNvCxnSpPr>
+            <p:nvPr/>
+          </p:nvCxnSpPr>
+          <p:spPr>
+            <a:xfrm flipH="1" flipV="1">
+              <a:off x="3246701" y="4039791"/>
+              <a:ext cx="14494" cy="946741"/>
+            </a:xfrm>
+            <a:prstGeom prst="line">
+              <a:avLst/>
+            </a:prstGeom>
+            <a:ln w="9525" cap="flat" cmpd="sng" algn="ctr">
+              <a:solidFill>
+                <a:srgbClr val="BCBDD1"/>
+              </a:solidFill>
+              <a:prstDash val="dash"/>
+              <a:round/>
+              <a:headEnd type="none" w="med" len="med"/>
+              <a:tailEnd type="none" w="med" len="med"/>
+            </a:ln>
+          </p:spPr>
+          <p:style>
+            <a:lnRef idx="0">
+              <a:scrgbClr r="0" g="0" b="0"/>
+            </a:lnRef>
+            <a:fillRef idx="0">
+              <a:scrgbClr r="0" g="0" b="0"/>
+            </a:fillRef>
+            <a:effectRef idx="0">
+              <a:scrgbClr r="0" g="0" b="0"/>
+            </a:effectRef>
+            <a:fontRef idx="minor">
+              <a:schemeClr val="tx1"/>
+            </a:fontRef>
+          </p:style>
+        </p:cxnSp>
+        <p:cxnSp>
+          <p:nvCxnSpPr>
+            <p:cNvPr id="124" name="直接连接符 123">
+              <a:extLst>
+                <a:ext uri="{FF2B5EF4-FFF2-40B4-BE49-F238E27FC236}">
+                  <a16:creationId xmlns:a16="http://schemas.microsoft.com/office/drawing/2014/main" id="{636CBF3A-B1BA-41BA-BEA3-EFD508A456F1}"/>
+                </a:ext>
+              </a:extLst>
+            </p:cNvPr>
+            <p:cNvCxnSpPr>
+              <a:cxnSpLocks/>
+              <a:endCxn id="44" idx="4"/>
+            </p:cNvCxnSpPr>
+            <p:nvPr/>
+          </p:nvCxnSpPr>
+          <p:spPr>
+            <a:xfrm flipV="1">
+              <a:off x="6158094" y="3696090"/>
+              <a:ext cx="2369" cy="1284144"/>
+            </a:xfrm>
+            <a:prstGeom prst="line">
+              <a:avLst/>
+            </a:prstGeom>
+            <a:ln w="9525" cap="flat" cmpd="sng" algn="ctr">
+              <a:solidFill>
+                <a:srgbClr val="BCBDD1"/>
+              </a:solidFill>
+              <a:prstDash val="dash"/>
+              <a:round/>
+              <a:headEnd type="none" w="med" len="med"/>
+              <a:tailEnd type="none" w="med" len="med"/>
+            </a:ln>
+          </p:spPr>
+          <p:style>
+            <a:lnRef idx="0">
+              <a:scrgbClr r="0" g="0" b="0"/>
+            </a:lnRef>
+            <a:fillRef idx="0">
+              <a:scrgbClr r="0" g="0" b="0"/>
+            </a:fillRef>
+            <a:effectRef idx="0">
+              <a:scrgbClr r="0" g="0" b="0"/>
+            </a:effectRef>
+            <a:fontRef idx="minor">
+              <a:schemeClr val="tx1"/>
+            </a:fontRef>
+          </p:style>
+        </p:cxnSp>
+        <p:sp>
+          <p:nvSpPr>
+            <p:cNvPr id="125" name="椭圆 124">
+              <a:extLst>
+                <a:ext uri="{FF2B5EF4-FFF2-40B4-BE49-F238E27FC236}">
+                  <a16:creationId xmlns:a16="http://schemas.microsoft.com/office/drawing/2014/main" id="{FEAA77F0-ADD8-4C6E-875B-AFA2F39D9DC1}"/>
+                </a:ext>
+              </a:extLst>
+            </p:cNvPr>
+            <p:cNvSpPr/>
+            <p:nvPr/>
+          </p:nvSpPr>
+          <p:spPr>
+            <a:xfrm>
+              <a:off x="4828171" y="3602369"/>
+              <a:ext cx="113116" cy="116124"/>
+            </a:xfrm>
+            <a:prstGeom prst="ellipse">
+              <a:avLst/>
+            </a:prstGeom>
+            <a:solidFill>
+              <a:srgbClr val="C00000"/>
+            </a:solidFill>
+          </p:spPr>
+          <p:style>
+            <a:lnRef idx="2">
+              <a:schemeClr val="accent1">
+                <a:shade val="50000"/>
+              </a:schemeClr>
+            </a:lnRef>
+            <a:fillRef idx="1">
+              <a:schemeClr val="accent1"/>
+            </a:fillRef>
+            <a:effectRef idx="0">
+              <a:schemeClr val="accent1"/>
+            </a:effectRef>
+            <a:fontRef idx="minor">
+              <a:schemeClr val="lt1"/>
+            </a:fontRef>
+          </p:style>
+          <p:txBody>
+            <a:bodyPr rtlCol="0" anchor="ctr"/>
+            <a:lstStyle/>
+            <a:p>
+              <a:pPr algn="ctr"/>
+              <a:endParaRPr lang="zh-CN" altLang="en-US">
+                <a:solidFill>
+                  <a:srgbClr val="FF0000"/>
+                </a:solidFill>
+              </a:endParaRPr>
+            </a:p>
+          </p:txBody>
+        </p:sp>
+        <p:cxnSp>
+          <p:nvCxnSpPr>
+            <p:cNvPr id="23" name="直接连接符 22">
+              <a:extLst>
+                <a:ext uri="{FF2B5EF4-FFF2-40B4-BE49-F238E27FC236}">
+                  <a16:creationId xmlns:a16="http://schemas.microsoft.com/office/drawing/2014/main" id="{68A328F7-798E-45AA-97AA-62FEFF70A4EA}"/>
+                </a:ext>
+              </a:extLst>
+            </p:cNvPr>
+            <p:cNvCxnSpPr>
+              <a:cxnSpLocks/>
+            </p:cNvCxnSpPr>
+            <p:nvPr/>
+          </p:nvCxnSpPr>
+          <p:spPr>
+            <a:xfrm flipV="1">
+              <a:off x="6211781" y="3017605"/>
+              <a:ext cx="1321415" cy="612690"/>
+            </a:xfrm>
+            <a:prstGeom prst="line">
+              <a:avLst/>
+            </a:prstGeom>
+            <a:ln w="19050">
+              <a:solidFill>
+                <a:srgbClr val="A2A5BC"/>
+              </a:solidFill>
+            </a:ln>
+          </p:spPr>
+          <p:style>
+            <a:lnRef idx="1">
+              <a:schemeClr val="accent3"/>
+            </a:lnRef>
+            <a:fillRef idx="0">
+              <a:schemeClr val="accent3"/>
+            </a:fillRef>
+            <a:effectRef idx="0">
+              <a:schemeClr val="accent3"/>
+            </a:effectRef>
+            <a:fontRef idx="minor">
+              <a:schemeClr val="tx1"/>
+            </a:fontRef>
+          </p:style>
+        </p:cxnSp>
+        <p:sp>
+          <p:nvSpPr>
+            <p:cNvPr id="29" name="文本框 28">
+              <a:extLst>
+                <a:ext uri="{FF2B5EF4-FFF2-40B4-BE49-F238E27FC236}">
+                  <a16:creationId xmlns:a16="http://schemas.microsoft.com/office/drawing/2014/main" id="{B6B17CB6-5D35-493D-A75C-9224E9C9B51C}"/>
+                </a:ext>
+              </a:extLst>
+            </p:cNvPr>
+            <p:cNvSpPr txBox="1"/>
+            <p:nvPr/>
+          </p:nvSpPr>
+          <p:spPr>
+            <a:xfrm>
+              <a:off x="4735097" y="5016116"/>
+              <a:ext cx="619030" cy="307777"/>
+            </a:xfrm>
+            <a:prstGeom prst="rect">
+              <a:avLst/>
+            </a:prstGeom>
+            <a:noFill/>
+          </p:spPr>
+          <p:txBody>
+            <a:bodyPr wrap="square" rtlCol="0">
+              <a:spAutoFit/>
+            </a:bodyPr>
+            <a:lstStyle/>
+            <a:p>
+              <a:r>
+                <a:rPr lang="en-US" altLang="zh-CN" sz="1400" dirty="0">
+                  <a:solidFill>
+                    <a:srgbClr val="383B55"/>
+                  </a:solidFill>
+                  <a:latin typeface="Helvetica" pitchFamily="2" charset="0"/>
+                </a:rPr>
+                <a:t>t2</a:t>
+              </a:r>
+              <a:endParaRPr lang="zh-CN" altLang="en-US" sz="1400" dirty="0">
+                <a:solidFill>
+                  <a:srgbClr val="383B55"/>
+                </a:solidFill>
+                <a:latin typeface="Helvetica" pitchFamily="2" charset="0"/>
+              </a:endParaRPr>
+            </a:p>
+          </p:txBody>
+        </p:sp>
+        <p:sp>
+          <p:nvSpPr>
+            <p:cNvPr id="30" name="文本框 29">
+              <a:extLst>
+                <a:ext uri="{FF2B5EF4-FFF2-40B4-BE49-F238E27FC236}">
+                  <a16:creationId xmlns:a16="http://schemas.microsoft.com/office/drawing/2014/main" id="{00F54373-EDC9-442B-8F87-7A46D59F255E}"/>
+                </a:ext>
+              </a:extLst>
+            </p:cNvPr>
+            <p:cNvSpPr txBox="1"/>
+            <p:nvPr/>
+          </p:nvSpPr>
+          <p:spPr>
+            <a:xfrm>
+              <a:off x="6029582" y="5016116"/>
+              <a:ext cx="619030" cy="307777"/>
+            </a:xfrm>
+            <a:prstGeom prst="rect">
+              <a:avLst/>
+            </a:prstGeom>
+            <a:noFill/>
+          </p:spPr>
+          <p:txBody>
+            <a:bodyPr wrap="square" rtlCol="0">
+              <a:spAutoFit/>
+            </a:bodyPr>
+            <a:lstStyle/>
+            <a:p>
+              <a:r>
+                <a:rPr lang="en-US" altLang="zh-CN" sz="1400" dirty="0">
+                  <a:solidFill>
+                    <a:srgbClr val="383B55"/>
+                  </a:solidFill>
+                  <a:latin typeface="Helvetica" pitchFamily="2" charset="0"/>
+                </a:rPr>
+                <a:t>t3</a:t>
+              </a:r>
+              <a:endParaRPr lang="zh-CN" altLang="en-US" sz="1400" dirty="0">
+                <a:solidFill>
+                  <a:srgbClr val="383B55"/>
+                </a:solidFill>
+                <a:latin typeface="Helvetica" pitchFamily="2" charset="0"/>
+              </a:endParaRPr>
+            </a:p>
+          </p:txBody>
+        </p:sp>
+        <p:sp>
+          <p:nvSpPr>
+            <p:cNvPr id="33" name="椭圆 32">
+              <a:extLst>
+                <a:ext uri="{FF2B5EF4-FFF2-40B4-BE49-F238E27FC236}">
+                  <a16:creationId xmlns:a16="http://schemas.microsoft.com/office/drawing/2014/main" id="{C708CD03-232B-47AE-AFBB-1BA0B9FA8257}"/>
+                </a:ext>
+              </a:extLst>
+            </p:cNvPr>
+            <p:cNvSpPr/>
+            <p:nvPr/>
+          </p:nvSpPr>
+          <p:spPr>
+            <a:xfrm>
+              <a:off x="7478906" y="2947891"/>
+              <a:ext cx="113116" cy="116124"/>
+            </a:xfrm>
+            <a:prstGeom prst="ellipse">
+              <a:avLst/>
+            </a:prstGeom>
+            <a:solidFill>
+              <a:srgbClr val="C00000"/>
+            </a:solidFill>
+          </p:spPr>
+          <p:style>
+            <a:lnRef idx="2">
+              <a:schemeClr val="accent1">
+                <a:shade val="50000"/>
+              </a:schemeClr>
+            </a:lnRef>
+            <a:fillRef idx="1">
+              <a:schemeClr val="accent1"/>
+            </a:fillRef>
+            <a:effectRef idx="0">
+              <a:schemeClr val="accent1"/>
+            </a:effectRef>
+            <a:fontRef idx="minor">
+              <a:schemeClr val="lt1"/>
+            </a:fontRef>
+          </p:style>
+          <p:txBody>
+            <a:bodyPr rtlCol="0" anchor="ctr"/>
+            <a:lstStyle/>
+            <a:p>
+              <a:pPr algn="ctr"/>
+              <a:endParaRPr lang="zh-CN" altLang="en-US">
+                <a:solidFill>
+                  <a:srgbClr val="FF0000"/>
+                </a:solidFill>
+              </a:endParaRPr>
+            </a:p>
+          </p:txBody>
+        </p:sp>
+        <p:sp>
+          <p:nvSpPr>
+            <p:cNvPr id="44" name="椭圆 43">
+              <a:extLst>
+                <a:ext uri="{FF2B5EF4-FFF2-40B4-BE49-F238E27FC236}">
+                  <a16:creationId xmlns:a16="http://schemas.microsoft.com/office/drawing/2014/main" id="{DCBB5B1D-492A-4799-9245-1D0EBFB31692}"/>
+                </a:ext>
+              </a:extLst>
+            </p:cNvPr>
+            <p:cNvSpPr/>
+            <p:nvPr/>
+          </p:nvSpPr>
+          <p:spPr>
+            <a:xfrm>
+              <a:off x="6103905" y="3579966"/>
+              <a:ext cx="113116" cy="116124"/>
+            </a:xfrm>
+            <a:prstGeom prst="ellipse">
+              <a:avLst/>
+            </a:prstGeom>
+            <a:solidFill>
+              <a:srgbClr val="C00000"/>
+            </a:solidFill>
+          </p:spPr>
+          <p:style>
+            <a:lnRef idx="2">
+              <a:schemeClr val="accent1">
+                <a:shade val="50000"/>
+              </a:schemeClr>
+            </a:lnRef>
+            <a:fillRef idx="1">
+              <a:schemeClr val="accent1"/>
+            </a:fillRef>
+            <a:effectRef idx="0">
+              <a:schemeClr val="accent1"/>
+            </a:effectRef>
+            <a:fontRef idx="minor">
+              <a:schemeClr val="lt1"/>
+            </a:fontRef>
+          </p:style>
+          <p:txBody>
+            <a:bodyPr rtlCol="0" anchor="ctr"/>
+            <a:lstStyle/>
+            <a:p>
+              <a:pPr algn="ctr"/>
+              <a:endParaRPr lang="zh-CN" altLang="en-US">
+                <a:solidFill>
+                  <a:srgbClr val="FF0000"/>
+                </a:solidFill>
+              </a:endParaRPr>
+            </a:p>
+          </p:txBody>
+        </p:sp>
+        <p:sp>
+          <p:nvSpPr>
+            <p:cNvPr id="52" name="文本框 51">
+              <a:extLst>
+                <a:ext uri="{FF2B5EF4-FFF2-40B4-BE49-F238E27FC236}">
+                  <a16:creationId xmlns:a16="http://schemas.microsoft.com/office/drawing/2014/main" id="{97E93460-6505-428E-B743-1D0E6A16681B}"/>
+                </a:ext>
+              </a:extLst>
+            </p:cNvPr>
+            <p:cNvSpPr txBox="1"/>
+            <p:nvPr/>
+          </p:nvSpPr>
+          <p:spPr>
+            <a:xfrm>
+              <a:off x="7361321" y="5027153"/>
+              <a:ext cx="619030" cy="307777"/>
+            </a:xfrm>
+            <a:prstGeom prst="rect">
+              <a:avLst/>
+            </a:prstGeom>
+            <a:noFill/>
+          </p:spPr>
+          <p:txBody>
+            <a:bodyPr wrap="square" rtlCol="0">
+              <a:spAutoFit/>
+            </a:bodyPr>
+            <a:lstStyle/>
+            <a:p>
+              <a:r>
+                <a:rPr lang="en-US" altLang="zh-CN" sz="1400" dirty="0">
+                  <a:solidFill>
+                    <a:srgbClr val="383B55"/>
+                  </a:solidFill>
+                  <a:latin typeface="Helvetica" pitchFamily="2" charset="0"/>
+                </a:rPr>
+                <a:t>t4</a:t>
+              </a:r>
+              <a:endParaRPr lang="zh-CN" altLang="en-US" sz="1400" dirty="0">
+                <a:solidFill>
+                  <a:srgbClr val="383B55"/>
+                </a:solidFill>
+                <a:latin typeface="Helvetica" pitchFamily="2" charset="0"/>
+              </a:endParaRPr>
+            </a:p>
+          </p:txBody>
+        </p:sp>
+      </p:grpSp>
+      <p:sp>
+        <p:nvSpPr>
+          <p:cNvPr id="39" name="文本框 38">
+            <a:extLst>
+              <a:ext uri="{FF2B5EF4-FFF2-40B4-BE49-F238E27FC236}">
+                <a16:creationId xmlns:a16="http://schemas.microsoft.com/office/drawing/2014/main" id="{90957837-DB0A-42FB-B63A-EB9173B64989}"/>
+              </a:ext>
+            </a:extLst>
+          </p:cNvPr>
+          <p:cNvSpPr txBox="1"/>
+          <p:nvPr/>
+        </p:nvSpPr>
+        <p:spPr>
+          <a:xfrm>
+            <a:off x="4654360" y="3344458"/>
+            <a:ext cx="619030" cy="307777"/>
+          </a:xfrm>
+          <a:prstGeom prst="rect">
+            <a:avLst/>
+          </a:prstGeom>
+          <a:noFill/>
+        </p:spPr>
+        <p:txBody>
+          <a:bodyPr wrap="square" rtlCol="0">
+            <a:spAutoFit/>
+          </a:bodyPr>
+          <a:lstStyle/>
+          <a:p>
+            <a:r>
+              <a:rPr lang="en-US" altLang="zh-CN" sz="1400" dirty="0">
+                <a:solidFill>
+                  <a:srgbClr val="383B55"/>
+                </a:solidFill>
+                <a:latin typeface="Helvetica" pitchFamily="2" charset="0"/>
+              </a:rPr>
+              <a:t>P2</a:t>
+            </a:r>
+            <a:endParaRPr lang="zh-CN" altLang="en-US" sz="1400" dirty="0">
+              <a:solidFill>
+                <a:srgbClr val="383B55"/>
+              </a:solidFill>
+              <a:latin typeface="Helvetica" pitchFamily="2" charset="0"/>
+            </a:endParaRPr>
+          </a:p>
+        </p:txBody>
+      </p:sp>
+      <p:sp>
+        <p:nvSpPr>
+          <p:cNvPr id="40" name="文本框 39">
+            <a:extLst>
+              <a:ext uri="{FF2B5EF4-FFF2-40B4-BE49-F238E27FC236}">
+                <a16:creationId xmlns:a16="http://schemas.microsoft.com/office/drawing/2014/main" id="{883A0D5B-F048-4933-AD40-99BE4A4B9506}"/>
+              </a:ext>
+            </a:extLst>
+          </p:cNvPr>
+          <p:cNvSpPr txBox="1"/>
+          <p:nvPr/>
+        </p:nvSpPr>
+        <p:spPr>
+          <a:xfrm>
+            <a:off x="5794390" y="3375185"/>
+            <a:ext cx="619030" cy="307777"/>
+          </a:xfrm>
+          <a:prstGeom prst="rect">
+            <a:avLst/>
+          </a:prstGeom>
+          <a:noFill/>
+        </p:spPr>
+        <p:txBody>
+          <a:bodyPr wrap="square" rtlCol="0">
+            <a:spAutoFit/>
+          </a:bodyPr>
+          <a:lstStyle/>
+          <a:p>
+            <a:r>
+              <a:rPr lang="en-US" altLang="zh-CN" sz="1400" dirty="0">
+                <a:solidFill>
+                  <a:srgbClr val="383B55"/>
+                </a:solidFill>
+                <a:latin typeface="Helvetica" pitchFamily="2" charset="0"/>
+              </a:rPr>
+              <a:t>P3</a:t>
+            </a:r>
+            <a:endParaRPr lang="zh-CN" altLang="en-US" sz="1400" dirty="0">
+              <a:solidFill>
+                <a:srgbClr val="383B55"/>
+              </a:solidFill>
+              <a:latin typeface="Helvetica" pitchFamily="2" charset="0"/>
+            </a:endParaRPr>
+          </a:p>
+        </p:txBody>
+      </p:sp>
+      <p:sp>
+        <p:nvSpPr>
+          <p:cNvPr id="41" name="文本框 40">
+            <a:extLst>
+              <a:ext uri="{FF2B5EF4-FFF2-40B4-BE49-F238E27FC236}">
+                <a16:creationId xmlns:a16="http://schemas.microsoft.com/office/drawing/2014/main" id="{39995D7C-DDF3-425A-AE99-F1849EABC2AD}"/>
+              </a:ext>
+            </a:extLst>
+          </p:cNvPr>
+          <p:cNvSpPr txBox="1"/>
+          <p:nvPr/>
+        </p:nvSpPr>
+        <p:spPr>
+          <a:xfrm>
+            <a:off x="7169391" y="2706182"/>
+            <a:ext cx="619030" cy="307777"/>
+          </a:xfrm>
+          <a:prstGeom prst="rect">
+            <a:avLst/>
+          </a:prstGeom>
+          <a:noFill/>
+        </p:spPr>
+        <p:txBody>
+          <a:bodyPr wrap="square" rtlCol="0">
+            <a:spAutoFit/>
+          </a:bodyPr>
+          <a:lstStyle/>
+          <a:p>
+            <a:r>
+              <a:rPr lang="en-US" altLang="zh-CN" sz="1400" dirty="0">
+                <a:solidFill>
+                  <a:srgbClr val="383B55"/>
+                </a:solidFill>
+                <a:latin typeface="Helvetica" pitchFamily="2" charset="0"/>
+              </a:rPr>
+              <a:t>P4</a:t>
+            </a:r>
+            <a:endParaRPr lang="zh-CN" altLang="en-US" sz="1400" dirty="0">
+              <a:solidFill>
+                <a:srgbClr val="383B55"/>
+              </a:solidFill>
+              <a:latin typeface="Helvetica" pitchFamily="2" charset="0"/>
+            </a:endParaRPr>
+          </a:p>
+        </p:txBody>
+      </p:sp>
+      <p:cxnSp>
+        <p:nvCxnSpPr>
+          <p:cNvPr id="9" name="直接连接符 8">
+            <a:extLst>
+              <a:ext uri="{FF2B5EF4-FFF2-40B4-BE49-F238E27FC236}">
+                <a16:creationId xmlns:a16="http://schemas.microsoft.com/office/drawing/2014/main" id="{6337E8AF-8CB3-47F9-84B3-68130B55ED06}"/>
+              </a:ext>
+            </a:extLst>
+          </p:cNvPr>
+          <p:cNvCxnSpPr>
+            <a:cxnSpLocks/>
+          </p:cNvCxnSpPr>
+          <p:nvPr/>
+        </p:nvCxnSpPr>
+        <p:spPr>
+          <a:xfrm>
+            <a:off x="3280390" y="4638441"/>
+            <a:ext cx="332839" cy="350303"/>
+          </a:xfrm>
+          <a:prstGeom prst="line">
+            <a:avLst/>
+          </a:prstGeom>
+          <a:ln>
+            <a:solidFill>
+              <a:srgbClr val="92D050"/>
+            </a:solidFill>
+          </a:ln>
+        </p:spPr>
+        <p:style>
+          <a:lnRef idx="1">
+            <a:schemeClr val="accent1"/>
+          </a:lnRef>
+          <a:fillRef idx="0">
+            <a:schemeClr val="accent1"/>
+          </a:fillRef>
+          <a:effectRef idx="0">
+            <a:schemeClr val="accent1"/>
+          </a:effectRef>
+          <a:fontRef idx="minor">
+            <a:schemeClr val="tx1"/>
+          </a:fontRef>
+        </p:style>
+      </p:cxnSp>
+      <p:cxnSp>
+        <p:nvCxnSpPr>
+          <p:cNvPr id="50" name="直接连接符 49">
+            <a:extLst>
+              <a:ext uri="{FF2B5EF4-FFF2-40B4-BE49-F238E27FC236}">
+                <a16:creationId xmlns:a16="http://schemas.microsoft.com/office/drawing/2014/main" id="{96AFD136-6FFB-460B-86EA-FBE37471C3E3}"/>
+              </a:ext>
+            </a:extLst>
+          </p:cNvPr>
+          <p:cNvCxnSpPr>
+            <a:cxnSpLocks/>
+          </p:cNvCxnSpPr>
+          <p:nvPr/>
+        </p:nvCxnSpPr>
+        <p:spPr>
+          <a:xfrm>
+            <a:off x="3265609" y="4116251"/>
+            <a:ext cx="677404" cy="864463"/>
+          </a:xfrm>
+          <a:prstGeom prst="line">
+            <a:avLst/>
+          </a:prstGeom>
+          <a:ln>
+            <a:solidFill>
+              <a:srgbClr val="92D050"/>
+            </a:solidFill>
+          </a:ln>
+        </p:spPr>
+        <p:style>
+          <a:lnRef idx="1">
+            <a:schemeClr val="accent1"/>
+          </a:lnRef>
+          <a:fillRef idx="0">
+            <a:schemeClr val="accent1"/>
+          </a:fillRef>
+          <a:effectRef idx="0">
+            <a:schemeClr val="accent1"/>
+          </a:effectRef>
+          <a:fontRef idx="minor">
+            <a:schemeClr val="tx1"/>
+          </a:fontRef>
+        </p:style>
+      </p:cxnSp>
+      <p:cxnSp>
+        <p:nvCxnSpPr>
+          <p:cNvPr id="53" name="直接连接符 52">
+            <a:extLst>
+              <a:ext uri="{FF2B5EF4-FFF2-40B4-BE49-F238E27FC236}">
+                <a16:creationId xmlns:a16="http://schemas.microsoft.com/office/drawing/2014/main" id="{98FEC45E-11E6-439E-9C79-7CE0DC91532D}"/>
+              </a:ext>
+            </a:extLst>
+          </p:cNvPr>
+          <p:cNvCxnSpPr>
+            <a:cxnSpLocks/>
+            <a:stCxn id="37" idx="5"/>
+          </p:cNvCxnSpPr>
+          <p:nvPr/>
+        </p:nvCxnSpPr>
+        <p:spPr>
+          <a:xfrm>
+            <a:off x="3295947" y="4434912"/>
+            <a:ext cx="492530" cy="545802"/>
+          </a:xfrm>
+          <a:prstGeom prst="line">
+            <a:avLst/>
+          </a:prstGeom>
+          <a:ln>
+            <a:solidFill>
+              <a:srgbClr val="92D050"/>
+            </a:solidFill>
+          </a:ln>
+        </p:spPr>
+        <p:style>
+          <a:lnRef idx="1">
+            <a:schemeClr val="accent1"/>
+          </a:lnRef>
+          <a:fillRef idx="0">
+            <a:schemeClr val="accent1"/>
+          </a:fillRef>
+          <a:effectRef idx="0">
+            <a:schemeClr val="accent1"/>
+          </a:effectRef>
+          <a:fontRef idx="minor">
+            <a:schemeClr val="tx1"/>
+          </a:fontRef>
+        </p:style>
+      </p:cxnSp>
+      <p:cxnSp>
+        <p:nvCxnSpPr>
+          <p:cNvPr id="54" name="直接连接符 53">
+            <a:extLst>
+              <a:ext uri="{FF2B5EF4-FFF2-40B4-BE49-F238E27FC236}">
+                <a16:creationId xmlns:a16="http://schemas.microsoft.com/office/drawing/2014/main" id="{5A969457-86E2-458B-93D4-0FFDB1D11F04}"/>
+              </a:ext>
+            </a:extLst>
+          </p:cNvPr>
+          <p:cNvCxnSpPr>
+            <a:cxnSpLocks/>
+          </p:cNvCxnSpPr>
+          <p:nvPr/>
+        </p:nvCxnSpPr>
+        <p:spPr>
+          <a:xfrm>
+            <a:off x="3395747" y="4049322"/>
+            <a:ext cx="760090" cy="959693"/>
+          </a:xfrm>
+          <a:prstGeom prst="line">
+            <a:avLst/>
+          </a:prstGeom>
+          <a:ln>
+            <a:solidFill>
+              <a:srgbClr val="92D050"/>
+            </a:solidFill>
+          </a:ln>
+        </p:spPr>
+        <p:style>
+          <a:lnRef idx="1">
+            <a:schemeClr val="accent1"/>
+          </a:lnRef>
+          <a:fillRef idx="0">
+            <a:schemeClr val="accent1"/>
+          </a:fillRef>
+          <a:effectRef idx="0">
+            <a:schemeClr val="accent1"/>
+          </a:effectRef>
+          <a:fontRef idx="minor">
+            <a:schemeClr val="tx1"/>
+          </a:fontRef>
+        </p:style>
+      </p:cxnSp>
+      <p:cxnSp>
+        <p:nvCxnSpPr>
+          <p:cNvPr id="55" name="直接连接符 54">
+            <a:extLst>
+              <a:ext uri="{FF2B5EF4-FFF2-40B4-BE49-F238E27FC236}">
+                <a16:creationId xmlns:a16="http://schemas.microsoft.com/office/drawing/2014/main" id="{C96AC6AF-E5B1-4CD7-A80E-98DE967D563D}"/>
+              </a:ext>
+            </a:extLst>
+          </p:cNvPr>
+          <p:cNvCxnSpPr>
+            <a:cxnSpLocks/>
+          </p:cNvCxnSpPr>
+          <p:nvPr/>
+        </p:nvCxnSpPr>
+        <p:spPr>
+          <a:xfrm>
+            <a:off x="3619900" y="4049322"/>
+            <a:ext cx="703325" cy="937805"/>
+          </a:xfrm>
+          <a:prstGeom prst="line">
+            <a:avLst/>
+          </a:prstGeom>
+          <a:ln>
+            <a:solidFill>
+              <a:srgbClr val="92D050"/>
+            </a:solidFill>
+          </a:ln>
+        </p:spPr>
+        <p:style>
+          <a:lnRef idx="1">
+            <a:schemeClr val="accent1"/>
+          </a:lnRef>
+          <a:fillRef idx="0">
+            <a:schemeClr val="accent1"/>
+          </a:fillRef>
+          <a:effectRef idx="0">
+            <a:schemeClr val="accent1"/>
+          </a:effectRef>
+          <a:fontRef idx="minor">
+            <a:schemeClr val="tx1"/>
+          </a:fontRef>
+        </p:style>
+      </p:cxnSp>
+      <p:cxnSp>
+        <p:nvCxnSpPr>
+          <p:cNvPr id="56" name="直接连接符 55">
+            <a:extLst>
+              <a:ext uri="{FF2B5EF4-FFF2-40B4-BE49-F238E27FC236}">
+                <a16:creationId xmlns:a16="http://schemas.microsoft.com/office/drawing/2014/main" id="{CF8A2AA3-143E-4F98-A534-25217D5632FD}"/>
+              </a:ext>
+            </a:extLst>
+          </p:cNvPr>
+          <p:cNvCxnSpPr>
+            <a:cxnSpLocks/>
+          </p:cNvCxnSpPr>
+          <p:nvPr/>
+        </p:nvCxnSpPr>
+        <p:spPr>
+          <a:xfrm>
+            <a:off x="3832287" y="4077311"/>
+            <a:ext cx="666110" cy="925303"/>
+          </a:xfrm>
+          <a:prstGeom prst="line">
+            <a:avLst/>
+          </a:prstGeom>
+          <a:ln>
+            <a:solidFill>
+              <a:srgbClr val="92D050"/>
+            </a:solidFill>
+          </a:ln>
+        </p:spPr>
+        <p:style>
+          <a:lnRef idx="1">
+            <a:schemeClr val="accent1"/>
+          </a:lnRef>
+          <a:fillRef idx="0">
+            <a:schemeClr val="accent1"/>
+          </a:fillRef>
+          <a:effectRef idx="0">
+            <a:schemeClr val="accent1"/>
+          </a:effectRef>
+          <a:fontRef idx="minor">
+            <a:schemeClr val="tx1"/>
+          </a:fontRef>
+        </p:style>
+      </p:cxnSp>
+      <p:cxnSp>
+        <p:nvCxnSpPr>
+          <p:cNvPr id="57" name="直接连接符 56">
+            <a:extLst>
+              <a:ext uri="{FF2B5EF4-FFF2-40B4-BE49-F238E27FC236}">
+                <a16:creationId xmlns:a16="http://schemas.microsoft.com/office/drawing/2014/main" id="{4E72408E-B20D-4438-A962-1F6BD6C0C1F0}"/>
+              </a:ext>
+            </a:extLst>
+          </p:cNvPr>
+          <p:cNvCxnSpPr>
+            <a:cxnSpLocks/>
+          </p:cNvCxnSpPr>
+          <p:nvPr/>
+        </p:nvCxnSpPr>
+        <p:spPr>
+          <a:xfrm>
+            <a:off x="3260883" y="4817233"/>
+            <a:ext cx="178002" cy="176698"/>
+          </a:xfrm>
+          <a:prstGeom prst="line">
+            <a:avLst/>
+          </a:prstGeom>
+          <a:ln>
+            <a:solidFill>
+              <a:srgbClr val="92D050"/>
+            </a:solidFill>
+          </a:ln>
+        </p:spPr>
+        <p:style>
+          <a:lnRef idx="1">
+            <a:schemeClr val="accent1"/>
+          </a:lnRef>
+          <a:fillRef idx="0">
+            <a:schemeClr val="accent1"/>
+          </a:fillRef>
+          <a:effectRef idx="0">
+            <a:schemeClr val="accent1"/>
+          </a:effectRef>
+          <a:fontRef idx="minor">
+            <a:schemeClr val="tx1"/>
+          </a:fontRef>
+        </p:style>
+      </p:cxnSp>
+      <p:cxnSp>
+        <p:nvCxnSpPr>
+          <p:cNvPr id="58" name="直接连接符 57">
+            <a:extLst>
+              <a:ext uri="{FF2B5EF4-FFF2-40B4-BE49-F238E27FC236}">
+                <a16:creationId xmlns:a16="http://schemas.microsoft.com/office/drawing/2014/main" id="{C6B45F12-7BA9-4B0B-82FC-6952B980EEB6}"/>
+              </a:ext>
+            </a:extLst>
+          </p:cNvPr>
+          <p:cNvCxnSpPr>
+            <a:cxnSpLocks/>
+          </p:cNvCxnSpPr>
+          <p:nvPr/>
+        </p:nvCxnSpPr>
+        <p:spPr>
+          <a:xfrm>
+            <a:off x="4007333" y="4069613"/>
+            <a:ext cx="671570" cy="908671"/>
+          </a:xfrm>
+          <a:prstGeom prst="line">
+            <a:avLst/>
+          </a:prstGeom>
+          <a:ln>
+            <a:solidFill>
+              <a:srgbClr val="92D050"/>
+            </a:solidFill>
+          </a:ln>
+        </p:spPr>
+        <p:style>
+          <a:lnRef idx="1">
+            <a:schemeClr val="accent1"/>
+          </a:lnRef>
+          <a:fillRef idx="0">
+            <a:schemeClr val="accent1"/>
+          </a:fillRef>
+          <a:effectRef idx="0">
+            <a:schemeClr val="accent1"/>
+          </a:effectRef>
+          <a:fontRef idx="minor">
+            <a:schemeClr val="tx1"/>
+          </a:fontRef>
+        </p:style>
+      </p:cxnSp>
+      <p:cxnSp>
+        <p:nvCxnSpPr>
+          <p:cNvPr id="59" name="直接连接符 58">
+            <a:extLst>
+              <a:ext uri="{FF2B5EF4-FFF2-40B4-BE49-F238E27FC236}">
+                <a16:creationId xmlns:a16="http://schemas.microsoft.com/office/drawing/2014/main" id="{E1AF8B29-B28A-4ECE-BA23-524432276E3F}"/>
+              </a:ext>
+            </a:extLst>
+          </p:cNvPr>
+          <p:cNvCxnSpPr>
+            <a:cxnSpLocks/>
+          </p:cNvCxnSpPr>
+          <p:nvPr/>
+        </p:nvCxnSpPr>
+        <p:spPr>
+          <a:xfrm>
+            <a:off x="4184937" y="3997578"/>
+            <a:ext cx="673708" cy="972843"/>
+          </a:xfrm>
+          <a:prstGeom prst="line">
+            <a:avLst/>
+          </a:prstGeom>
+          <a:ln>
+            <a:solidFill>
+              <a:srgbClr val="92D050"/>
+            </a:solidFill>
+          </a:ln>
+        </p:spPr>
+        <p:style>
+          <a:lnRef idx="1">
+            <a:schemeClr val="accent1"/>
+          </a:lnRef>
+          <a:fillRef idx="0">
+            <a:schemeClr val="accent1"/>
+          </a:fillRef>
+          <a:effectRef idx="0">
+            <a:schemeClr val="accent1"/>
+          </a:effectRef>
+          <a:fontRef idx="minor">
+            <a:schemeClr val="tx1"/>
+          </a:fontRef>
+        </p:style>
+      </p:cxnSp>
+      <p:cxnSp>
+        <p:nvCxnSpPr>
+          <p:cNvPr id="60" name="直接连接符 59">
+            <a:extLst>
+              <a:ext uri="{FF2B5EF4-FFF2-40B4-BE49-F238E27FC236}">
+                <a16:creationId xmlns:a16="http://schemas.microsoft.com/office/drawing/2014/main" id="{8BDB8C1C-432F-4BC4-ACF4-2C2A41F0AFC4}"/>
+              </a:ext>
+            </a:extLst>
+          </p:cNvPr>
+          <p:cNvCxnSpPr>
+            <a:cxnSpLocks/>
+          </p:cNvCxnSpPr>
+          <p:nvPr/>
+        </p:nvCxnSpPr>
+        <p:spPr>
+          <a:xfrm>
+            <a:off x="4416577" y="4032078"/>
+            <a:ext cx="453634" cy="729253"/>
+          </a:xfrm>
+          <a:prstGeom prst="line">
+            <a:avLst/>
+          </a:prstGeom>
+          <a:ln>
+            <a:solidFill>
+              <a:srgbClr val="92D050"/>
+            </a:solidFill>
+          </a:ln>
+        </p:spPr>
+        <p:style>
+          <a:lnRef idx="1">
+            <a:schemeClr val="accent1"/>
+          </a:lnRef>
+          <a:fillRef idx="0">
+            <a:schemeClr val="accent1"/>
+          </a:fillRef>
+          <a:effectRef idx="0">
+            <a:schemeClr val="accent1"/>
+          </a:effectRef>
+          <a:fontRef idx="minor">
+            <a:schemeClr val="tx1"/>
+          </a:fontRef>
+        </p:style>
+      </p:cxnSp>
+      <p:sp>
+        <p:nvSpPr>
+          <p:cNvPr id="35" name="文本框 34">
+            <a:extLst>
+              <a:ext uri="{FF2B5EF4-FFF2-40B4-BE49-F238E27FC236}">
+                <a16:creationId xmlns:a16="http://schemas.microsoft.com/office/drawing/2014/main" id="{30056FFB-7CC0-4BBD-8DA4-6952DA1326E7}"/>
+              </a:ext>
+            </a:extLst>
+          </p:cNvPr>
+          <p:cNvSpPr txBox="1"/>
+          <p:nvPr/>
+        </p:nvSpPr>
+        <p:spPr>
+          <a:xfrm>
+            <a:off x="2812539" y="4237498"/>
+            <a:ext cx="619030" cy="307777"/>
+          </a:xfrm>
+          <a:prstGeom prst="rect">
+            <a:avLst/>
+          </a:prstGeom>
+          <a:noFill/>
+        </p:spPr>
+        <p:txBody>
+          <a:bodyPr wrap="square" rtlCol="0">
+            <a:spAutoFit/>
+          </a:bodyPr>
+          <a:lstStyle/>
+          <a:p>
+            <a:r>
+              <a:rPr lang="en-US" altLang="zh-CN" sz="1400" dirty="0">
+                <a:solidFill>
+                  <a:srgbClr val="383B55"/>
+                </a:solidFill>
+                <a:latin typeface="Helvetica" pitchFamily="2" charset="0"/>
+              </a:rPr>
+              <a:t>P1</a:t>
+            </a:r>
+            <a:endParaRPr lang="zh-CN" altLang="en-US" sz="1400" dirty="0">
+              <a:solidFill>
+                <a:srgbClr val="383B55"/>
+              </a:solidFill>
+              <a:latin typeface="Helvetica" pitchFamily="2" charset="0"/>
+            </a:endParaRPr>
+          </a:p>
+        </p:txBody>
+      </p:sp>
+      <p:sp>
+        <p:nvSpPr>
+          <p:cNvPr id="37" name="椭圆 36">
+            <a:extLst>
+              <a:ext uri="{FF2B5EF4-FFF2-40B4-BE49-F238E27FC236}">
+                <a16:creationId xmlns:a16="http://schemas.microsoft.com/office/drawing/2014/main" id="{F25F4EDD-FA61-45F3-B2B1-E3F30C05E4F0}"/>
+              </a:ext>
+            </a:extLst>
+          </p:cNvPr>
+          <p:cNvSpPr/>
+          <p:nvPr/>
+        </p:nvSpPr>
+        <p:spPr>
+          <a:xfrm>
+            <a:off x="3199396" y="4335794"/>
+            <a:ext cx="113116" cy="116124"/>
+          </a:xfrm>
+          <a:prstGeom prst="ellipse">
+            <a:avLst/>
+          </a:prstGeom>
+          <a:solidFill>
+            <a:srgbClr val="C00000"/>
+          </a:solidFill>
+        </p:spPr>
+        <p:style>
+          <a:lnRef idx="2">
+            <a:schemeClr val="accent1">
+              <a:shade val="50000"/>
+            </a:schemeClr>
+          </a:lnRef>
+          <a:fillRef idx="1">
+            <a:schemeClr val="accent1"/>
+          </a:fillRef>
+          <a:effectRef idx="0">
+            <a:schemeClr val="accent1"/>
+          </a:effectRef>
+          <a:fontRef idx="minor">
+            <a:schemeClr val="lt1"/>
+          </a:fontRef>
+        </p:style>
+        <p:txBody>
+          <a:bodyPr rtlCol="0" anchor="ctr"/>
+          <a:lstStyle/>
+          <a:p>
+            <a:pPr algn="ctr"/>
+            <a:endParaRPr lang="zh-CN" altLang="en-US">
+              <a:solidFill>
+                <a:srgbClr val="FF0000"/>
+              </a:solidFill>
+            </a:endParaRPr>
+          </a:p>
+        </p:txBody>
+      </p:sp>
+      <p:cxnSp>
+        <p:nvCxnSpPr>
+          <p:cNvPr id="42" name="直接连接符 41">
+            <a:extLst>
+              <a:ext uri="{FF2B5EF4-FFF2-40B4-BE49-F238E27FC236}">
+                <a16:creationId xmlns:a16="http://schemas.microsoft.com/office/drawing/2014/main" id="{4252332C-76EB-44A3-8A6F-8575D1B46261}"/>
+              </a:ext>
+            </a:extLst>
+          </p:cNvPr>
+          <p:cNvCxnSpPr>
+            <a:cxnSpLocks/>
+          </p:cNvCxnSpPr>
+          <p:nvPr/>
+        </p:nvCxnSpPr>
+        <p:spPr>
+          <a:xfrm>
+            <a:off x="4604908" y="4039791"/>
+            <a:ext cx="272669" cy="452905"/>
+          </a:xfrm>
+          <a:prstGeom prst="line">
+            <a:avLst/>
+          </a:prstGeom>
+          <a:ln>
+            <a:solidFill>
+              <a:srgbClr val="92D050"/>
+            </a:solidFill>
+          </a:ln>
+        </p:spPr>
+        <p:style>
+          <a:lnRef idx="1">
+            <a:schemeClr val="accent1"/>
+          </a:lnRef>
+          <a:fillRef idx="0">
+            <a:schemeClr val="accent1"/>
+          </a:fillRef>
+          <a:effectRef idx="0">
+            <a:schemeClr val="accent1"/>
+          </a:effectRef>
+          <a:fontRef idx="minor">
+            <a:schemeClr val="tx1"/>
+          </a:fontRef>
+        </p:style>
+      </p:cxnSp>
+      <p:cxnSp>
+        <p:nvCxnSpPr>
+          <p:cNvPr id="61" name="直接连接符 60">
+            <a:extLst>
+              <a:ext uri="{FF2B5EF4-FFF2-40B4-BE49-F238E27FC236}">
+                <a16:creationId xmlns:a16="http://schemas.microsoft.com/office/drawing/2014/main" id="{8A5FA6D8-E91F-40A6-BEAB-2C7669505C60}"/>
+              </a:ext>
+            </a:extLst>
+          </p:cNvPr>
+          <p:cNvCxnSpPr>
+            <a:cxnSpLocks/>
+          </p:cNvCxnSpPr>
+          <p:nvPr/>
+        </p:nvCxnSpPr>
+        <p:spPr>
+          <a:xfrm>
+            <a:off x="4726892" y="4035614"/>
+            <a:ext cx="157837" cy="249376"/>
+          </a:xfrm>
+          <a:prstGeom prst="line">
+            <a:avLst/>
+          </a:prstGeom>
+          <a:ln>
+            <a:solidFill>
+              <a:srgbClr val="92D050"/>
+            </a:solidFill>
+          </a:ln>
+        </p:spPr>
+        <p:style>
+          <a:lnRef idx="1">
+            <a:schemeClr val="accent1"/>
+          </a:lnRef>
+          <a:fillRef idx="0">
+            <a:schemeClr val="accent1"/>
+          </a:fillRef>
+          <a:effectRef idx="0">
+            <a:schemeClr val="accent1"/>
+          </a:effectRef>
+          <a:fontRef idx="minor">
+            <a:schemeClr val="tx1"/>
+          </a:fontRef>
+        </p:style>
+      </p:cxnSp>
+      <p:cxnSp>
+        <p:nvCxnSpPr>
+          <p:cNvPr id="46" name="直接连接符 45">
+            <a:extLst>
+              <a:ext uri="{FF2B5EF4-FFF2-40B4-BE49-F238E27FC236}">
+                <a16:creationId xmlns:a16="http://schemas.microsoft.com/office/drawing/2014/main" id="{9107884F-F748-46D1-B9EE-1E67D83F8A95}"/>
+              </a:ext>
+            </a:extLst>
+          </p:cNvPr>
+          <p:cNvCxnSpPr>
+            <a:cxnSpLocks/>
+          </p:cNvCxnSpPr>
+          <p:nvPr/>
+        </p:nvCxnSpPr>
+        <p:spPr>
+          <a:xfrm flipH="1">
+            <a:off x="3217058" y="4007655"/>
+            <a:ext cx="1672085" cy="35065"/>
+          </a:xfrm>
+          <a:prstGeom prst="line">
+            <a:avLst/>
+          </a:prstGeom>
+          <a:ln w="28575" cap="flat" cmpd="sng" algn="ctr">
+            <a:solidFill>
+              <a:srgbClr val="BCBDD1"/>
+            </a:solidFill>
+            <a:prstDash val="dash"/>
+            <a:round/>
+            <a:headEnd type="none" w="med" len="med"/>
+            <a:tailEnd type="none" w="med" len="med"/>
+          </a:ln>
+        </p:spPr>
+        <p:style>
+          <a:lnRef idx="0">
+            <a:scrgbClr r="0" g="0" b="0"/>
+          </a:lnRef>
+          <a:fillRef idx="0">
+            <a:scrgbClr r="0" g="0" b="0"/>
+          </a:fillRef>
+          <a:effectRef idx="0">
+            <a:scrgbClr r="0" g="0" b="0"/>
+          </a:effectRef>
+          <a:fontRef idx="minor">
+            <a:schemeClr val="tx1"/>
+          </a:fontRef>
+        </p:style>
+      </p:cxnSp>
+      <p:sp>
+        <p:nvSpPr>
+          <p:cNvPr id="47" name="文本框 46">
+            <a:extLst>
+              <a:ext uri="{FF2B5EF4-FFF2-40B4-BE49-F238E27FC236}">
+                <a16:creationId xmlns:a16="http://schemas.microsoft.com/office/drawing/2014/main" id="{F4077F67-C02C-4CF2-9C20-F0A779BE7574}"/>
+              </a:ext>
+            </a:extLst>
+          </p:cNvPr>
+          <p:cNvSpPr txBox="1"/>
+          <p:nvPr/>
+        </p:nvSpPr>
+        <p:spPr>
+          <a:xfrm>
+            <a:off x="3621714" y="3733795"/>
+            <a:ext cx="692008" cy="307777"/>
+          </a:xfrm>
+          <a:prstGeom prst="rect">
+            <a:avLst/>
+          </a:prstGeom>
+          <a:noFill/>
+        </p:spPr>
+        <p:txBody>
+          <a:bodyPr wrap="square" rtlCol="0">
+            <a:spAutoFit/>
+          </a:bodyPr>
+          <a:lstStyle/>
+          <a:p>
+            <a:r>
+              <a:rPr lang="en-US" altLang="zh-CN" sz="1400" dirty="0">
+                <a:solidFill>
+                  <a:srgbClr val="383B55"/>
+                </a:solidFill>
+                <a:latin typeface="Helvetica" pitchFamily="2" charset="0"/>
+              </a:rPr>
+              <a:t>P(avg)</a:t>
+            </a:r>
+            <a:endParaRPr lang="zh-CN" altLang="en-US" sz="1400" dirty="0">
+              <a:solidFill>
+                <a:srgbClr val="383B55"/>
+              </a:solidFill>
+              <a:latin typeface="Helvetica" pitchFamily="2" charset="0"/>
+            </a:endParaRPr>
+          </a:p>
+        </p:txBody>
+      </p:sp>
+    </p:spTree>
+    <p:extLst>
+      <p:ext uri="{BB962C8B-B14F-4D97-AF65-F5344CB8AC3E}">
+        <p14:creationId xmlns:p14="http://schemas.microsoft.com/office/powerpoint/2010/main" val="17676607"/>
+      </p:ext>
+    </p:extLst>
+  </p:cSld>
+  <p:clrMapOvr>
+    <a:masterClrMapping/>
+  </p:clrMapOvr>
+</p:sld>
+</file>
+
 <file path=ppt/slides/slide2.xml><?xml version="1.0" encoding="utf-8"?>
 <p:sld xmlns:a="http://schemas.openxmlformats.org/drawingml/2006/main" xmlns:r="http://schemas.openxmlformats.org/officeDocument/2006/relationships" xmlns:p="http://schemas.openxmlformats.org/presentationml/2006/main">
   <p:cSld>
